--- a/ResilientFaultTolerance.pptx
+++ b/ResilientFaultTolerance.pptx
@@ -253,7 +253,7 @@
           <a:p>
             <a:fld id="{F5457D03-6B1D-415B-8CDE-DE157993C910}" type="datetimeFigureOut">
               <a:rPr lang="en-US" smtClean="0"/>
-              <a:t>8/14/2019</a:t>
+              <a:t>8/19/2019</a:t>
             </a:fld>
             <a:endParaRPr lang="en-US"/>
           </a:p>
@@ -1454,7 +1454,7 @@
           <a:p>
             <a:fld id="{DB277FD4-6F62-4072-884E-53BD33EE21AD}" type="datetime1">
               <a:rPr lang="en-US" smtClean="0"/>
-              <a:t>8/14/2019</a:t>
+              <a:t>8/19/2019</a:t>
             </a:fld>
             <a:endParaRPr lang="en-US"/>
           </a:p>
@@ -1666,7 +1666,7 @@
           <a:p>
             <a:fld id="{9F90232B-CE5B-4328-A9C3-2A24ED0D12D6}" type="datetime1">
               <a:rPr lang="en-US" smtClean="0"/>
-              <a:t>8/14/2019</a:t>
+              <a:t>8/19/2019</a:t>
             </a:fld>
             <a:endParaRPr lang="en-US"/>
           </a:p>
@@ -1925,7 +1925,7 @@
           <a:p>
             <a:fld id="{0C92B229-45C0-460C-A040-33377D746229}" type="datetime1">
               <a:rPr lang="en-US" smtClean="0"/>
-              <a:t>8/14/2019</a:t>
+              <a:t>8/19/2019</a:t>
             </a:fld>
             <a:endParaRPr lang="en-US"/>
           </a:p>
@@ -2098,7 +2098,7 @@
           <a:p>
             <a:fld id="{BA0F38E7-9941-4203-A261-C009CBCCF38D}" type="datetime1">
               <a:rPr lang="en-US" smtClean="0"/>
-              <a:t>8/14/2019</a:t>
+              <a:t>8/19/2019</a:t>
             </a:fld>
             <a:endParaRPr lang="en-US"/>
           </a:p>
@@ -2444,7 +2444,7 @@
           <a:p>
             <a:fld id="{7DCF51F0-00A5-4A4C-921E-AC201FC6896E}" type="datetime1">
               <a:rPr lang="en-US" smtClean="0"/>
-              <a:t>8/14/2019</a:t>
+              <a:t>8/19/2019</a:t>
             </a:fld>
             <a:endParaRPr lang="en-US"/>
           </a:p>
@@ -2722,7 +2722,7 @@
           <a:p>
             <a:fld id="{5EB2874E-DDE8-4CE4-9506-11F6EE6A859B}" type="datetime1">
               <a:rPr lang="en-US" smtClean="0"/>
-              <a:t>8/14/2019</a:t>
+              <a:t>8/19/2019</a:t>
             </a:fld>
             <a:endParaRPr lang="en-US"/>
           </a:p>
@@ -3104,7 +3104,7 @@
           <a:p>
             <a:fld id="{63D68EF0-BF8F-4E3C-9C05-745CC29F35F6}" type="datetime1">
               <a:rPr lang="en-US" smtClean="0"/>
-              <a:t>8/14/2019</a:t>
+              <a:t>8/19/2019</a:t>
             </a:fld>
             <a:endParaRPr lang="en-US"/>
           </a:p>
@@ -3225,7 +3225,7 @@
           <a:p>
             <a:fld id="{277C0380-A3C3-474B-ABAB-1F42FF55D86B}" type="datetime1">
               <a:rPr lang="en-US" smtClean="0"/>
-              <a:t>8/14/2019</a:t>
+              <a:t>8/19/2019</a:t>
             </a:fld>
             <a:endParaRPr lang="en-US"/>
           </a:p>
@@ -3399,7 +3399,7 @@
           <a:p>
             <a:fld id="{22885D81-B49B-4A1F-A46B-3FA8860DE8E3}" type="datetime1">
               <a:rPr lang="en-US" smtClean="0"/>
-              <a:t>8/14/2019</a:t>
+              <a:t>8/19/2019</a:t>
             </a:fld>
             <a:endParaRPr lang="en-US"/>
           </a:p>
@@ -3756,7 +3756,7 @@
           <a:p>
             <a:fld id="{CE003DDC-C3D7-4B7E-9D6E-6FE1E60E6CD6}" type="datetime1">
               <a:rPr lang="en-US" smtClean="0"/>
-              <a:t>8/14/2019</a:t>
+              <a:t>8/19/2019</a:t>
             </a:fld>
             <a:endParaRPr lang="en-US"/>
           </a:p>
@@ -3774,8 +3774,8 @@
         </p:nvSpPr>
         <p:spPr>
           <a:xfrm>
-            <a:off x="4800600" y="6459785"/>
-            <a:ext cx="5628736" cy="365125"/>
+            <a:off x="4675517" y="6459785"/>
+            <a:ext cx="5753819" cy="365125"/>
           </a:xfrm>
         </p:spPr>
         <p:txBody>
@@ -3791,10 +3791,9 @@
           </a:lstStyle>
           <a:p>
             <a:r>
-              <a:rPr lang="en-US"/>
+              <a:rPr lang="en-US" dirty="0"/>
               <a:t>https://github.com/joegardnr/ResilientFaultTolerance</a:t>
             </a:r>
-            <a:endParaRPr lang="en-US" dirty="0"/>
           </a:p>
         </p:txBody>
       </p:sp>
@@ -4137,7 +4136,7 @@
           <a:p>
             <a:fld id="{4C50796D-ED4F-411B-9976-A0E140ED846B}" type="datetime1">
               <a:rPr lang="en-US" smtClean="0"/>
-              <a:t>8/14/2019</a:t>
+              <a:t>8/19/2019</a:t>
             </a:fld>
             <a:endParaRPr lang="en-US"/>
           </a:p>
@@ -4426,7 +4425,7 @@
           <a:p>
             <a:fld id="{256BFE09-05DC-4212-9A86-C209753491E3}" type="datetime1">
               <a:rPr lang="en-US" smtClean="0"/>
-              <a:t>8/14/2019</a:t>
+              <a:t>8/19/2019</a:t>
             </a:fld>
             <a:endParaRPr lang="en-US" dirty="0"/>
           </a:p>
@@ -7666,7 +7665,7 @@
                 </a:solidFill>
                 <a:latin typeface="Consolas" panose="020B0609020204030204" pitchFamily="49" charset="0"/>
               </a:rPr>
-              <a:t>“</a:t>
+              <a:t>"</a:t>
             </a:r>
             <a:r>
               <a:rPr lang="en-US" dirty="0" err="1">
@@ -7755,7 +7754,7 @@
                 </a:solidFill>
                 <a:latin typeface="Consolas" panose="020B0609020204030204" pitchFamily="49" charset="0"/>
               </a:rPr>
-              <a:t>“</a:t>
+              <a:t>"</a:t>
             </a:r>
             <a:r>
               <a:rPr lang="en-US" dirty="0" err="1">

--- a/ResilientFaultTolerance.pptx
+++ b/ResilientFaultTolerance.pptx
@@ -2,7 +2,7 @@
 <file path=ppt/presentation.xml><?xml version="1.0" encoding="utf-8"?>
 <p:presentation xmlns:a="http://schemas.openxmlformats.org/drawingml/2006/main" xmlns:r="http://schemas.openxmlformats.org/officeDocument/2006/relationships" xmlns:p="http://schemas.openxmlformats.org/presentationml/2006/main" saveSubsetFonts="1">
   <p:sldMasterIdLst>
-    <p:sldMasterId id="2147483701" r:id="rId1"/>
+    <p:sldMasterId id="2147483785" r:id="rId1"/>
   </p:sldMasterIdLst>
   <p:notesMasterIdLst>
     <p:notesMasterId r:id="rId22"/>
@@ -253,7 +253,7 @@
           <a:p>
             <a:fld id="{F5457D03-6B1D-415B-8CDE-DE157993C910}" type="datetimeFigureOut">
               <a:rPr lang="en-US" smtClean="0"/>
-              <a:t>8/19/2019</a:t>
+              <a:t>10/6/2020</a:t>
             </a:fld>
             <a:endParaRPr lang="en-US"/>
           </a:p>
@@ -1253,8 +1253,8 @@
         </p:nvSpPr>
         <p:spPr>
           <a:xfrm>
-            <a:off x="3175" y="6400800"/>
-            <a:ext cx="12188825" cy="457200"/>
+            <a:off x="1" y="6400800"/>
+            <a:ext cx="12192000" cy="457200"/>
           </a:xfrm>
           <a:prstGeom prst="rect">
             <a:avLst/>
@@ -1291,8 +1291,8 @@
         </p:nvSpPr>
         <p:spPr>
           <a:xfrm>
-            <a:off x="15" y="6334316"/>
-            <a:ext cx="12188825" cy="64008"/>
+            <a:off x="1" y="6334316"/>
+            <a:ext cx="12192000" cy="66484"/>
           </a:xfrm>
           <a:prstGeom prst="rect">
             <a:avLst/>
@@ -1454,7 +1454,7 @@
           <a:p>
             <a:fld id="{DB277FD4-6F62-4072-884E-53BD33EE21AD}" type="datetime1">
               <a:rPr lang="en-US" smtClean="0"/>
-              <a:t>8/19/2019</a:t>
+              <a:t>10/6/2020</a:t>
             </a:fld>
             <a:endParaRPr lang="en-US"/>
           </a:p>
@@ -1547,7 +1547,7 @@
     </p:spTree>
     <p:extLst>
       <p:ext uri="{BB962C8B-B14F-4D97-AF65-F5344CB8AC3E}">
-        <p14:creationId xmlns:p14="http://schemas.microsoft.com/office/powerpoint/2010/main" val="3341854773"/>
+        <p14:creationId xmlns:p14="http://schemas.microsoft.com/office/powerpoint/2010/main" val="3122709468"/>
       </p:ext>
     </p:extLst>
   </p:cSld>
@@ -1615,7 +1615,7 @@
             <a:pPr lvl="0"/>
             <a:r>
               <a:rPr lang="en-US"/>
-              <a:t>Edit Master text styles</a:t>
+              <a:t>Click to edit Master text styles</a:t>
             </a:r>
           </a:p>
           <a:p>
@@ -1666,7 +1666,7 @@
           <a:p>
             <a:fld id="{9F90232B-CE5B-4328-A9C3-2A24ED0D12D6}" type="datetime1">
               <a:rPr lang="en-US" smtClean="0"/>
-              <a:t>8/19/2019</a:t>
+              <a:t>10/6/2020</a:t>
             </a:fld>
             <a:endParaRPr lang="en-US"/>
           </a:p>
@@ -1720,7 +1720,7 @@
     </p:spTree>
     <p:extLst>
       <p:ext uri="{BB962C8B-B14F-4D97-AF65-F5344CB8AC3E}">
-        <p14:creationId xmlns:p14="http://schemas.microsoft.com/office/powerpoint/2010/main" val="3825057995"/>
+        <p14:creationId xmlns:p14="http://schemas.microsoft.com/office/powerpoint/2010/main" val="2777756573"/>
       </p:ext>
     </p:extLst>
   </p:cSld>
@@ -1874,7 +1874,7 @@
             <a:pPr lvl="0"/>
             <a:r>
               <a:rPr lang="en-US"/>
-              <a:t>Edit Master text styles</a:t>
+              <a:t>Click to edit Master text styles</a:t>
             </a:r>
           </a:p>
           <a:p>
@@ -1925,7 +1925,7 @@
           <a:p>
             <a:fld id="{0C92B229-45C0-460C-A040-33377D746229}" type="datetime1">
               <a:rPr lang="en-US" smtClean="0"/>
-              <a:t>8/19/2019</a:t>
+              <a:t>10/6/2020</a:t>
             </a:fld>
             <a:endParaRPr lang="en-US"/>
           </a:p>
@@ -1979,7 +1979,7 @@
     </p:spTree>
     <p:extLst>
       <p:ext uri="{BB962C8B-B14F-4D97-AF65-F5344CB8AC3E}">
-        <p14:creationId xmlns:p14="http://schemas.microsoft.com/office/powerpoint/2010/main" val="882978949"/>
+        <p14:creationId xmlns:p14="http://schemas.microsoft.com/office/powerpoint/2010/main" val="486517715"/>
       </p:ext>
     </p:extLst>
   </p:cSld>
@@ -2047,7 +2047,7 @@
             <a:pPr lvl="0"/>
             <a:r>
               <a:rPr lang="en-US"/>
-              <a:t>Edit Master text styles</a:t>
+              <a:t>Click to edit Master text styles</a:t>
             </a:r>
           </a:p>
           <a:p>
@@ -2098,7 +2098,7 @@
           <a:p>
             <a:fld id="{BA0F38E7-9941-4203-A261-C009CBCCF38D}" type="datetime1">
               <a:rPr lang="en-US" smtClean="0"/>
-              <a:t>8/19/2019</a:t>
+              <a:t>10/6/2020</a:t>
             </a:fld>
             <a:endParaRPr lang="en-US"/>
           </a:p>
@@ -2120,7 +2120,7 @@
           <a:lstStyle/>
           <a:p>
             <a:r>
-              <a:rPr lang="en-US"/>
+              <a:rPr lang="en-US" dirty="0"/>
               <a:t>https://github.com/joegardnr/ResilientFaultTolerance</a:t>
             </a:r>
           </a:p>
@@ -2152,7 +2152,7 @@
     </p:spTree>
     <p:extLst>
       <p:ext uri="{BB962C8B-B14F-4D97-AF65-F5344CB8AC3E}">
-        <p14:creationId xmlns:p14="http://schemas.microsoft.com/office/powerpoint/2010/main" val="138356045"/>
+        <p14:creationId xmlns:p14="http://schemas.microsoft.com/office/powerpoint/2010/main" val="3080894958"/>
       </p:ext>
     </p:extLst>
   </p:cSld>
@@ -2422,7 +2422,7 @@
             <a:pPr lvl="0"/>
             <a:r>
               <a:rPr lang="en-US"/>
-              <a:t>Edit Master text styles</a:t>
+              <a:t>Click to edit Master text styles</a:t>
             </a:r>
           </a:p>
         </p:txBody>
@@ -2444,7 +2444,7 @@
           <a:p>
             <a:fld id="{7DCF51F0-00A5-4A4C-921E-AC201FC6896E}" type="datetime1">
               <a:rPr lang="en-US" smtClean="0"/>
-              <a:t>8/19/2019</a:t>
+              <a:t>10/6/2020</a:t>
             </a:fld>
             <a:endParaRPr lang="en-US"/>
           </a:p>
@@ -2536,7 +2536,7 @@
     </p:spTree>
     <p:extLst>
       <p:ext uri="{BB962C8B-B14F-4D97-AF65-F5344CB8AC3E}">
-        <p14:creationId xmlns:p14="http://schemas.microsoft.com/office/powerpoint/2010/main" val="3734526729"/>
+        <p14:creationId xmlns:p14="http://schemas.microsoft.com/office/powerpoint/2010/main" val="2923981938"/>
       </p:ext>
     </p:extLst>
   </p:cSld>
@@ -2603,8 +2603,8 @@
         </p:nvSpPr>
         <p:spPr>
           <a:xfrm>
-            <a:off x="1097278" y="1845734"/>
-            <a:ext cx="4937760" cy="4023360"/>
+            <a:off x="1097280" y="1845734"/>
+            <a:ext cx="4937760" cy="4023359"/>
           </a:xfrm>
         </p:spPr>
         <p:txBody>
@@ -2614,7 +2614,7 @@
             <a:pPr lvl="0"/>
             <a:r>
               <a:rPr lang="en-US"/>
-              <a:t>Edit Master text styles</a:t>
+              <a:t>Click to edit Master text styles</a:t>
             </a:r>
           </a:p>
           <a:p>
@@ -2671,7 +2671,7 @@
             <a:pPr lvl="0"/>
             <a:r>
               <a:rPr lang="en-US"/>
-              <a:t>Edit Master text styles</a:t>
+              <a:t>Click to edit Master text styles</a:t>
             </a:r>
           </a:p>
           <a:p>
@@ -2722,7 +2722,7 @@
           <a:p>
             <a:fld id="{5EB2874E-DDE8-4CE4-9506-11F6EE6A859B}" type="datetime1">
               <a:rPr lang="en-US" smtClean="0"/>
-              <a:t>8/19/2019</a:t>
+              <a:t>10/6/2020</a:t>
             </a:fld>
             <a:endParaRPr lang="en-US"/>
           </a:p>
@@ -2776,7 +2776,7 @@
     </p:spTree>
     <p:extLst>
       <p:ext uri="{BB962C8B-B14F-4D97-AF65-F5344CB8AC3E}">
-        <p14:creationId xmlns:p14="http://schemas.microsoft.com/office/powerpoint/2010/main" val="2822336388"/>
+        <p14:creationId xmlns:p14="http://schemas.microsoft.com/office/powerpoint/2010/main" val="4141881213"/>
       </p:ext>
     </p:extLst>
   </p:cSld>
@@ -2897,7 +2897,7 @@
             <a:pPr lvl="0"/>
             <a:r>
               <a:rPr lang="en-US"/>
-              <a:t>Edit Master text styles</a:t>
+              <a:t>Click to edit Master text styles</a:t>
             </a:r>
           </a:p>
         </p:txBody>
@@ -2914,8 +2914,8 @@
         </p:nvSpPr>
         <p:spPr>
           <a:xfrm>
-            <a:off x="1097280" y="2582334"/>
-            <a:ext cx="4937760" cy="3378200"/>
+            <a:off x="1097280" y="2582335"/>
+            <a:ext cx="4937760" cy="3286760"/>
           </a:xfrm>
         </p:spPr>
         <p:txBody>
@@ -2925,7 +2925,7 @@
             <a:pPr lvl="0"/>
             <a:r>
               <a:rPr lang="en-US"/>
-              <a:t>Edit Master text styles</a:t>
+              <a:t>Click to edit Master text styles</a:t>
             </a:r>
           </a:p>
           <a:p>
@@ -3025,7 +3025,7 @@
             <a:pPr lvl="0"/>
             <a:r>
               <a:rPr lang="en-US"/>
-              <a:t>Edit Master text styles</a:t>
+              <a:t>Click to edit Master text styles</a:t>
             </a:r>
           </a:p>
         </p:txBody>
@@ -3043,7 +3043,7 @@
         <p:spPr>
           <a:xfrm>
             <a:off x="6217920" y="2582334"/>
-            <a:ext cx="4937760" cy="3378200"/>
+            <a:ext cx="4937760" cy="3286760"/>
           </a:xfrm>
         </p:spPr>
         <p:txBody>
@@ -3053,7 +3053,7 @@
             <a:pPr lvl="0"/>
             <a:r>
               <a:rPr lang="en-US"/>
-              <a:t>Edit Master text styles</a:t>
+              <a:t>Click to edit Master text styles</a:t>
             </a:r>
           </a:p>
           <a:p>
@@ -3104,7 +3104,7 @@
           <a:p>
             <a:fld id="{63D68EF0-BF8F-4E3C-9C05-745CC29F35F6}" type="datetime1">
               <a:rPr lang="en-US" smtClean="0"/>
-              <a:t>8/19/2019</a:t>
+              <a:t>10/6/2020</a:t>
             </a:fld>
             <a:endParaRPr lang="en-US"/>
           </a:p>
@@ -3158,7 +3158,7 @@
     </p:spTree>
     <p:extLst>
       <p:ext uri="{BB962C8B-B14F-4D97-AF65-F5344CB8AC3E}">
-        <p14:creationId xmlns:p14="http://schemas.microsoft.com/office/powerpoint/2010/main" val="3827130407"/>
+        <p14:creationId xmlns:p14="http://schemas.microsoft.com/office/powerpoint/2010/main" val="2704962446"/>
       </p:ext>
     </p:extLst>
   </p:cSld>
@@ -3225,7 +3225,7 @@
           <a:p>
             <a:fld id="{277C0380-A3C3-474B-ABAB-1F42FF55D86B}" type="datetime1">
               <a:rPr lang="en-US" smtClean="0"/>
-              <a:t>8/19/2019</a:t>
+              <a:t>10/6/2020</a:t>
             </a:fld>
             <a:endParaRPr lang="en-US"/>
           </a:p>
@@ -3279,7 +3279,7 @@
     </p:spTree>
     <p:extLst>
       <p:ext uri="{BB962C8B-B14F-4D97-AF65-F5344CB8AC3E}">
-        <p14:creationId xmlns:p14="http://schemas.microsoft.com/office/powerpoint/2010/main" val="410299835"/>
+        <p14:creationId xmlns:p14="http://schemas.microsoft.com/office/powerpoint/2010/main" val="833178563"/>
       </p:ext>
     </p:extLst>
   </p:cSld>
@@ -3399,7 +3399,7 @@
           <a:p>
             <a:fld id="{22885D81-B49B-4A1F-A46B-3FA8860DE8E3}" type="datetime1">
               <a:rPr lang="en-US" smtClean="0"/>
-              <a:t>8/19/2019</a:t>
+              <a:t>10/6/2020</a:t>
             </a:fld>
             <a:endParaRPr lang="en-US"/>
           </a:p>
@@ -3461,7 +3461,7 @@
     </p:spTree>
     <p:extLst>
       <p:ext uri="{BB962C8B-B14F-4D97-AF65-F5344CB8AC3E}">
-        <p14:creationId xmlns:p14="http://schemas.microsoft.com/office/powerpoint/2010/main" val="2514141424"/>
+        <p14:creationId xmlns:p14="http://schemas.microsoft.com/office/powerpoint/2010/main" val="613816952"/>
       </p:ext>
     </p:extLst>
   </p:cSld>
@@ -3625,7 +3625,7 @@
             <a:pPr lvl="0"/>
             <a:r>
               <a:rPr lang="en-US"/>
-              <a:t>Edit Master text styles</a:t>
+              <a:t>Click to edit Master text styles</a:t>
             </a:r>
           </a:p>
           <a:p>
@@ -3725,7 +3725,7 @@
             <a:pPr lvl="0"/>
             <a:r>
               <a:rPr lang="en-US"/>
-              <a:t>Edit Master text styles</a:t>
+              <a:t>Click to edit Master text styles</a:t>
             </a:r>
           </a:p>
         </p:txBody>
@@ -3756,7 +3756,7 @@
           <a:p>
             <a:fld id="{CE003DDC-C3D7-4B7E-9D6E-6FE1E60E6CD6}" type="datetime1">
               <a:rPr lang="en-US" smtClean="0"/>
-              <a:t>8/19/2019</a:t>
+              <a:t>10/6/2020</a:t>
             </a:fld>
             <a:endParaRPr lang="en-US"/>
           </a:p>
@@ -3774,8 +3774,8 @@
         </p:nvSpPr>
         <p:spPr>
           <a:xfrm>
-            <a:off x="4675517" y="6459785"/>
-            <a:ext cx="5753819" cy="365125"/>
+            <a:off x="4800600" y="6459785"/>
+            <a:ext cx="4648200" cy="365125"/>
           </a:xfrm>
         </p:spPr>
         <p:txBody>
@@ -3791,9 +3791,10 @@
           </a:lstStyle>
           <a:p>
             <a:r>
-              <a:rPr lang="en-US" dirty="0"/>
+              <a:rPr lang="en-US"/>
               <a:t>https://github.com/joegardnr/ResilientFaultTolerance</a:t>
             </a:r>
+            <a:endParaRPr lang="en-US" dirty="0"/>
           </a:p>
         </p:txBody>
       </p:sp>
@@ -3831,7 +3832,7 @@
     </p:spTree>
     <p:extLst>
       <p:ext uri="{BB962C8B-B14F-4D97-AF65-F5344CB8AC3E}">
-        <p14:creationId xmlns:p14="http://schemas.microsoft.com/office/powerpoint/2010/main" val="1598715605"/>
+        <p14:creationId xmlns:p14="http://schemas.microsoft.com/office/powerpoint/2010/main" val="2221870167"/>
       </p:ext>
     </p:extLst>
   </p:cSld>
@@ -3951,7 +3952,7 @@
           </a:xfrm>
         </p:spPr>
         <p:txBody>
-          <a:bodyPr lIns="91440" tIns="0" rIns="91440" bIns="0" anchor="b">
+          <a:bodyPr tIns="0" bIns="0" anchor="b">
             <a:noAutofit/>
           </a:bodyPr>
           <a:lstStyle>
@@ -4114,7 +4115,7 @@
             <a:pPr lvl="0"/>
             <a:r>
               <a:rPr lang="en-US"/>
-              <a:t>Edit Master text styles</a:t>
+              <a:t>Click to edit Master text styles</a:t>
             </a:r>
           </a:p>
         </p:txBody>
@@ -4136,7 +4137,7 @@
           <a:p>
             <a:fld id="{4C50796D-ED4F-411B-9976-A0E140ED846B}" type="datetime1">
               <a:rPr lang="en-US" smtClean="0"/>
-              <a:t>8/19/2019</a:t>
+              <a:t>10/6/2020</a:t>
             </a:fld>
             <a:endParaRPr lang="en-US"/>
           </a:p>
@@ -4190,7 +4191,7 @@
     </p:spTree>
     <p:extLst>
       <p:ext uri="{BB962C8B-B14F-4D97-AF65-F5344CB8AC3E}">
-        <p14:creationId xmlns:p14="http://schemas.microsoft.com/office/powerpoint/2010/main" val="4053509987"/>
+        <p14:creationId xmlns:p14="http://schemas.microsoft.com/office/powerpoint/2010/main" val="3160856354"/>
       </p:ext>
     </p:extLst>
   </p:cSld>
@@ -4230,8 +4231,8 @@
         </p:nvSpPr>
         <p:spPr>
           <a:xfrm>
-            <a:off x="0" y="6400800"/>
-            <a:ext cx="12192000" cy="457200"/>
+            <a:off x="3175" y="6400800"/>
+            <a:ext cx="12188825" cy="457200"/>
           </a:xfrm>
           <a:prstGeom prst="rect">
             <a:avLst/>
@@ -4269,7 +4270,7 @@
         <p:spPr>
           <a:xfrm>
             <a:off x="15" y="6334316"/>
-            <a:ext cx="12191985" cy="66484"/>
+            <a:ext cx="12188825" cy="64008"/>
           </a:xfrm>
           <a:prstGeom prst="rect">
             <a:avLst/>
@@ -4359,7 +4360,7 @@
             <a:pPr lvl="0"/>
             <a:r>
               <a:rPr lang="en-US" dirty="0"/>
-              <a:t>Edit Master text styles</a:t>
+              <a:t>Click to edit Master text styles</a:t>
             </a:r>
           </a:p>
           <a:p>
@@ -4405,7 +4406,7 @@
         <p:spPr>
           <a:xfrm>
             <a:off x="1097280" y="6459785"/>
-            <a:ext cx="1080507" cy="365125"/>
+            <a:ext cx="2472271" cy="365125"/>
           </a:xfrm>
           <a:prstGeom prst="rect">
             <a:avLst/>
@@ -4425,7 +4426,7 @@
           <a:p>
             <a:fld id="{256BFE09-05DC-4212-9A86-C209753491E3}" type="datetime1">
               <a:rPr lang="en-US" smtClean="0"/>
-              <a:t>8/19/2019</a:t>
+              <a:t>10/6/2020</a:t>
             </a:fld>
             <a:endParaRPr lang="en-US" dirty="0"/>
           </a:p>
@@ -4443,8 +4444,8 @@
         </p:nvSpPr>
         <p:spPr>
           <a:xfrm>
-            <a:off x="2152789" y="6459785"/>
-            <a:ext cx="8048445" cy="365125"/>
+            <a:off x="3686185" y="6459785"/>
+            <a:ext cx="4822804" cy="365125"/>
           </a:xfrm>
           <a:prstGeom prst="rect">
             <a:avLst/>
@@ -4454,7 +4455,7 @@
           <a:bodyPr vert="horz" lIns="91440" tIns="45720" rIns="91440" bIns="45720" rtlCol="0" anchor="ctr"/>
           <a:lstStyle>
             <a:lvl1pPr algn="ctr">
-              <a:defRPr sz="2000" cap="none" baseline="0">
+              <a:defRPr sz="1200" cap="all" baseline="0">
                 <a:solidFill>
                   <a:srgbClr val="FFFFFF"/>
                 </a:solidFill>
@@ -4463,10 +4464,10 @@
           </a:lstStyle>
           <a:p>
             <a:r>
-              <a:rPr lang="en-US"/>
+              <a:rPr lang="en-US" dirty="0"/>
               <a:t>https://github.com/joegardnr/ResilientFaultTolerance</a:t>
             </a:r>
-            <a:endParaRPr lang="en-US" dirty="0"/>
+            <a:endParaRPr lang="en-US" sz="1200" dirty="0"/>
           </a:p>
         </p:txBody>
       </p:sp>
@@ -4482,8 +4483,8 @@
         </p:nvSpPr>
         <p:spPr>
           <a:xfrm>
-            <a:off x="10429336" y="6459785"/>
-            <a:ext cx="783147" cy="365125"/>
+            <a:off x="9900458" y="6459785"/>
+            <a:ext cx="1312025" cy="365125"/>
           </a:xfrm>
           <a:prstGeom prst="rect">
             <a:avLst/>
@@ -4550,23 +4551,23 @@
     </p:spTree>
     <p:extLst>
       <p:ext uri="{BB962C8B-B14F-4D97-AF65-F5344CB8AC3E}">
-        <p14:creationId xmlns:p14="http://schemas.microsoft.com/office/powerpoint/2010/main" val="1141159696"/>
+        <p14:creationId xmlns:p14="http://schemas.microsoft.com/office/powerpoint/2010/main" val="3212836420"/>
       </p:ext>
     </p:extLst>
   </p:cSld>
   <p:clrMap bg1="lt1" tx1="dk1" bg2="lt2" tx2="dk2" accent1="accent1" accent2="accent2" accent3="accent3" accent4="accent4" accent5="accent5" accent6="accent6" hlink="hlink" folHlink="folHlink"/>
   <p:sldLayoutIdLst>
-    <p:sldLayoutId id="2147483702" r:id="rId1"/>
-    <p:sldLayoutId id="2147483703" r:id="rId2"/>
-    <p:sldLayoutId id="2147483704" r:id="rId3"/>
-    <p:sldLayoutId id="2147483705" r:id="rId4"/>
-    <p:sldLayoutId id="2147483706" r:id="rId5"/>
-    <p:sldLayoutId id="2147483707" r:id="rId6"/>
-    <p:sldLayoutId id="2147483708" r:id="rId7"/>
-    <p:sldLayoutId id="2147483709" r:id="rId8"/>
-    <p:sldLayoutId id="2147483710" r:id="rId9"/>
-    <p:sldLayoutId id="2147483711" r:id="rId10"/>
-    <p:sldLayoutId id="2147483712" r:id="rId11"/>
+    <p:sldLayoutId id="2147483786" r:id="rId1"/>
+    <p:sldLayoutId id="2147483787" r:id="rId2"/>
+    <p:sldLayoutId id="2147483788" r:id="rId3"/>
+    <p:sldLayoutId id="2147483789" r:id="rId4"/>
+    <p:sldLayoutId id="2147483790" r:id="rId5"/>
+    <p:sldLayoutId id="2147483791" r:id="rId6"/>
+    <p:sldLayoutId id="2147483792" r:id="rId7"/>
+    <p:sldLayoutId id="2147483793" r:id="rId8"/>
+    <p:sldLayoutId id="2147483794" r:id="rId9"/>
+    <p:sldLayoutId id="2147483795" r:id="rId10"/>
+    <p:sldLayoutId id="2147483796" r:id="rId11"/>
   </p:sldLayoutIdLst>
   <p:hf sldNum="0" hdr="0" dt="0"/>
   <p:txStyles>
@@ -5013,38 +5014,36 @@
         </p:spPr>
         <p:txBody>
           <a:bodyPr>
-            <a:normAutofit/>
+            <a:normAutofit lnSpcReduction="10000"/>
           </a:bodyPr>
           <a:lstStyle/>
           <a:p>
             <a:r>
               <a:rPr lang="en-US" dirty="0"/>
-              <a:t>Joe Gardner | Lead Developer | Clearent</a:t>
-            </a:r>
-          </a:p>
-          <a:p>
+              <a:t>Joe Gardner | Lead Developer </a:t>
+            </a:r>
+          </a:p>
+          <a:p>
+            <a:endParaRPr lang="en-US" dirty="0">
+              <a:hlinkClick r:id="rId2"/>
+            </a:endParaRPr>
+          </a:p>
+          <a:p>
+            <a:r>
+              <a:rPr lang="en-US" dirty="0">
+                <a:hlinkClick r:id="rId2"/>
+              </a:rPr>
+              <a:t>joegardner@gmail.com</a:t>
+            </a:r>
             <a:endParaRPr lang="en-US" dirty="0"/>
           </a:p>
           <a:p>
             <a:r>
               <a:rPr lang="en-US" dirty="0">
-                <a:hlinkClick r:id="rId2"/>
-              </a:rPr>
-              <a:t>jgardner@clearent.com</a:t>
-            </a:r>
-            <a:r>
-              <a:rPr lang="en-US" dirty="0"/>
-              <a:t> | </a:t>
-            </a:r>
-            <a:r>
-              <a:rPr lang="en-US" dirty="0">
                 <a:hlinkClick r:id="rId3"/>
               </a:rPr>
-              <a:t>https://developer.clearent.com</a:t>
-            </a:r>
-            <a:endParaRPr lang="en-US" dirty="0"/>
-          </a:p>
-          <a:p>
+              <a:t>https://www.linkedin.com/in/joegardner</a:t>
+            </a:r>
             <a:endParaRPr lang="en-US" dirty="0"/>
           </a:p>
           <a:p>
@@ -5081,42 +5080,6 @@
           </a:p>
         </p:txBody>
       </p:sp>
-      <p:pic>
-        <p:nvPicPr>
-          <p:cNvPr id="8" name="Picture 7">
-            <a:extLst>
-              <a:ext uri="{FF2B5EF4-FFF2-40B4-BE49-F238E27FC236}">
-                <a16:creationId xmlns:a16="http://schemas.microsoft.com/office/drawing/2014/main" id="{0E9CA455-2786-407D-B575-D18761EB0A25}"/>
-              </a:ext>
-            </a:extLst>
-          </p:cNvPr>
-          <p:cNvPicPr>
-            <a:picLocks noChangeAspect="1"/>
-          </p:cNvPicPr>
-          <p:nvPr/>
-        </p:nvPicPr>
-        <p:blipFill>
-          <a:blip r:embed="rId4">
-            <a:extLst>
-              <a:ext uri="{28A0092B-C50C-407E-A947-70E740481C1C}">
-                <a14:useLocalDpi xmlns:a14="http://schemas.microsoft.com/office/drawing/2010/main" val="0"/>
-              </a:ext>
-            </a:extLst>
-          </a:blip>
-          <a:stretch>
-            <a:fillRect/>
-          </a:stretch>
-        </p:blipFill>
-        <p:spPr>
-          <a:xfrm>
-            <a:off x="6986016" y="0"/>
-            <a:ext cx="5205984" cy="1395984"/>
-          </a:xfrm>
-          <a:prstGeom prst="rect">
-            <a:avLst/>
-          </a:prstGeom>
-        </p:spPr>
-      </p:pic>
     </p:spTree>
     <p:extLst>
       <p:ext uri="{BB962C8B-B14F-4D97-AF65-F5344CB8AC3E}">
@@ -5203,7 +5166,9 @@
           </a:xfrm>
         </p:spPr>
         <p:txBody>
-          <a:bodyPr/>
+          <a:bodyPr>
+            <a:normAutofit/>
+          </a:bodyPr>
           <a:lstStyle/>
           <a:p>
             <a:endParaRPr lang="en-US" dirty="0"/>
@@ -5246,6 +5211,34 @@
               <a:buNone/>
             </a:pPr>
             <a:endParaRPr lang="en-US" dirty="0"/>
+          </a:p>
+        </p:txBody>
+      </p:sp>
+      <p:sp>
+        <p:nvSpPr>
+          <p:cNvPr id="3" name="Footer Placeholder 2">
+            <a:extLst>
+              <a:ext uri="{FF2B5EF4-FFF2-40B4-BE49-F238E27FC236}">
+                <a16:creationId xmlns:a16="http://schemas.microsoft.com/office/drawing/2014/main" id="{F9DFB28C-E692-417A-9E20-01B70BD36F68}"/>
+              </a:ext>
+            </a:extLst>
+          </p:cNvPr>
+          <p:cNvSpPr>
+            <a:spLocks noGrp="1"/>
+          </p:cNvSpPr>
+          <p:nvPr>
+            <p:ph type="ftr" sz="quarter" idx="11"/>
+          </p:nvPr>
+        </p:nvSpPr>
+        <p:spPr/>
+        <p:txBody>
+          <a:bodyPr/>
+          <a:lstStyle/>
+          <a:p>
+            <a:r>
+              <a:rPr lang="en-US"/>
+              <a:t>https://github.com/joegardnr/ResilientFaultTolerance</a:t>
+            </a:r>
           </a:p>
         </p:txBody>
       </p:sp>
@@ -5802,34 +5795,6 @@
           </a:graphicData>
         </a:graphic>
       </p:graphicFrame>
-      <p:sp>
-        <p:nvSpPr>
-          <p:cNvPr id="3" name="Footer Placeholder 2">
-            <a:extLst>
-              <a:ext uri="{FF2B5EF4-FFF2-40B4-BE49-F238E27FC236}">
-                <a16:creationId xmlns:a16="http://schemas.microsoft.com/office/drawing/2014/main" id="{F9DFB28C-E692-417A-9E20-01B70BD36F68}"/>
-              </a:ext>
-            </a:extLst>
-          </p:cNvPr>
-          <p:cNvSpPr>
-            <a:spLocks noGrp="1"/>
-          </p:cNvSpPr>
-          <p:nvPr>
-            <p:ph type="ftr" sz="quarter" idx="11"/>
-          </p:nvPr>
-        </p:nvSpPr>
-        <p:spPr/>
-        <p:txBody>
-          <a:bodyPr/>
-          <a:lstStyle/>
-          <a:p>
-            <a:r>
-              <a:rPr lang="en-US"/>
-              <a:t>https://github.com/joegardnr/ResilientFaultTolerance</a:t>
-            </a:r>
-          </a:p>
-        </p:txBody>
-      </p:sp>
     </p:spTree>
     <p:extLst>
       <p:ext uri="{BB962C8B-B14F-4D97-AF65-F5344CB8AC3E}">
@@ -5912,9 +5877,14 @@
           </a:xfrm>
         </p:spPr>
         <p:txBody>
-          <a:bodyPr/>
+          <a:bodyPr>
+            <a:normAutofit fontScale="92500" lnSpcReduction="10000"/>
+          </a:bodyPr>
           <a:lstStyle/>
           <a:p>
+            <a:pPr marL="0" indent="0">
+              <a:buNone/>
+            </a:pPr>
             <a:r>
               <a:rPr lang="en-US" dirty="0">
                 <a:solidFill>
@@ -5968,6 +5938,9 @@
             </a:endParaRPr>
           </a:p>
           <a:p>
+            <a:pPr marL="0" indent="0">
+              <a:buNone/>
+            </a:pPr>
             <a:r>
               <a:rPr lang="en-US" dirty="0">
                 <a:solidFill>
@@ -6015,16 +5988,120 @@
             </a:r>
           </a:p>
           <a:p>
-            <a:r>
-              <a:rPr lang="en-US" dirty="0">
-                <a:solidFill>
-                  <a:srgbClr val="000000"/>
-                </a:solidFill>
+            <a:pPr marL="0" indent="0">
+              <a:buNone/>
+            </a:pPr>
+            <a:r>
+              <a:rPr lang="en-US" b="0" dirty="0">
+                <a:solidFill>
+                  <a:srgbClr val="000000"/>
+                </a:solidFill>
+                <a:effectLst/>
                 <a:latin typeface="Consolas" panose="020B0609020204030204" pitchFamily="49" charset="0"/>
               </a:rPr>
               <a:t>             .</a:t>
             </a:r>
             <a:r>
+              <a:rPr lang="en-US" b="0" dirty="0" err="1">
+                <a:solidFill>
+                  <a:srgbClr val="795E26"/>
+                </a:solidFill>
+                <a:effectLst/>
+                <a:latin typeface="Consolas" panose="020B0609020204030204" pitchFamily="49" charset="0"/>
+              </a:rPr>
+              <a:t>OrResult</a:t>
+            </a:r>
+            <a:r>
+              <a:rPr lang="en-US" b="0" dirty="0">
+                <a:solidFill>
+                  <a:srgbClr val="000000"/>
+                </a:solidFill>
+                <a:effectLst/>
+                <a:latin typeface="Consolas" panose="020B0609020204030204" pitchFamily="49" charset="0"/>
+              </a:rPr>
+              <a:t>((</a:t>
+            </a:r>
+            <a:r>
+              <a:rPr lang="en-US" b="0" dirty="0">
+                <a:solidFill>
+                  <a:srgbClr val="001080"/>
+                </a:solidFill>
+                <a:effectLst/>
+                <a:latin typeface="Consolas" panose="020B0609020204030204" pitchFamily="49" charset="0"/>
+              </a:rPr>
+              <a:t>result</a:t>
+            </a:r>
+            <a:r>
+              <a:rPr lang="en-US" b="0" dirty="0">
+                <a:solidFill>
+                  <a:srgbClr val="000000"/>
+                </a:solidFill>
+                <a:effectLst/>
+                <a:latin typeface="Consolas" panose="020B0609020204030204" pitchFamily="49" charset="0"/>
+              </a:rPr>
+              <a:t>) =&gt; (</a:t>
+            </a:r>
+            <a:r>
+              <a:rPr lang="en-US" b="0" dirty="0">
+                <a:solidFill>
+                  <a:srgbClr val="001080"/>
+                </a:solidFill>
+                <a:effectLst/>
+                <a:latin typeface="Consolas" panose="020B0609020204030204" pitchFamily="49" charset="0"/>
+              </a:rPr>
+              <a:t>result</a:t>
+            </a:r>
+            <a:r>
+              <a:rPr lang="en-US" b="0" dirty="0">
+                <a:solidFill>
+                  <a:srgbClr val="000000"/>
+                </a:solidFill>
+                <a:effectLst/>
+                <a:latin typeface="Consolas" panose="020B0609020204030204" pitchFamily="49" charset="0"/>
+              </a:rPr>
+              <a:t> &lt; </a:t>
+            </a:r>
+            <a:r>
+              <a:rPr lang="en-US" b="0" dirty="0">
+                <a:solidFill>
+                  <a:srgbClr val="098658"/>
+                </a:solidFill>
+                <a:effectLst/>
+                <a:latin typeface="Consolas" panose="020B0609020204030204" pitchFamily="49" charset="0"/>
+              </a:rPr>
+              <a:t>0</a:t>
+            </a:r>
+            <a:r>
+              <a:rPr lang="en-US" b="0" dirty="0">
+                <a:solidFill>
+                  <a:srgbClr val="000000"/>
+                </a:solidFill>
+                <a:effectLst/>
+                <a:latin typeface="Consolas" panose="020B0609020204030204" pitchFamily="49" charset="0"/>
+              </a:rPr>
+              <a:t>))</a:t>
+            </a:r>
+            <a:endParaRPr lang="en-US" dirty="0">
+              <a:solidFill>
+                <a:srgbClr val="000000"/>
+              </a:solidFill>
+              <a:latin typeface="Consolas" panose="020B0609020204030204" pitchFamily="49" charset="0"/>
+            </a:endParaRPr>
+          </a:p>
+          <a:p>
+            <a:pPr marL="0" indent="0">
+              <a:buNone/>
+            </a:pPr>
+            <a:r>
+              <a:rPr lang="en-US" dirty="0">
+                <a:solidFill>
+                  <a:srgbClr val="000000"/>
+                </a:solidFill>
+                <a:latin typeface="Consolas" panose="020B0609020204030204" pitchFamily="49" charset="0"/>
+              </a:rPr>
+              <a:t>             .</a:t>
+            </a:r>
+            <a:r>
               <a:rPr lang="en-US" dirty="0" err="1">
                 <a:solidFill>
                   <a:srgbClr val="795E26"/>
@@ -6089,6 +6166,9 @@
             </a:r>
           </a:p>
           <a:p>
+            <a:pPr marL="0" indent="0">
+              <a:buNone/>
+            </a:pPr>
             <a:endParaRPr lang="en-US" dirty="0">
               <a:solidFill>
                 <a:srgbClr val="0000FF"/>
@@ -6097,6 +6177,9 @@
             </a:endParaRPr>
           </a:p>
           <a:p>
+            <a:pPr marL="0" indent="0">
+              <a:buNone/>
+            </a:pPr>
             <a:r>
               <a:rPr lang="en-US" dirty="0">
                 <a:solidFill>
@@ -6150,6 +6233,9 @@
             </a:endParaRPr>
           </a:p>
           <a:p>
+            <a:pPr marL="0" indent="0">
+              <a:buNone/>
+            </a:pPr>
             <a:r>
               <a:rPr lang="en-US" dirty="0">
                 <a:solidFill>
@@ -6197,20 +6283,124 @@
             </a:r>
           </a:p>
           <a:p>
-            <a:r>
-              <a:rPr lang="en-US" dirty="0">
-                <a:solidFill>
-                  <a:srgbClr val="000000"/>
-                </a:solidFill>
+            <a:pPr marL="0" indent="0">
+              <a:buNone/>
+            </a:pPr>
+            <a:r>
+              <a:rPr lang="en-US" b="0" dirty="0">
+                <a:solidFill>
+                  <a:srgbClr val="000000"/>
+                </a:solidFill>
+                <a:effectLst/>
                 <a:latin typeface="Consolas" panose="020B0609020204030204" pitchFamily="49" charset="0"/>
               </a:rPr>
               <a:t>               .</a:t>
             </a:r>
             <a:r>
-              <a:rPr lang="en-US" dirty="0">
+              <a:rPr lang="en-US" b="0" dirty="0" err="1">
                 <a:solidFill>
                   <a:srgbClr val="795E26"/>
                 </a:solidFill>
+                <a:effectLst/>
+                <a:latin typeface="Consolas" panose="020B0609020204030204" pitchFamily="49" charset="0"/>
+              </a:rPr>
+              <a:t>OrResult</a:t>
+            </a:r>
+            <a:r>
+              <a:rPr lang="en-US" b="0" dirty="0">
+                <a:solidFill>
+                  <a:srgbClr val="000000"/>
+                </a:solidFill>
+                <a:effectLst/>
+                <a:latin typeface="Consolas" panose="020B0609020204030204" pitchFamily="49" charset="0"/>
+              </a:rPr>
+              <a:t>((</a:t>
+            </a:r>
+            <a:r>
+              <a:rPr lang="en-US" b="0" dirty="0">
+                <a:solidFill>
+                  <a:srgbClr val="001080"/>
+                </a:solidFill>
+                <a:effectLst/>
+                <a:latin typeface="Consolas" panose="020B0609020204030204" pitchFamily="49" charset="0"/>
+              </a:rPr>
+              <a:t>result</a:t>
+            </a:r>
+            <a:r>
+              <a:rPr lang="en-US" b="0" dirty="0">
+                <a:solidFill>
+                  <a:srgbClr val="000000"/>
+                </a:solidFill>
+                <a:effectLst/>
+                <a:latin typeface="Consolas" panose="020B0609020204030204" pitchFamily="49" charset="0"/>
+              </a:rPr>
+              <a:t>) =&gt; (</a:t>
+            </a:r>
+            <a:r>
+              <a:rPr lang="en-US" b="0" dirty="0">
+                <a:solidFill>
+                  <a:srgbClr val="001080"/>
+                </a:solidFill>
+                <a:effectLst/>
+                <a:latin typeface="Consolas" panose="020B0609020204030204" pitchFamily="49" charset="0"/>
+              </a:rPr>
+              <a:t>result</a:t>
+            </a:r>
+            <a:r>
+              <a:rPr lang="en-US" b="0" dirty="0">
+                <a:solidFill>
+                  <a:srgbClr val="000000"/>
+                </a:solidFill>
+                <a:effectLst/>
+                <a:latin typeface="Consolas" panose="020B0609020204030204" pitchFamily="49" charset="0"/>
+              </a:rPr>
+              <a:t> &lt; </a:t>
+            </a:r>
+            <a:r>
+              <a:rPr lang="en-US" b="0" dirty="0">
+                <a:solidFill>
+                  <a:srgbClr val="098658"/>
+                </a:solidFill>
+                <a:effectLst/>
+                <a:latin typeface="Consolas" panose="020B0609020204030204" pitchFamily="49" charset="0"/>
+              </a:rPr>
+              <a:t>0</a:t>
+            </a:r>
+            <a:r>
+              <a:rPr lang="en-US" b="0" dirty="0">
+                <a:solidFill>
+                  <a:srgbClr val="000000"/>
+                </a:solidFill>
+                <a:effectLst/>
+                <a:latin typeface="Consolas" panose="020B0609020204030204" pitchFamily="49" charset="0"/>
+              </a:rPr>
+              <a:t>))</a:t>
+            </a:r>
+            <a:endParaRPr lang="en-US" dirty="0">
+              <a:solidFill>
+                <a:srgbClr val="000000"/>
+              </a:solidFill>
+              <a:latin typeface="Consolas" panose="020B0609020204030204" pitchFamily="49" charset="0"/>
+            </a:endParaRPr>
+          </a:p>
+          <a:p>
+            <a:pPr marL="0" indent="0">
+              <a:buNone/>
+            </a:pPr>
+            <a:r>
+              <a:rPr lang="en-US" dirty="0">
+                <a:solidFill>
+                  <a:srgbClr val="000000"/>
+                </a:solidFill>
+                <a:latin typeface="Consolas" panose="020B0609020204030204" pitchFamily="49" charset="0"/>
+              </a:rPr>
+              <a:t>               .</a:t>
+            </a:r>
+            <a:r>
+              <a:rPr lang="en-US" dirty="0">
+                <a:solidFill>
+                  <a:srgbClr val="795E26"/>
+                </a:solidFill>
                 <a:latin typeface="Consolas" panose="020B0609020204030204" pitchFamily="49" charset="0"/>
               </a:rPr>
               <a:t>Fallback</a:t>
@@ -6244,6 +6434,9 @@
             </a:r>
           </a:p>
           <a:p>
+            <a:pPr marL="0" indent="0">
+              <a:buNone/>
+            </a:pPr>
             <a:endParaRPr lang="en-US" dirty="0">
               <a:solidFill>
                 <a:srgbClr val="0000FF"/>
@@ -6252,6 +6445,9 @@
             </a:endParaRPr>
           </a:p>
           <a:p>
+            <a:pPr marL="0" indent="0">
+              <a:buNone/>
+            </a:pPr>
             <a:r>
               <a:rPr lang="en-US" dirty="0">
                 <a:solidFill>
@@ -6373,6 +6569,9 @@
             </a:endParaRPr>
           </a:p>
           <a:p>
+            <a:pPr marL="0" indent="0">
+              <a:buNone/>
+            </a:pPr>
             <a:r>
               <a:rPr lang="en-US" dirty="0">
                 <a:solidFill>
@@ -8107,7 +8306,9 @@
         </p:nvSpPr>
         <p:spPr/>
         <p:txBody>
-          <a:bodyPr/>
+          <a:bodyPr>
+            <a:normAutofit/>
+          </a:bodyPr>
           <a:lstStyle/>
           <a:p>
             <a:r>
@@ -8176,7 +8377,9 @@
           </a:xfrm>
         </p:spPr>
         <p:txBody>
-          <a:bodyPr/>
+          <a:bodyPr>
+            <a:normAutofit/>
+          </a:bodyPr>
           <a:lstStyle/>
           <a:p>
             <a:pPr marL="0" indent="0">
@@ -8656,7 +8859,9 @@
         </p:nvSpPr>
         <p:spPr/>
         <p:txBody>
-          <a:bodyPr/>
+          <a:bodyPr>
+            <a:normAutofit/>
+          </a:bodyPr>
           <a:lstStyle/>
           <a:p>
             <a:r>
@@ -8669,7 +8874,7 @@
             </a:r>
             <a:r>
               <a:rPr lang="en-US" dirty="0"/>
-              <a:t> Core 2.1</a:t>
+              <a:t> Core as of 2.1</a:t>
             </a:r>
           </a:p>
           <a:p>
@@ -8722,7 +8927,9 @@
         </p:nvSpPr>
         <p:spPr/>
         <p:txBody>
-          <a:bodyPr/>
+          <a:bodyPr>
+            <a:normAutofit/>
+          </a:bodyPr>
           <a:lstStyle/>
           <a:p>
             <a:pPr marL="0" indent="0">
@@ -9176,6 +9383,34 @@
             <a:r>
               <a:rPr lang="en-US" i="1" dirty="0"/>
               <a:t>Noun: an ability to recover from or adjust easily to misfortune or change</a:t>
+            </a:r>
+          </a:p>
+        </p:txBody>
+      </p:sp>
+      <p:sp>
+        <p:nvSpPr>
+          <p:cNvPr id="4" name="Footer Placeholder 3">
+            <a:extLst>
+              <a:ext uri="{FF2B5EF4-FFF2-40B4-BE49-F238E27FC236}">
+                <a16:creationId xmlns:a16="http://schemas.microsoft.com/office/drawing/2014/main" id="{D45D3342-8300-4DCB-AB94-0E5ACA46458D}"/>
+              </a:ext>
+            </a:extLst>
+          </p:cNvPr>
+          <p:cNvSpPr>
+            <a:spLocks noGrp="1"/>
+          </p:cNvSpPr>
+          <p:nvPr>
+            <p:ph type="ftr" sz="quarter" idx="11"/>
+          </p:nvPr>
+        </p:nvSpPr>
+        <p:spPr/>
+        <p:txBody>
+          <a:bodyPr/>
+          <a:lstStyle/>
+          <a:p>
+            <a:r>
+              <a:rPr lang="en-US"/>
+              <a:t>https://github.com/joegardnr/ResilientFaultTolerance</a:t>
             </a:r>
           </a:p>
         </p:txBody>
@@ -9227,34 +9462,6 @@
           </a:extLst>
         </p:spPr>
       </p:pic>
-      <p:sp>
-        <p:nvSpPr>
-          <p:cNvPr id="4" name="Footer Placeholder 3">
-            <a:extLst>
-              <a:ext uri="{FF2B5EF4-FFF2-40B4-BE49-F238E27FC236}">
-                <a16:creationId xmlns:a16="http://schemas.microsoft.com/office/drawing/2014/main" id="{D45D3342-8300-4DCB-AB94-0E5ACA46458D}"/>
-              </a:ext>
-            </a:extLst>
-          </p:cNvPr>
-          <p:cNvSpPr>
-            <a:spLocks noGrp="1"/>
-          </p:cNvSpPr>
-          <p:nvPr>
-            <p:ph type="ftr" sz="quarter" idx="11"/>
-          </p:nvPr>
-        </p:nvSpPr>
-        <p:spPr/>
-        <p:txBody>
-          <a:bodyPr/>
-          <a:lstStyle/>
-          <a:p>
-            <a:r>
-              <a:rPr lang="en-US"/>
-              <a:t>https://github.com/joegardnr/ResilientFaultTolerance</a:t>
-            </a:r>
-          </a:p>
-        </p:txBody>
-      </p:sp>
     </p:spTree>
     <p:extLst>
       <p:ext uri="{BB962C8B-B14F-4D97-AF65-F5344CB8AC3E}">
@@ -9331,7 +9538,9 @@
         </p:nvSpPr>
         <p:spPr/>
         <p:txBody>
-          <a:bodyPr/>
+          <a:bodyPr>
+            <a:normAutofit/>
+          </a:bodyPr>
           <a:lstStyle/>
           <a:p>
             <a:r>
@@ -9404,7 +9613,7 @@
               <a:rPr lang="en-US" dirty="0">
                 <a:hlinkClick r:id="rId5"/>
               </a:rPr>
-              <a:t>jgardner@clearent.com</a:t>
+              <a:t>joegardner@gmail.com</a:t>
             </a:r>
             <a:r>
               <a:rPr lang="en-US" dirty="0"/>
@@ -9414,17 +9623,8 @@
               <a:rPr lang="en-US" dirty="0">
                 <a:hlinkClick r:id="rId6"/>
               </a:rPr>
-              <a:t>https://developer.clearent.com</a:t>
-            </a:r>
-            <a:endParaRPr lang="en-US" dirty="0"/>
-          </a:p>
-          <a:p>
-            <a:endParaRPr lang="en-US" dirty="0"/>
-          </a:p>
-          <a:p>
-            <a:endParaRPr lang="en-US" dirty="0"/>
-          </a:p>
-          <a:p>
+              <a:t>https://www.linkedin.com/in/joegardner</a:t>
+            </a:r>
             <a:endParaRPr lang="en-US" dirty="0"/>
           </a:p>
         </p:txBody>
@@ -9457,42 +9657,6 @@
           </a:p>
         </p:txBody>
       </p:sp>
-      <p:pic>
-        <p:nvPicPr>
-          <p:cNvPr id="6" name="Picture 5">
-            <a:extLst>
-              <a:ext uri="{FF2B5EF4-FFF2-40B4-BE49-F238E27FC236}">
-                <a16:creationId xmlns:a16="http://schemas.microsoft.com/office/drawing/2014/main" id="{92C450C8-13BB-43C9-8437-40DE92458DEC}"/>
-              </a:ext>
-            </a:extLst>
-          </p:cNvPr>
-          <p:cNvPicPr>
-            <a:picLocks noChangeAspect="1"/>
-          </p:cNvPicPr>
-          <p:nvPr/>
-        </p:nvPicPr>
-        <p:blipFill>
-          <a:blip r:embed="rId7">
-            <a:extLst>
-              <a:ext uri="{28A0092B-C50C-407E-A947-70E740481C1C}">
-                <a14:useLocalDpi xmlns:a14="http://schemas.microsoft.com/office/drawing/2010/main" val="0"/>
-              </a:ext>
-            </a:extLst>
-          </a:blip>
-          <a:stretch>
-            <a:fillRect/>
-          </a:stretch>
-        </p:blipFill>
-        <p:spPr>
-          <a:xfrm>
-            <a:off x="6986016" y="0"/>
-            <a:ext cx="5205984" cy="1395984"/>
-          </a:xfrm>
-          <a:prstGeom prst="rect">
-            <a:avLst/>
-          </a:prstGeom>
-        </p:spPr>
-      </p:pic>
     </p:spTree>
     <p:extLst>
       <p:ext uri="{BB962C8B-B14F-4D97-AF65-F5344CB8AC3E}">
@@ -12054,6 +12218,34 @@
               <a:t>http://www.thepollyproject.org/</a:t>
             </a:r>
             <a:endParaRPr lang="en-US" dirty="0"/>
+          </a:p>
+        </p:txBody>
+      </p:sp>
+      <p:sp>
+        <p:nvSpPr>
+          <p:cNvPr id="4" name="Footer Placeholder 3">
+            <a:extLst>
+              <a:ext uri="{FF2B5EF4-FFF2-40B4-BE49-F238E27FC236}">
+                <a16:creationId xmlns:a16="http://schemas.microsoft.com/office/drawing/2014/main" id="{D2BA124D-17FB-4644-B566-3781B0F6B33C}"/>
+              </a:ext>
+            </a:extLst>
+          </p:cNvPr>
+          <p:cNvSpPr>
+            <a:spLocks noGrp="1"/>
+          </p:cNvSpPr>
+          <p:nvPr>
+            <p:ph type="ftr" sz="quarter" idx="11"/>
+          </p:nvPr>
+        </p:nvSpPr>
+        <p:spPr/>
+        <p:txBody>
+          <a:bodyPr/>
+          <a:lstStyle/>
+          <a:p>
+            <a:r>
+              <a:rPr lang="en-US"/>
+              <a:t>https://github.com/joegardnr/ResilientFaultTolerance</a:t>
+            </a:r>
           </a:p>
         </p:txBody>
       </p:sp>
@@ -12104,34 +12296,6 @@
           </a:extLst>
         </p:spPr>
       </p:pic>
-      <p:sp>
-        <p:nvSpPr>
-          <p:cNvPr id="4" name="Footer Placeholder 3">
-            <a:extLst>
-              <a:ext uri="{FF2B5EF4-FFF2-40B4-BE49-F238E27FC236}">
-                <a16:creationId xmlns:a16="http://schemas.microsoft.com/office/drawing/2014/main" id="{D2BA124D-17FB-4644-B566-3781B0F6B33C}"/>
-              </a:ext>
-            </a:extLst>
-          </p:cNvPr>
-          <p:cNvSpPr>
-            <a:spLocks noGrp="1"/>
-          </p:cNvSpPr>
-          <p:nvPr>
-            <p:ph type="ftr" sz="quarter" idx="11"/>
-          </p:nvPr>
-        </p:nvSpPr>
-        <p:spPr/>
-        <p:txBody>
-          <a:bodyPr/>
-          <a:lstStyle/>
-          <a:p>
-            <a:r>
-              <a:rPr lang="en-US"/>
-              <a:t>https://github.com/joegardnr/ResilientFaultTolerance</a:t>
-            </a:r>
-          </a:p>
-        </p:txBody>
-      </p:sp>
     </p:spTree>
     <p:extLst>
       <p:ext uri="{BB962C8B-B14F-4D97-AF65-F5344CB8AC3E}">
@@ -12413,31 +12577,31 @@
         <a:sysClr val="window" lastClr="FFFFFF"/>
       </a:lt1>
       <a:dk2>
-        <a:srgbClr val="455F51"/>
+        <a:srgbClr val="344068"/>
       </a:dk2>
       <a:lt2>
-        <a:srgbClr val="E2DFCC"/>
+        <a:srgbClr val="D9E0E6"/>
       </a:lt2>
       <a:accent1>
-        <a:srgbClr val="99CB38"/>
+        <a:srgbClr val="1CADE4"/>
       </a:accent1>
       <a:accent2>
-        <a:srgbClr val="63A537"/>
+        <a:srgbClr val="2683C6"/>
       </a:accent2>
       <a:accent3>
-        <a:srgbClr val="37A76F"/>
+        <a:srgbClr val="28C4CC"/>
       </a:accent3>
       <a:accent4>
-        <a:srgbClr val="44C1A3"/>
+        <a:srgbClr val="42BA97"/>
       </a:accent4>
       <a:accent5>
-        <a:srgbClr val="4EB3CF"/>
+        <a:srgbClr val="3E8853"/>
       </a:accent5>
       <a:accent6>
-        <a:srgbClr val="51C3F9"/>
+        <a:srgbClr val="62A39F"/>
       </a:accent6>
       <a:hlink>
-        <a:srgbClr val="6B9F25"/>
+        <a:srgbClr val="6EAC1C"/>
       </a:hlink>
       <a:folHlink>
         <a:srgbClr val="B26B02"/>
@@ -12679,7 +12843,7 @@
   <a:extraClrSchemeLst/>
   <a:extLst>
     <a:ext uri="{05A4C25C-085E-4340-85A3-A5531E510DB2}">
-      <thm15:themeFamily xmlns:thm15="http://schemas.microsoft.com/office/thememl/2012/main" name="Retrospect" id="{5F128B03-DCCA-4EEB-AB3B-CF2899314A46}" vid="{D26EA377-59BD-4C9C-9D94-EE8416EE4C79}"/>
+      <thm15:themeFamily xmlns:thm15="http://schemas.microsoft.com/office/thememl/2012/main" name="Retrospect" id="{5F128B03-DCCA-4EEB-AB3B-CF2899314A46}" vid="{9CC26709-368C-4D72-9060-94E5B3FF3CD6}"/>
     </a:ext>
   </a:extLst>
 </a:theme>

--- a/ResilientFaultTolerance.pptx
+++ b/ResilientFaultTolerance.pptx
@@ -5,29 +5,30 @@
     <p:sldMasterId id="2147483785" r:id="rId1"/>
   </p:sldMasterIdLst>
   <p:notesMasterIdLst>
-    <p:notesMasterId r:id="rId22"/>
+    <p:notesMasterId r:id="rId23"/>
   </p:notesMasterIdLst>
   <p:sldIdLst>
     <p:sldId id="256" r:id="rId2"/>
     <p:sldId id="257" r:id="rId3"/>
-    <p:sldId id="259" r:id="rId4"/>
-    <p:sldId id="276" r:id="rId5"/>
-    <p:sldId id="285" r:id="rId6"/>
-    <p:sldId id="277" r:id="rId7"/>
-    <p:sldId id="270" r:id="rId8"/>
-    <p:sldId id="266" r:id="rId9"/>
-    <p:sldId id="264" r:id="rId10"/>
-    <p:sldId id="280" r:id="rId11"/>
-    <p:sldId id="279" r:id="rId12"/>
-    <p:sldId id="282" r:id="rId13"/>
-    <p:sldId id="283" r:id="rId14"/>
-    <p:sldId id="286" r:id="rId15"/>
-    <p:sldId id="284" r:id="rId16"/>
-    <p:sldId id="287" r:id="rId17"/>
-    <p:sldId id="288" r:id="rId18"/>
-    <p:sldId id="291" r:id="rId19"/>
-    <p:sldId id="289" r:id="rId20"/>
-    <p:sldId id="290" r:id="rId21"/>
+    <p:sldId id="292" r:id="rId4"/>
+    <p:sldId id="259" r:id="rId5"/>
+    <p:sldId id="276" r:id="rId6"/>
+    <p:sldId id="285" r:id="rId7"/>
+    <p:sldId id="277" r:id="rId8"/>
+    <p:sldId id="270" r:id="rId9"/>
+    <p:sldId id="266" r:id="rId10"/>
+    <p:sldId id="264" r:id="rId11"/>
+    <p:sldId id="280" r:id="rId12"/>
+    <p:sldId id="279" r:id="rId13"/>
+    <p:sldId id="282" r:id="rId14"/>
+    <p:sldId id="283" r:id="rId15"/>
+    <p:sldId id="293" r:id="rId16"/>
+    <p:sldId id="284" r:id="rId17"/>
+    <p:sldId id="287" r:id="rId18"/>
+    <p:sldId id="288" r:id="rId19"/>
+    <p:sldId id="291" r:id="rId20"/>
+    <p:sldId id="289" r:id="rId21"/>
+    <p:sldId id="290" r:id="rId22"/>
   </p:sldIdLst>
   <p:sldSz cx="12192000" cy="6858000"/>
   <p:notesSz cx="6858000" cy="9144000"/>
@@ -253,7 +254,7 @@
           <a:p>
             <a:fld id="{F5457D03-6B1D-415B-8CDE-DE157993C910}" type="datetimeFigureOut">
               <a:rPr lang="en-US" smtClean="0"/>
-              <a:t>10/6/2020</a:t>
+              <a:t>7/9/2022</a:t>
             </a:fld>
             <a:endParaRPr lang="en-US"/>
           </a:p>
@@ -653,7 +654,28 @@
           <a:p>
             <a:r>
               <a:rPr lang="en-US" dirty="0"/>
-              <a:t>What are we doing today to handle faults? Nothing is not great, it puts all the responsibility on the Caller for recovery and provides you with little to no traceability.</a:t>
+              <a:t>Mean Time to Resolution measured for:</a:t>
+            </a:r>
+            <a:br>
+              <a:rPr lang="en-US" dirty="0"/>
+            </a:br>
+            <a:r>
+              <a:rPr lang="en-US" dirty="0"/>
+              <a:t>Disasters is Hours to Days</a:t>
+            </a:r>
+            <a:br>
+              <a:rPr lang="en-US" dirty="0"/>
+            </a:br>
+            <a:r>
+              <a:rPr lang="en-US" dirty="0"/>
+              <a:t>High Availability is Minutes to Hours</a:t>
+            </a:r>
+            <a:br>
+              <a:rPr lang="en-US" dirty="0"/>
+            </a:br>
+            <a:r>
+              <a:rPr lang="en-US" dirty="0"/>
+              <a:t>Transient Failures is Seconds to Minutes</a:t>
             </a:r>
           </a:p>
         </p:txBody>
@@ -684,7 +706,7 @@
     </p:spTree>
     <p:extLst>
       <p:ext uri="{BB962C8B-B14F-4D97-AF65-F5344CB8AC3E}">
-        <p14:creationId xmlns:p14="http://schemas.microsoft.com/office/powerpoint/2010/main" val="3185918645"/>
+        <p14:creationId xmlns:p14="http://schemas.microsoft.com/office/powerpoint/2010/main" val="912082244"/>
       </p:ext>
     </p:extLst>
   </p:cSld>
@@ -771,7 +793,7 @@
     </p:spTree>
     <p:extLst>
       <p:ext uri="{BB962C8B-B14F-4D97-AF65-F5344CB8AC3E}">
-        <p14:creationId xmlns:p14="http://schemas.microsoft.com/office/powerpoint/2010/main" val="3466732867"/>
+        <p14:creationId xmlns:p14="http://schemas.microsoft.com/office/powerpoint/2010/main" val="3185918645"/>
       </p:ext>
     </p:extLst>
   </p:cSld>
@@ -827,7 +849,7 @@
           <a:p>
             <a:r>
               <a:rPr lang="en-US" dirty="0"/>
-              <a:t>What are we doing today to handle faults? Nothing is not great, it puts all the responsibility on the Caller for recovery and provides you with little to no traceability.</a:t>
+              <a:t>Try/Catch blocks at least give us some traceability, but not much else.</a:t>
             </a:r>
           </a:p>
         </p:txBody>
@@ -858,7 +880,7 @@
     </p:spTree>
     <p:extLst>
       <p:ext uri="{BB962C8B-B14F-4D97-AF65-F5344CB8AC3E}">
-        <p14:creationId xmlns:p14="http://schemas.microsoft.com/office/powerpoint/2010/main" val="1302183826"/>
+        <p14:creationId xmlns:p14="http://schemas.microsoft.com/office/powerpoint/2010/main" val="3466732867"/>
       </p:ext>
     </p:extLst>
   </p:cSld>
@@ -914,11 +936,7 @@
           <a:p>
             <a:r>
               <a:rPr lang="en-US" dirty="0"/>
-              <a:t>The Polly Project gives you a very clean library for doing all those fault tolerant strategies, in </a:t>
-            </a:r>
-            <a:r>
-              <a:rPr lang="en-US"/>
-              <a:t>whatever combinations you need.</a:t>
+              <a:t>Can you find the actual business logic inside all this “resiliency”? </a:t>
             </a:r>
           </a:p>
         </p:txBody>
@@ -940,7 +958,7 @@
           <a:p>
             <a:fld id="{A9D70077-48F1-4696-BB92-CBD546BEF220}" type="slidenum">
               <a:rPr lang="en-US" smtClean="0"/>
-              <a:t>7</a:t>
+              <a:t>6</a:t>
             </a:fld>
             <a:endParaRPr lang="en-US"/>
           </a:p>
@@ -949,7 +967,7 @@
     </p:spTree>
     <p:extLst>
       <p:ext uri="{BB962C8B-B14F-4D97-AF65-F5344CB8AC3E}">
-        <p14:creationId xmlns:p14="http://schemas.microsoft.com/office/powerpoint/2010/main" val="1765428442"/>
+        <p14:creationId xmlns:p14="http://schemas.microsoft.com/office/powerpoint/2010/main" val="1302183826"/>
       </p:ext>
     </p:extLst>
   </p:cSld>
@@ -1005,7 +1023,11 @@
           <a:p>
             <a:r>
               <a:rPr lang="en-US" dirty="0"/>
-              <a:t>Before we start looking at approaches to address the errors, we need to set some ground rules. We assume the errors are external, transient, and not my fault.  Bugs internal to my service can be addressed through code fixes and better Unit Tests. But if I’m trying to insert into a database that doesn’t exist or have the wrong the base URI for a service, there isn’t much you can do to recover automatically.</a:t>
+              <a:t>The Polly Project gives you a very clean library for doing all those fault tolerant strategies, in </a:t>
+            </a:r>
+            <a:r>
+              <a:rPr lang="en-US"/>
+              <a:t>whatever combinations you need.</a:t>
             </a:r>
           </a:p>
         </p:txBody>
@@ -1036,7 +1058,7 @@
     </p:spTree>
     <p:extLst>
       <p:ext uri="{BB962C8B-B14F-4D97-AF65-F5344CB8AC3E}">
-        <p14:creationId xmlns:p14="http://schemas.microsoft.com/office/powerpoint/2010/main" val="2411188996"/>
+        <p14:creationId xmlns:p14="http://schemas.microsoft.com/office/powerpoint/2010/main" val="1765428442"/>
       </p:ext>
     </p:extLst>
   </p:cSld>
@@ -1092,15 +1114,7 @@
           <a:p>
             <a:r>
               <a:rPr lang="en-US" dirty="0"/>
-              <a:t>We agree that throwing an exception is not a great way to respond to errors from external systems.  So what should we do? We will use some pseudo code to talk about different approaches for handling faults. Then we will look at some pre-built libraries for </a:t>
-            </a:r>
-            <a:r>
-              <a:rPr lang="en-US" dirty="0" err="1"/>
-              <a:t>.Net</a:t>
-            </a:r>
-            <a:r>
-              <a:rPr lang="en-US" dirty="0"/>
-              <a:t> and Java that wrap up those approaches into a nice library that makes it easy to apply without having to write a ton of code.</a:t>
+              <a:t>Before we start looking at approaches to address the errors, we need to set some ground rules. We assume the errors are external, transient, and not my fault.  Bugs internal to my service can be addressed through code fixes and better Unit Tests. But if I’m trying to insert into a database that doesn’t exist or have the wrong the base URI for a service, there isn’t much you can do to recover automatically.</a:t>
             </a:r>
           </a:p>
         </p:txBody>
@@ -1131,7 +1145,7 @@
     </p:spTree>
     <p:extLst>
       <p:ext uri="{BB962C8B-B14F-4D97-AF65-F5344CB8AC3E}">
-        <p14:creationId xmlns:p14="http://schemas.microsoft.com/office/powerpoint/2010/main" val="538965816"/>
+        <p14:creationId xmlns:p14="http://schemas.microsoft.com/office/powerpoint/2010/main" val="2411188996"/>
       </p:ext>
     </p:extLst>
   </p:cSld>
@@ -1187,7 +1201,15 @@
           <a:p>
             <a:r>
               <a:rPr lang="en-US" dirty="0"/>
-              <a:t>If that subtitle made you think of Captain Planet, we can totally be friends.</a:t>
+              <a:t>We agree that throwing an exception is not a great way to respond to errors from external systems.  So what should we do? We will use some pseudo code to talk about different approaches for handling faults. Then we will look at some pre-built libraries for </a:t>
+            </a:r>
+            <a:r>
+              <a:rPr lang="en-US" dirty="0" err="1"/>
+              <a:t>.Net</a:t>
+            </a:r>
+            <a:r>
+              <a:rPr lang="en-US" dirty="0"/>
+              <a:t> and Java that wrap up those approaches into a nice library that makes it easy to apply without having to write a ton of code.</a:t>
             </a:r>
           </a:p>
         </p:txBody>
@@ -1209,7 +1231,94 @@
           <a:p>
             <a:fld id="{A9D70077-48F1-4696-BB92-CBD546BEF220}" type="slidenum">
               <a:rPr lang="en-US" smtClean="0"/>
-              <a:t>12</a:t>
+              <a:t>10</a:t>
+            </a:fld>
+            <a:endParaRPr lang="en-US"/>
+          </a:p>
+        </p:txBody>
+      </p:sp>
+    </p:spTree>
+    <p:extLst>
+      <p:ext uri="{BB962C8B-B14F-4D97-AF65-F5344CB8AC3E}">
+        <p14:creationId xmlns:p14="http://schemas.microsoft.com/office/powerpoint/2010/main" val="538965816"/>
+      </p:ext>
+    </p:extLst>
+  </p:cSld>
+  <p:clrMapOvr>
+    <a:masterClrMapping/>
+  </p:clrMapOvr>
+</p:notes>
+</file>
+
+<file path=ppt/notesSlides/notesSlide9.xml><?xml version="1.0" encoding="utf-8"?>
+<p:notes xmlns:a="http://schemas.openxmlformats.org/drawingml/2006/main" xmlns:r="http://schemas.openxmlformats.org/officeDocument/2006/relationships" xmlns:p="http://schemas.openxmlformats.org/presentationml/2006/main">
+  <p:cSld>
+    <p:spTree>
+      <p:nvGrpSpPr>
+        <p:cNvPr id="1" name=""/>
+        <p:cNvGrpSpPr/>
+        <p:nvPr/>
+      </p:nvGrpSpPr>
+      <p:grpSpPr>
+        <a:xfrm>
+          <a:off x="0" y="0"/>
+          <a:ext cx="0" cy="0"/>
+          <a:chOff x="0" y="0"/>
+          <a:chExt cx="0" cy="0"/>
+        </a:xfrm>
+      </p:grpSpPr>
+      <p:sp>
+        <p:nvSpPr>
+          <p:cNvPr id="2" name="Slide Image Placeholder 1"/>
+          <p:cNvSpPr>
+            <a:spLocks noGrp="1" noRot="1" noChangeAspect="1"/>
+          </p:cNvSpPr>
+          <p:nvPr>
+            <p:ph type="sldImg"/>
+          </p:nvPr>
+        </p:nvSpPr>
+        <p:spPr/>
+      </p:sp>
+      <p:sp>
+        <p:nvSpPr>
+          <p:cNvPr id="3" name="Notes Placeholder 2"/>
+          <p:cNvSpPr>
+            <a:spLocks noGrp="1"/>
+          </p:cNvSpPr>
+          <p:nvPr>
+            <p:ph type="body" idx="1"/>
+          </p:nvPr>
+        </p:nvSpPr>
+        <p:spPr/>
+        <p:txBody>
+          <a:bodyPr/>
+          <a:lstStyle/>
+          <a:p>
+            <a:r>
+              <a:rPr lang="en-US" dirty="0"/>
+              <a:t>If that subtitle made you think of Captain Planet, we can totally be friends.</a:t>
+            </a:r>
+          </a:p>
+        </p:txBody>
+      </p:sp>
+      <p:sp>
+        <p:nvSpPr>
+          <p:cNvPr id="4" name="Slide Number Placeholder 3"/>
+          <p:cNvSpPr>
+            <a:spLocks noGrp="1"/>
+          </p:cNvSpPr>
+          <p:nvPr>
+            <p:ph type="sldNum" sz="quarter" idx="5"/>
+          </p:nvPr>
+        </p:nvSpPr>
+        <p:spPr/>
+        <p:txBody>
+          <a:bodyPr/>
+          <a:lstStyle/>
+          <a:p>
+            <a:fld id="{A9D70077-48F1-4696-BB92-CBD546BEF220}" type="slidenum">
+              <a:rPr lang="en-US" smtClean="0"/>
+              <a:t>13</a:t>
             </a:fld>
             <a:endParaRPr lang="en-US"/>
           </a:p>
@@ -1454,7 +1563,7 @@
           <a:p>
             <a:fld id="{DB277FD4-6F62-4072-884E-53BD33EE21AD}" type="datetime1">
               <a:rPr lang="en-US" smtClean="0"/>
-              <a:t>10/6/2020</a:t>
+              <a:t>7/9/2022</a:t>
             </a:fld>
             <a:endParaRPr lang="en-US"/>
           </a:p>
@@ -1666,7 +1775,7 @@
           <a:p>
             <a:fld id="{9F90232B-CE5B-4328-A9C3-2A24ED0D12D6}" type="datetime1">
               <a:rPr lang="en-US" smtClean="0"/>
-              <a:t>10/6/2020</a:t>
+              <a:t>7/9/2022</a:t>
             </a:fld>
             <a:endParaRPr lang="en-US"/>
           </a:p>
@@ -1925,7 +2034,7 @@
           <a:p>
             <a:fld id="{0C92B229-45C0-460C-A040-33377D746229}" type="datetime1">
               <a:rPr lang="en-US" smtClean="0"/>
-              <a:t>10/6/2020</a:t>
+              <a:t>7/9/2022</a:t>
             </a:fld>
             <a:endParaRPr lang="en-US"/>
           </a:p>
@@ -2098,7 +2207,7 @@
           <a:p>
             <a:fld id="{BA0F38E7-9941-4203-A261-C009CBCCF38D}" type="datetime1">
               <a:rPr lang="en-US" smtClean="0"/>
-              <a:t>10/6/2020</a:t>
+              <a:t>7/9/2022</a:t>
             </a:fld>
             <a:endParaRPr lang="en-US"/>
           </a:p>
@@ -2444,7 +2553,7 @@
           <a:p>
             <a:fld id="{7DCF51F0-00A5-4A4C-921E-AC201FC6896E}" type="datetime1">
               <a:rPr lang="en-US" smtClean="0"/>
-              <a:t>10/6/2020</a:t>
+              <a:t>7/9/2022</a:t>
             </a:fld>
             <a:endParaRPr lang="en-US"/>
           </a:p>
@@ -2722,7 +2831,7 @@
           <a:p>
             <a:fld id="{5EB2874E-DDE8-4CE4-9506-11F6EE6A859B}" type="datetime1">
               <a:rPr lang="en-US" smtClean="0"/>
-              <a:t>10/6/2020</a:t>
+              <a:t>7/9/2022</a:t>
             </a:fld>
             <a:endParaRPr lang="en-US"/>
           </a:p>
@@ -3104,7 +3213,7 @@
           <a:p>
             <a:fld id="{63D68EF0-BF8F-4E3C-9C05-745CC29F35F6}" type="datetime1">
               <a:rPr lang="en-US" smtClean="0"/>
-              <a:t>10/6/2020</a:t>
+              <a:t>7/9/2022</a:t>
             </a:fld>
             <a:endParaRPr lang="en-US"/>
           </a:p>
@@ -3225,7 +3334,7 @@
           <a:p>
             <a:fld id="{277C0380-A3C3-474B-ABAB-1F42FF55D86B}" type="datetime1">
               <a:rPr lang="en-US" smtClean="0"/>
-              <a:t>10/6/2020</a:t>
+              <a:t>7/9/2022</a:t>
             </a:fld>
             <a:endParaRPr lang="en-US"/>
           </a:p>
@@ -3399,7 +3508,7 @@
           <a:p>
             <a:fld id="{22885D81-B49B-4A1F-A46B-3FA8860DE8E3}" type="datetime1">
               <a:rPr lang="en-US" smtClean="0"/>
-              <a:t>10/6/2020</a:t>
+              <a:t>7/9/2022</a:t>
             </a:fld>
             <a:endParaRPr lang="en-US"/>
           </a:p>
@@ -3756,7 +3865,7 @@
           <a:p>
             <a:fld id="{CE003DDC-C3D7-4B7E-9D6E-6FE1E60E6CD6}" type="datetime1">
               <a:rPr lang="en-US" smtClean="0"/>
-              <a:t>10/6/2020</a:t>
+              <a:t>7/9/2022</a:t>
             </a:fld>
             <a:endParaRPr lang="en-US"/>
           </a:p>
@@ -4137,7 +4246,7 @@
           <a:p>
             <a:fld id="{4C50796D-ED4F-411B-9976-A0E140ED846B}" type="datetime1">
               <a:rPr lang="en-US" smtClean="0"/>
-              <a:t>10/6/2020</a:t>
+              <a:t>7/9/2022</a:t>
             </a:fld>
             <a:endParaRPr lang="en-US"/>
           </a:p>
@@ -4426,7 +4535,7 @@
           <a:p>
             <a:fld id="{256BFE09-05DC-4212-9A86-C209753491E3}" type="datetime1">
               <a:rPr lang="en-US" smtClean="0"/>
-              <a:t>10/6/2020</a:t>
+              <a:t>7/9/2022</a:t>
             </a:fld>
             <a:endParaRPr lang="en-US" dirty="0"/>
           </a:p>
@@ -4978,14 +5087,14 @@
           <a:p>
             <a:r>
               <a:rPr lang="en-US" dirty="0"/>
-              <a:t>Resilient Fault Handling</a:t>
+              <a:t>Resilient Fault Tolerance</a:t>
             </a:r>
             <a:br>
               <a:rPr lang="en-US" dirty="0"/>
             </a:br>
             <a:r>
               <a:rPr lang="en-US" dirty="0"/>
-              <a:t>with Polly</a:t>
+              <a:t>with the Polly Project</a:t>
             </a:r>
           </a:p>
         </p:txBody>
@@ -5020,7 +5129,7 @@
           <a:p>
             <a:r>
               <a:rPr lang="en-US" dirty="0"/>
-              <a:t>Joe Gardner | Lead Developer </a:t>
+              <a:t>Joe Gardner | Developer </a:t>
             </a:r>
           </a:p>
           <a:p>
@@ -5094,6 +5203,120 @@
 </file>
 
 <file path=ppt/slides/slide10.xml><?xml version="1.0" encoding="utf-8"?>
+<p:sld xmlns:a="http://schemas.openxmlformats.org/drawingml/2006/main" xmlns:r="http://schemas.openxmlformats.org/officeDocument/2006/relationships" xmlns:p="http://schemas.openxmlformats.org/presentationml/2006/main">
+  <p:cSld>
+    <p:spTree>
+      <p:nvGrpSpPr>
+        <p:cNvPr id="1" name=""/>
+        <p:cNvGrpSpPr/>
+        <p:nvPr/>
+      </p:nvGrpSpPr>
+      <p:grpSpPr>
+        <a:xfrm>
+          <a:off x="0" y="0"/>
+          <a:ext cx="0" cy="0"/>
+          <a:chOff x="0" y="0"/>
+          <a:chExt cx="0" cy="0"/>
+        </a:xfrm>
+      </p:grpSpPr>
+      <p:sp>
+        <p:nvSpPr>
+          <p:cNvPr id="2" name="Title 1">
+            <a:extLst>
+              <a:ext uri="{FF2B5EF4-FFF2-40B4-BE49-F238E27FC236}">
+                <a16:creationId xmlns:a16="http://schemas.microsoft.com/office/drawing/2014/main" id="{BAB0F071-523B-428C-8A4B-A5F88FA4971C}"/>
+              </a:ext>
+            </a:extLst>
+          </p:cNvPr>
+          <p:cNvSpPr>
+            <a:spLocks noGrp="1"/>
+          </p:cNvSpPr>
+          <p:nvPr>
+            <p:ph type="title"/>
+          </p:nvPr>
+        </p:nvSpPr>
+        <p:spPr/>
+        <p:txBody>
+          <a:bodyPr/>
+          <a:lstStyle/>
+          <a:p>
+            <a:r>
+              <a:rPr lang="en-US" dirty="0"/>
+              <a:t>Demo</a:t>
+            </a:r>
+          </a:p>
+        </p:txBody>
+      </p:sp>
+      <p:sp>
+        <p:nvSpPr>
+          <p:cNvPr id="3" name="Text Placeholder 2">
+            <a:extLst>
+              <a:ext uri="{FF2B5EF4-FFF2-40B4-BE49-F238E27FC236}">
+                <a16:creationId xmlns:a16="http://schemas.microsoft.com/office/drawing/2014/main" id="{C2D02A7C-C537-402E-832B-7BBCEB56EF0F}"/>
+              </a:ext>
+            </a:extLst>
+          </p:cNvPr>
+          <p:cNvSpPr>
+            <a:spLocks noGrp="1"/>
+          </p:cNvSpPr>
+          <p:nvPr>
+            <p:ph type="body" idx="1"/>
+          </p:nvPr>
+        </p:nvSpPr>
+        <p:spPr/>
+        <p:txBody>
+          <a:bodyPr/>
+          <a:lstStyle/>
+          <a:p>
+            <a:r>
+              <a:rPr lang="en-US" dirty="0"/>
+              <a:t>If at First you Don’t Succeed, try Again!</a:t>
+            </a:r>
+          </a:p>
+        </p:txBody>
+      </p:sp>
+      <p:sp>
+        <p:nvSpPr>
+          <p:cNvPr id="4" name="Footer Placeholder 3">
+            <a:extLst>
+              <a:ext uri="{FF2B5EF4-FFF2-40B4-BE49-F238E27FC236}">
+                <a16:creationId xmlns:a16="http://schemas.microsoft.com/office/drawing/2014/main" id="{D861D797-C080-4DFB-9411-85A9AB181B39}"/>
+              </a:ext>
+            </a:extLst>
+          </p:cNvPr>
+          <p:cNvSpPr>
+            <a:spLocks noGrp="1"/>
+          </p:cNvSpPr>
+          <p:nvPr>
+            <p:ph type="ftr" sz="quarter" idx="11"/>
+          </p:nvPr>
+        </p:nvSpPr>
+        <p:spPr/>
+        <p:txBody>
+          <a:bodyPr/>
+          <a:lstStyle/>
+          <a:p>
+            <a:r>
+              <a:rPr lang="en-US"/>
+              <a:t>https://github.com/joegardnr/ResilientFaultTolerance</a:t>
+            </a:r>
+          </a:p>
+        </p:txBody>
+      </p:sp>
+    </p:spTree>
+    <p:extLst>
+      <p:ext uri="{BB962C8B-B14F-4D97-AF65-F5344CB8AC3E}">
+        <p14:creationId xmlns:p14="http://schemas.microsoft.com/office/powerpoint/2010/main" val="3521323831"/>
+      </p:ext>
+    </p:extLst>
+  </p:cSld>
+  <p:clrMapOvr>
+    <a:masterClrMapping/>
+  </p:clrMapOvr>
+</p:sld>
+</file>
+
+<file path=ppt/slides/slide11.xml><?xml version="1.0" encoding="utf-8"?>
 <p:sld xmlns:a="http://schemas.openxmlformats.org/drawingml/2006/main" xmlns:r="http://schemas.openxmlformats.org/officeDocument/2006/relationships" xmlns:p="http://schemas.openxmlformats.org/presentationml/2006/main">
   <p:cSld>
     <p:spTree>
@@ -5808,934 +6031,6 @@
 </p:sld>
 </file>
 
-<file path=ppt/slides/slide11.xml><?xml version="1.0" encoding="utf-8"?>
-<p:sld xmlns:a="http://schemas.openxmlformats.org/drawingml/2006/main" xmlns:r="http://schemas.openxmlformats.org/officeDocument/2006/relationships" xmlns:p="http://schemas.openxmlformats.org/presentationml/2006/main">
-  <p:cSld>
-    <p:spTree>
-      <p:nvGrpSpPr>
-        <p:cNvPr id="1" name=""/>
-        <p:cNvGrpSpPr/>
-        <p:nvPr/>
-      </p:nvGrpSpPr>
-      <p:grpSpPr>
-        <a:xfrm>
-          <a:off x="0" y="0"/>
-          <a:ext cx="0" cy="0"/>
-          <a:chOff x="0" y="0"/>
-          <a:chExt cx="0" cy="0"/>
-        </a:xfrm>
-      </p:grpSpPr>
-      <p:sp>
-        <p:nvSpPr>
-          <p:cNvPr id="2" name="Title 1">
-            <a:extLst>
-              <a:ext uri="{FF2B5EF4-FFF2-40B4-BE49-F238E27FC236}">
-                <a16:creationId xmlns:a16="http://schemas.microsoft.com/office/drawing/2014/main" id="{429B99CF-B4FD-41F8-BF36-2878AE98E614}"/>
-              </a:ext>
-            </a:extLst>
-          </p:cNvPr>
-          <p:cNvSpPr>
-            <a:spLocks noGrp="1"/>
-          </p:cNvSpPr>
-          <p:nvPr>
-            <p:ph type="title"/>
-          </p:nvPr>
-        </p:nvSpPr>
-        <p:spPr/>
-        <p:txBody>
-          <a:bodyPr/>
-          <a:lstStyle/>
-          <a:p>
-            <a:r>
-              <a:rPr lang="en-US" dirty="0" err="1"/>
-              <a:t>PolicyWrap</a:t>
-            </a:r>
-            <a:endParaRPr lang="en-US" dirty="0"/>
-          </a:p>
-        </p:txBody>
-      </p:sp>
-      <p:sp>
-        <p:nvSpPr>
-          <p:cNvPr id="3" name="Content Placeholder 2">
-            <a:extLst>
-              <a:ext uri="{FF2B5EF4-FFF2-40B4-BE49-F238E27FC236}">
-                <a16:creationId xmlns:a16="http://schemas.microsoft.com/office/drawing/2014/main" id="{EA919590-D147-464D-8498-1786EF83740B}"/>
-              </a:ext>
-            </a:extLst>
-          </p:cNvPr>
-          <p:cNvSpPr>
-            <a:spLocks noGrp="1"/>
-          </p:cNvSpPr>
-          <p:nvPr>
-            <p:ph idx="1"/>
-          </p:nvPr>
-        </p:nvSpPr>
-        <p:spPr>
-          <a:xfrm>
-            <a:off x="4110361" y="731520"/>
-            <a:ext cx="8081639" cy="5257800"/>
-          </a:xfrm>
-        </p:spPr>
-        <p:txBody>
-          <a:bodyPr>
-            <a:normAutofit fontScale="92500" lnSpcReduction="10000"/>
-          </a:bodyPr>
-          <a:lstStyle/>
-          <a:p>
-            <a:pPr marL="0" indent="0">
-              <a:buNone/>
-            </a:pPr>
-            <a:r>
-              <a:rPr lang="en-US" dirty="0">
-                <a:solidFill>
-                  <a:srgbClr val="0000FF"/>
-                </a:solidFill>
-                <a:latin typeface="Consolas" panose="020B0609020204030204" pitchFamily="49" charset="0"/>
-              </a:rPr>
-              <a:t>var</a:t>
-            </a:r>
-            <a:r>
-              <a:rPr lang="en-US" dirty="0">
-                <a:solidFill>
-                  <a:srgbClr val="000000"/>
-                </a:solidFill>
-                <a:latin typeface="Consolas" panose="020B0609020204030204" pitchFamily="49" charset="0"/>
-              </a:rPr>
-              <a:t> </a:t>
-            </a:r>
-            <a:r>
-              <a:rPr lang="en-US" dirty="0">
-                <a:solidFill>
-                  <a:srgbClr val="001080"/>
-                </a:solidFill>
-                <a:latin typeface="Consolas" panose="020B0609020204030204" pitchFamily="49" charset="0"/>
-              </a:rPr>
-              <a:t>retry</a:t>
-            </a:r>
-            <a:r>
-              <a:rPr lang="en-US" dirty="0">
-                <a:solidFill>
-                  <a:srgbClr val="000000"/>
-                </a:solidFill>
-                <a:latin typeface="Consolas" panose="020B0609020204030204" pitchFamily="49" charset="0"/>
-              </a:rPr>
-              <a:t> = </a:t>
-            </a:r>
-            <a:r>
-              <a:rPr lang="en-US" dirty="0">
-                <a:solidFill>
-                  <a:srgbClr val="001080"/>
-                </a:solidFill>
-                <a:latin typeface="Consolas" panose="020B0609020204030204" pitchFamily="49" charset="0"/>
-              </a:rPr>
-              <a:t>Policy&lt;int&gt;</a:t>
-            </a:r>
-            <a:endParaRPr lang="en-US" dirty="0">
-              <a:solidFill>
-                <a:srgbClr val="000000"/>
-              </a:solidFill>
-              <a:latin typeface="Consolas" panose="020B0609020204030204" pitchFamily="49" charset="0"/>
-            </a:endParaRPr>
-          </a:p>
-          <a:p>
-            <a:pPr marL="0" indent="0">
-              <a:buNone/>
-            </a:pPr>
-            <a:r>
-              <a:rPr lang="en-US" dirty="0">
-                <a:solidFill>
-                  <a:srgbClr val="000000"/>
-                </a:solidFill>
-                <a:latin typeface="Consolas" panose="020B0609020204030204" pitchFamily="49" charset="0"/>
-              </a:rPr>
-              <a:t>             .</a:t>
-            </a:r>
-            <a:r>
-              <a:rPr lang="en-US" dirty="0">
-                <a:solidFill>
-                  <a:srgbClr val="795E26"/>
-                </a:solidFill>
-                <a:latin typeface="Consolas" panose="020B0609020204030204" pitchFamily="49" charset="0"/>
-              </a:rPr>
-              <a:t>Handle</a:t>
-            </a:r>
-            <a:r>
-              <a:rPr lang="en-US" dirty="0">
-                <a:solidFill>
-                  <a:srgbClr val="000000"/>
-                </a:solidFill>
-                <a:latin typeface="Consolas" panose="020B0609020204030204" pitchFamily="49" charset="0"/>
-              </a:rPr>
-              <a:t>&lt;</a:t>
-            </a:r>
-            <a:r>
-              <a:rPr lang="en-US" dirty="0" err="1">
-                <a:solidFill>
-                  <a:srgbClr val="267F99"/>
-                </a:solidFill>
-                <a:latin typeface="Consolas" panose="020B0609020204030204" pitchFamily="49" charset="0"/>
-              </a:rPr>
-              <a:t>SomeExceptionType</a:t>
-            </a:r>
-            <a:r>
-              <a:rPr lang="en-US" dirty="0">
-                <a:solidFill>
-                  <a:srgbClr val="000000"/>
-                </a:solidFill>
-                <a:latin typeface="Consolas" panose="020B0609020204030204" pitchFamily="49" charset="0"/>
-              </a:rPr>
-              <a:t>&gt;()</a:t>
-            </a:r>
-          </a:p>
-          <a:p>
-            <a:pPr marL="0" indent="0">
-              <a:buNone/>
-            </a:pPr>
-            <a:r>
-              <a:rPr lang="en-US" b="0" dirty="0">
-                <a:solidFill>
-                  <a:srgbClr val="000000"/>
-                </a:solidFill>
-                <a:effectLst/>
-                <a:latin typeface="Consolas" panose="020B0609020204030204" pitchFamily="49" charset="0"/>
-              </a:rPr>
-              <a:t>             .</a:t>
-            </a:r>
-            <a:r>
-              <a:rPr lang="en-US" b="0" dirty="0" err="1">
-                <a:solidFill>
-                  <a:srgbClr val="795E26"/>
-                </a:solidFill>
-                <a:effectLst/>
-                <a:latin typeface="Consolas" panose="020B0609020204030204" pitchFamily="49" charset="0"/>
-              </a:rPr>
-              <a:t>OrResult</a:t>
-            </a:r>
-            <a:r>
-              <a:rPr lang="en-US" b="0" dirty="0">
-                <a:solidFill>
-                  <a:srgbClr val="000000"/>
-                </a:solidFill>
-                <a:effectLst/>
-                <a:latin typeface="Consolas" panose="020B0609020204030204" pitchFamily="49" charset="0"/>
-              </a:rPr>
-              <a:t>((</a:t>
-            </a:r>
-            <a:r>
-              <a:rPr lang="en-US" b="0" dirty="0">
-                <a:solidFill>
-                  <a:srgbClr val="001080"/>
-                </a:solidFill>
-                <a:effectLst/>
-                <a:latin typeface="Consolas" panose="020B0609020204030204" pitchFamily="49" charset="0"/>
-              </a:rPr>
-              <a:t>result</a:t>
-            </a:r>
-            <a:r>
-              <a:rPr lang="en-US" b="0" dirty="0">
-                <a:solidFill>
-                  <a:srgbClr val="000000"/>
-                </a:solidFill>
-                <a:effectLst/>
-                <a:latin typeface="Consolas" panose="020B0609020204030204" pitchFamily="49" charset="0"/>
-              </a:rPr>
-              <a:t>) =&gt; (</a:t>
-            </a:r>
-            <a:r>
-              <a:rPr lang="en-US" b="0" dirty="0">
-                <a:solidFill>
-                  <a:srgbClr val="001080"/>
-                </a:solidFill>
-                <a:effectLst/>
-                <a:latin typeface="Consolas" panose="020B0609020204030204" pitchFamily="49" charset="0"/>
-              </a:rPr>
-              <a:t>result</a:t>
-            </a:r>
-            <a:r>
-              <a:rPr lang="en-US" b="0" dirty="0">
-                <a:solidFill>
-                  <a:srgbClr val="000000"/>
-                </a:solidFill>
-                <a:effectLst/>
-                <a:latin typeface="Consolas" panose="020B0609020204030204" pitchFamily="49" charset="0"/>
-              </a:rPr>
-              <a:t> &lt; </a:t>
-            </a:r>
-            <a:r>
-              <a:rPr lang="en-US" b="0" dirty="0">
-                <a:solidFill>
-                  <a:srgbClr val="098658"/>
-                </a:solidFill>
-                <a:effectLst/>
-                <a:latin typeface="Consolas" panose="020B0609020204030204" pitchFamily="49" charset="0"/>
-              </a:rPr>
-              <a:t>0</a:t>
-            </a:r>
-            <a:r>
-              <a:rPr lang="en-US" b="0" dirty="0">
-                <a:solidFill>
-                  <a:srgbClr val="000000"/>
-                </a:solidFill>
-                <a:effectLst/>
-                <a:latin typeface="Consolas" panose="020B0609020204030204" pitchFamily="49" charset="0"/>
-              </a:rPr>
-              <a:t>))</a:t>
-            </a:r>
-            <a:endParaRPr lang="en-US" dirty="0">
-              <a:solidFill>
-                <a:srgbClr val="000000"/>
-              </a:solidFill>
-              <a:latin typeface="Consolas" panose="020B0609020204030204" pitchFamily="49" charset="0"/>
-            </a:endParaRPr>
-          </a:p>
-          <a:p>
-            <a:pPr marL="0" indent="0">
-              <a:buNone/>
-            </a:pPr>
-            <a:r>
-              <a:rPr lang="en-US" dirty="0">
-                <a:solidFill>
-                  <a:srgbClr val="000000"/>
-                </a:solidFill>
-                <a:latin typeface="Consolas" panose="020B0609020204030204" pitchFamily="49" charset="0"/>
-              </a:rPr>
-              <a:t>             .</a:t>
-            </a:r>
-            <a:r>
-              <a:rPr lang="en-US" dirty="0" err="1">
-                <a:solidFill>
-                  <a:srgbClr val="795E26"/>
-                </a:solidFill>
-                <a:latin typeface="Consolas" panose="020B0609020204030204" pitchFamily="49" charset="0"/>
-              </a:rPr>
-              <a:t>WaitAndRetry</a:t>
-            </a:r>
-            <a:r>
-              <a:rPr lang="en-US" dirty="0">
-                <a:solidFill>
-                  <a:srgbClr val="000000"/>
-                </a:solidFill>
-                <a:latin typeface="Consolas" panose="020B0609020204030204" pitchFamily="49" charset="0"/>
-              </a:rPr>
-              <a:t>(</a:t>
-            </a:r>
-            <a:r>
-              <a:rPr lang="en-US" dirty="0">
-                <a:solidFill>
-                  <a:srgbClr val="09885A"/>
-                </a:solidFill>
-                <a:latin typeface="Consolas" panose="020B0609020204030204" pitchFamily="49" charset="0"/>
-              </a:rPr>
-              <a:t>3</a:t>
-            </a:r>
-            <a:r>
-              <a:rPr lang="en-US" dirty="0">
-                <a:solidFill>
-                  <a:srgbClr val="000000"/>
-                </a:solidFill>
-                <a:latin typeface="Consolas" panose="020B0609020204030204" pitchFamily="49" charset="0"/>
-              </a:rPr>
-              <a:t>, </a:t>
-            </a:r>
-            <a:r>
-              <a:rPr lang="en-US" dirty="0">
-                <a:solidFill>
-                  <a:srgbClr val="09885A"/>
-                </a:solidFill>
-                <a:latin typeface="Consolas" panose="020B0609020204030204" pitchFamily="49" charset="0"/>
-              </a:rPr>
-              <a:t>200</a:t>
-            </a:r>
-            <a:r>
-              <a:rPr lang="en-US" dirty="0">
-                <a:solidFill>
-                  <a:srgbClr val="000000"/>
-                </a:solidFill>
-                <a:latin typeface="Consolas" panose="020B0609020204030204" pitchFamily="49" charset="0"/>
-              </a:rPr>
-              <a:t>); </a:t>
-            </a:r>
-            <a:r>
-              <a:rPr lang="en-US" dirty="0">
-                <a:solidFill>
-                  <a:srgbClr val="008000"/>
-                </a:solidFill>
-                <a:latin typeface="Consolas" panose="020B0609020204030204" pitchFamily="49" charset="0"/>
-              </a:rPr>
-              <a:t>//3 times, 200ms</a:t>
-            </a:r>
-          </a:p>
-          <a:p>
-            <a:pPr marL="0" indent="0">
-              <a:buNone/>
-            </a:pPr>
-            <a:endParaRPr lang="en-US" dirty="0">
-              <a:solidFill>
-                <a:srgbClr val="0000FF"/>
-              </a:solidFill>
-              <a:latin typeface="Consolas" panose="020B0609020204030204" pitchFamily="49" charset="0"/>
-            </a:endParaRPr>
-          </a:p>
-          <a:p>
-            <a:pPr marL="0" indent="0">
-              <a:buNone/>
-            </a:pPr>
-            <a:r>
-              <a:rPr lang="en-US" dirty="0">
-                <a:solidFill>
-                  <a:srgbClr val="0000FF"/>
-                </a:solidFill>
-                <a:latin typeface="Consolas" panose="020B0609020204030204" pitchFamily="49" charset="0"/>
-              </a:rPr>
-              <a:t>var</a:t>
-            </a:r>
-            <a:r>
-              <a:rPr lang="en-US" dirty="0">
-                <a:solidFill>
-                  <a:srgbClr val="000000"/>
-                </a:solidFill>
-                <a:latin typeface="Consolas" panose="020B0609020204030204" pitchFamily="49" charset="0"/>
-              </a:rPr>
-              <a:t> </a:t>
-            </a:r>
-            <a:r>
-              <a:rPr lang="en-US" dirty="0">
-                <a:solidFill>
-                  <a:srgbClr val="001080"/>
-                </a:solidFill>
-                <a:latin typeface="Consolas" panose="020B0609020204030204" pitchFamily="49" charset="0"/>
-              </a:rPr>
-              <a:t>fallback</a:t>
-            </a:r>
-            <a:r>
-              <a:rPr lang="en-US" dirty="0">
-                <a:solidFill>
-                  <a:srgbClr val="000000"/>
-                </a:solidFill>
-                <a:latin typeface="Consolas" panose="020B0609020204030204" pitchFamily="49" charset="0"/>
-              </a:rPr>
-              <a:t> = </a:t>
-            </a:r>
-            <a:r>
-              <a:rPr lang="en-US" dirty="0">
-                <a:solidFill>
-                  <a:srgbClr val="001080"/>
-                </a:solidFill>
-                <a:latin typeface="Consolas" panose="020B0609020204030204" pitchFamily="49" charset="0"/>
-              </a:rPr>
-              <a:t>Policy&lt;int&gt;</a:t>
-            </a:r>
-            <a:endParaRPr lang="en-US" dirty="0">
-              <a:solidFill>
-                <a:srgbClr val="000000"/>
-              </a:solidFill>
-              <a:latin typeface="Consolas" panose="020B0609020204030204" pitchFamily="49" charset="0"/>
-            </a:endParaRPr>
-          </a:p>
-          <a:p>
-            <a:pPr marL="0" indent="0">
-              <a:buNone/>
-            </a:pPr>
-            <a:r>
-              <a:rPr lang="en-US" dirty="0">
-                <a:solidFill>
-                  <a:srgbClr val="000000"/>
-                </a:solidFill>
-                <a:latin typeface="Consolas" panose="020B0609020204030204" pitchFamily="49" charset="0"/>
-              </a:rPr>
-              <a:t>               .</a:t>
-            </a:r>
-            <a:r>
-              <a:rPr lang="en-US" dirty="0">
-                <a:solidFill>
-                  <a:srgbClr val="795E26"/>
-                </a:solidFill>
-                <a:latin typeface="Consolas" panose="020B0609020204030204" pitchFamily="49" charset="0"/>
-              </a:rPr>
-              <a:t>Handle</a:t>
-            </a:r>
-            <a:r>
-              <a:rPr lang="en-US" dirty="0">
-                <a:solidFill>
-                  <a:srgbClr val="000000"/>
-                </a:solidFill>
-                <a:latin typeface="Consolas" panose="020B0609020204030204" pitchFamily="49" charset="0"/>
-              </a:rPr>
-              <a:t>&lt;</a:t>
-            </a:r>
-            <a:r>
-              <a:rPr lang="en-US" dirty="0" err="1">
-                <a:solidFill>
-                  <a:srgbClr val="267F99"/>
-                </a:solidFill>
-                <a:latin typeface="Consolas" panose="020B0609020204030204" pitchFamily="49" charset="0"/>
-              </a:rPr>
-              <a:t>SomeExceptionType</a:t>
-            </a:r>
-            <a:r>
-              <a:rPr lang="en-US" dirty="0">
-                <a:solidFill>
-                  <a:srgbClr val="000000"/>
-                </a:solidFill>
-                <a:latin typeface="Consolas" panose="020B0609020204030204" pitchFamily="49" charset="0"/>
-              </a:rPr>
-              <a:t>&gt;()</a:t>
-            </a:r>
-          </a:p>
-          <a:p>
-            <a:pPr marL="0" indent="0">
-              <a:buNone/>
-            </a:pPr>
-            <a:r>
-              <a:rPr lang="en-US" b="0" dirty="0">
-                <a:solidFill>
-                  <a:srgbClr val="000000"/>
-                </a:solidFill>
-                <a:effectLst/>
-                <a:latin typeface="Consolas" panose="020B0609020204030204" pitchFamily="49" charset="0"/>
-              </a:rPr>
-              <a:t>               .</a:t>
-            </a:r>
-            <a:r>
-              <a:rPr lang="en-US" b="0" dirty="0" err="1">
-                <a:solidFill>
-                  <a:srgbClr val="795E26"/>
-                </a:solidFill>
-                <a:effectLst/>
-                <a:latin typeface="Consolas" panose="020B0609020204030204" pitchFamily="49" charset="0"/>
-              </a:rPr>
-              <a:t>OrResult</a:t>
-            </a:r>
-            <a:r>
-              <a:rPr lang="en-US" b="0" dirty="0">
-                <a:solidFill>
-                  <a:srgbClr val="000000"/>
-                </a:solidFill>
-                <a:effectLst/>
-                <a:latin typeface="Consolas" panose="020B0609020204030204" pitchFamily="49" charset="0"/>
-              </a:rPr>
-              <a:t>((</a:t>
-            </a:r>
-            <a:r>
-              <a:rPr lang="en-US" b="0" dirty="0">
-                <a:solidFill>
-                  <a:srgbClr val="001080"/>
-                </a:solidFill>
-                <a:effectLst/>
-                <a:latin typeface="Consolas" panose="020B0609020204030204" pitchFamily="49" charset="0"/>
-              </a:rPr>
-              <a:t>result</a:t>
-            </a:r>
-            <a:r>
-              <a:rPr lang="en-US" b="0" dirty="0">
-                <a:solidFill>
-                  <a:srgbClr val="000000"/>
-                </a:solidFill>
-                <a:effectLst/>
-                <a:latin typeface="Consolas" panose="020B0609020204030204" pitchFamily="49" charset="0"/>
-              </a:rPr>
-              <a:t>) =&gt; (</a:t>
-            </a:r>
-            <a:r>
-              <a:rPr lang="en-US" b="0" dirty="0">
-                <a:solidFill>
-                  <a:srgbClr val="001080"/>
-                </a:solidFill>
-                <a:effectLst/>
-                <a:latin typeface="Consolas" panose="020B0609020204030204" pitchFamily="49" charset="0"/>
-              </a:rPr>
-              <a:t>result</a:t>
-            </a:r>
-            <a:r>
-              <a:rPr lang="en-US" b="0" dirty="0">
-                <a:solidFill>
-                  <a:srgbClr val="000000"/>
-                </a:solidFill>
-                <a:effectLst/>
-                <a:latin typeface="Consolas" panose="020B0609020204030204" pitchFamily="49" charset="0"/>
-              </a:rPr>
-              <a:t> &lt; </a:t>
-            </a:r>
-            <a:r>
-              <a:rPr lang="en-US" b="0" dirty="0">
-                <a:solidFill>
-                  <a:srgbClr val="098658"/>
-                </a:solidFill>
-                <a:effectLst/>
-                <a:latin typeface="Consolas" panose="020B0609020204030204" pitchFamily="49" charset="0"/>
-              </a:rPr>
-              <a:t>0</a:t>
-            </a:r>
-            <a:r>
-              <a:rPr lang="en-US" b="0" dirty="0">
-                <a:solidFill>
-                  <a:srgbClr val="000000"/>
-                </a:solidFill>
-                <a:effectLst/>
-                <a:latin typeface="Consolas" panose="020B0609020204030204" pitchFamily="49" charset="0"/>
-              </a:rPr>
-              <a:t>))</a:t>
-            </a:r>
-            <a:endParaRPr lang="en-US" dirty="0">
-              <a:solidFill>
-                <a:srgbClr val="000000"/>
-              </a:solidFill>
-              <a:latin typeface="Consolas" panose="020B0609020204030204" pitchFamily="49" charset="0"/>
-            </a:endParaRPr>
-          </a:p>
-          <a:p>
-            <a:pPr marL="0" indent="0">
-              <a:buNone/>
-            </a:pPr>
-            <a:r>
-              <a:rPr lang="en-US" dirty="0">
-                <a:solidFill>
-                  <a:srgbClr val="000000"/>
-                </a:solidFill>
-                <a:latin typeface="Consolas" panose="020B0609020204030204" pitchFamily="49" charset="0"/>
-              </a:rPr>
-              <a:t>               .</a:t>
-            </a:r>
-            <a:r>
-              <a:rPr lang="en-US" dirty="0">
-                <a:solidFill>
-                  <a:srgbClr val="795E26"/>
-                </a:solidFill>
-                <a:latin typeface="Consolas" panose="020B0609020204030204" pitchFamily="49" charset="0"/>
-              </a:rPr>
-              <a:t>Fallback</a:t>
-            </a:r>
-            <a:r>
-              <a:rPr lang="en-US" dirty="0">
-                <a:solidFill>
-                  <a:srgbClr val="000000"/>
-                </a:solidFill>
-                <a:latin typeface="Consolas" panose="020B0609020204030204" pitchFamily="49" charset="0"/>
-              </a:rPr>
-              <a:t>(</a:t>
-            </a:r>
-            <a:r>
-              <a:rPr lang="en-US" dirty="0">
-                <a:solidFill>
-                  <a:srgbClr val="09885A"/>
-                </a:solidFill>
-                <a:latin typeface="Consolas" panose="020B0609020204030204" pitchFamily="49" charset="0"/>
-              </a:rPr>
-              <a:t>-1</a:t>
-            </a:r>
-            <a:r>
-              <a:rPr lang="en-US" dirty="0">
-                <a:solidFill>
-                  <a:srgbClr val="000000"/>
-                </a:solidFill>
-                <a:latin typeface="Consolas" panose="020B0609020204030204" pitchFamily="49" charset="0"/>
-              </a:rPr>
-              <a:t>);</a:t>
-            </a:r>
-          </a:p>
-          <a:p>
-            <a:pPr marL="0" indent="0">
-              <a:buNone/>
-            </a:pPr>
-            <a:endParaRPr lang="en-US" dirty="0">
-              <a:solidFill>
-                <a:srgbClr val="0000FF"/>
-              </a:solidFill>
-              <a:latin typeface="Consolas" panose="020B0609020204030204" pitchFamily="49" charset="0"/>
-            </a:endParaRPr>
-          </a:p>
-          <a:p>
-            <a:pPr marL="0" indent="0">
-              <a:buNone/>
-            </a:pPr>
-            <a:r>
-              <a:rPr lang="en-US" dirty="0">
-                <a:solidFill>
-                  <a:srgbClr val="0000FF"/>
-                </a:solidFill>
-                <a:latin typeface="Consolas" panose="020B0609020204030204" pitchFamily="49" charset="0"/>
-              </a:rPr>
-              <a:t>var</a:t>
-            </a:r>
-            <a:r>
-              <a:rPr lang="en-US" dirty="0">
-                <a:solidFill>
-                  <a:srgbClr val="000000"/>
-                </a:solidFill>
-                <a:latin typeface="Consolas" panose="020B0609020204030204" pitchFamily="49" charset="0"/>
-              </a:rPr>
-              <a:t> </a:t>
-            </a:r>
-            <a:r>
-              <a:rPr lang="en-US" dirty="0" err="1">
-                <a:solidFill>
-                  <a:srgbClr val="001080"/>
-                </a:solidFill>
-                <a:latin typeface="Consolas" panose="020B0609020204030204" pitchFamily="49" charset="0"/>
-              </a:rPr>
-              <a:t>pollyWrap</a:t>
-            </a:r>
-            <a:r>
-              <a:rPr lang="en-US" dirty="0">
-                <a:solidFill>
-                  <a:srgbClr val="000000"/>
-                </a:solidFill>
-                <a:latin typeface="Consolas" panose="020B0609020204030204" pitchFamily="49" charset="0"/>
-              </a:rPr>
-              <a:t> = </a:t>
-            </a:r>
-            <a:r>
-              <a:rPr lang="en-US" dirty="0" err="1">
-                <a:solidFill>
-                  <a:srgbClr val="001080"/>
-                </a:solidFill>
-                <a:latin typeface="Consolas" panose="020B0609020204030204" pitchFamily="49" charset="0"/>
-              </a:rPr>
-              <a:t>Policy</a:t>
-            </a:r>
-            <a:r>
-              <a:rPr lang="en-US" dirty="0" err="1">
-                <a:solidFill>
-                  <a:srgbClr val="000000"/>
-                </a:solidFill>
-                <a:latin typeface="Consolas" panose="020B0609020204030204" pitchFamily="49" charset="0"/>
-              </a:rPr>
-              <a:t>.</a:t>
-            </a:r>
-            <a:r>
-              <a:rPr lang="en-US" dirty="0" err="1">
-                <a:solidFill>
-                  <a:srgbClr val="795E26"/>
-                </a:solidFill>
-                <a:latin typeface="Consolas" panose="020B0609020204030204" pitchFamily="49" charset="0"/>
-              </a:rPr>
-              <a:t>Wrap</a:t>
-            </a:r>
-            <a:r>
-              <a:rPr lang="en-US" dirty="0">
-                <a:solidFill>
-                  <a:srgbClr val="000000"/>
-                </a:solidFill>
-                <a:latin typeface="Consolas" panose="020B0609020204030204" pitchFamily="49" charset="0"/>
-              </a:rPr>
-              <a:t>(</a:t>
-            </a:r>
-            <a:r>
-              <a:rPr lang="en-US" dirty="0">
-                <a:solidFill>
-                  <a:srgbClr val="001080"/>
-                </a:solidFill>
-                <a:latin typeface="Consolas" panose="020B0609020204030204" pitchFamily="49" charset="0"/>
-              </a:rPr>
-              <a:t>fallback</a:t>
-            </a:r>
-            <a:r>
-              <a:rPr lang="en-US" dirty="0">
-                <a:solidFill>
-                  <a:srgbClr val="000000"/>
-                </a:solidFill>
-                <a:latin typeface="Consolas" panose="020B0609020204030204" pitchFamily="49" charset="0"/>
-              </a:rPr>
-              <a:t>, </a:t>
-            </a:r>
-            <a:r>
-              <a:rPr lang="en-US" dirty="0">
-                <a:solidFill>
-                  <a:srgbClr val="001080"/>
-                </a:solidFill>
-                <a:latin typeface="Consolas" panose="020B0609020204030204" pitchFamily="49" charset="0"/>
-              </a:rPr>
-              <a:t>retry</a:t>
-            </a:r>
-            <a:r>
-              <a:rPr lang="en-US" dirty="0">
-                <a:solidFill>
-                  <a:srgbClr val="000000"/>
-                </a:solidFill>
-                <a:latin typeface="Consolas" panose="020B0609020204030204" pitchFamily="49" charset="0"/>
-              </a:rPr>
-              <a:t>);</a:t>
-            </a:r>
-          </a:p>
-          <a:p>
-            <a:pPr marL="0" indent="0">
-              <a:buNone/>
-            </a:pPr>
-            <a:endParaRPr lang="en-US" dirty="0">
-              <a:solidFill>
-                <a:srgbClr val="000000"/>
-              </a:solidFill>
-              <a:latin typeface="Consolas" panose="020B0609020204030204" pitchFamily="49" charset="0"/>
-            </a:endParaRPr>
-          </a:p>
-          <a:p>
-            <a:pPr marL="0" indent="0">
-              <a:buNone/>
-            </a:pPr>
-            <a:r>
-              <a:rPr lang="en-US" dirty="0">
-                <a:solidFill>
-                  <a:srgbClr val="0000FF"/>
-                </a:solidFill>
-                <a:latin typeface="Consolas" panose="020B0609020204030204" pitchFamily="49" charset="0"/>
-              </a:rPr>
-              <a:t>var</a:t>
-            </a:r>
-            <a:r>
-              <a:rPr lang="en-US" dirty="0">
-                <a:solidFill>
-                  <a:srgbClr val="000000"/>
-                </a:solidFill>
-                <a:latin typeface="Consolas" panose="020B0609020204030204" pitchFamily="49" charset="0"/>
-              </a:rPr>
-              <a:t> </a:t>
-            </a:r>
-            <a:r>
-              <a:rPr lang="en-US" dirty="0">
-                <a:solidFill>
-                  <a:srgbClr val="001080"/>
-                </a:solidFill>
-                <a:latin typeface="Consolas" panose="020B0609020204030204" pitchFamily="49" charset="0"/>
-              </a:rPr>
-              <a:t>result = </a:t>
-            </a:r>
-            <a:r>
-              <a:rPr lang="en-US" dirty="0" err="1">
-                <a:solidFill>
-                  <a:srgbClr val="001080"/>
-                </a:solidFill>
-                <a:latin typeface="Consolas" panose="020B0609020204030204" pitchFamily="49" charset="0"/>
-              </a:rPr>
-              <a:t>pollyWrap</a:t>
-            </a:r>
-            <a:r>
-              <a:rPr lang="en-US" dirty="0" err="1">
-                <a:solidFill>
-                  <a:srgbClr val="000000"/>
-                </a:solidFill>
-                <a:latin typeface="Consolas" panose="020B0609020204030204" pitchFamily="49" charset="0"/>
-              </a:rPr>
-              <a:t>.</a:t>
-            </a:r>
-            <a:r>
-              <a:rPr lang="en-US" dirty="0" err="1">
-                <a:solidFill>
-                  <a:srgbClr val="795E26"/>
-                </a:solidFill>
-                <a:latin typeface="Consolas" panose="020B0609020204030204" pitchFamily="49" charset="0"/>
-              </a:rPr>
-              <a:t>Execute</a:t>
-            </a:r>
-            <a:r>
-              <a:rPr lang="en-US" dirty="0">
-                <a:solidFill>
-                  <a:srgbClr val="000000"/>
-                </a:solidFill>
-                <a:latin typeface="Consolas" panose="020B0609020204030204" pitchFamily="49" charset="0"/>
-              </a:rPr>
-              <a:t>(() =&gt; </a:t>
-            </a:r>
-            <a:r>
-              <a:rPr lang="en-US" dirty="0">
-                <a:solidFill>
-                  <a:srgbClr val="795E26"/>
-                </a:solidFill>
-                <a:latin typeface="Consolas" panose="020B0609020204030204" pitchFamily="49" charset="0"/>
-              </a:rPr>
-              <a:t>DoSomething</a:t>
-            </a:r>
-            <a:r>
-              <a:rPr lang="en-US" dirty="0">
-                <a:solidFill>
-                  <a:srgbClr val="000000"/>
-                </a:solidFill>
-                <a:latin typeface="Consolas" panose="020B0609020204030204" pitchFamily="49" charset="0"/>
-              </a:rPr>
-              <a:t>());</a:t>
-            </a:r>
-          </a:p>
-        </p:txBody>
-      </p:sp>
-      <p:sp>
-        <p:nvSpPr>
-          <p:cNvPr id="4" name="Text Placeholder 3">
-            <a:extLst>
-              <a:ext uri="{FF2B5EF4-FFF2-40B4-BE49-F238E27FC236}">
-                <a16:creationId xmlns:a16="http://schemas.microsoft.com/office/drawing/2014/main" id="{D155BEE7-6CF5-486E-8F76-222FDA23617F}"/>
-              </a:ext>
-            </a:extLst>
-          </p:cNvPr>
-          <p:cNvSpPr>
-            <a:spLocks noGrp="1"/>
-          </p:cNvSpPr>
-          <p:nvPr>
-            <p:ph type="body" sz="half" idx="2"/>
-          </p:nvPr>
-        </p:nvSpPr>
-        <p:spPr/>
-        <p:txBody>
-          <a:bodyPr>
-            <a:normAutofit/>
-          </a:bodyPr>
-          <a:lstStyle/>
-          <a:p>
-            <a:r>
-              <a:rPr lang="en-US" sz="2400" dirty="0"/>
-              <a:t>Combines Multiple Policies into a Chain</a:t>
-            </a:r>
-          </a:p>
-          <a:p>
-            <a:r>
-              <a:rPr lang="en-US" sz="2400" dirty="0"/>
-              <a:t>Order Matters!</a:t>
-            </a:r>
-          </a:p>
-          <a:p>
-            <a:endParaRPr lang="en-US" sz="2400" dirty="0"/>
-          </a:p>
-        </p:txBody>
-      </p:sp>
-      <p:sp>
-        <p:nvSpPr>
-          <p:cNvPr id="5" name="Footer Placeholder 4">
-            <a:extLst>
-              <a:ext uri="{FF2B5EF4-FFF2-40B4-BE49-F238E27FC236}">
-                <a16:creationId xmlns:a16="http://schemas.microsoft.com/office/drawing/2014/main" id="{5CE377E9-4E11-4FBB-A3F8-51E9CBFF2D29}"/>
-              </a:ext>
-            </a:extLst>
-          </p:cNvPr>
-          <p:cNvSpPr>
-            <a:spLocks noGrp="1"/>
-          </p:cNvSpPr>
-          <p:nvPr>
-            <p:ph type="ftr" sz="quarter" idx="11"/>
-          </p:nvPr>
-        </p:nvSpPr>
-        <p:spPr/>
-        <p:txBody>
-          <a:bodyPr/>
-          <a:lstStyle/>
-          <a:p>
-            <a:r>
-              <a:rPr lang="en-US"/>
-              <a:t>https://github.com/joegardnr/ResilientFaultTolerance</a:t>
-            </a:r>
-          </a:p>
-        </p:txBody>
-      </p:sp>
-    </p:spTree>
-    <p:extLst>
-      <p:ext uri="{BB962C8B-B14F-4D97-AF65-F5344CB8AC3E}">
-        <p14:creationId xmlns:p14="http://schemas.microsoft.com/office/powerpoint/2010/main" val="1080732520"/>
-      </p:ext>
-    </p:extLst>
-  </p:cSld>
-  <p:clrMapOvr>
-    <a:masterClrMapping/>
-  </p:clrMapOvr>
-</p:sld>
-</file>
-
 <file path=ppt/slides/slide12.xml><?xml version="1.0" encoding="utf-8"?>
 <p:sld xmlns:a="http://schemas.openxmlformats.org/drawingml/2006/main" xmlns:r="http://schemas.openxmlformats.org/officeDocument/2006/relationships" xmlns:p="http://schemas.openxmlformats.org/presentationml/2006/main">
   <p:cSld>
@@ -6758,7 +6053,7 @@
           <p:cNvPr id="2" name="Title 1">
             <a:extLst>
               <a:ext uri="{FF2B5EF4-FFF2-40B4-BE49-F238E27FC236}">
-                <a16:creationId xmlns:a16="http://schemas.microsoft.com/office/drawing/2014/main" id="{FA9595CF-7466-4A9C-BCA6-CB2C35C23CC8}"/>
+                <a16:creationId xmlns:a16="http://schemas.microsoft.com/office/drawing/2014/main" id="{429B99CF-B4FD-41F8-BF36-2878AE98E614}"/>
               </a:ext>
             </a:extLst>
           </p:cNvPr>
@@ -6775,18 +6070,19 @@
           <a:lstStyle/>
           <a:p>
             <a:r>
-              <a:rPr lang="en-US" dirty="0"/>
-              <a:t>Demo</a:t>
-            </a:r>
-          </a:p>
-        </p:txBody>
-      </p:sp>
-      <p:sp>
-        <p:nvSpPr>
-          <p:cNvPr id="3" name="Text Placeholder 2">
+              <a:rPr lang="en-US" dirty="0" err="1"/>
+              <a:t>PolicyWrap</a:t>
+            </a:r>
+            <a:endParaRPr lang="en-US" dirty="0"/>
+          </a:p>
+        </p:txBody>
+      </p:sp>
+      <p:sp>
+        <p:nvSpPr>
+          <p:cNvPr id="3" name="Content Placeholder 2">
             <a:extLst>
               <a:ext uri="{FF2B5EF4-FFF2-40B4-BE49-F238E27FC236}">
-                <a16:creationId xmlns:a16="http://schemas.microsoft.com/office/drawing/2014/main" id="{D2814054-694B-4962-B898-8404A2702093}"/>
+                <a16:creationId xmlns:a16="http://schemas.microsoft.com/office/drawing/2014/main" id="{EA919590-D147-464D-8498-1786EF83740B}"/>
               </a:ext>
             </a:extLst>
           </p:cNvPr>
@@ -6794,27 +6090,801 @@
             <a:spLocks noGrp="1"/>
           </p:cNvSpPr>
           <p:nvPr>
-            <p:ph type="body" idx="1"/>
-          </p:nvPr>
-        </p:nvSpPr>
-        <p:spPr/>
-        <p:txBody>
-          <a:bodyPr/>
-          <a:lstStyle/>
-          <a:p>
-            <a:r>
-              <a:rPr lang="en-US" dirty="0"/>
-              <a:t>Our Powers Combined!</a:t>
-            </a:r>
-          </a:p>
-        </p:txBody>
-      </p:sp>
-      <p:sp>
-        <p:nvSpPr>
-          <p:cNvPr id="4" name="Footer Placeholder 3">
+            <p:ph idx="1"/>
+          </p:nvPr>
+        </p:nvSpPr>
+        <p:spPr>
+          <a:xfrm>
+            <a:off x="4310742" y="731520"/>
+            <a:ext cx="7881257" cy="5257800"/>
+          </a:xfrm>
+        </p:spPr>
+        <p:txBody>
+          <a:bodyPr>
+            <a:normAutofit fontScale="92500" lnSpcReduction="10000"/>
+          </a:bodyPr>
+          <a:lstStyle/>
+          <a:p>
+            <a:pPr marL="0" indent="0">
+              <a:buNone/>
+            </a:pPr>
+            <a:r>
+              <a:rPr lang="en-US" dirty="0">
+                <a:solidFill>
+                  <a:srgbClr val="0000FF"/>
+                </a:solidFill>
+                <a:latin typeface="Consolas" panose="020B0609020204030204" pitchFamily="49" charset="0"/>
+              </a:rPr>
+              <a:t>var</a:t>
+            </a:r>
+            <a:r>
+              <a:rPr lang="en-US" dirty="0">
+                <a:solidFill>
+                  <a:srgbClr val="000000"/>
+                </a:solidFill>
+                <a:latin typeface="Consolas" panose="020B0609020204030204" pitchFamily="49" charset="0"/>
+              </a:rPr>
+              <a:t> </a:t>
+            </a:r>
+            <a:r>
+              <a:rPr lang="en-US" dirty="0">
+                <a:solidFill>
+                  <a:srgbClr val="001080"/>
+                </a:solidFill>
+                <a:latin typeface="Consolas" panose="020B0609020204030204" pitchFamily="49" charset="0"/>
+              </a:rPr>
+              <a:t>retry</a:t>
+            </a:r>
+            <a:r>
+              <a:rPr lang="en-US" dirty="0">
+                <a:solidFill>
+                  <a:srgbClr val="000000"/>
+                </a:solidFill>
+                <a:latin typeface="Consolas" panose="020B0609020204030204" pitchFamily="49" charset="0"/>
+              </a:rPr>
+              <a:t> = </a:t>
+            </a:r>
+            <a:r>
+              <a:rPr lang="en-US" dirty="0">
+                <a:solidFill>
+                  <a:srgbClr val="001080"/>
+                </a:solidFill>
+                <a:latin typeface="Consolas" panose="020B0609020204030204" pitchFamily="49" charset="0"/>
+              </a:rPr>
+              <a:t>Policy&lt;int&gt;</a:t>
+            </a:r>
+            <a:endParaRPr lang="en-US" dirty="0">
+              <a:solidFill>
+                <a:srgbClr val="000000"/>
+              </a:solidFill>
+              <a:latin typeface="Consolas" panose="020B0609020204030204" pitchFamily="49" charset="0"/>
+            </a:endParaRPr>
+          </a:p>
+          <a:p>
+            <a:pPr marL="0" indent="0">
+              <a:buNone/>
+            </a:pPr>
+            <a:r>
+              <a:rPr lang="en-US" dirty="0">
+                <a:solidFill>
+                  <a:srgbClr val="000000"/>
+                </a:solidFill>
+                <a:latin typeface="Consolas" panose="020B0609020204030204" pitchFamily="49" charset="0"/>
+              </a:rPr>
+              <a:t>             .</a:t>
+            </a:r>
+            <a:r>
+              <a:rPr lang="en-US" dirty="0">
+                <a:solidFill>
+                  <a:srgbClr val="795E26"/>
+                </a:solidFill>
+                <a:latin typeface="Consolas" panose="020B0609020204030204" pitchFamily="49" charset="0"/>
+              </a:rPr>
+              <a:t>Handle</a:t>
+            </a:r>
+            <a:r>
+              <a:rPr lang="en-US" dirty="0">
+                <a:solidFill>
+                  <a:srgbClr val="000000"/>
+                </a:solidFill>
+                <a:latin typeface="Consolas" panose="020B0609020204030204" pitchFamily="49" charset="0"/>
+              </a:rPr>
+              <a:t>&lt;</a:t>
+            </a:r>
+            <a:r>
+              <a:rPr lang="en-US" dirty="0" err="1">
+                <a:solidFill>
+                  <a:srgbClr val="267F99"/>
+                </a:solidFill>
+                <a:latin typeface="Consolas" panose="020B0609020204030204" pitchFamily="49" charset="0"/>
+              </a:rPr>
+              <a:t>SomeExceptionType</a:t>
+            </a:r>
+            <a:r>
+              <a:rPr lang="en-US" dirty="0">
+                <a:solidFill>
+                  <a:srgbClr val="000000"/>
+                </a:solidFill>
+                <a:latin typeface="Consolas" panose="020B0609020204030204" pitchFamily="49" charset="0"/>
+              </a:rPr>
+              <a:t>&gt;()</a:t>
+            </a:r>
+          </a:p>
+          <a:p>
+            <a:pPr marL="0" indent="0">
+              <a:buNone/>
+            </a:pPr>
+            <a:r>
+              <a:rPr lang="en-US" b="0" dirty="0">
+                <a:solidFill>
+                  <a:srgbClr val="000000"/>
+                </a:solidFill>
+                <a:effectLst/>
+                <a:latin typeface="Consolas" panose="020B0609020204030204" pitchFamily="49" charset="0"/>
+              </a:rPr>
+              <a:t>             .</a:t>
+            </a:r>
+            <a:r>
+              <a:rPr lang="en-US" b="0" dirty="0" err="1">
+                <a:solidFill>
+                  <a:srgbClr val="795E26"/>
+                </a:solidFill>
+                <a:effectLst/>
+                <a:latin typeface="Consolas" panose="020B0609020204030204" pitchFamily="49" charset="0"/>
+              </a:rPr>
+              <a:t>OrResult</a:t>
+            </a:r>
+            <a:r>
+              <a:rPr lang="en-US" b="0" dirty="0">
+                <a:solidFill>
+                  <a:srgbClr val="000000"/>
+                </a:solidFill>
+                <a:effectLst/>
+                <a:latin typeface="Consolas" panose="020B0609020204030204" pitchFamily="49" charset="0"/>
+              </a:rPr>
+              <a:t>((</a:t>
+            </a:r>
+            <a:r>
+              <a:rPr lang="en-US" b="0" dirty="0">
+                <a:solidFill>
+                  <a:srgbClr val="001080"/>
+                </a:solidFill>
+                <a:effectLst/>
+                <a:latin typeface="Consolas" panose="020B0609020204030204" pitchFamily="49" charset="0"/>
+              </a:rPr>
+              <a:t>result</a:t>
+            </a:r>
+            <a:r>
+              <a:rPr lang="en-US" b="0" dirty="0">
+                <a:solidFill>
+                  <a:srgbClr val="000000"/>
+                </a:solidFill>
+                <a:effectLst/>
+                <a:latin typeface="Consolas" panose="020B0609020204030204" pitchFamily="49" charset="0"/>
+              </a:rPr>
+              <a:t>) =&gt; (</a:t>
+            </a:r>
+            <a:r>
+              <a:rPr lang="en-US" b="0" dirty="0">
+                <a:solidFill>
+                  <a:srgbClr val="001080"/>
+                </a:solidFill>
+                <a:effectLst/>
+                <a:latin typeface="Consolas" panose="020B0609020204030204" pitchFamily="49" charset="0"/>
+              </a:rPr>
+              <a:t>result</a:t>
+            </a:r>
+            <a:r>
+              <a:rPr lang="en-US" b="0" dirty="0">
+                <a:solidFill>
+                  <a:srgbClr val="000000"/>
+                </a:solidFill>
+                <a:effectLst/>
+                <a:latin typeface="Consolas" panose="020B0609020204030204" pitchFamily="49" charset="0"/>
+              </a:rPr>
+              <a:t> &lt; </a:t>
+            </a:r>
+            <a:r>
+              <a:rPr lang="en-US" b="0" dirty="0">
+                <a:solidFill>
+                  <a:srgbClr val="098658"/>
+                </a:solidFill>
+                <a:effectLst/>
+                <a:latin typeface="Consolas" panose="020B0609020204030204" pitchFamily="49" charset="0"/>
+              </a:rPr>
+              <a:t>0</a:t>
+            </a:r>
+            <a:r>
+              <a:rPr lang="en-US" b="0" dirty="0">
+                <a:solidFill>
+                  <a:srgbClr val="000000"/>
+                </a:solidFill>
+                <a:effectLst/>
+                <a:latin typeface="Consolas" panose="020B0609020204030204" pitchFamily="49" charset="0"/>
+              </a:rPr>
+              <a:t>))</a:t>
+            </a:r>
+            <a:endParaRPr lang="en-US" dirty="0">
+              <a:solidFill>
+                <a:srgbClr val="000000"/>
+              </a:solidFill>
+              <a:latin typeface="Consolas" panose="020B0609020204030204" pitchFamily="49" charset="0"/>
+            </a:endParaRPr>
+          </a:p>
+          <a:p>
+            <a:pPr marL="0" indent="0">
+              <a:buNone/>
+            </a:pPr>
+            <a:r>
+              <a:rPr lang="en-US" dirty="0">
+                <a:solidFill>
+                  <a:srgbClr val="000000"/>
+                </a:solidFill>
+                <a:latin typeface="Consolas" panose="020B0609020204030204" pitchFamily="49" charset="0"/>
+              </a:rPr>
+              <a:t>             .</a:t>
+            </a:r>
+            <a:r>
+              <a:rPr lang="en-US" dirty="0" err="1">
+                <a:solidFill>
+                  <a:srgbClr val="795E26"/>
+                </a:solidFill>
+                <a:latin typeface="Consolas" panose="020B0609020204030204" pitchFamily="49" charset="0"/>
+              </a:rPr>
+              <a:t>WaitAndRetry</a:t>
+            </a:r>
+            <a:r>
+              <a:rPr lang="en-US" dirty="0">
+                <a:solidFill>
+                  <a:srgbClr val="000000"/>
+                </a:solidFill>
+                <a:latin typeface="Consolas" panose="020B0609020204030204" pitchFamily="49" charset="0"/>
+              </a:rPr>
+              <a:t>(</a:t>
+            </a:r>
+            <a:r>
+              <a:rPr lang="en-US" dirty="0">
+                <a:solidFill>
+                  <a:srgbClr val="09885A"/>
+                </a:solidFill>
+                <a:latin typeface="Consolas" panose="020B0609020204030204" pitchFamily="49" charset="0"/>
+              </a:rPr>
+              <a:t>3</a:t>
+            </a:r>
+            <a:r>
+              <a:rPr lang="en-US" dirty="0">
+                <a:solidFill>
+                  <a:srgbClr val="000000"/>
+                </a:solidFill>
+                <a:latin typeface="Consolas" panose="020B0609020204030204" pitchFamily="49" charset="0"/>
+              </a:rPr>
+              <a:t>, </a:t>
+            </a:r>
+            <a:r>
+              <a:rPr lang="en-US" dirty="0">
+                <a:solidFill>
+                  <a:srgbClr val="09885A"/>
+                </a:solidFill>
+                <a:latin typeface="Consolas" panose="020B0609020204030204" pitchFamily="49" charset="0"/>
+              </a:rPr>
+              <a:t>200</a:t>
+            </a:r>
+            <a:r>
+              <a:rPr lang="en-US" dirty="0">
+                <a:solidFill>
+                  <a:srgbClr val="000000"/>
+                </a:solidFill>
+                <a:latin typeface="Consolas" panose="020B0609020204030204" pitchFamily="49" charset="0"/>
+              </a:rPr>
+              <a:t>); </a:t>
+            </a:r>
+            <a:r>
+              <a:rPr lang="en-US" dirty="0">
+                <a:solidFill>
+                  <a:srgbClr val="008000"/>
+                </a:solidFill>
+                <a:latin typeface="Consolas" panose="020B0609020204030204" pitchFamily="49" charset="0"/>
+              </a:rPr>
+              <a:t>//3 times, 200ms</a:t>
+            </a:r>
+          </a:p>
+          <a:p>
+            <a:pPr marL="0" indent="0">
+              <a:buNone/>
+            </a:pPr>
+            <a:endParaRPr lang="en-US" dirty="0">
+              <a:solidFill>
+                <a:srgbClr val="0000FF"/>
+              </a:solidFill>
+              <a:latin typeface="Consolas" panose="020B0609020204030204" pitchFamily="49" charset="0"/>
+            </a:endParaRPr>
+          </a:p>
+          <a:p>
+            <a:pPr marL="0" indent="0">
+              <a:buNone/>
+            </a:pPr>
+            <a:r>
+              <a:rPr lang="en-US" dirty="0">
+                <a:solidFill>
+                  <a:srgbClr val="0000FF"/>
+                </a:solidFill>
+                <a:latin typeface="Consolas" panose="020B0609020204030204" pitchFamily="49" charset="0"/>
+              </a:rPr>
+              <a:t>var</a:t>
+            </a:r>
+            <a:r>
+              <a:rPr lang="en-US" dirty="0">
+                <a:solidFill>
+                  <a:srgbClr val="000000"/>
+                </a:solidFill>
+                <a:latin typeface="Consolas" panose="020B0609020204030204" pitchFamily="49" charset="0"/>
+              </a:rPr>
+              <a:t> </a:t>
+            </a:r>
+            <a:r>
+              <a:rPr lang="en-US" dirty="0">
+                <a:solidFill>
+                  <a:srgbClr val="001080"/>
+                </a:solidFill>
+                <a:latin typeface="Consolas" panose="020B0609020204030204" pitchFamily="49" charset="0"/>
+              </a:rPr>
+              <a:t>fallback</a:t>
+            </a:r>
+            <a:r>
+              <a:rPr lang="en-US" dirty="0">
+                <a:solidFill>
+                  <a:srgbClr val="000000"/>
+                </a:solidFill>
+                <a:latin typeface="Consolas" panose="020B0609020204030204" pitchFamily="49" charset="0"/>
+              </a:rPr>
+              <a:t> = </a:t>
+            </a:r>
+            <a:r>
+              <a:rPr lang="en-US" dirty="0">
+                <a:solidFill>
+                  <a:srgbClr val="001080"/>
+                </a:solidFill>
+                <a:latin typeface="Consolas" panose="020B0609020204030204" pitchFamily="49" charset="0"/>
+              </a:rPr>
+              <a:t>Policy&lt;int&gt;</a:t>
+            </a:r>
+            <a:endParaRPr lang="en-US" dirty="0">
+              <a:solidFill>
+                <a:srgbClr val="000000"/>
+              </a:solidFill>
+              <a:latin typeface="Consolas" panose="020B0609020204030204" pitchFamily="49" charset="0"/>
+            </a:endParaRPr>
+          </a:p>
+          <a:p>
+            <a:pPr marL="0" indent="0">
+              <a:buNone/>
+            </a:pPr>
+            <a:r>
+              <a:rPr lang="en-US" dirty="0">
+                <a:solidFill>
+                  <a:srgbClr val="000000"/>
+                </a:solidFill>
+                <a:latin typeface="Consolas" panose="020B0609020204030204" pitchFamily="49" charset="0"/>
+              </a:rPr>
+              <a:t>               .</a:t>
+            </a:r>
+            <a:r>
+              <a:rPr lang="en-US" dirty="0">
+                <a:solidFill>
+                  <a:srgbClr val="795E26"/>
+                </a:solidFill>
+                <a:latin typeface="Consolas" panose="020B0609020204030204" pitchFamily="49" charset="0"/>
+              </a:rPr>
+              <a:t>Handle</a:t>
+            </a:r>
+            <a:r>
+              <a:rPr lang="en-US" dirty="0">
+                <a:solidFill>
+                  <a:srgbClr val="000000"/>
+                </a:solidFill>
+                <a:latin typeface="Consolas" panose="020B0609020204030204" pitchFamily="49" charset="0"/>
+              </a:rPr>
+              <a:t>&lt;</a:t>
+            </a:r>
+            <a:r>
+              <a:rPr lang="en-US" dirty="0" err="1">
+                <a:solidFill>
+                  <a:srgbClr val="267F99"/>
+                </a:solidFill>
+                <a:latin typeface="Consolas" panose="020B0609020204030204" pitchFamily="49" charset="0"/>
+              </a:rPr>
+              <a:t>SomeExceptionType</a:t>
+            </a:r>
+            <a:r>
+              <a:rPr lang="en-US" dirty="0">
+                <a:solidFill>
+                  <a:srgbClr val="000000"/>
+                </a:solidFill>
+                <a:latin typeface="Consolas" panose="020B0609020204030204" pitchFamily="49" charset="0"/>
+              </a:rPr>
+              <a:t>&gt;()</a:t>
+            </a:r>
+          </a:p>
+          <a:p>
+            <a:pPr marL="0" indent="0">
+              <a:buNone/>
+            </a:pPr>
+            <a:r>
+              <a:rPr lang="en-US" b="0" dirty="0">
+                <a:solidFill>
+                  <a:srgbClr val="000000"/>
+                </a:solidFill>
+                <a:effectLst/>
+                <a:latin typeface="Consolas" panose="020B0609020204030204" pitchFamily="49" charset="0"/>
+              </a:rPr>
+              <a:t>               .</a:t>
+            </a:r>
+            <a:r>
+              <a:rPr lang="en-US" b="0" dirty="0" err="1">
+                <a:solidFill>
+                  <a:srgbClr val="795E26"/>
+                </a:solidFill>
+                <a:effectLst/>
+                <a:latin typeface="Consolas" panose="020B0609020204030204" pitchFamily="49" charset="0"/>
+              </a:rPr>
+              <a:t>OrResult</a:t>
+            </a:r>
+            <a:r>
+              <a:rPr lang="en-US" b="0" dirty="0">
+                <a:solidFill>
+                  <a:srgbClr val="000000"/>
+                </a:solidFill>
+                <a:effectLst/>
+                <a:latin typeface="Consolas" panose="020B0609020204030204" pitchFamily="49" charset="0"/>
+              </a:rPr>
+              <a:t>((</a:t>
+            </a:r>
+            <a:r>
+              <a:rPr lang="en-US" b="0" dirty="0">
+                <a:solidFill>
+                  <a:srgbClr val="001080"/>
+                </a:solidFill>
+                <a:effectLst/>
+                <a:latin typeface="Consolas" panose="020B0609020204030204" pitchFamily="49" charset="0"/>
+              </a:rPr>
+              <a:t>result</a:t>
+            </a:r>
+            <a:r>
+              <a:rPr lang="en-US" b="0" dirty="0">
+                <a:solidFill>
+                  <a:srgbClr val="000000"/>
+                </a:solidFill>
+                <a:effectLst/>
+                <a:latin typeface="Consolas" panose="020B0609020204030204" pitchFamily="49" charset="0"/>
+              </a:rPr>
+              <a:t>) =&gt; (</a:t>
+            </a:r>
+            <a:r>
+              <a:rPr lang="en-US" b="0" dirty="0">
+                <a:solidFill>
+                  <a:srgbClr val="001080"/>
+                </a:solidFill>
+                <a:effectLst/>
+                <a:latin typeface="Consolas" panose="020B0609020204030204" pitchFamily="49" charset="0"/>
+              </a:rPr>
+              <a:t>result</a:t>
+            </a:r>
+            <a:r>
+              <a:rPr lang="en-US" b="0" dirty="0">
+                <a:solidFill>
+                  <a:srgbClr val="000000"/>
+                </a:solidFill>
+                <a:effectLst/>
+                <a:latin typeface="Consolas" panose="020B0609020204030204" pitchFamily="49" charset="0"/>
+              </a:rPr>
+              <a:t> &lt; </a:t>
+            </a:r>
+            <a:r>
+              <a:rPr lang="en-US" b="0" dirty="0">
+                <a:solidFill>
+                  <a:srgbClr val="098658"/>
+                </a:solidFill>
+                <a:effectLst/>
+                <a:latin typeface="Consolas" panose="020B0609020204030204" pitchFamily="49" charset="0"/>
+              </a:rPr>
+              <a:t>0</a:t>
+            </a:r>
+            <a:r>
+              <a:rPr lang="en-US" b="0" dirty="0">
+                <a:solidFill>
+                  <a:srgbClr val="000000"/>
+                </a:solidFill>
+                <a:effectLst/>
+                <a:latin typeface="Consolas" panose="020B0609020204030204" pitchFamily="49" charset="0"/>
+              </a:rPr>
+              <a:t>))</a:t>
+            </a:r>
+            <a:endParaRPr lang="en-US" dirty="0">
+              <a:solidFill>
+                <a:srgbClr val="000000"/>
+              </a:solidFill>
+              <a:latin typeface="Consolas" panose="020B0609020204030204" pitchFamily="49" charset="0"/>
+            </a:endParaRPr>
+          </a:p>
+          <a:p>
+            <a:pPr marL="0" indent="0">
+              <a:buNone/>
+            </a:pPr>
+            <a:r>
+              <a:rPr lang="en-US" dirty="0">
+                <a:solidFill>
+                  <a:srgbClr val="000000"/>
+                </a:solidFill>
+                <a:latin typeface="Consolas" panose="020B0609020204030204" pitchFamily="49" charset="0"/>
+              </a:rPr>
+              <a:t>               .</a:t>
+            </a:r>
+            <a:r>
+              <a:rPr lang="en-US" dirty="0">
+                <a:solidFill>
+                  <a:srgbClr val="795E26"/>
+                </a:solidFill>
+                <a:latin typeface="Consolas" panose="020B0609020204030204" pitchFamily="49" charset="0"/>
+              </a:rPr>
+              <a:t>Fallback</a:t>
+            </a:r>
+            <a:r>
+              <a:rPr lang="en-US" dirty="0">
+                <a:solidFill>
+                  <a:srgbClr val="000000"/>
+                </a:solidFill>
+                <a:latin typeface="Consolas" panose="020B0609020204030204" pitchFamily="49" charset="0"/>
+              </a:rPr>
+              <a:t>(</a:t>
+            </a:r>
+            <a:r>
+              <a:rPr lang="en-US" dirty="0">
+                <a:solidFill>
+                  <a:srgbClr val="09885A"/>
+                </a:solidFill>
+                <a:latin typeface="Consolas" panose="020B0609020204030204" pitchFamily="49" charset="0"/>
+              </a:rPr>
+              <a:t>-1</a:t>
+            </a:r>
+            <a:r>
+              <a:rPr lang="en-US" dirty="0">
+                <a:solidFill>
+                  <a:srgbClr val="000000"/>
+                </a:solidFill>
+                <a:latin typeface="Consolas" panose="020B0609020204030204" pitchFamily="49" charset="0"/>
+              </a:rPr>
+              <a:t>);</a:t>
+            </a:r>
+          </a:p>
+          <a:p>
+            <a:pPr marL="0" indent="0">
+              <a:buNone/>
+            </a:pPr>
+            <a:endParaRPr lang="en-US" dirty="0">
+              <a:solidFill>
+                <a:srgbClr val="0000FF"/>
+              </a:solidFill>
+              <a:latin typeface="Consolas" panose="020B0609020204030204" pitchFamily="49" charset="0"/>
+            </a:endParaRPr>
+          </a:p>
+          <a:p>
+            <a:pPr marL="0" indent="0">
+              <a:buNone/>
+            </a:pPr>
+            <a:r>
+              <a:rPr lang="en-US" dirty="0">
+                <a:solidFill>
+                  <a:srgbClr val="0000FF"/>
+                </a:solidFill>
+                <a:latin typeface="Consolas" panose="020B0609020204030204" pitchFamily="49" charset="0"/>
+              </a:rPr>
+              <a:t>var</a:t>
+            </a:r>
+            <a:r>
+              <a:rPr lang="en-US" dirty="0">
+                <a:solidFill>
+                  <a:srgbClr val="000000"/>
+                </a:solidFill>
+                <a:latin typeface="Consolas" panose="020B0609020204030204" pitchFamily="49" charset="0"/>
+              </a:rPr>
+              <a:t> </a:t>
+            </a:r>
+            <a:r>
+              <a:rPr lang="en-US" dirty="0" err="1">
+                <a:solidFill>
+                  <a:srgbClr val="001080"/>
+                </a:solidFill>
+                <a:latin typeface="Consolas" panose="020B0609020204030204" pitchFamily="49" charset="0"/>
+              </a:rPr>
+              <a:t>pollyWrap</a:t>
+            </a:r>
+            <a:r>
+              <a:rPr lang="en-US" dirty="0">
+                <a:solidFill>
+                  <a:srgbClr val="000000"/>
+                </a:solidFill>
+                <a:latin typeface="Consolas" panose="020B0609020204030204" pitchFamily="49" charset="0"/>
+              </a:rPr>
+              <a:t> = </a:t>
+            </a:r>
+            <a:r>
+              <a:rPr lang="en-US" dirty="0" err="1">
+                <a:solidFill>
+                  <a:srgbClr val="001080"/>
+                </a:solidFill>
+                <a:latin typeface="Consolas" panose="020B0609020204030204" pitchFamily="49" charset="0"/>
+              </a:rPr>
+              <a:t>Policy</a:t>
+            </a:r>
+            <a:r>
+              <a:rPr lang="en-US" dirty="0" err="1">
+                <a:solidFill>
+                  <a:srgbClr val="000000"/>
+                </a:solidFill>
+                <a:latin typeface="Consolas" panose="020B0609020204030204" pitchFamily="49" charset="0"/>
+              </a:rPr>
+              <a:t>.</a:t>
+            </a:r>
+            <a:r>
+              <a:rPr lang="en-US" dirty="0" err="1">
+                <a:solidFill>
+                  <a:srgbClr val="795E26"/>
+                </a:solidFill>
+                <a:latin typeface="Consolas" panose="020B0609020204030204" pitchFamily="49" charset="0"/>
+              </a:rPr>
+              <a:t>Wrap</a:t>
+            </a:r>
+            <a:r>
+              <a:rPr lang="en-US" dirty="0">
+                <a:solidFill>
+                  <a:srgbClr val="000000"/>
+                </a:solidFill>
+                <a:latin typeface="Consolas" panose="020B0609020204030204" pitchFamily="49" charset="0"/>
+              </a:rPr>
+              <a:t>(</a:t>
+            </a:r>
+            <a:r>
+              <a:rPr lang="en-US" dirty="0">
+                <a:solidFill>
+                  <a:srgbClr val="001080"/>
+                </a:solidFill>
+                <a:latin typeface="Consolas" panose="020B0609020204030204" pitchFamily="49" charset="0"/>
+              </a:rPr>
+              <a:t>fallback</a:t>
+            </a:r>
+            <a:r>
+              <a:rPr lang="en-US" dirty="0">
+                <a:solidFill>
+                  <a:srgbClr val="000000"/>
+                </a:solidFill>
+                <a:latin typeface="Consolas" panose="020B0609020204030204" pitchFamily="49" charset="0"/>
+              </a:rPr>
+              <a:t>, </a:t>
+            </a:r>
+            <a:r>
+              <a:rPr lang="en-US" dirty="0">
+                <a:solidFill>
+                  <a:srgbClr val="001080"/>
+                </a:solidFill>
+                <a:latin typeface="Consolas" panose="020B0609020204030204" pitchFamily="49" charset="0"/>
+              </a:rPr>
+              <a:t>retry</a:t>
+            </a:r>
+            <a:r>
+              <a:rPr lang="en-US" dirty="0">
+                <a:solidFill>
+                  <a:srgbClr val="000000"/>
+                </a:solidFill>
+                <a:latin typeface="Consolas" panose="020B0609020204030204" pitchFamily="49" charset="0"/>
+              </a:rPr>
+              <a:t>);</a:t>
+            </a:r>
+          </a:p>
+          <a:p>
+            <a:pPr marL="0" indent="0">
+              <a:buNone/>
+            </a:pPr>
+            <a:endParaRPr lang="en-US" dirty="0">
+              <a:solidFill>
+                <a:srgbClr val="000000"/>
+              </a:solidFill>
+              <a:latin typeface="Consolas" panose="020B0609020204030204" pitchFamily="49" charset="0"/>
+            </a:endParaRPr>
+          </a:p>
+          <a:p>
+            <a:pPr marL="0" indent="0">
+              <a:buNone/>
+            </a:pPr>
+            <a:r>
+              <a:rPr lang="en-US" dirty="0">
+                <a:solidFill>
+                  <a:srgbClr val="0000FF"/>
+                </a:solidFill>
+                <a:latin typeface="Consolas" panose="020B0609020204030204" pitchFamily="49" charset="0"/>
+              </a:rPr>
+              <a:t>var</a:t>
+            </a:r>
+            <a:r>
+              <a:rPr lang="en-US" dirty="0">
+                <a:solidFill>
+                  <a:srgbClr val="000000"/>
+                </a:solidFill>
+                <a:latin typeface="Consolas" panose="020B0609020204030204" pitchFamily="49" charset="0"/>
+              </a:rPr>
+              <a:t> </a:t>
+            </a:r>
+            <a:r>
+              <a:rPr lang="en-US" dirty="0">
+                <a:solidFill>
+                  <a:srgbClr val="001080"/>
+                </a:solidFill>
+                <a:latin typeface="Consolas" panose="020B0609020204030204" pitchFamily="49" charset="0"/>
+              </a:rPr>
+              <a:t>result = </a:t>
+            </a:r>
+            <a:r>
+              <a:rPr lang="en-US" dirty="0" err="1">
+                <a:solidFill>
+                  <a:srgbClr val="001080"/>
+                </a:solidFill>
+                <a:latin typeface="Consolas" panose="020B0609020204030204" pitchFamily="49" charset="0"/>
+              </a:rPr>
+              <a:t>pollyWrap</a:t>
+            </a:r>
+            <a:r>
+              <a:rPr lang="en-US" dirty="0" err="1">
+                <a:solidFill>
+                  <a:srgbClr val="000000"/>
+                </a:solidFill>
+                <a:latin typeface="Consolas" panose="020B0609020204030204" pitchFamily="49" charset="0"/>
+              </a:rPr>
+              <a:t>.</a:t>
+            </a:r>
+            <a:r>
+              <a:rPr lang="en-US" dirty="0" err="1">
+                <a:solidFill>
+                  <a:srgbClr val="795E26"/>
+                </a:solidFill>
+                <a:latin typeface="Consolas" panose="020B0609020204030204" pitchFamily="49" charset="0"/>
+              </a:rPr>
+              <a:t>Execute</a:t>
+            </a:r>
+            <a:r>
+              <a:rPr lang="en-US" dirty="0">
+                <a:solidFill>
+                  <a:srgbClr val="000000"/>
+                </a:solidFill>
+                <a:latin typeface="Consolas" panose="020B0609020204030204" pitchFamily="49" charset="0"/>
+              </a:rPr>
+              <a:t>(() =&gt; </a:t>
+            </a:r>
+            <a:r>
+              <a:rPr lang="en-US" dirty="0">
+                <a:solidFill>
+                  <a:srgbClr val="795E26"/>
+                </a:solidFill>
+                <a:latin typeface="Consolas" panose="020B0609020204030204" pitchFamily="49" charset="0"/>
+              </a:rPr>
+              <a:t>DoSomething</a:t>
+            </a:r>
+            <a:r>
+              <a:rPr lang="en-US" dirty="0">
+                <a:solidFill>
+                  <a:srgbClr val="000000"/>
+                </a:solidFill>
+                <a:latin typeface="Consolas" panose="020B0609020204030204" pitchFamily="49" charset="0"/>
+              </a:rPr>
+              <a:t>());</a:t>
+            </a:r>
+          </a:p>
+        </p:txBody>
+      </p:sp>
+      <p:sp>
+        <p:nvSpPr>
+          <p:cNvPr id="4" name="Text Placeholder 3">
             <a:extLst>
               <a:ext uri="{FF2B5EF4-FFF2-40B4-BE49-F238E27FC236}">
-                <a16:creationId xmlns:a16="http://schemas.microsoft.com/office/drawing/2014/main" id="{FA2257F1-DF92-42A5-8B5A-D8CE5D19A252}"/>
+                <a16:creationId xmlns:a16="http://schemas.microsoft.com/office/drawing/2014/main" id="{D155BEE7-6CF5-486E-8F76-222FDA23617F}"/>
               </a:ext>
             </a:extLst>
           </p:cNvPr>
@@ -6822,6 +6892,45 @@
             <a:spLocks noGrp="1"/>
           </p:cNvSpPr>
           <p:nvPr>
+            <p:ph type="body" sz="half" idx="2"/>
+          </p:nvPr>
+        </p:nvSpPr>
+        <p:spPr/>
+        <p:txBody>
+          <a:bodyPr>
+            <a:normAutofit/>
+          </a:bodyPr>
+          <a:lstStyle/>
+          <a:p>
+            <a:r>
+              <a:rPr lang="en-US" sz="2400" dirty="0"/>
+              <a:t>Combines Multiple Policies into a Chain</a:t>
+            </a:r>
+          </a:p>
+          <a:p>
+            <a:r>
+              <a:rPr lang="en-US" sz="2400" dirty="0"/>
+              <a:t>Order Matters!</a:t>
+            </a:r>
+          </a:p>
+          <a:p>
+            <a:endParaRPr lang="en-US" sz="2400" dirty="0"/>
+          </a:p>
+        </p:txBody>
+      </p:sp>
+      <p:sp>
+        <p:nvSpPr>
+          <p:cNvPr id="5" name="Footer Placeholder 4">
+            <a:extLst>
+              <a:ext uri="{FF2B5EF4-FFF2-40B4-BE49-F238E27FC236}">
+                <a16:creationId xmlns:a16="http://schemas.microsoft.com/office/drawing/2014/main" id="{5CE377E9-4E11-4FBB-A3F8-51E9CBFF2D29}"/>
+              </a:ext>
+            </a:extLst>
+          </p:cNvPr>
+          <p:cNvSpPr>
+            <a:spLocks noGrp="1"/>
+          </p:cNvSpPr>
+          <p:nvPr>
             <p:ph type="ftr" sz="quarter" idx="11"/>
           </p:nvPr>
         </p:nvSpPr>
@@ -6840,7 +6949,7 @@
     </p:spTree>
     <p:extLst>
       <p:ext uri="{BB962C8B-B14F-4D97-AF65-F5344CB8AC3E}">
-        <p14:creationId xmlns:p14="http://schemas.microsoft.com/office/powerpoint/2010/main" val="2777027330"/>
+        <p14:creationId xmlns:p14="http://schemas.microsoft.com/office/powerpoint/2010/main" val="1080732520"/>
       </p:ext>
     </p:extLst>
   </p:cSld>
@@ -6872,7 +6981,7 @@
           <p:cNvPr id="2" name="Title 1">
             <a:extLst>
               <a:ext uri="{FF2B5EF4-FFF2-40B4-BE49-F238E27FC236}">
-                <a16:creationId xmlns:a16="http://schemas.microsoft.com/office/drawing/2014/main" id="{C9D02D46-6C3C-49A4-816A-6AC780E36C0D}"/>
+                <a16:creationId xmlns:a16="http://schemas.microsoft.com/office/drawing/2014/main" id="{FA9595CF-7466-4A9C-BCA6-CB2C35C23CC8}"/>
               </a:ext>
             </a:extLst>
           </p:cNvPr>
@@ -6889,19 +6998,18 @@
           <a:lstStyle/>
           <a:p>
             <a:r>
-              <a:rPr lang="en-US" dirty="0" err="1"/>
-              <a:t>PolicyRegistry</a:t>
-            </a:r>
-            <a:endParaRPr lang="en-US" dirty="0"/>
-          </a:p>
-        </p:txBody>
-      </p:sp>
-      <p:sp>
-        <p:nvSpPr>
-          <p:cNvPr id="3" name="Content Placeholder 2">
+              <a:rPr lang="en-US" dirty="0"/>
+              <a:t>Demo</a:t>
+            </a:r>
+          </a:p>
+        </p:txBody>
+      </p:sp>
+      <p:sp>
+        <p:nvSpPr>
+          <p:cNvPr id="3" name="Text Placeholder 2">
             <a:extLst>
               <a:ext uri="{FF2B5EF4-FFF2-40B4-BE49-F238E27FC236}">
-                <a16:creationId xmlns:a16="http://schemas.microsoft.com/office/drawing/2014/main" id="{78A5F0B9-5EDD-4C66-BAC3-6AEC198CE49A}"/>
+                <a16:creationId xmlns:a16="http://schemas.microsoft.com/office/drawing/2014/main" id="{D2814054-694B-4962-B898-8404A2702093}"/>
               </a:ext>
             </a:extLst>
           </p:cNvPr>
@@ -6909,555 +7017,27 @@
             <a:spLocks noGrp="1"/>
           </p:cNvSpPr>
           <p:nvPr>
-            <p:ph idx="1"/>
-          </p:nvPr>
-        </p:nvSpPr>
-        <p:spPr>
-          <a:xfrm>
-            <a:off x="4261282" y="731520"/>
-            <a:ext cx="7732450" cy="5257800"/>
-          </a:xfrm>
-        </p:spPr>
-        <p:txBody>
-          <a:bodyPr>
-            <a:normAutofit/>
-          </a:bodyPr>
-          <a:lstStyle/>
-          <a:p>
-            <a:pPr marL="0" indent="0">
-              <a:buNone/>
-            </a:pPr>
-            <a:r>
-              <a:rPr lang="en-US" dirty="0">
-                <a:solidFill>
-                  <a:srgbClr val="0000FF"/>
-                </a:solidFill>
-                <a:latin typeface="Consolas" panose="020B0609020204030204" pitchFamily="49" charset="0"/>
-              </a:rPr>
-              <a:t>var</a:t>
-            </a:r>
-            <a:r>
-              <a:rPr lang="en-US" dirty="0">
-                <a:solidFill>
-                  <a:srgbClr val="000000"/>
-                </a:solidFill>
-                <a:latin typeface="Consolas" panose="020B0609020204030204" pitchFamily="49" charset="0"/>
-              </a:rPr>
-              <a:t> registry = </a:t>
-            </a:r>
-            <a:r>
-              <a:rPr lang="en-US" dirty="0">
-                <a:solidFill>
-                  <a:srgbClr val="0000FF"/>
-                </a:solidFill>
-                <a:latin typeface="Consolas" panose="020B0609020204030204" pitchFamily="49" charset="0"/>
-              </a:rPr>
-              <a:t>new</a:t>
-            </a:r>
-            <a:r>
-              <a:rPr lang="en-US" dirty="0">
-                <a:solidFill>
-                  <a:srgbClr val="000000"/>
-                </a:solidFill>
-                <a:latin typeface="Consolas" panose="020B0609020204030204" pitchFamily="49" charset="0"/>
-              </a:rPr>
-              <a:t> </a:t>
-            </a:r>
-            <a:r>
-              <a:rPr lang="en-US" dirty="0" err="1">
-                <a:solidFill>
-                  <a:srgbClr val="000000"/>
-                </a:solidFill>
-                <a:latin typeface="Consolas" panose="020B0609020204030204" pitchFamily="49" charset="0"/>
-              </a:rPr>
-              <a:t>PolicyRegistry</a:t>
-            </a:r>
-            <a:r>
-              <a:rPr lang="en-US" dirty="0">
-                <a:solidFill>
-                  <a:srgbClr val="000000"/>
-                </a:solidFill>
-                <a:latin typeface="Consolas" panose="020B0609020204030204" pitchFamily="49" charset="0"/>
-              </a:rPr>
-              <a:t>();</a:t>
-            </a:r>
-          </a:p>
-          <a:p>
-            <a:pPr marL="0" indent="0">
-              <a:buNone/>
-            </a:pPr>
-            <a:r>
-              <a:rPr lang="en-US" dirty="0">
-                <a:solidFill>
-                  <a:srgbClr val="0000FF"/>
-                </a:solidFill>
-                <a:latin typeface="Consolas" panose="020B0609020204030204" pitchFamily="49" charset="0"/>
-              </a:rPr>
-              <a:t>var</a:t>
-            </a:r>
-            <a:r>
-              <a:rPr lang="en-US" dirty="0">
-                <a:solidFill>
-                  <a:srgbClr val="000000"/>
-                </a:solidFill>
-                <a:latin typeface="Consolas" panose="020B0609020204030204" pitchFamily="49" charset="0"/>
-              </a:rPr>
-              <a:t> </a:t>
-            </a:r>
-            <a:r>
-              <a:rPr lang="en-US" dirty="0">
-                <a:solidFill>
-                  <a:srgbClr val="001080"/>
-                </a:solidFill>
-                <a:latin typeface="Consolas" panose="020B0609020204030204" pitchFamily="49" charset="0"/>
-              </a:rPr>
-              <a:t>retry</a:t>
-            </a:r>
-            <a:r>
-              <a:rPr lang="en-US" dirty="0">
-                <a:solidFill>
-                  <a:srgbClr val="000000"/>
-                </a:solidFill>
-                <a:latin typeface="Consolas" panose="020B0609020204030204" pitchFamily="49" charset="0"/>
-              </a:rPr>
-              <a:t> = </a:t>
-            </a:r>
-            <a:r>
-              <a:rPr lang="en-US" dirty="0">
-                <a:solidFill>
-                  <a:srgbClr val="001080"/>
-                </a:solidFill>
-                <a:latin typeface="Consolas" panose="020B0609020204030204" pitchFamily="49" charset="0"/>
-              </a:rPr>
-              <a:t>Policy</a:t>
-            </a:r>
-            <a:endParaRPr lang="en-US" dirty="0">
-              <a:solidFill>
-                <a:srgbClr val="000000"/>
-              </a:solidFill>
-              <a:latin typeface="Consolas" panose="020B0609020204030204" pitchFamily="49" charset="0"/>
-            </a:endParaRPr>
-          </a:p>
-          <a:p>
-            <a:pPr marL="0" indent="0">
-              <a:buNone/>
-            </a:pPr>
-            <a:r>
-              <a:rPr lang="en-US" dirty="0">
-                <a:solidFill>
-                  <a:srgbClr val="000000"/>
-                </a:solidFill>
-                <a:latin typeface="Consolas" panose="020B0609020204030204" pitchFamily="49" charset="0"/>
-              </a:rPr>
-              <a:t>             .</a:t>
-            </a:r>
-            <a:r>
-              <a:rPr lang="en-US" dirty="0">
-                <a:solidFill>
-                  <a:srgbClr val="795E26"/>
-                </a:solidFill>
-                <a:latin typeface="Consolas" panose="020B0609020204030204" pitchFamily="49" charset="0"/>
-              </a:rPr>
-              <a:t>Handle</a:t>
-            </a:r>
-            <a:r>
-              <a:rPr lang="en-US" dirty="0">
-                <a:solidFill>
-                  <a:srgbClr val="000000"/>
-                </a:solidFill>
-                <a:latin typeface="Consolas" panose="020B0609020204030204" pitchFamily="49" charset="0"/>
-              </a:rPr>
-              <a:t>&lt;</a:t>
-            </a:r>
-            <a:r>
-              <a:rPr lang="en-US" dirty="0" err="1">
-                <a:solidFill>
-                  <a:srgbClr val="267F99"/>
-                </a:solidFill>
-                <a:latin typeface="Consolas" panose="020B0609020204030204" pitchFamily="49" charset="0"/>
-              </a:rPr>
-              <a:t>SomeExceptionType</a:t>
-            </a:r>
-            <a:r>
-              <a:rPr lang="en-US" dirty="0">
-                <a:solidFill>
-                  <a:srgbClr val="000000"/>
-                </a:solidFill>
-                <a:latin typeface="Consolas" panose="020B0609020204030204" pitchFamily="49" charset="0"/>
-              </a:rPr>
-              <a:t>&gt;()</a:t>
-            </a:r>
-          </a:p>
-          <a:p>
-            <a:pPr marL="0" indent="0">
-              <a:buNone/>
-            </a:pPr>
-            <a:r>
-              <a:rPr lang="en-US" dirty="0">
-                <a:solidFill>
-                  <a:srgbClr val="000000"/>
-                </a:solidFill>
-                <a:latin typeface="Consolas" panose="020B0609020204030204" pitchFamily="49" charset="0"/>
-              </a:rPr>
-              <a:t>             .</a:t>
-            </a:r>
-            <a:r>
-              <a:rPr lang="en-US" dirty="0" err="1">
-                <a:solidFill>
-                  <a:srgbClr val="795E26"/>
-                </a:solidFill>
-                <a:latin typeface="Consolas" panose="020B0609020204030204" pitchFamily="49" charset="0"/>
-              </a:rPr>
-              <a:t>WaitAndRetry</a:t>
-            </a:r>
-            <a:r>
-              <a:rPr lang="en-US" dirty="0">
-                <a:solidFill>
-                  <a:srgbClr val="000000"/>
-                </a:solidFill>
-                <a:latin typeface="Consolas" panose="020B0609020204030204" pitchFamily="49" charset="0"/>
-              </a:rPr>
-              <a:t>(</a:t>
-            </a:r>
-            <a:r>
-              <a:rPr lang="en-US" dirty="0">
-                <a:solidFill>
-                  <a:srgbClr val="09885A"/>
-                </a:solidFill>
-                <a:latin typeface="Consolas" panose="020B0609020204030204" pitchFamily="49" charset="0"/>
-              </a:rPr>
-              <a:t>3</a:t>
-            </a:r>
-            <a:r>
-              <a:rPr lang="en-US" dirty="0">
-                <a:solidFill>
-                  <a:srgbClr val="000000"/>
-                </a:solidFill>
-                <a:latin typeface="Consolas" panose="020B0609020204030204" pitchFamily="49" charset="0"/>
-              </a:rPr>
-              <a:t>, </a:t>
-            </a:r>
-            <a:r>
-              <a:rPr lang="en-US" dirty="0">
-                <a:solidFill>
-                  <a:srgbClr val="09885A"/>
-                </a:solidFill>
-                <a:latin typeface="Consolas" panose="020B0609020204030204" pitchFamily="49" charset="0"/>
-              </a:rPr>
-              <a:t>200</a:t>
-            </a:r>
-            <a:r>
-              <a:rPr lang="en-US" dirty="0">
-                <a:solidFill>
-                  <a:srgbClr val="000000"/>
-                </a:solidFill>
-                <a:latin typeface="Consolas" panose="020B0609020204030204" pitchFamily="49" charset="0"/>
-              </a:rPr>
-              <a:t>); </a:t>
-            </a:r>
-          </a:p>
-          <a:p>
-            <a:pPr marL="0" indent="0">
-              <a:buNone/>
-            </a:pPr>
-            <a:r>
-              <a:rPr lang="en-US" dirty="0" err="1">
-                <a:solidFill>
-                  <a:srgbClr val="000000"/>
-                </a:solidFill>
-                <a:latin typeface="Consolas" panose="020B0609020204030204" pitchFamily="49" charset="0"/>
-              </a:rPr>
-              <a:t>registry.Add</a:t>
-            </a:r>
-            <a:r>
-              <a:rPr lang="en-US" dirty="0">
-                <a:solidFill>
-                  <a:srgbClr val="000000"/>
-                </a:solidFill>
-                <a:latin typeface="Consolas" panose="020B0609020204030204" pitchFamily="49" charset="0"/>
-              </a:rPr>
-              <a:t>(</a:t>
-            </a:r>
-            <a:r>
-              <a:rPr lang="en-US" dirty="0">
-                <a:solidFill>
-                  <a:srgbClr val="A31515"/>
-                </a:solidFill>
-                <a:latin typeface="Consolas" panose="020B0609020204030204" pitchFamily="49" charset="0"/>
-              </a:rPr>
-              <a:t>"</a:t>
-            </a:r>
-            <a:r>
-              <a:rPr lang="en-US" dirty="0" err="1">
-                <a:solidFill>
-                  <a:srgbClr val="A31515"/>
-                </a:solidFill>
-                <a:latin typeface="Consolas" panose="020B0609020204030204" pitchFamily="49" charset="0"/>
-              </a:rPr>
-              <a:t>DefaultRetry</a:t>
-            </a:r>
-            <a:r>
-              <a:rPr lang="en-US" dirty="0">
-                <a:solidFill>
-                  <a:srgbClr val="A31515"/>
-                </a:solidFill>
-                <a:latin typeface="Consolas" panose="020B0609020204030204" pitchFamily="49" charset="0"/>
-              </a:rPr>
-              <a:t>"</a:t>
-            </a:r>
-            <a:r>
-              <a:rPr lang="en-US" dirty="0">
-                <a:solidFill>
-                  <a:srgbClr val="000000"/>
-                </a:solidFill>
-                <a:latin typeface="Consolas" panose="020B0609020204030204" pitchFamily="49" charset="0"/>
-              </a:rPr>
-              <a:t>, retry);</a:t>
-            </a:r>
-          </a:p>
-          <a:p>
-            <a:pPr marL="0" indent="0">
-              <a:buNone/>
-            </a:pPr>
-            <a:endParaRPr lang="en-US" dirty="0">
-              <a:solidFill>
-                <a:srgbClr val="000000"/>
-              </a:solidFill>
-              <a:latin typeface="Consolas" panose="020B0609020204030204" pitchFamily="49" charset="0"/>
-            </a:endParaRPr>
-          </a:p>
-          <a:p>
-            <a:pPr marL="0" indent="0">
-              <a:buNone/>
-            </a:pPr>
-            <a:r>
-              <a:rPr lang="en-US" dirty="0">
-                <a:solidFill>
-                  <a:srgbClr val="000000"/>
-                </a:solidFill>
-                <a:latin typeface="Consolas" panose="020B0609020204030204" pitchFamily="49" charset="0"/>
-              </a:rPr>
-              <a:t>...</a:t>
-            </a:r>
-          </a:p>
-          <a:p>
-            <a:pPr marL="0" indent="0">
-              <a:buNone/>
-            </a:pPr>
-            <a:endParaRPr lang="en-US" dirty="0">
-              <a:solidFill>
-                <a:srgbClr val="000000"/>
-              </a:solidFill>
-              <a:latin typeface="Consolas" panose="020B0609020204030204" pitchFamily="49" charset="0"/>
-            </a:endParaRPr>
-          </a:p>
-          <a:p>
-            <a:pPr marL="0" indent="0">
-              <a:buNone/>
-            </a:pPr>
-            <a:r>
-              <a:rPr lang="en-US" dirty="0">
-                <a:solidFill>
-                  <a:srgbClr val="0000FF"/>
-                </a:solidFill>
-                <a:latin typeface="Consolas" panose="020B0609020204030204" pitchFamily="49" charset="0"/>
-              </a:rPr>
-              <a:t>var</a:t>
-            </a:r>
-            <a:r>
-              <a:rPr lang="en-US" dirty="0">
-                <a:solidFill>
-                  <a:srgbClr val="000000"/>
-                </a:solidFill>
-                <a:latin typeface="Consolas" panose="020B0609020204030204" pitchFamily="49" charset="0"/>
-              </a:rPr>
-              <a:t> </a:t>
-            </a:r>
-            <a:r>
-              <a:rPr lang="en-US" dirty="0">
-                <a:solidFill>
-                  <a:srgbClr val="001080"/>
-                </a:solidFill>
-                <a:latin typeface="Consolas" panose="020B0609020204030204" pitchFamily="49" charset="0"/>
-              </a:rPr>
-              <a:t>policy</a:t>
-            </a:r>
-            <a:r>
-              <a:rPr lang="en-US" dirty="0">
-                <a:solidFill>
-                  <a:srgbClr val="000000"/>
-                </a:solidFill>
-                <a:latin typeface="Consolas" panose="020B0609020204030204" pitchFamily="49" charset="0"/>
-              </a:rPr>
-              <a:t> = </a:t>
-            </a:r>
-            <a:r>
-              <a:rPr lang="en-US" dirty="0" err="1">
-                <a:solidFill>
-                  <a:srgbClr val="001080"/>
-                </a:solidFill>
-                <a:latin typeface="Consolas" panose="020B0609020204030204" pitchFamily="49" charset="0"/>
-              </a:rPr>
-              <a:t>registry</a:t>
-            </a:r>
-            <a:r>
-              <a:rPr lang="en-US" dirty="0" err="1">
-                <a:solidFill>
-                  <a:srgbClr val="000000"/>
-                </a:solidFill>
-                <a:latin typeface="Consolas" panose="020B0609020204030204" pitchFamily="49" charset="0"/>
-              </a:rPr>
-              <a:t>.Get</a:t>
-            </a:r>
-            <a:r>
-              <a:rPr lang="en-US" dirty="0">
-                <a:solidFill>
-                  <a:srgbClr val="000000"/>
-                </a:solidFill>
-                <a:latin typeface="Consolas" panose="020B0609020204030204" pitchFamily="49" charset="0"/>
-              </a:rPr>
-              <a:t>&lt;</a:t>
-            </a:r>
-            <a:r>
-              <a:rPr lang="en-US" dirty="0" err="1">
-                <a:solidFill>
-                  <a:srgbClr val="267F99"/>
-                </a:solidFill>
-                <a:latin typeface="Consolas" panose="020B0609020204030204" pitchFamily="49" charset="0"/>
-              </a:rPr>
-              <a:t>RetryPolicy</a:t>
-            </a:r>
-            <a:r>
-              <a:rPr lang="en-US" dirty="0">
-                <a:solidFill>
-                  <a:srgbClr val="000000"/>
-                </a:solidFill>
-                <a:latin typeface="Consolas" panose="020B0609020204030204" pitchFamily="49" charset="0"/>
-              </a:rPr>
-              <a:t>&gt;(</a:t>
-            </a:r>
-            <a:r>
-              <a:rPr lang="en-US" dirty="0">
-                <a:solidFill>
-                  <a:srgbClr val="A31515"/>
-                </a:solidFill>
-                <a:latin typeface="Consolas" panose="020B0609020204030204" pitchFamily="49" charset="0"/>
-              </a:rPr>
-              <a:t>"</a:t>
-            </a:r>
-            <a:r>
-              <a:rPr lang="en-US" dirty="0" err="1">
-                <a:solidFill>
-                  <a:srgbClr val="A31515"/>
-                </a:solidFill>
-                <a:latin typeface="Consolas" panose="020B0609020204030204" pitchFamily="49" charset="0"/>
-              </a:rPr>
-              <a:t>DefaultRetry</a:t>
-            </a:r>
-            <a:r>
-              <a:rPr lang="en-US" dirty="0">
-                <a:solidFill>
-                  <a:srgbClr val="A31515"/>
-                </a:solidFill>
-                <a:latin typeface="Consolas" panose="020B0609020204030204" pitchFamily="49" charset="0"/>
-              </a:rPr>
-              <a:t>"</a:t>
-            </a:r>
-            <a:r>
-              <a:rPr lang="en-US" dirty="0">
-                <a:solidFill>
-                  <a:srgbClr val="000000"/>
-                </a:solidFill>
-                <a:latin typeface="Consolas" panose="020B0609020204030204" pitchFamily="49" charset="0"/>
-              </a:rPr>
-              <a:t>);</a:t>
-            </a:r>
-            <a:endParaRPr lang="en-US" dirty="0">
-              <a:solidFill>
-                <a:srgbClr val="001080"/>
-              </a:solidFill>
-              <a:latin typeface="Consolas" panose="020B0609020204030204" pitchFamily="49" charset="0"/>
-            </a:endParaRPr>
-          </a:p>
-          <a:p>
-            <a:pPr marL="0" indent="0">
-              <a:buNone/>
-            </a:pPr>
-            <a:r>
-              <a:rPr lang="en-US" dirty="0" err="1">
-                <a:solidFill>
-                  <a:srgbClr val="001080"/>
-                </a:solidFill>
-                <a:latin typeface="Consolas" panose="020B0609020204030204" pitchFamily="49" charset="0"/>
-              </a:rPr>
-              <a:t>policy</a:t>
-            </a:r>
-            <a:r>
-              <a:rPr lang="en-US" dirty="0" err="1">
-                <a:solidFill>
-                  <a:srgbClr val="000000"/>
-                </a:solidFill>
-                <a:latin typeface="Consolas" panose="020B0609020204030204" pitchFamily="49" charset="0"/>
-              </a:rPr>
-              <a:t>.</a:t>
-            </a:r>
-            <a:r>
-              <a:rPr lang="en-US" dirty="0" err="1">
-                <a:solidFill>
-                  <a:srgbClr val="795E26"/>
-                </a:solidFill>
-                <a:latin typeface="Consolas" panose="020B0609020204030204" pitchFamily="49" charset="0"/>
-              </a:rPr>
-              <a:t>Execute</a:t>
-            </a:r>
-            <a:r>
-              <a:rPr lang="en-US" dirty="0">
-                <a:solidFill>
-                  <a:srgbClr val="000000"/>
-                </a:solidFill>
-                <a:latin typeface="Consolas" panose="020B0609020204030204" pitchFamily="49" charset="0"/>
-              </a:rPr>
-              <a:t>(() =&gt; </a:t>
-            </a:r>
-            <a:r>
-              <a:rPr lang="en-US" dirty="0">
-                <a:solidFill>
-                  <a:srgbClr val="795E26"/>
-                </a:solidFill>
-                <a:latin typeface="Consolas" panose="020B0609020204030204" pitchFamily="49" charset="0"/>
-              </a:rPr>
-              <a:t>DoSomething</a:t>
-            </a:r>
-            <a:r>
-              <a:rPr lang="en-US" dirty="0">
-                <a:solidFill>
-                  <a:srgbClr val="000000"/>
-                </a:solidFill>
-                <a:latin typeface="Consolas" panose="020B0609020204030204" pitchFamily="49" charset="0"/>
-              </a:rPr>
-              <a:t>());</a:t>
-            </a:r>
-          </a:p>
-          <a:p>
-            <a:pPr marL="0" indent="0">
-              <a:buNone/>
-            </a:pPr>
-            <a:endParaRPr lang="en-US" dirty="0"/>
-          </a:p>
-          <a:p>
-            <a:pPr marL="0" indent="0">
-              <a:buNone/>
-            </a:pPr>
-            <a:endParaRPr lang="en-US" dirty="0"/>
-          </a:p>
-        </p:txBody>
-      </p:sp>
-      <p:sp>
-        <p:nvSpPr>
-          <p:cNvPr id="4" name="Content Placeholder 3">
+            <p:ph type="body" idx="1"/>
+          </p:nvPr>
+        </p:nvSpPr>
+        <p:spPr/>
+        <p:txBody>
+          <a:bodyPr/>
+          <a:lstStyle/>
+          <a:p>
+            <a:r>
+              <a:rPr lang="en-US" dirty="0"/>
+              <a:t>Our Powers Combined!</a:t>
+            </a:r>
+          </a:p>
+        </p:txBody>
+      </p:sp>
+      <p:sp>
+        <p:nvSpPr>
+          <p:cNvPr id="4" name="Footer Placeholder 3">
             <a:extLst>
               <a:ext uri="{FF2B5EF4-FFF2-40B4-BE49-F238E27FC236}">
-                <a16:creationId xmlns:a16="http://schemas.microsoft.com/office/drawing/2014/main" id="{CD30D001-D627-4378-B4FA-81C557E3BE73}"/>
+                <a16:creationId xmlns:a16="http://schemas.microsoft.com/office/drawing/2014/main" id="{FA2257F1-DF92-42A5-8B5A-D8CE5D19A252}"/>
               </a:ext>
             </a:extLst>
           </p:cNvPr>
@@ -7465,48 +7045,6 @@
             <a:spLocks noGrp="1"/>
           </p:cNvSpPr>
           <p:nvPr>
-            <p:ph type="body" sz="half" idx="2"/>
-          </p:nvPr>
-        </p:nvSpPr>
-        <p:spPr/>
-        <p:txBody>
-          <a:bodyPr>
-            <a:normAutofit/>
-          </a:bodyPr>
-          <a:lstStyle/>
-          <a:p>
-            <a:r>
-              <a:rPr lang="en-US" sz="2400" dirty="0"/>
-              <a:t>Provides a registry for storing configured policy instances and retrieving them later for use.</a:t>
-            </a:r>
-          </a:p>
-          <a:p>
-            <a:r>
-              <a:rPr lang="en-US" sz="2400" dirty="0"/>
-              <a:t>Promotes separation of policy definition and usage.</a:t>
-            </a:r>
-          </a:p>
-          <a:p>
-            <a:pPr marL="0" indent="0">
-              <a:buNone/>
-            </a:pPr>
-            <a:endParaRPr lang="en-US" dirty="0"/>
-          </a:p>
-        </p:txBody>
-      </p:sp>
-      <p:sp>
-        <p:nvSpPr>
-          <p:cNvPr id="5" name="Footer Placeholder 4">
-            <a:extLst>
-              <a:ext uri="{FF2B5EF4-FFF2-40B4-BE49-F238E27FC236}">
-                <a16:creationId xmlns:a16="http://schemas.microsoft.com/office/drawing/2014/main" id="{E0A7F505-19A0-47CA-8376-4DC33DDD0281}"/>
-              </a:ext>
-            </a:extLst>
-          </p:cNvPr>
-          <p:cNvSpPr>
-            <a:spLocks noGrp="1"/>
-          </p:cNvSpPr>
-          <p:nvPr>
             <p:ph type="ftr" sz="quarter" idx="11"/>
           </p:nvPr>
         </p:nvSpPr>
@@ -7525,7 +7063,7 @@
     </p:spTree>
     <p:extLst>
       <p:ext uri="{BB962C8B-B14F-4D97-AF65-F5344CB8AC3E}">
-        <p14:creationId xmlns:p14="http://schemas.microsoft.com/office/powerpoint/2010/main" val="1083096976"/>
+        <p14:creationId xmlns:p14="http://schemas.microsoft.com/office/powerpoint/2010/main" val="2777027330"/>
       </p:ext>
     </p:extLst>
   </p:cSld>
@@ -7557,7 +7095,7 @@
           <p:cNvPr id="2" name="Title 1">
             <a:extLst>
               <a:ext uri="{FF2B5EF4-FFF2-40B4-BE49-F238E27FC236}">
-                <a16:creationId xmlns:a16="http://schemas.microsoft.com/office/drawing/2014/main" id="{AB9A4D13-D9C8-4F11-83DC-389F20D4D42F}"/>
+                <a16:creationId xmlns:a16="http://schemas.microsoft.com/office/drawing/2014/main" id="{C9D02D46-6C3C-49A4-816A-6AC780E36C0D}"/>
               </a:ext>
             </a:extLst>
           </p:cNvPr>
@@ -7574,9 +7112,10 @@
           <a:lstStyle/>
           <a:p>
             <a:r>
-              <a:rPr lang="en-US" dirty="0"/>
-              <a:t>Unit Testing</a:t>
-            </a:r>
+              <a:rPr lang="en-US" dirty="0" err="1"/>
+              <a:t>PolicyRegistry</a:t>
+            </a:r>
+            <a:endParaRPr lang="en-US" dirty="0"/>
           </a:p>
         </p:txBody>
       </p:sp>
@@ -7585,7 +7124,7 @@
           <p:cNvPr id="3" name="Content Placeholder 2">
             <a:extLst>
               <a:ext uri="{FF2B5EF4-FFF2-40B4-BE49-F238E27FC236}">
-                <a16:creationId xmlns:a16="http://schemas.microsoft.com/office/drawing/2014/main" id="{6BE7D500-8F5C-425E-8412-3EF8CF39CA99}"/>
+                <a16:creationId xmlns:a16="http://schemas.microsoft.com/office/drawing/2014/main" id="{78A5F0B9-5EDD-4C66-BAC3-6AEC198CE49A}"/>
               </a:ext>
             </a:extLst>
           </p:cNvPr>
@@ -7593,13 +7132,13 @@
             <a:spLocks noGrp="1"/>
           </p:cNvSpPr>
           <p:nvPr>
-            <p:ph sz="half" idx="1"/>
+            <p:ph idx="1"/>
           </p:nvPr>
         </p:nvSpPr>
         <p:spPr>
           <a:xfrm>
-            <a:off x="358066" y="1845734"/>
-            <a:ext cx="4498019" cy="4023360"/>
+            <a:off x="4261282" y="731520"/>
+            <a:ext cx="7732450" cy="5257800"/>
           </a:xfrm>
         </p:spPr>
         <p:txBody>
@@ -7608,94 +7147,7 @@
           </a:bodyPr>
           <a:lstStyle/>
           <a:p>
-            <a:r>
-              <a:rPr lang="en-US" dirty="0" err="1"/>
-              <a:t>PolicyRegistry</a:t>
-            </a:r>
-            <a:r>
-              <a:rPr lang="en-US" dirty="0"/>
-              <a:t> implements </a:t>
-            </a:r>
-            <a:r>
-              <a:rPr lang="en-US" dirty="0" err="1"/>
-              <a:t>IPolicyRegistry</a:t>
-            </a:r>
-            <a:endParaRPr lang="en-US" dirty="0"/>
-          </a:p>
-          <a:p>
-            <a:r>
-              <a:rPr lang="en-US" dirty="0"/>
-              <a:t>All Policies Implement </a:t>
-            </a:r>
-            <a:r>
-              <a:rPr lang="en-US" dirty="0" err="1"/>
-              <a:t>ISyncPolicy</a:t>
-            </a:r>
-            <a:r>
-              <a:rPr lang="en-US" dirty="0"/>
-              <a:t> or </a:t>
-            </a:r>
-            <a:r>
-              <a:rPr lang="en-US" dirty="0" err="1"/>
-              <a:t>IAsyncPolicy</a:t>
-            </a:r>
-            <a:endParaRPr lang="en-US" dirty="0"/>
-          </a:p>
-          <a:p>
-            <a:r>
-              <a:rPr lang="en-US" dirty="0"/>
-              <a:t>The </a:t>
-            </a:r>
-            <a:r>
-              <a:rPr lang="en-US" dirty="0" err="1"/>
-              <a:t>NoOp</a:t>
-            </a:r>
-            <a:r>
-              <a:rPr lang="en-US" dirty="0"/>
-              <a:t> Policy, aka “Bypass Polly”</a:t>
-            </a:r>
-          </a:p>
-          <a:p>
-            <a:pPr lvl="1"/>
-            <a:r>
-              <a:rPr lang="en-US" dirty="0"/>
-              <a:t>Executes without intervention</a:t>
-            </a:r>
-          </a:p>
-        </p:txBody>
-      </p:sp>
-      <p:sp>
-        <p:nvSpPr>
-          <p:cNvPr id="4" name="Content Placeholder 3">
-            <a:extLst>
-              <a:ext uri="{FF2B5EF4-FFF2-40B4-BE49-F238E27FC236}">
-                <a16:creationId xmlns:a16="http://schemas.microsoft.com/office/drawing/2014/main" id="{E041FE45-04A8-49E3-B6C0-53389BCFAC56}"/>
-              </a:ext>
-            </a:extLst>
-          </p:cNvPr>
-          <p:cNvSpPr>
-            <a:spLocks noGrp="1"/>
-          </p:cNvSpPr>
-          <p:nvPr>
-            <p:ph sz="half" idx="2"/>
-          </p:nvPr>
-        </p:nvSpPr>
-        <p:spPr>
-          <a:xfrm>
-            <a:off x="5086905" y="1845735"/>
-            <a:ext cx="6747029" cy="4023360"/>
-          </a:xfrm>
-        </p:spPr>
-        <p:txBody>
-          <a:bodyPr>
-            <a:normAutofit/>
-          </a:bodyPr>
-          <a:lstStyle/>
-          <a:p>
             <a:pPr marL="0" indent="0">
-              <a:spcBef>
-                <a:spcPts val="200"/>
-              </a:spcBef>
               <a:buNone/>
             </a:pPr>
             <a:r>
@@ -7705,7 +7157,25 @@
                 </a:solidFill>
                 <a:latin typeface="Consolas" panose="020B0609020204030204" pitchFamily="49" charset="0"/>
               </a:rPr>
-              <a:t>public</a:t>
+              <a:t>var</a:t>
+            </a:r>
+            <a:r>
+              <a:rPr lang="en-US" dirty="0">
+                <a:solidFill>
+                  <a:srgbClr val="000000"/>
+                </a:solidFill>
+                <a:latin typeface="Consolas" panose="020B0609020204030204" pitchFamily="49" charset="0"/>
+              </a:rPr>
+              <a:t> registry = </a:t>
+            </a:r>
+            <a:r>
+              <a:rPr lang="en-US" dirty="0">
+                <a:solidFill>
+                  <a:srgbClr val="0000FF"/>
+                </a:solidFill>
+                <a:latin typeface="Consolas" panose="020B0609020204030204" pitchFamily="49" charset="0"/>
+              </a:rPr>
+              <a:t>new</a:t>
             </a:r>
             <a:r>
               <a:rPr lang="en-US" dirty="0">
@@ -7717,82 +7187,82 @@
               <a:t> </a:t>
             </a:r>
             <a:r>
-              <a:rPr lang="en-US" dirty="0">
-                <a:solidFill>
-                  <a:srgbClr val="0000FF"/>
-                </a:solidFill>
-                <a:latin typeface="Consolas" panose="020B0609020204030204" pitchFamily="49" charset="0"/>
-              </a:rPr>
-              <a:t>string</a:t>
-            </a:r>
-            <a:r>
-              <a:rPr lang="en-US" dirty="0">
-                <a:solidFill>
-                  <a:srgbClr val="000000"/>
-                </a:solidFill>
-                <a:latin typeface="Consolas" panose="020B0609020204030204" pitchFamily="49" charset="0"/>
-              </a:rPr>
-              <a:t> </a:t>
-            </a:r>
-            <a:r>
               <a:rPr lang="en-US" dirty="0" err="1">
                 <a:solidFill>
                   <a:srgbClr val="000000"/>
                 </a:solidFill>
                 <a:latin typeface="Consolas" panose="020B0609020204030204" pitchFamily="49" charset="0"/>
               </a:rPr>
-              <a:t>UseRegistryWithNoOp</a:t>
-            </a:r>
-            <a:r>
-              <a:rPr lang="en-US" dirty="0">
-                <a:solidFill>
-                  <a:srgbClr val="000000"/>
-                </a:solidFill>
-                <a:latin typeface="Consolas" panose="020B0609020204030204" pitchFamily="49" charset="0"/>
-              </a:rPr>
-              <a:t>(</a:t>
-            </a:r>
-            <a:r>
-              <a:rPr lang="en-US" dirty="0">
-                <a:solidFill>
-                  <a:srgbClr val="0000FF"/>
-                </a:solidFill>
-                <a:latin typeface="Consolas" panose="020B0609020204030204" pitchFamily="49" charset="0"/>
-              </a:rPr>
-              <a:t>int</a:t>
-            </a:r>
-            <a:r>
-              <a:rPr lang="en-US" dirty="0">
-                <a:solidFill>
-                  <a:srgbClr val="000000"/>
-                </a:solidFill>
-                <a:latin typeface="Consolas" panose="020B0609020204030204" pitchFamily="49" charset="0"/>
-              </a:rPr>
-              <a:t> input)</a:t>
+              <a:t>PolicyRegistry</a:t>
+            </a:r>
+            <a:r>
+              <a:rPr lang="en-US" dirty="0">
+                <a:solidFill>
+                  <a:srgbClr val="000000"/>
+                </a:solidFill>
+                <a:latin typeface="Consolas" panose="020B0609020204030204" pitchFamily="49" charset="0"/>
+              </a:rPr>
+              <a:t>();</a:t>
             </a:r>
           </a:p>
           <a:p>
             <a:pPr marL="0" indent="0">
-              <a:spcBef>
-                <a:spcPts val="200"/>
-              </a:spcBef>
               <a:buNone/>
             </a:pPr>
             <a:r>
               <a:rPr lang="en-US" dirty="0">
                 <a:solidFill>
-                  <a:srgbClr val="000000"/>
-                </a:solidFill>
-                <a:latin typeface="Consolas" panose="020B0609020204030204" pitchFamily="49" charset="0"/>
-              </a:rPr>
-              <a:t>{</a:t>
-            </a:r>
+                  <a:srgbClr val="0000FF"/>
+                </a:solidFill>
+                <a:latin typeface="Consolas" panose="020B0609020204030204" pitchFamily="49" charset="0"/>
+              </a:rPr>
+              <a:t>var</a:t>
+            </a:r>
+            <a:r>
+              <a:rPr lang="en-US" dirty="0">
+                <a:solidFill>
+                  <a:srgbClr val="000000"/>
+                </a:solidFill>
+                <a:latin typeface="Consolas" panose="020B0609020204030204" pitchFamily="49" charset="0"/>
+              </a:rPr>
+              <a:t> </a:t>
+            </a:r>
+            <a:r>
+              <a:rPr lang="en-US" dirty="0">
+                <a:solidFill>
+                  <a:srgbClr val="001080"/>
+                </a:solidFill>
+                <a:latin typeface="Consolas" panose="020B0609020204030204" pitchFamily="49" charset="0"/>
+              </a:rPr>
+              <a:t>retry</a:t>
+            </a:r>
+            <a:r>
+              <a:rPr lang="en-US" dirty="0">
+                <a:solidFill>
+                  <a:srgbClr val="000000"/>
+                </a:solidFill>
+                <a:latin typeface="Consolas" panose="020B0609020204030204" pitchFamily="49" charset="0"/>
+              </a:rPr>
+              <a:t> = </a:t>
+            </a:r>
+            <a:r>
+              <a:rPr lang="en-US" dirty="0">
+                <a:solidFill>
+                  <a:srgbClr val="001080"/>
+                </a:solidFill>
+                <a:latin typeface="Consolas" panose="020B0609020204030204" pitchFamily="49" charset="0"/>
+              </a:rPr>
+              <a:t>Policy</a:t>
+            </a:r>
+            <a:endParaRPr lang="en-US" dirty="0">
+              <a:solidFill>
+                <a:srgbClr val="000000"/>
+              </a:solidFill>
+              <a:latin typeface="Consolas" panose="020B0609020204030204" pitchFamily="49" charset="0"/>
+            </a:endParaRPr>
           </a:p>
           <a:p>
             <a:pPr marL="0" indent="0">
-              <a:spcBef>
-                <a:spcPts val="200"/>
-              </a:spcBef>
               <a:buNone/>
             </a:pPr>
             <a:r>
@@ -7802,32 +7272,47 @@
                 </a:solidFill>
                 <a:latin typeface="Consolas" panose="020B0609020204030204" pitchFamily="49" charset="0"/>
               </a:rPr>
-              <a:t>  </a:t>
+              <a:t>             .</a:t>
+            </a:r>
+            <a:r>
+              <a:rPr lang="en-US" dirty="0">
+                <a:solidFill>
+                  <a:srgbClr val="795E26"/>
+                </a:solidFill>
+                <a:latin typeface="Consolas" panose="020B0609020204030204" pitchFamily="49" charset="0"/>
+              </a:rPr>
+              <a:t>Handle</a:t>
+            </a:r>
+            <a:r>
+              <a:rPr lang="en-US" dirty="0">
+                <a:solidFill>
+                  <a:srgbClr val="000000"/>
+                </a:solidFill>
+                <a:latin typeface="Consolas" panose="020B0609020204030204" pitchFamily="49" charset="0"/>
+              </a:rPr>
+              <a:t>&lt;</a:t>
             </a:r>
             <a:r>
               <a:rPr lang="en-US" dirty="0" err="1">
                 <a:solidFill>
-                  <a:srgbClr val="000000"/>
-                </a:solidFill>
-                <a:latin typeface="Consolas" panose="020B0609020204030204" pitchFamily="49" charset="0"/>
-              </a:rPr>
-              <a:t>ISyncPolicy</a:t>
-            </a:r>
-            <a:r>
-              <a:rPr lang="en-US" dirty="0">
-                <a:solidFill>
-                  <a:srgbClr val="000000"/>
-                </a:solidFill>
-                <a:latin typeface="Consolas" panose="020B0609020204030204" pitchFamily="49" charset="0"/>
-              </a:rPr>
-              <a:t> policy =                    </a:t>
+                  <a:srgbClr val="267F99"/>
+                </a:solidFill>
+                <a:latin typeface="Consolas" panose="020B0609020204030204" pitchFamily="49" charset="0"/>
+              </a:rPr>
+              <a:t>SomeExceptionType</a:t>
+            </a:r>
+            <a:r>
+              <a:rPr lang="en-US" dirty="0">
+                <a:solidFill>
+                  <a:srgbClr val="000000"/>
+                </a:solidFill>
+                <a:latin typeface="Consolas" panose="020B0609020204030204" pitchFamily="49" charset="0"/>
+              </a:rPr>
+              <a:t>&gt;()</a:t>
             </a:r>
           </a:p>
           <a:p>
             <a:pPr marL="0" indent="0">
-              <a:spcBef>
-                <a:spcPts val="200"/>
-              </a:spcBef>
               <a:buNone/>
             </a:pPr>
             <a:r>
@@ -7837,16 +7322,16 @@
                 </a:solidFill>
                 <a:latin typeface="Consolas" panose="020B0609020204030204" pitchFamily="49" charset="0"/>
               </a:rPr>
-              <a:t>     _</a:t>
+              <a:t>             .</a:t>
             </a:r>
             <a:r>
               <a:rPr lang="en-US" dirty="0" err="1">
                 <a:solidFill>
-                  <a:srgbClr val="000000"/>
-                </a:solidFill>
-                <a:latin typeface="Consolas" panose="020B0609020204030204" pitchFamily="49" charset="0"/>
-              </a:rPr>
-              <a:t>registry.ContainsKey</a:t>
+                  <a:srgbClr val="795E26"/>
+                </a:solidFill>
+                <a:latin typeface="Consolas" panose="020B0609020204030204" pitchFamily="49" charset="0"/>
+              </a:rPr>
+              <a:t>WaitAndRetry</a:t>
             </a:r>
             <a:r>
               <a:rPr lang="en-US" dirty="0">
@@ -7860,169 +7345,101 @@
             <a:r>
               <a:rPr lang="en-US" dirty="0">
                 <a:solidFill>
-                  <a:srgbClr val="A31515"/>
-                </a:solidFill>
-                <a:latin typeface="Consolas" panose="020B0609020204030204" pitchFamily="49" charset="0"/>
-              </a:rPr>
-              <a:t>"</a:t>
-            </a:r>
-            <a:r>
-              <a:rPr lang="en-US" dirty="0" err="1">
-                <a:solidFill>
-                  <a:srgbClr val="A31515"/>
-                </a:solidFill>
-                <a:latin typeface="Consolas" panose="020B0609020204030204" pitchFamily="49" charset="0"/>
-              </a:rPr>
-              <a:t>MyRetry</a:t>
-            </a:r>
-            <a:r>
-              <a:rPr lang="en-US" dirty="0">
-                <a:solidFill>
-                  <a:srgbClr val="A31515"/>
-                </a:solidFill>
-                <a:latin typeface="Consolas" panose="020B0609020204030204" pitchFamily="49" charset="0"/>
-              </a:rPr>
-              <a:t>"</a:t>
-            </a:r>
-            <a:r>
-              <a:rPr lang="en-US" dirty="0">
-                <a:solidFill>
-                  <a:srgbClr val="000000"/>
-                </a:solidFill>
-                <a:latin typeface="Consolas" panose="020B0609020204030204" pitchFamily="49" charset="0"/>
-              </a:rPr>
-              <a:t>) </a:t>
+                  <a:srgbClr val="09885A"/>
+                </a:solidFill>
+                <a:latin typeface="Consolas" panose="020B0609020204030204" pitchFamily="49" charset="0"/>
+              </a:rPr>
+              <a:t>3</a:t>
+            </a:r>
+            <a:r>
+              <a:rPr lang="en-US" dirty="0">
+                <a:solidFill>
+                  <a:srgbClr val="000000"/>
+                </a:solidFill>
+                <a:latin typeface="Consolas" panose="020B0609020204030204" pitchFamily="49" charset="0"/>
+              </a:rPr>
+              <a:t>, </a:t>
+            </a:r>
+            <a:r>
+              <a:rPr lang="en-US" dirty="0">
+                <a:solidFill>
+                  <a:srgbClr val="09885A"/>
+                </a:solidFill>
+                <a:latin typeface="Consolas" panose="020B0609020204030204" pitchFamily="49" charset="0"/>
+              </a:rPr>
+              <a:t>200</a:t>
+            </a:r>
+            <a:r>
+              <a:rPr lang="en-US" dirty="0">
+                <a:solidFill>
+                  <a:srgbClr val="000000"/>
+                </a:solidFill>
+                <a:latin typeface="Consolas" panose="020B0609020204030204" pitchFamily="49" charset="0"/>
+              </a:rPr>
+              <a:t>); </a:t>
             </a:r>
           </a:p>
           <a:p>
             <a:pPr marL="0" indent="0">
-              <a:spcBef>
-                <a:spcPts val="200"/>
-              </a:spcBef>
               <a:buNone/>
             </a:pPr>
             <a:r>
-              <a:rPr lang="en-US" dirty="0">
-                <a:solidFill>
-                  <a:srgbClr val="000000"/>
-                </a:solidFill>
-                <a:latin typeface="Consolas" panose="020B0609020204030204" pitchFamily="49" charset="0"/>
-              </a:rPr>
-              <a:t>     ? </a:t>
-            </a:r>
-            <a:r>
               <a:rPr lang="en-US" dirty="0" err="1">
                 <a:solidFill>
                   <a:srgbClr val="000000"/>
                 </a:solidFill>
                 <a:latin typeface="Consolas" panose="020B0609020204030204" pitchFamily="49" charset="0"/>
               </a:rPr>
-              <a:t>registry.Get</a:t>
-            </a:r>
-            <a:r>
-              <a:rPr lang="en-US" dirty="0">
-                <a:solidFill>
-                  <a:srgbClr val="000000"/>
-                </a:solidFill>
-                <a:latin typeface="Consolas" panose="020B0609020204030204" pitchFamily="49" charset="0"/>
-              </a:rPr>
-              <a:t>&lt;</a:t>
+              <a:t>registry.Add</a:t>
+            </a:r>
+            <a:r>
+              <a:rPr lang="en-US" dirty="0">
+                <a:solidFill>
+                  <a:srgbClr val="000000"/>
+                </a:solidFill>
+                <a:latin typeface="Consolas" panose="020B0609020204030204" pitchFamily="49" charset="0"/>
+              </a:rPr>
+              <a:t>(</a:t>
+            </a:r>
+            <a:r>
+              <a:rPr lang="en-US" dirty="0">
+                <a:solidFill>
+                  <a:srgbClr val="A31515"/>
+                </a:solidFill>
+                <a:latin typeface="Consolas" panose="020B0609020204030204" pitchFamily="49" charset="0"/>
+              </a:rPr>
+              <a:t>"</a:t>
             </a:r>
             <a:r>
               <a:rPr lang="en-US" dirty="0" err="1">
                 <a:solidFill>
-                  <a:srgbClr val="000000"/>
-                </a:solidFill>
-                <a:latin typeface="Consolas" panose="020B0609020204030204" pitchFamily="49" charset="0"/>
-              </a:rPr>
-              <a:t>ISyncPolicy</a:t>
-            </a:r>
-            <a:r>
-              <a:rPr lang="en-US" dirty="0">
-                <a:solidFill>
-                  <a:srgbClr val="000000"/>
-                </a:solidFill>
-                <a:latin typeface="Consolas" panose="020B0609020204030204" pitchFamily="49" charset="0"/>
-              </a:rPr>
-              <a:t>&gt;(</a:t>
-            </a:r>
-            <a:r>
-              <a:rPr lang="en-US" dirty="0">
-                <a:solidFill>
                   <a:srgbClr val="A31515"/>
                 </a:solidFill>
                 <a:latin typeface="Consolas" panose="020B0609020204030204" pitchFamily="49" charset="0"/>
               </a:rPr>
+              <a:t>DefaultRetry</a:t>
+            </a:r>
+            <a:r>
+              <a:rPr lang="en-US" dirty="0">
+                <a:solidFill>
+                  <a:srgbClr val="A31515"/>
+                </a:solidFill>
+                <a:latin typeface="Consolas" panose="020B0609020204030204" pitchFamily="49" charset="0"/>
+              </a:rPr>
               <a:t>"</a:t>
             </a:r>
             <a:r>
-              <a:rPr lang="en-US" dirty="0" err="1">
-                <a:solidFill>
-                  <a:srgbClr val="A31515"/>
-                </a:solidFill>
-                <a:latin typeface="Consolas" panose="020B0609020204030204" pitchFamily="49" charset="0"/>
-              </a:rPr>
-              <a:t>MyRetry</a:t>
-            </a:r>
-            <a:r>
-              <a:rPr lang="en-US" dirty="0">
-                <a:solidFill>
-                  <a:srgbClr val="A31515"/>
-                </a:solidFill>
-                <a:latin typeface="Consolas" panose="020B0609020204030204" pitchFamily="49" charset="0"/>
-              </a:rPr>
-              <a:t>"</a:t>
-            </a:r>
-            <a:r>
-              <a:rPr lang="en-US" dirty="0">
-                <a:solidFill>
-                  <a:srgbClr val="000000"/>
-                </a:solidFill>
-                <a:latin typeface="Consolas" panose="020B0609020204030204" pitchFamily="49" charset="0"/>
-              </a:rPr>
-              <a:t>) </a:t>
+              <a:rPr lang="en-US" dirty="0">
+                <a:solidFill>
+                  <a:srgbClr val="000000"/>
+                </a:solidFill>
+                <a:latin typeface="Consolas" panose="020B0609020204030204" pitchFamily="49" charset="0"/>
+              </a:rPr>
+              <a:t>, retry);</a:t>
             </a:r>
           </a:p>
           <a:p>
             <a:pPr marL="0" indent="0">
-              <a:spcBef>
-                <a:spcPts val="200"/>
-              </a:spcBef>
-              <a:buNone/>
-            </a:pPr>
-            <a:r>
-              <a:rPr lang="en-US" dirty="0">
-                <a:solidFill>
-                  <a:srgbClr val="000000"/>
-                </a:solidFill>
-                <a:latin typeface="Consolas" panose="020B0609020204030204" pitchFamily="49" charset="0"/>
-              </a:rPr>
-              <a:t>     : </a:t>
-            </a:r>
-            <a:r>
-              <a:rPr lang="en-US" dirty="0" err="1">
-                <a:solidFill>
-                  <a:srgbClr val="000000"/>
-                </a:solidFill>
-                <a:latin typeface="Consolas" panose="020B0609020204030204" pitchFamily="49" charset="0"/>
-              </a:rPr>
-              <a:t>Policy.NoOp</a:t>
-            </a:r>
-            <a:r>
-              <a:rPr lang="en-US" dirty="0">
-                <a:solidFill>
-                  <a:srgbClr val="000000"/>
-                </a:solidFill>
-                <a:latin typeface="Consolas" panose="020B0609020204030204" pitchFamily="49" charset="0"/>
-              </a:rPr>
-              <a:t>();</a:t>
-            </a:r>
-          </a:p>
-          <a:p>
-            <a:pPr marL="0" indent="0">
-              <a:spcBef>
-                <a:spcPts val="200"/>
-              </a:spcBef>
               <a:buNone/>
             </a:pPr>
             <a:endParaRPr lang="en-US" dirty="0">
@@ -8034,9 +7451,6 @@
           </a:p>
           <a:p>
             <a:pPr marL="0" indent="0">
-              <a:spcBef>
-                <a:spcPts val="200"/>
-              </a:spcBef>
               <a:buNone/>
             </a:pPr>
             <a:r>
@@ -8046,43 +7460,259 @@
                 </a:solidFill>
                 <a:latin typeface="Consolas" panose="020B0609020204030204" pitchFamily="49" charset="0"/>
               </a:rPr>
-              <a:t>    </a:t>
-            </a:r>
-            <a:r>
-              <a:rPr lang="en-US" dirty="0" err="1">
-                <a:solidFill>
-                  <a:srgbClr val="000000"/>
-                </a:solidFill>
-                <a:latin typeface="Consolas" panose="020B0609020204030204" pitchFamily="49" charset="0"/>
-              </a:rPr>
-              <a:t>policy.Execute</a:t>
-            </a:r>
-            <a:r>
-              <a:rPr lang="en-US" dirty="0">
-                <a:solidFill>
-                  <a:srgbClr val="000000"/>
-                </a:solidFill>
-                <a:latin typeface="Consolas" panose="020B0609020204030204" pitchFamily="49" charset="0"/>
-              </a:rPr>
-              <a:t>(() =&gt; DoSomething());</a:t>
+              <a:t>...</a:t>
             </a:r>
           </a:p>
           <a:p>
             <a:pPr marL="0" indent="0">
-              <a:spcBef>
-                <a:spcPts val="200"/>
-              </a:spcBef>
               <a:buNone/>
             </a:pPr>
-            <a:r>
-              <a:rPr lang="en-US" dirty="0">
-                <a:solidFill>
-                  <a:srgbClr val="000000"/>
-                </a:solidFill>
-                <a:latin typeface="Consolas" panose="020B0609020204030204" pitchFamily="49" charset="0"/>
-              </a:rPr>
-              <a:t>}</a:t>
-            </a:r>
+            <a:endParaRPr lang="en-US" dirty="0">
+              <a:solidFill>
+                <a:srgbClr val="000000"/>
+              </a:solidFill>
+              <a:latin typeface="Consolas" panose="020B0609020204030204" pitchFamily="49" charset="0"/>
+            </a:endParaRPr>
+          </a:p>
+          <a:p>
+            <a:pPr marL="0" indent="0">
+              <a:buNone/>
+            </a:pPr>
+            <a:r>
+              <a:rPr lang="en-US" dirty="0">
+                <a:solidFill>
+                  <a:srgbClr val="0000FF"/>
+                </a:solidFill>
+                <a:latin typeface="Consolas" panose="020B0609020204030204" pitchFamily="49" charset="0"/>
+              </a:rPr>
+              <a:t>var</a:t>
+            </a:r>
+            <a:r>
+              <a:rPr lang="en-US" dirty="0">
+                <a:solidFill>
+                  <a:srgbClr val="000000"/>
+                </a:solidFill>
+                <a:latin typeface="Consolas" panose="020B0609020204030204" pitchFamily="49" charset="0"/>
+              </a:rPr>
+              <a:t> </a:t>
+            </a:r>
+            <a:r>
+              <a:rPr lang="en-US" dirty="0">
+                <a:solidFill>
+                  <a:srgbClr val="001080"/>
+                </a:solidFill>
+                <a:latin typeface="Consolas" panose="020B0609020204030204" pitchFamily="49" charset="0"/>
+              </a:rPr>
+              <a:t>policy</a:t>
+            </a:r>
+            <a:r>
+              <a:rPr lang="en-US" dirty="0">
+                <a:solidFill>
+                  <a:srgbClr val="000000"/>
+                </a:solidFill>
+                <a:latin typeface="Consolas" panose="020B0609020204030204" pitchFamily="49" charset="0"/>
+              </a:rPr>
+              <a:t> = </a:t>
+            </a:r>
+            <a:r>
+              <a:rPr lang="en-US" dirty="0" err="1">
+                <a:solidFill>
+                  <a:srgbClr val="001080"/>
+                </a:solidFill>
+                <a:latin typeface="Consolas" panose="020B0609020204030204" pitchFamily="49" charset="0"/>
+              </a:rPr>
+              <a:t>registry</a:t>
+            </a:r>
+            <a:r>
+              <a:rPr lang="en-US" dirty="0" err="1">
+                <a:solidFill>
+                  <a:srgbClr val="000000"/>
+                </a:solidFill>
+                <a:latin typeface="Consolas" panose="020B0609020204030204" pitchFamily="49" charset="0"/>
+              </a:rPr>
+              <a:t>.Get</a:t>
+            </a:r>
+            <a:r>
+              <a:rPr lang="en-US" dirty="0">
+                <a:solidFill>
+                  <a:srgbClr val="000000"/>
+                </a:solidFill>
+                <a:latin typeface="Consolas" panose="020B0609020204030204" pitchFamily="49" charset="0"/>
+              </a:rPr>
+              <a:t>&lt;</a:t>
+            </a:r>
+            <a:r>
+              <a:rPr lang="en-US" dirty="0" err="1">
+                <a:solidFill>
+                  <a:srgbClr val="267F99"/>
+                </a:solidFill>
+                <a:latin typeface="Consolas" panose="020B0609020204030204" pitchFamily="49" charset="0"/>
+              </a:rPr>
+              <a:t>RetryPolicy</a:t>
+            </a:r>
+            <a:r>
+              <a:rPr lang="en-US" dirty="0">
+                <a:solidFill>
+                  <a:srgbClr val="000000"/>
+                </a:solidFill>
+                <a:latin typeface="Consolas" panose="020B0609020204030204" pitchFamily="49" charset="0"/>
+              </a:rPr>
+              <a:t>&gt;(</a:t>
+            </a:r>
+            <a:r>
+              <a:rPr lang="en-US" dirty="0">
+                <a:solidFill>
+                  <a:srgbClr val="A31515"/>
+                </a:solidFill>
+                <a:latin typeface="Consolas" panose="020B0609020204030204" pitchFamily="49" charset="0"/>
+              </a:rPr>
+              <a:t>"</a:t>
+            </a:r>
+            <a:r>
+              <a:rPr lang="en-US" dirty="0" err="1">
+                <a:solidFill>
+                  <a:srgbClr val="A31515"/>
+                </a:solidFill>
+                <a:latin typeface="Consolas" panose="020B0609020204030204" pitchFamily="49" charset="0"/>
+              </a:rPr>
+              <a:t>DefaultRetry</a:t>
+            </a:r>
+            <a:r>
+              <a:rPr lang="en-US" dirty="0">
+                <a:solidFill>
+                  <a:srgbClr val="A31515"/>
+                </a:solidFill>
+                <a:latin typeface="Consolas" panose="020B0609020204030204" pitchFamily="49" charset="0"/>
+              </a:rPr>
+              <a:t>"</a:t>
+            </a:r>
+            <a:r>
+              <a:rPr lang="en-US" dirty="0">
+                <a:solidFill>
+                  <a:srgbClr val="000000"/>
+                </a:solidFill>
+                <a:latin typeface="Consolas" panose="020B0609020204030204" pitchFamily="49" charset="0"/>
+              </a:rPr>
+              <a:t>);</a:t>
+            </a:r>
+            <a:endParaRPr lang="en-US" dirty="0">
+              <a:solidFill>
+                <a:srgbClr val="001080"/>
+              </a:solidFill>
+              <a:latin typeface="Consolas" panose="020B0609020204030204" pitchFamily="49" charset="0"/>
+            </a:endParaRPr>
+          </a:p>
+          <a:p>
+            <a:pPr marL="0" indent="0">
+              <a:buNone/>
+            </a:pPr>
+            <a:r>
+              <a:rPr lang="en-US" dirty="0" err="1">
+                <a:solidFill>
+                  <a:srgbClr val="001080"/>
+                </a:solidFill>
+                <a:latin typeface="Consolas" panose="020B0609020204030204" pitchFamily="49" charset="0"/>
+              </a:rPr>
+              <a:t>policy</a:t>
+            </a:r>
+            <a:r>
+              <a:rPr lang="en-US" dirty="0" err="1">
+                <a:solidFill>
+                  <a:srgbClr val="000000"/>
+                </a:solidFill>
+                <a:latin typeface="Consolas" panose="020B0609020204030204" pitchFamily="49" charset="0"/>
+              </a:rPr>
+              <a:t>.</a:t>
+            </a:r>
+            <a:r>
+              <a:rPr lang="en-US" dirty="0" err="1">
+                <a:solidFill>
+                  <a:srgbClr val="795E26"/>
+                </a:solidFill>
+                <a:latin typeface="Consolas" panose="020B0609020204030204" pitchFamily="49" charset="0"/>
+              </a:rPr>
+              <a:t>Execute</a:t>
+            </a:r>
+            <a:r>
+              <a:rPr lang="en-US" dirty="0">
+                <a:solidFill>
+                  <a:srgbClr val="000000"/>
+                </a:solidFill>
+                <a:latin typeface="Consolas" panose="020B0609020204030204" pitchFamily="49" charset="0"/>
+              </a:rPr>
+              <a:t>(() =&gt; </a:t>
+            </a:r>
+            <a:r>
+              <a:rPr lang="en-US" dirty="0">
+                <a:solidFill>
+                  <a:srgbClr val="795E26"/>
+                </a:solidFill>
+                <a:latin typeface="Consolas" panose="020B0609020204030204" pitchFamily="49" charset="0"/>
+              </a:rPr>
+              <a:t>DoSomething</a:t>
+            </a:r>
+            <a:r>
+              <a:rPr lang="en-US" dirty="0">
+                <a:solidFill>
+                  <a:srgbClr val="000000"/>
+                </a:solidFill>
+                <a:latin typeface="Consolas" panose="020B0609020204030204" pitchFamily="49" charset="0"/>
+              </a:rPr>
+              <a:t>());</a:t>
+            </a:r>
+          </a:p>
+          <a:p>
+            <a:pPr marL="0" indent="0">
+              <a:buNone/>
+            </a:pPr>
+            <a:endParaRPr lang="en-US" dirty="0"/>
+          </a:p>
+          <a:p>
+            <a:pPr marL="0" indent="0">
+              <a:buNone/>
+            </a:pPr>
+            <a:endParaRPr lang="en-US" dirty="0"/>
+          </a:p>
+        </p:txBody>
+      </p:sp>
+      <p:sp>
+        <p:nvSpPr>
+          <p:cNvPr id="4" name="Content Placeholder 3">
+            <a:extLst>
+              <a:ext uri="{FF2B5EF4-FFF2-40B4-BE49-F238E27FC236}">
+                <a16:creationId xmlns:a16="http://schemas.microsoft.com/office/drawing/2014/main" id="{CD30D001-D627-4378-B4FA-81C557E3BE73}"/>
+              </a:ext>
+            </a:extLst>
+          </p:cNvPr>
+          <p:cNvSpPr>
+            <a:spLocks noGrp="1"/>
+          </p:cNvSpPr>
+          <p:nvPr>
+            <p:ph type="body" sz="half" idx="2"/>
+          </p:nvPr>
+        </p:nvSpPr>
+        <p:spPr/>
+        <p:txBody>
+          <a:bodyPr>
+            <a:normAutofit/>
+          </a:bodyPr>
+          <a:lstStyle/>
+          <a:p>
+            <a:r>
+              <a:rPr lang="en-US" sz="2400" dirty="0"/>
+              <a:t>Provides a registry for storing configured policy instances and retrieving them later for use.</a:t>
+            </a:r>
+          </a:p>
+          <a:p>
+            <a:r>
+              <a:rPr lang="en-US" sz="2400" dirty="0"/>
+              <a:t>Promotes separation of policy definition and usage.</a:t>
+            </a:r>
+          </a:p>
+          <a:p>
+            <a:pPr marL="0" indent="0">
+              <a:buNone/>
+            </a:pPr>
             <a:endParaRPr lang="en-US" dirty="0"/>
           </a:p>
         </p:txBody>
@@ -8092,7 +7722,7 @@
           <p:cNvPr id="5" name="Footer Placeholder 4">
             <a:extLst>
               <a:ext uri="{FF2B5EF4-FFF2-40B4-BE49-F238E27FC236}">
-                <a16:creationId xmlns:a16="http://schemas.microsoft.com/office/drawing/2014/main" id="{D9DF4E2C-E6E8-41F8-9C51-6A4A474ACC48}"/>
+                <a16:creationId xmlns:a16="http://schemas.microsoft.com/office/drawing/2014/main" id="{E0A7F505-19A0-47CA-8376-4DC33DDD0281}"/>
               </a:ext>
             </a:extLst>
           </p:cNvPr>
@@ -8118,7 +7748,7 @@
     </p:spTree>
     <p:extLst>
       <p:ext uri="{BB962C8B-B14F-4D97-AF65-F5344CB8AC3E}">
-        <p14:creationId xmlns:p14="http://schemas.microsoft.com/office/powerpoint/2010/main" val="2987819301"/>
+        <p14:creationId xmlns:p14="http://schemas.microsoft.com/office/powerpoint/2010/main" val="1083096976"/>
       </p:ext>
     </p:extLst>
   </p:cSld>
@@ -8150,7 +7780,7 @@
           <p:cNvPr id="2" name="Title 1">
             <a:extLst>
               <a:ext uri="{FF2B5EF4-FFF2-40B4-BE49-F238E27FC236}">
-                <a16:creationId xmlns:a16="http://schemas.microsoft.com/office/drawing/2014/main" id="{29237B4D-4C54-4E90-893A-B57D2FAAC3DC}"/>
+                <a16:creationId xmlns:a16="http://schemas.microsoft.com/office/drawing/2014/main" id="{AB9A4D13-D9C8-4F11-83DC-389F20D4D42F}"/>
               </a:ext>
             </a:extLst>
           </p:cNvPr>
@@ -8168,17 +7798,17 @@
           <a:p>
             <a:r>
               <a:rPr lang="en-US" dirty="0"/>
-              <a:t>Demo</a:t>
-            </a:r>
-          </a:p>
-        </p:txBody>
-      </p:sp>
-      <p:sp>
-        <p:nvSpPr>
-          <p:cNvPr id="3" name="Text Placeholder 2">
+              <a:t>Unit Testing</a:t>
+            </a:r>
+          </a:p>
+        </p:txBody>
+      </p:sp>
+      <p:sp>
+        <p:nvSpPr>
+          <p:cNvPr id="3" name="Content Placeholder 2">
             <a:extLst>
               <a:ext uri="{FF2B5EF4-FFF2-40B4-BE49-F238E27FC236}">
-                <a16:creationId xmlns:a16="http://schemas.microsoft.com/office/drawing/2014/main" id="{2DA16451-0560-4D82-9534-42EC4CC459C9}"/>
+                <a16:creationId xmlns:a16="http://schemas.microsoft.com/office/drawing/2014/main" id="{6BE7D500-8F5C-425E-8412-3EF8CF39CA99}"/>
               </a:ext>
             </a:extLst>
           </p:cNvPr>
@@ -8186,27 +7816,427 @@
             <a:spLocks noGrp="1"/>
           </p:cNvSpPr>
           <p:nvPr>
-            <p:ph type="body" idx="1"/>
+            <p:ph idx="1"/>
           </p:nvPr>
         </p:nvSpPr>
         <p:spPr/>
         <p:txBody>
-          <a:bodyPr/>
-          <a:lstStyle/>
-          <a:p>
-            <a:r>
-              <a:rPr lang="en-US" dirty="0"/>
-              <a:t>Unit Tests are the Best Tests</a:t>
-            </a:r>
-          </a:p>
-        </p:txBody>
-      </p:sp>
-      <p:sp>
-        <p:nvSpPr>
-          <p:cNvPr id="4" name="Footer Placeholder 3">
+          <a:bodyPr>
+            <a:normAutofit/>
+          </a:bodyPr>
+          <a:lstStyle/>
+          <a:p>
+            <a:pPr lvl="1"/>
+            <a:endParaRPr lang="en-US" dirty="0"/>
+          </a:p>
+          <a:p>
+            <a:pPr marL="0" indent="0">
+              <a:spcBef>
+                <a:spcPts val="200"/>
+              </a:spcBef>
+              <a:buNone/>
+            </a:pPr>
+            <a:r>
+              <a:rPr lang="en-US" dirty="0">
+                <a:solidFill>
+                  <a:srgbClr val="0000FF"/>
+                </a:solidFill>
+                <a:latin typeface="Consolas" panose="020B0609020204030204" pitchFamily="49" charset="0"/>
+              </a:rPr>
+              <a:t>public</a:t>
+            </a:r>
+            <a:r>
+              <a:rPr lang="en-US" dirty="0">
+                <a:solidFill>
+                  <a:srgbClr val="000000"/>
+                </a:solidFill>
+                <a:latin typeface="Consolas" panose="020B0609020204030204" pitchFamily="49" charset="0"/>
+              </a:rPr>
+              <a:t> </a:t>
+            </a:r>
+            <a:r>
+              <a:rPr lang="en-US" dirty="0">
+                <a:solidFill>
+                  <a:srgbClr val="0000FF"/>
+                </a:solidFill>
+                <a:latin typeface="Consolas" panose="020B0609020204030204" pitchFamily="49" charset="0"/>
+              </a:rPr>
+              <a:t>string</a:t>
+            </a:r>
+            <a:r>
+              <a:rPr lang="en-US" dirty="0">
+                <a:solidFill>
+                  <a:srgbClr val="000000"/>
+                </a:solidFill>
+                <a:latin typeface="Consolas" panose="020B0609020204030204" pitchFamily="49" charset="0"/>
+              </a:rPr>
+              <a:t> </a:t>
+            </a:r>
+            <a:r>
+              <a:rPr lang="en-US" dirty="0" err="1">
+                <a:solidFill>
+                  <a:srgbClr val="000000"/>
+                </a:solidFill>
+                <a:latin typeface="Consolas" panose="020B0609020204030204" pitchFamily="49" charset="0"/>
+              </a:rPr>
+              <a:t>UseRegistryWithNoOp</a:t>
+            </a:r>
+            <a:r>
+              <a:rPr lang="en-US" dirty="0">
+                <a:solidFill>
+                  <a:srgbClr val="000000"/>
+                </a:solidFill>
+                <a:latin typeface="Consolas" panose="020B0609020204030204" pitchFamily="49" charset="0"/>
+              </a:rPr>
+              <a:t>(</a:t>
+            </a:r>
+            <a:r>
+              <a:rPr lang="en-US" dirty="0">
+                <a:solidFill>
+                  <a:srgbClr val="0000FF"/>
+                </a:solidFill>
+                <a:latin typeface="Consolas" panose="020B0609020204030204" pitchFamily="49" charset="0"/>
+              </a:rPr>
+              <a:t>int</a:t>
+            </a:r>
+            <a:r>
+              <a:rPr lang="en-US" dirty="0">
+                <a:solidFill>
+                  <a:srgbClr val="000000"/>
+                </a:solidFill>
+                <a:latin typeface="Consolas" panose="020B0609020204030204" pitchFamily="49" charset="0"/>
+              </a:rPr>
+              <a:t> input)</a:t>
+            </a:r>
+          </a:p>
+          <a:p>
+            <a:pPr marL="0" indent="0">
+              <a:spcBef>
+                <a:spcPts val="200"/>
+              </a:spcBef>
+              <a:buNone/>
+            </a:pPr>
+            <a:r>
+              <a:rPr lang="en-US" dirty="0">
+                <a:solidFill>
+                  <a:srgbClr val="000000"/>
+                </a:solidFill>
+                <a:latin typeface="Consolas" panose="020B0609020204030204" pitchFamily="49" charset="0"/>
+              </a:rPr>
+              <a:t>{</a:t>
+            </a:r>
+          </a:p>
+          <a:p>
+            <a:pPr marL="0" indent="0">
+              <a:spcBef>
+                <a:spcPts val="200"/>
+              </a:spcBef>
+              <a:buNone/>
+            </a:pPr>
+            <a:r>
+              <a:rPr lang="en-US" dirty="0">
+                <a:solidFill>
+                  <a:srgbClr val="000000"/>
+                </a:solidFill>
+                <a:latin typeface="Consolas" panose="020B0609020204030204" pitchFamily="49" charset="0"/>
+              </a:rPr>
+              <a:t>  </a:t>
+            </a:r>
+            <a:r>
+              <a:rPr lang="en-US" dirty="0" err="1">
+                <a:solidFill>
+                  <a:srgbClr val="000000"/>
+                </a:solidFill>
+                <a:latin typeface="Consolas" panose="020B0609020204030204" pitchFamily="49" charset="0"/>
+              </a:rPr>
+              <a:t>ISyncPolicy</a:t>
+            </a:r>
+            <a:r>
+              <a:rPr lang="en-US" dirty="0">
+                <a:solidFill>
+                  <a:srgbClr val="000000"/>
+                </a:solidFill>
+                <a:latin typeface="Consolas" panose="020B0609020204030204" pitchFamily="49" charset="0"/>
+              </a:rPr>
+              <a:t> policy =                    </a:t>
+            </a:r>
+          </a:p>
+          <a:p>
+            <a:pPr marL="0" indent="0">
+              <a:spcBef>
+                <a:spcPts val="200"/>
+              </a:spcBef>
+              <a:buNone/>
+            </a:pPr>
+            <a:r>
+              <a:rPr lang="en-US" dirty="0">
+                <a:solidFill>
+                  <a:srgbClr val="000000"/>
+                </a:solidFill>
+                <a:latin typeface="Consolas" panose="020B0609020204030204" pitchFamily="49" charset="0"/>
+              </a:rPr>
+              <a:t>     _</a:t>
+            </a:r>
+            <a:r>
+              <a:rPr lang="en-US" dirty="0" err="1">
+                <a:solidFill>
+                  <a:srgbClr val="000000"/>
+                </a:solidFill>
+                <a:latin typeface="Consolas" panose="020B0609020204030204" pitchFamily="49" charset="0"/>
+              </a:rPr>
+              <a:t>registry.ContainsKey</a:t>
+            </a:r>
+            <a:r>
+              <a:rPr lang="en-US" dirty="0">
+                <a:solidFill>
+                  <a:srgbClr val="000000"/>
+                </a:solidFill>
+                <a:latin typeface="Consolas" panose="020B0609020204030204" pitchFamily="49" charset="0"/>
+              </a:rPr>
+              <a:t>(</a:t>
+            </a:r>
+            <a:r>
+              <a:rPr lang="en-US" dirty="0">
+                <a:solidFill>
+                  <a:srgbClr val="A31515"/>
+                </a:solidFill>
+                <a:latin typeface="Consolas" panose="020B0609020204030204" pitchFamily="49" charset="0"/>
+              </a:rPr>
+              <a:t>"</a:t>
+            </a:r>
+            <a:r>
+              <a:rPr lang="en-US" dirty="0" err="1">
+                <a:solidFill>
+                  <a:srgbClr val="A31515"/>
+                </a:solidFill>
+                <a:latin typeface="Consolas" panose="020B0609020204030204" pitchFamily="49" charset="0"/>
+              </a:rPr>
+              <a:t>MyRetry</a:t>
+            </a:r>
+            <a:r>
+              <a:rPr lang="en-US" dirty="0">
+                <a:solidFill>
+                  <a:srgbClr val="A31515"/>
+                </a:solidFill>
+                <a:latin typeface="Consolas" panose="020B0609020204030204" pitchFamily="49" charset="0"/>
+              </a:rPr>
+              <a:t>"</a:t>
+            </a:r>
+            <a:r>
+              <a:rPr lang="en-US" dirty="0">
+                <a:solidFill>
+                  <a:srgbClr val="000000"/>
+                </a:solidFill>
+                <a:latin typeface="Consolas" panose="020B0609020204030204" pitchFamily="49" charset="0"/>
+              </a:rPr>
+              <a:t>) </a:t>
+            </a:r>
+          </a:p>
+          <a:p>
+            <a:pPr marL="0" indent="0">
+              <a:spcBef>
+                <a:spcPts val="200"/>
+              </a:spcBef>
+              <a:buNone/>
+            </a:pPr>
+            <a:r>
+              <a:rPr lang="en-US" dirty="0">
+                <a:solidFill>
+                  <a:srgbClr val="000000"/>
+                </a:solidFill>
+                <a:latin typeface="Consolas" panose="020B0609020204030204" pitchFamily="49" charset="0"/>
+              </a:rPr>
+              <a:t>     ? </a:t>
+            </a:r>
+            <a:r>
+              <a:rPr lang="en-US" dirty="0" err="1">
+                <a:solidFill>
+                  <a:srgbClr val="000000"/>
+                </a:solidFill>
+                <a:latin typeface="Consolas" panose="020B0609020204030204" pitchFamily="49" charset="0"/>
+              </a:rPr>
+              <a:t>registry.Get</a:t>
+            </a:r>
+            <a:r>
+              <a:rPr lang="en-US" dirty="0">
+                <a:solidFill>
+                  <a:srgbClr val="000000"/>
+                </a:solidFill>
+                <a:latin typeface="Consolas" panose="020B0609020204030204" pitchFamily="49" charset="0"/>
+              </a:rPr>
+              <a:t>&lt;</a:t>
+            </a:r>
+            <a:r>
+              <a:rPr lang="en-US" dirty="0" err="1">
+                <a:solidFill>
+                  <a:srgbClr val="000000"/>
+                </a:solidFill>
+                <a:latin typeface="Consolas" panose="020B0609020204030204" pitchFamily="49" charset="0"/>
+              </a:rPr>
+              <a:t>ISyncPolicy</a:t>
+            </a:r>
+            <a:r>
+              <a:rPr lang="en-US" dirty="0">
+                <a:solidFill>
+                  <a:srgbClr val="000000"/>
+                </a:solidFill>
+                <a:latin typeface="Consolas" panose="020B0609020204030204" pitchFamily="49" charset="0"/>
+              </a:rPr>
+              <a:t>&gt;(</a:t>
+            </a:r>
+            <a:r>
+              <a:rPr lang="en-US" dirty="0">
+                <a:solidFill>
+                  <a:srgbClr val="A31515"/>
+                </a:solidFill>
+                <a:latin typeface="Consolas" panose="020B0609020204030204" pitchFamily="49" charset="0"/>
+              </a:rPr>
+              <a:t>"</a:t>
+            </a:r>
+            <a:r>
+              <a:rPr lang="en-US" dirty="0" err="1">
+                <a:solidFill>
+                  <a:srgbClr val="A31515"/>
+                </a:solidFill>
+                <a:latin typeface="Consolas" panose="020B0609020204030204" pitchFamily="49" charset="0"/>
+              </a:rPr>
+              <a:t>MyRetry</a:t>
+            </a:r>
+            <a:r>
+              <a:rPr lang="en-US" dirty="0">
+                <a:solidFill>
+                  <a:srgbClr val="A31515"/>
+                </a:solidFill>
+                <a:latin typeface="Consolas" panose="020B0609020204030204" pitchFamily="49" charset="0"/>
+              </a:rPr>
+              <a:t>"</a:t>
+            </a:r>
+            <a:r>
+              <a:rPr lang="en-US" dirty="0">
+                <a:solidFill>
+                  <a:srgbClr val="000000"/>
+                </a:solidFill>
+                <a:latin typeface="Consolas" panose="020B0609020204030204" pitchFamily="49" charset="0"/>
+              </a:rPr>
+              <a:t>) </a:t>
+            </a:r>
+          </a:p>
+          <a:p>
+            <a:pPr marL="0" indent="0">
+              <a:spcBef>
+                <a:spcPts val="200"/>
+              </a:spcBef>
+              <a:buNone/>
+            </a:pPr>
+            <a:r>
+              <a:rPr lang="en-US" dirty="0">
+                <a:solidFill>
+                  <a:srgbClr val="000000"/>
+                </a:solidFill>
+                <a:latin typeface="Consolas" panose="020B0609020204030204" pitchFamily="49" charset="0"/>
+              </a:rPr>
+              <a:t>     : </a:t>
+            </a:r>
+            <a:r>
+              <a:rPr lang="en-US" dirty="0" err="1">
+                <a:solidFill>
+                  <a:srgbClr val="000000"/>
+                </a:solidFill>
+                <a:latin typeface="Consolas" panose="020B0609020204030204" pitchFamily="49" charset="0"/>
+              </a:rPr>
+              <a:t>Policy.NoOp</a:t>
+            </a:r>
+            <a:r>
+              <a:rPr lang="en-US" dirty="0">
+                <a:solidFill>
+                  <a:srgbClr val="000000"/>
+                </a:solidFill>
+                <a:latin typeface="Consolas" panose="020B0609020204030204" pitchFamily="49" charset="0"/>
+              </a:rPr>
+              <a:t>();</a:t>
+            </a:r>
+          </a:p>
+          <a:p>
+            <a:pPr marL="0" indent="0">
+              <a:spcBef>
+                <a:spcPts val="200"/>
+              </a:spcBef>
+              <a:buNone/>
+            </a:pPr>
+            <a:endParaRPr lang="en-US" dirty="0">
+              <a:solidFill>
+                <a:srgbClr val="000000"/>
+              </a:solidFill>
+              <a:latin typeface="Consolas" panose="020B0609020204030204" pitchFamily="49" charset="0"/>
+            </a:endParaRPr>
+          </a:p>
+          <a:p>
+            <a:pPr marL="0" indent="0">
+              <a:spcBef>
+                <a:spcPts val="200"/>
+              </a:spcBef>
+              <a:buNone/>
+            </a:pPr>
+            <a:r>
+              <a:rPr lang="en-US" dirty="0">
+                <a:solidFill>
+                  <a:srgbClr val="000000"/>
+                </a:solidFill>
+                <a:latin typeface="Consolas" panose="020B0609020204030204" pitchFamily="49" charset="0"/>
+              </a:rPr>
+              <a:t>    </a:t>
+            </a:r>
+            <a:r>
+              <a:rPr lang="en-US" dirty="0" err="1">
+                <a:solidFill>
+                  <a:srgbClr val="000000"/>
+                </a:solidFill>
+                <a:latin typeface="Consolas" panose="020B0609020204030204" pitchFamily="49" charset="0"/>
+              </a:rPr>
+              <a:t>policy.Execute</a:t>
+            </a:r>
+            <a:r>
+              <a:rPr lang="en-US" dirty="0">
+                <a:solidFill>
+                  <a:srgbClr val="000000"/>
+                </a:solidFill>
+                <a:latin typeface="Consolas" panose="020B0609020204030204" pitchFamily="49" charset="0"/>
+              </a:rPr>
+              <a:t>(() =&gt; DoSomething());</a:t>
+            </a:r>
+          </a:p>
+          <a:p>
+            <a:pPr marL="0" indent="0">
+              <a:spcBef>
+                <a:spcPts val="200"/>
+              </a:spcBef>
+              <a:buNone/>
+            </a:pPr>
+            <a:r>
+              <a:rPr lang="en-US" dirty="0">
+                <a:solidFill>
+                  <a:srgbClr val="000000"/>
+                </a:solidFill>
+                <a:latin typeface="Consolas" panose="020B0609020204030204" pitchFamily="49" charset="0"/>
+              </a:rPr>
+              <a:t>}</a:t>
+            </a:r>
+            <a:endParaRPr lang="en-US" dirty="0"/>
+          </a:p>
+          <a:p>
+            <a:pPr marL="201168" lvl="1" indent="0">
+              <a:buNone/>
+            </a:pPr>
+            <a:endParaRPr lang="en-US" dirty="0"/>
+          </a:p>
+        </p:txBody>
+      </p:sp>
+      <p:sp>
+        <p:nvSpPr>
+          <p:cNvPr id="4" name="Content Placeholder 3">
             <a:extLst>
               <a:ext uri="{FF2B5EF4-FFF2-40B4-BE49-F238E27FC236}">
-                <a16:creationId xmlns:a16="http://schemas.microsoft.com/office/drawing/2014/main" id="{01AAC543-3091-41FC-AB09-67A087E9606A}"/>
+                <a16:creationId xmlns:a16="http://schemas.microsoft.com/office/drawing/2014/main" id="{E041FE45-04A8-49E3-B6C0-53389BCFAC56}"/>
               </a:ext>
             </a:extLst>
           </p:cNvPr>
@@ -8214,6 +8244,87 @@
             <a:spLocks noGrp="1"/>
           </p:cNvSpPr>
           <p:nvPr>
+            <p:ph type="body" sz="half" idx="2"/>
+          </p:nvPr>
+        </p:nvSpPr>
+        <p:spPr/>
+        <p:txBody>
+          <a:bodyPr>
+            <a:normAutofit/>
+          </a:bodyPr>
+          <a:lstStyle/>
+          <a:p>
+            <a:r>
+              <a:rPr lang="en-US" sz="2400" dirty="0" err="1"/>
+              <a:t>PolicyRegistry</a:t>
+            </a:r>
+            <a:r>
+              <a:rPr lang="en-US" sz="2400" dirty="0"/>
+              <a:t> implements </a:t>
+            </a:r>
+            <a:r>
+              <a:rPr lang="en-US" sz="2400" dirty="0" err="1"/>
+              <a:t>IPolicyRegistry</a:t>
+            </a:r>
+            <a:endParaRPr lang="en-US" sz="2400" dirty="0"/>
+          </a:p>
+          <a:p>
+            <a:r>
+              <a:rPr lang="en-US" sz="2400" dirty="0"/>
+              <a:t>All Policies implement </a:t>
+            </a:r>
+            <a:r>
+              <a:rPr lang="en-US" sz="2400" dirty="0" err="1"/>
+              <a:t>ISyncPolicy</a:t>
+            </a:r>
+            <a:r>
+              <a:rPr lang="en-US" sz="2400" dirty="0"/>
+              <a:t>/</a:t>
+            </a:r>
+            <a:r>
+              <a:rPr lang="en-US" sz="2400" dirty="0" err="1"/>
+              <a:t>IAsyncPolicy</a:t>
+            </a:r>
+            <a:endParaRPr lang="en-US" sz="2400" dirty="0"/>
+          </a:p>
+          <a:p>
+            <a:r>
+              <a:rPr lang="en-US" sz="2400" dirty="0"/>
+              <a:t>The </a:t>
+            </a:r>
+            <a:r>
+              <a:rPr lang="en-US" sz="2400" dirty="0" err="1"/>
+              <a:t>NoOp</a:t>
+            </a:r>
+            <a:r>
+              <a:rPr lang="en-US" sz="2400" dirty="0"/>
+              <a:t> Policy, aka “Bypass Polly”</a:t>
+            </a:r>
+          </a:p>
+          <a:p>
+            <a:pPr marL="0" indent="0">
+              <a:spcBef>
+                <a:spcPts val="200"/>
+              </a:spcBef>
+              <a:buNone/>
+            </a:pPr>
+            <a:endParaRPr lang="en-US" dirty="0"/>
+          </a:p>
+        </p:txBody>
+      </p:sp>
+      <p:sp>
+        <p:nvSpPr>
+          <p:cNvPr id="5" name="Footer Placeholder 4">
+            <a:extLst>
+              <a:ext uri="{FF2B5EF4-FFF2-40B4-BE49-F238E27FC236}">
+                <a16:creationId xmlns:a16="http://schemas.microsoft.com/office/drawing/2014/main" id="{D9DF4E2C-E6E8-41F8-9C51-6A4A474ACC48}"/>
+              </a:ext>
+            </a:extLst>
+          </p:cNvPr>
+          <p:cNvSpPr>
+            <a:spLocks noGrp="1"/>
+          </p:cNvSpPr>
+          <p:nvPr>
             <p:ph type="ftr" sz="quarter" idx="11"/>
           </p:nvPr>
         </p:nvSpPr>
@@ -8232,7 +8343,7 @@
     </p:spTree>
     <p:extLst>
       <p:ext uri="{BB962C8B-B14F-4D97-AF65-F5344CB8AC3E}">
-        <p14:creationId xmlns:p14="http://schemas.microsoft.com/office/powerpoint/2010/main" val="440821315"/>
+        <p14:creationId xmlns:p14="http://schemas.microsoft.com/office/powerpoint/2010/main" val="528997400"/>
       </p:ext>
     </p:extLst>
   </p:cSld>
@@ -8264,7 +8375,7 @@
           <p:cNvPr id="2" name="Title 1">
             <a:extLst>
               <a:ext uri="{FF2B5EF4-FFF2-40B4-BE49-F238E27FC236}">
-                <a16:creationId xmlns:a16="http://schemas.microsoft.com/office/drawing/2014/main" id="{5C09E4DC-0E3D-46E2-828F-30B4629EE0C9}"/>
+                <a16:creationId xmlns:a16="http://schemas.microsoft.com/office/drawing/2014/main" id="{29237B4D-4C54-4E90-893A-B57D2FAAC3DC}"/>
               </a:ext>
             </a:extLst>
           </p:cNvPr>
@@ -8281,19 +8392,18 @@
           <a:lstStyle/>
           <a:p>
             <a:r>
-              <a:rPr lang="en-US" dirty="0" err="1"/>
-              <a:t>Polly.Extensions.Http</a:t>
-            </a:r>
-            <a:endParaRPr lang="en-US" dirty="0"/>
-          </a:p>
-        </p:txBody>
-      </p:sp>
-      <p:sp>
-        <p:nvSpPr>
-          <p:cNvPr id="3" name="Content Placeholder 2">
+              <a:rPr lang="en-US" dirty="0"/>
+              <a:t>Demo</a:t>
+            </a:r>
+          </a:p>
+        </p:txBody>
+      </p:sp>
+      <p:sp>
+        <p:nvSpPr>
+          <p:cNvPr id="3" name="Text Placeholder 2">
             <a:extLst>
               <a:ext uri="{FF2B5EF4-FFF2-40B4-BE49-F238E27FC236}">
-                <a16:creationId xmlns:a16="http://schemas.microsoft.com/office/drawing/2014/main" id="{C6D6A803-6D78-42FF-8EC6-58AA0F2EEA8E}"/>
+                <a16:creationId xmlns:a16="http://schemas.microsoft.com/office/drawing/2014/main" id="{2DA16451-0560-4D82-9534-42EC4CC459C9}"/>
               </a:ext>
             </a:extLst>
           </p:cNvPr>
@@ -8301,65 +8411,27 @@
             <a:spLocks noGrp="1"/>
           </p:cNvSpPr>
           <p:nvPr>
-            <p:ph sz="half" idx="1"/>
+            <p:ph type="body" idx="1"/>
           </p:nvPr>
         </p:nvSpPr>
         <p:spPr/>
         <p:txBody>
-          <a:bodyPr>
-            <a:normAutofit/>
-          </a:bodyPr>
+          <a:bodyPr/>
           <a:lstStyle/>
           <a:p>
             <a:r>
               <a:rPr lang="en-US" dirty="0"/>
-              <a:t>Extensions package containing </a:t>
-            </a:r>
-            <a:r>
-              <a:rPr lang="en-US" b="1" dirty="0"/>
-              <a:t>opinionated</a:t>
-            </a:r>
-            <a:r>
-              <a:rPr lang="en-US" dirty="0"/>
-              <a:t> convenience methods for configuring Polly policies to handle transient faults typical of calls through </a:t>
-            </a:r>
-            <a:r>
-              <a:rPr lang="en-US" dirty="0" err="1"/>
-              <a:t>HttpClient</a:t>
-            </a:r>
-            <a:r>
-              <a:rPr lang="en-US" dirty="0"/>
-              <a:t>.</a:t>
-            </a:r>
-          </a:p>
-          <a:p>
-            <a:r>
-              <a:rPr lang="en-US" dirty="0"/>
-              <a:t>Handles Status Codes &gt;= 500 AND 408 (timeout) by default</a:t>
-            </a:r>
-          </a:p>
-          <a:p>
-            <a:r>
-              <a:rPr lang="en-US" dirty="0"/>
-              <a:t>4xx – “Bad Requests” are </a:t>
-            </a:r>
-            <a:r>
-              <a:rPr lang="en-US" b="1" dirty="0"/>
-              <a:t>not</a:t>
-            </a:r>
-            <a:r>
-              <a:rPr lang="en-US" dirty="0"/>
-              <a:t> considered faults (unless you tell it otherwise)</a:t>
-            </a:r>
-          </a:p>
-        </p:txBody>
-      </p:sp>
-      <p:sp>
-        <p:nvSpPr>
-          <p:cNvPr id="4" name="Content Placeholder 3">
+              <a:t>Automated Tests are the Best Tests</a:t>
+            </a:r>
+          </a:p>
+        </p:txBody>
+      </p:sp>
+      <p:sp>
+        <p:nvSpPr>
+          <p:cNvPr id="4" name="Footer Placeholder 3">
             <a:extLst>
               <a:ext uri="{FF2B5EF4-FFF2-40B4-BE49-F238E27FC236}">
-                <a16:creationId xmlns:a16="http://schemas.microsoft.com/office/drawing/2014/main" id="{715BED9B-89D3-455D-A736-2CA48F4DAC67}"/>
+                <a16:creationId xmlns:a16="http://schemas.microsoft.com/office/drawing/2014/main" id="{01AAC543-3091-41FC-AB09-67A087E9606A}"/>
               </a:ext>
             </a:extLst>
           </p:cNvPr>
@@ -8367,398 +8439,6 @@
             <a:spLocks noGrp="1"/>
           </p:cNvSpPr>
           <p:nvPr>
-            <p:ph sz="half" idx="2"/>
-          </p:nvPr>
-        </p:nvSpPr>
-        <p:spPr>
-          <a:xfrm>
-            <a:off x="6217920" y="1845735"/>
-            <a:ext cx="5829078" cy="4023360"/>
-          </a:xfrm>
-        </p:spPr>
-        <p:txBody>
-          <a:bodyPr>
-            <a:normAutofit/>
-          </a:bodyPr>
-          <a:lstStyle/>
-          <a:p>
-            <a:pPr marL="0" indent="0">
-              <a:spcBef>
-                <a:spcPts val="200"/>
-              </a:spcBef>
-              <a:buNone/>
-            </a:pPr>
-            <a:r>
-              <a:rPr lang="en-US" dirty="0">
-                <a:solidFill>
-                  <a:srgbClr val="0000FF"/>
-                </a:solidFill>
-                <a:latin typeface="Consolas" panose="020B0609020204030204" pitchFamily="49" charset="0"/>
-              </a:rPr>
-              <a:t>var</a:t>
-            </a:r>
-            <a:r>
-              <a:rPr lang="en-US" dirty="0">
-                <a:solidFill>
-                  <a:srgbClr val="000000"/>
-                </a:solidFill>
-                <a:latin typeface="Consolas" panose="020B0609020204030204" pitchFamily="49" charset="0"/>
-              </a:rPr>
-              <a:t> policy = </a:t>
-            </a:r>
-          </a:p>
-          <a:p>
-            <a:pPr marL="0" indent="0">
-              <a:spcBef>
-                <a:spcPts val="200"/>
-              </a:spcBef>
-              <a:buNone/>
-            </a:pPr>
-            <a:r>
-              <a:rPr lang="en-US" dirty="0">
-                <a:solidFill>
-                  <a:srgbClr val="000000"/>
-                </a:solidFill>
-                <a:latin typeface="Consolas" panose="020B0609020204030204" pitchFamily="49" charset="0"/>
-              </a:rPr>
-              <a:t>   </a:t>
-            </a:r>
-            <a:r>
-              <a:rPr lang="en-US" dirty="0" err="1">
-                <a:solidFill>
-                  <a:srgbClr val="000000"/>
-                </a:solidFill>
-                <a:latin typeface="Consolas" panose="020B0609020204030204" pitchFamily="49" charset="0"/>
-              </a:rPr>
-              <a:t>HttpPolicyExtensions</a:t>
-            </a:r>
-            <a:endParaRPr lang="en-US" dirty="0">
-              <a:solidFill>
-                <a:srgbClr val="000000"/>
-              </a:solidFill>
-              <a:latin typeface="Consolas" panose="020B0609020204030204" pitchFamily="49" charset="0"/>
-            </a:endParaRPr>
-          </a:p>
-          <a:p>
-            <a:pPr marL="0" indent="0">
-              <a:spcBef>
-                <a:spcPts val="200"/>
-              </a:spcBef>
-              <a:buNone/>
-            </a:pPr>
-            <a:r>
-              <a:rPr lang="en-US" dirty="0">
-                <a:solidFill>
-                  <a:srgbClr val="000000"/>
-                </a:solidFill>
-                <a:latin typeface="Consolas" panose="020B0609020204030204" pitchFamily="49" charset="0"/>
-              </a:rPr>
-              <a:t>    .</a:t>
-            </a:r>
-            <a:r>
-              <a:rPr lang="en-US" dirty="0" err="1">
-                <a:solidFill>
-                  <a:srgbClr val="000000"/>
-                </a:solidFill>
-                <a:latin typeface="Consolas" panose="020B0609020204030204" pitchFamily="49" charset="0"/>
-              </a:rPr>
-              <a:t>HandleTransientHttpError</a:t>
-            </a:r>
-            <a:r>
-              <a:rPr lang="en-US" dirty="0">
-                <a:solidFill>
-                  <a:srgbClr val="000000"/>
-                </a:solidFill>
-                <a:latin typeface="Consolas" panose="020B0609020204030204" pitchFamily="49" charset="0"/>
-              </a:rPr>
-              <a:t>()</a:t>
-            </a:r>
-          </a:p>
-          <a:p>
-            <a:pPr marL="0" indent="0">
-              <a:spcBef>
-                <a:spcPts val="200"/>
-              </a:spcBef>
-              <a:buNone/>
-            </a:pPr>
-            <a:r>
-              <a:rPr lang="en-US" dirty="0">
-                <a:solidFill>
-                  <a:srgbClr val="000000"/>
-                </a:solidFill>
-                <a:latin typeface="Consolas" panose="020B0609020204030204" pitchFamily="49" charset="0"/>
-              </a:rPr>
-              <a:t>    .</a:t>
-            </a:r>
-            <a:r>
-              <a:rPr lang="en-US" dirty="0" err="1">
-                <a:solidFill>
-                  <a:srgbClr val="000000"/>
-                </a:solidFill>
-                <a:latin typeface="Consolas" panose="020B0609020204030204" pitchFamily="49" charset="0"/>
-              </a:rPr>
-              <a:t>RetryForeverAsync</a:t>
-            </a:r>
-            <a:r>
-              <a:rPr lang="en-US" dirty="0">
-                <a:solidFill>
-                  <a:srgbClr val="000000"/>
-                </a:solidFill>
-                <a:latin typeface="Consolas" panose="020B0609020204030204" pitchFamily="49" charset="0"/>
-              </a:rPr>
-              <a:t>();</a:t>
-            </a:r>
-          </a:p>
-          <a:p>
-            <a:pPr marL="0" indent="0">
-              <a:spcBef>
-                <a:spcPts val="200"/>
-              </a:spcBef>
-              <a:buNone/>
-            </a:pPr>
-            <a:endParaRPr lang="en-US" dirty="0">
-              <a:solidFill>
-                <a:srgbClr val="000000"/>
-              </a:solidFill>
-              <a:latin typeface="Consolas" panose="020B0609020204030204" pitchFamily="49" charset="0"/>
-            </a:endParaRPr>
-          </a:p>
-          <a:p>
-            <a:pPr marL="0" indent="0">
-              <a:spcBef>
-                <a:spcPts val="200"/>
-              </a:spcBef>
-              <a:buNone/>
-            </a:pPr>
-            <a:r>
-              <a:rPr lang="en-US" dirty="0">
-                <a:solidFill>
-                  <a:srgbClr val="0000FF"/>
-                </a:solidFill>
-                <a:latin typeface="Consolas" panose="020B0609020204030204" pitchFamily="49" charset="0"/>
-              </a:rPr>
-              <a:t>var</a:t>
-            </a:r>
-            <a:r>
-              <a:rPr lang="en-US" dirty="0">
-                <a:solidFill>
-                  <a:srgbClr val="000000"/>
-                </a:solidFill>
-                <a:latin typeface="Consolas" panose="020B0609020204030204" pitchFamily="49" charset="0"/>
-              </a:rPr>
-              <a:t> response = </a:t>
-            </a:r>
-          </a:p>
-          <a:p>
-            <a:pPr marL="0" indent="0">
-              <a:spcBef>
-                <a:spcPts val="200"/>
-              </a:spcBef>
-              <a:buNone/>
-            </a:pPr>
-            <a:r>
-              <a:rPr lang="en-US" dirty="0">
-                <a:solidFill>
-                  <a:srgbClr val="000000"/>
-                </a:solidFill>
-                <a:latin typeface="Consolas" panose="020B0609020204030204" pitchFamily="49" charset="0"/>
-              </a:rPr>
-              <a:t>  </a:t>
-            </a:r>
-            <a:r>
-              <a:rPr lang="en-US" dirty="0">
-                <a:solidFill>
-                  <a:srgbClr val="0000FF"/>
-                </a:solidFill>
-                <a:latin typeface="Consolas" panose="020B0609020204030204" pitchFamily="49" charset="0"/>
-              </a:rPr>
-              <a:t>await</a:t>
-            </a:r>
-            <a:r>
-              <a:rPr lang="en-US" dirty="0">
-                <a:solidFill>
-                  <a:srgbClr val="000000"/>
-                </a:solidFill>
-                <a:latin typeface="Consolas" panose="020B0609020204030204" pitchFamily="49" charset="0"/>
-              </a:rPr>
-              <a:t> </a:t>
-            </a:r>
-            <a:r>
-              <a:rPr lang="en-US" dirty="0" err="1">
-                <a:solidFill>
-                  <a:srgbClr val="000000"/>
-                </a:solidFill>
-                <a:latin typeface="Consolas" panose="020B0609020204030204" pitchFamily="49" charset="0"/>
-              </a:rPr>
-              <a:t>policy.ExecuteAsync</a:t>
-            </a:r>
-            <a:r>
-              <a:rPr lang="en-US" dirty="0">
-                <a:solidFill>
-                  <a:srgbClr val="000000"/>
-                </a:solidFill>
-                <a:latin typeface="Consolas" panose="020B0609020204030204" pitchFamily="49" charset="0"/>
-              </a:rPr>
-              <a:t>( </a:t>
-            </a:r>
-            <a:r>
-              <a:rPr lang="en-US" dirty="0">
-                <a:solidFill>
-                  <a:srgbClr val="0000FF"/>
-                </a:solidFill>
-                <a:latin typeface="Consolas" panose="020B0609020204030204" pitchFamily="49" charset="0"/>
-              </a:rPr>
-              <a:t>async</a:t>
-            </a:r>
-            <a:r>
-              <a:rPr lang="en-US" dirty="0">
-                <a:solidFill>
-                  <a:srgbClr val="000000"/>
-                </a:solidFill>
-                <a:latin typeface="Consolas" panose="020B0609020204030204" pitchFamily="49" charset="0"/>
-              </a:rPr>
-              <a:t> () =&gt;</a:t>
-            </a:r>
-          </a:p>
-          <a:p>
-            <a:pPr marL="0" indent="0">
-              <a:spcBef>
-                <a:spcPts val="200"/>
-              </a:spcBef>
-              <a:buNone/>
-            </a:pPr>
-            <a:r>
-              <a:rPr lang="en-US" dirty="0">
-                <a:solidFill>
-                  <a:srgbClr val="000000"/>
-                </a:solidFill>
-                <a:latin typeface="Consolas" panose="020B0609020204030204" pitchFamily="49" charset="0"/>
-              </a:rPr>
-              <a:t>  {</a:t>
-            </a:r>
-          </a:p>
-          <a:p>
-            <a:pPr marL="0" indent="0">
-              <a:spcBef>
-                <a:spcPts val="200"/>
-              </a:spcBef>
-              <a:buNone/>
-            </a:pPr>
-            <a:r>
-              <a:rPr lang="en-US" dirty="0">
-                <a:solidFill>
-                  <a:srgbClr val="000000"/>
-                </a:solidFill>
-                <a:latin typeface="Consolas" panose="020B0609020204030204" pitchFamily="49" charset="0"/>
-              </a:rPr>
-              <a:t>     </a:t>
-            </a:r>
-            <a:r>
-              <a:rPr lang="en-US" dirty="0">
-                <a:solidFill>
-                  <a:srgbClr val="0000FF"/>
-                </a:solidFill>
-                <a:latin typeface="Consolas" panose="020B0609020204030204" pitchFamily="49" charset="0"/>
-              </a:rPr>
-              <a:t>return</a:t>
-            </a:r>
-            <a:r>
-              <a:rPr lang="en-US" dirty="0">
-                <a:solidFill>
-                  <a:srgbClr val="000000"/>
-                </a:solidFill>
-                <a:latin typeface="Consolas" panose="020B0609020204030204" pitchFamily="49" charset="0"/>
-              </a:rPr>
-              <a:t> </a:t>
-            </a:r>
-            <a:r>
-              <a:rPr lang="en-US" dirty="0">
-                <a:solidFill>
-                  <a:srgbClr val="0000FF"/>
-                </a:solidFill>
-                <a:latin typeface="Consolas" panose="020B0609020204030204" pitchFamily="49" charset="0"/>
-              </a:rPr>
-              <a:t>await</a:t>
-            </a:r>
-            <a:r>
-              <a:rPr lang="en-US" dirty="0">
-                <a:solidFill>
-                  <a:srgbClr val="000000"/>
-                </a:solidFill>
-                <a:latin typeface="Consolas" panose="020B0609020204030204" pitchFamily="49" charset="0"/>
-              </a:rPr>
-              <a:t> _</a:t>
-            </a:r>
-            <a:r>
-              <a:rPr lang="en-US" dirty="0" err="1">
-                <a:solidFill>
-                  <a:srgbClr val="000000"/>
-                </a:solidFill>
-                <a:latin typeface="Consolas" panose="020B0609020204030204" pitchFamily="49" charset="0"/>
-              </a:rPr>
-              <a:t>client.GetAsync</a:t>
-            </a:r>
-            <a:r>
-              <a:rPr lang="en-US" dirty="0">
-                <a:solidFill>
-                  <a:srgbClr val="000000"/>
-                </a:solidFill>
-                <a:latin typeface="Consolas" panose="020B0609020204030204" pitchFamily="49" charset="0"/>
-              </a:rPr>
-              <a:t>(</a:t>
-            </a:r>
-            <a:r>
-              <a:rPr lang="en-US" dirty="0">
-                <a:solidFill>
-                  <a:srgbClr val="A31515"/>
-                </a:solidFill>
-                <a:latin typeface="Consolas" panose="020B0609020204030204" pitchFamily="49" charset="0"/>
-              </a:rPr>
-              <a:t>“/"</a:t>
-            </a:r>
-            <a:r>
-              <a:rPr lang="en-US" dirty="0">
-                <a:solidFill>
-                  <a:srgbClr val="000000"/>
-                </a:solidFill>
-                <a:latin typeface="Consolas" panose="020B0609020204030204" pitchFamily="49" charset="0"/>
-              </a:rPr>
-              <a:t>);</a:t>
-            </a:r>
-          </a:p>
-          <a:p>
-            <a:pPr marL="0" indent="0">
-              <a:spcBef>
-                <a:spcPts val="200"/>
-              </a:spcBef>
-              <a:buNone/>
-            </a:pPr>
-            <a:r>
-              <a:rPr lang="en-US" dirty="0">
-                <a:solidFill>
-                  <a:srgbClr val="000000"/>
-                </a:solidFill>
-                <a:latin typeface="Consolas" panose="020B0609020204030204" pitchFamily="49" charset="0"/>
-              </a:rPr>
-              <a:t>  });</a:t>
-            </a:r>
-            <a:endParaRPr lang="en-US" dirty="0"/>
-          </a:p>
-        </p:txBody>
-      </p:sp>
-      <p:sp>
-        <p:nvSpPr>
-          <p:cNvPr id="5" name="Footer Placeholder 4">
-            <a:extLst>
-              <a:ext uri="{FF2B5EF4-FFF2-40B4-BE49-F238E27FC236}">
-                <a16:creationId xmlns:a16="http://schemas.microsoft.com/office/drawing/2014/main" id="{CB2F09CE-7996-4CD4-A3F5-851BF2C9FDCA}"/>
-              </a:ext>
-            </a:extLst>
-          </p:cNvPr>
-          <p:cNvSpPr>
-            <a:spLocks noGrp="1"/>
-          </p:cNvSpPr>
-          <p:nvPr>
             <p:ph type="ftr" sz="quarter" idx="11"/>
           </p:nvPr>
         </p:nvSpPr>
@@ -8777,7 +8457,7 @@
     </p:spTree>
     <p:extLst>
       <p:ext uri="{BB962C8B-B14F-4D97-AF65-F5344CB8AC3E}">
-        <p14:creationId xmlns:p14="http://schemas.microsoft.com/office/powerpoint/2010/main" val="932126606"/>
+        <p14:creationId xmlns:p14="http://schemas.microsoft.com/office/powerpoint/2010/main" val="440821315"/>
       </p:ext>
     </p:extLst>
   </p:cSld>
@@ -8809,7 +8489,7 @@
           <p:cNvPr id="2" name="Title 1">
             <a:extLst>
               <a:ext uri="{FF2B5EF4-FFF2-40B4-BE49-F238E27FC236}">
-                <a16:creationId xmlns:a16="http://schemas.microsoft.com/office/drawing/2014/main" id="{BFA308F6-1A72-41E2-B062-692EABC4F112}"/>
+                <a16:creationId xmlns:a16="http://schemas.microsoft.com/office/drawing/2014/main" id="{5C09E4DC-0E3D-46E2-828F-30B4629EE0C9}"/>
               </a:ext>
             </a:extLst>
           </p:cNvPr>
@@ -8827,15 +8507,7 @@
           <a:p>
             <a:r>
               <a:rPr lang="en-US" dirty="0" err="1"/>
-              <a:t>ASP.Net</a:t>
-            </a:r>
-            <a:r>
-              <a:rPr lang="en-US" dirty="0"/>
-              <a:t> Core </a:t>
-            </a:r>
-            <a:r>
-              <a:rPr lang="en-US" dirty="0" err="1"/>
-              <a:t>HttpClientFactory</a:t>
+              <a:t>Polly.Extensions.Http</a:t>
             </a:r>
             <a:endParaRPr lang="en-US" dirty="0"/>
           </a:p>
@@ -8846,7 +8518,7 @@
           <p:cNvPr id="3" name="Content Placeholder 2">
             <a:extLst>
               <a:ext uri="{FF2B5EF4-FFF2-40B4-BE49-F238E27FC236}">
-                <a16:creationId xmlns:a16="http://schemas.microsoft.com/office/drawing/2014/main" id="{3517A3A0-A267-4906-BC6D-9F1B782155A2}"/>
+                <a16:creationId xmlns:a16="http://schemas.microsoft.com/office/drawing/2014/main" id="{C6D6A803-6D78-42FF-8EC6-58AA0F2EEA8E}"/>
               </a:ext>
             </a:extLst>
           </p:cNvPr>
@@ -8866,46 +8538,44 @@
           <a:p>
             <a:r>
               <a:rPr lang="en-US" dirty="0"/>
-              <a:t>Part of </a:t>
+              <a:t>Extensions package containing </a:t>
+            </a:r>
+            <a:r>
+              <a:rPr lang="en-US" b="1" dirty="0"/>
+              <a:t>opinionated</a:t>
+            </a:r>
+            <a:r>
+              <a:rPr lang="en-US" dirty="0"/>
+              <a:t> convenience methods for configuring Polly policies to handle transient faults typical of calls through </a:t>
             </a:r>
             <a:r>
               <a:rPr lang="en-US" dirty="0" err="1"/>
-              <a:t>ASP.Net</a:t>
+              <a:t>HttpClient</a:t>
             </a:r>
             <a:r>
               <a:rPr lang="en-US" dirty="0"/>
-              <a:t> Core as of 2.1</a:t>
+              <a:t>.</a:t>
             </a:r>
           </a:p>
           <a:p>
             <a:r>
               <a:rPr lang="en-US" dirty="0"/>
-              <a:t>Includes Polly as part of Service Configuration</a:t>
-            </a:r>
-          </a:p>
-          <a:p>
-            <a:endParaRPr lang="en-US" dirty="0">
-              <a:hlinkClick r:id="rId2"/>
-            </a:endParaRPr>
-          </a:p>
-          <a:p>
-            <a:endParaRPr lang="en-US" dirty="0">
-              <a:hlinkClick r:id="rId2"/>
-            </a:endParaRPr>
-          </a:p>
-          <a:p>
-            <a:endParaRPr lang="en-US" dirty="0">
-              <a:hlinkClick r:id="rId2"/>
-            </a:endParaRPr>
-          </a:p>
-          <a:p>
-            <a:r>
-              <a:rPr lang="en-US" dirty="0">
-                <a:hlinkClick r:id="rId2"/>
-              </a:rPr>
-              <a:t>https://docs.microsoft.com/en-gb/aspnet/core/fundamentals/http-requests?view=aspnetcore-2.1#use-polly-based-handlers</a:t>
-            </a:r>
-            <a:endParaRPr lang="en-US" dirty="0"/>
+              <a:t>Handles Status Codes &gt;= 500 AND 408 (timeout) by default</a:t>
+            </a:r>
+          </a:p>
+          <a:p>
+            <a:r>
+              <a:rPr lang="en-US" dirty="0"/>
+              <a:t>4xx – “Bad Requests” are </a:t>
+            </a:r>
+            <a:r>
+              <a:rPr lang="en-US" b="1" dirty="0"/>
+              <a:t>not</a:t>
+            </a:r>
+            <a:r>
+              <a:rPr lang="en-US" dirty="0"/>
+              <a:t> considered faults (unless you tell it otherwise)</a:t>
+            </a:r>
           </a:p>
         </p:txBody>
       </p:sp>
@@ -8914,7 +8584,7 @@
           <p:cNvPr id="4" name="Content Placeholder 3">
             <a:extLst>
               <a:ext uri="{FF2B5EF4-FFF2-40B4-BE49-F238E27FC236}">
-                <a16:creationId xmlns:a16="http://schemas.microsoft.com/office/drawing/2014/main" id="{EDA00012-B3BA-47C0-B07E-A0801C5A89F7}"/>
+                <a16:creationId xmlns:a16="http://schemas.microsoft.com/office/drawing/2014/main" id="{715BED9B-89D3-455D-A736-2CA48F4DAC67}"/>
               </a:ext>
             </a:extLst>
           </p:cNvPr>
@@ -8925,7 +8595,12 @@
             <p:ph sz="half" idx="2"/>
           </p:nvPr>
         </p:nvSpPr>
-        <p:spPr/>
+        <p:spPr>
+          <a:xfrm>
+            <a:off x="6217920" y="1845735"/>
+            <a:ext cx="5829078" cy="4023360"/>
+          </a:xfrm>
+        </p:spPr>
         <p:txBody>
           <a:bodyPr>
             <a:normAutofit/>
@@ -8939,8 +8614,22 @@
               <a:buNone/>
             </a:pPr>
             <a:r>
-              <a:rPr lang="en-US" dirty="0"/>
-              <a:t>services</a:t>
+              <a:rPr lang="en-US" dirty="0">
+                <a:solidFill>
+                  <a:srgbClr val="0000FF"/>
+                </a:solidFill>
+                <a:latin typeface="Consolas" panose="020B0609020204030204" pitchFamily="49" charset="0"/>
+              </a:rPr>
+              <a:t>var</a:t>
+            </a:r>
+            <a:r>
+              <a:rPr lang="en-US" dirty="0">
+                <a:solidFill>
+                  <a:srgbClr val="000000"/>
+                </a:solidFill>
+                <a:latin typeface="Consolas" panose="020B0609020204030204" pitchFamily="49" charset="0"/>
+              </a:rPr>
+              <a:t> policy = </a:t>
             </a:r>
           </a:p>
           <a:p>
@@ -8951,25 +8640,29 @@
               <a:buNone/>
             </a:pPr>
             <a:r>
-              <a:rPr lang="en-US" dirty="0"/>
-              <a:t>            .</a:t>
-            </a:r>
-            <a:r>
-              <a:rPr lang="en-US" dirty="0" err="1"/>
-              <a:t>AddHttpClient</a:t>
-            </a:r>
-            <a:r>
-              <a:rPr lang="en-US" dirty="0"/>
-              <a:t>&lt;</a:t>
-            </a:r>
-            <a:r>
-              <a:rPr lang="en-US" dirty="0" err="1"/>
-              <a:t>UnreliableHttpService</a:t>
-            </a:r>
-            <a:r>
-              <a:rPr lang="en-US" dirty="0"/>
-              <a:t>&gt;()</a:t>
-            </a:r>
+              <a:rPr lang="en-US" dirty="0">
+                <a:solidFill>
+                  <a:srgbClr val="000000"/>
+                </a:solidFill>
+                <a:latin typeface="Consolas" panose="020B0609020204030204" pitchFamily="49" charset="0"/>
+              </a:rPr>
+              <a:t>   </a:t>
+            </a:r>
+            <a:r>
+              <a:rPr lang="en-US" dirty="0" err="1">
+                <a:solidFill>
+                  <a:srgbClr val="000000"/>
+                </a:solidFill>
+                <a:latin typeface="Consolas" panose="020B0609020204030204" pitchFamily="49" charset="0"/>
+              </a:rPr>
+              <a:t>HttpPolicyExtensions</a:t>
+            </a:r>
+            <a:endParaRPr lang="en-US" dirty="0">
+              <a:solidFill>
+                <a:srgbClr val="000000"/>
+              </a:solidFill>
+              <a:latin typeface="Consolas" panose="020B0609020204030204" pitchFamily="49" charset="0"/>
+            </a:endParaRPr>
           </a:p>
           <a:p>
             <a:pPr marL="0" indent="0">
@@ -8979,16 +8672,31 @@
               <a:buNone/>
             </a:pPr>
             <a:r>
-              <a:rPr lang="en-US" dirty="0"/>
-              <a:t>            .</a:t>
-            </a:r>
-            <a:r>
-              <a:rPr lang="en-US" dirty="0" err="1"/>
-              <a:t>AddTransientHttpErrorPolicy</a:t>
-            </a:r>
-            <a:r>
-              <a:rPr lang="en-US" dirty="0"/>
-              <a:t>(p =&gt;</a:t>
+              <a:rPr lang="en-US" dirty="0">
+                <a:solidFill>
+                  <a:srgbClr val="000000"/>
+                </a:solidFill>
+                <a:latin typeface="Consolas" panose="020B0609020204030204" pitchFamily="49" charset="0"/>
+              </a:rPr>
+              <a:t>    .</a:t>
+            </a:r>
+            <a:r>
+              <a:rPr lang="en-US" dirty="0" err="1">
+                <a:solidFill>
+                  <a:srgbClr val="000000"/>
+                </a:solidFill>
+                <a:latin typeface="Consolas" panose="020B0609020204030204" pitchFamily="49" charset="0"/>
+              </a:rPr>
+              <a:t>HandleTransientHttpError</a:t>
+            </a:r>
+            <a:r>
+              <a:rPr lang="en-US" dirty="0">
+                <a:solidFill>
+                  <a:srgbClr val="000000"/>
+                </a:solidFill>
+                <a:latin typeface="Consolas" panose="020B0609020204030204" pitchFamily="49" charset="0"/>
+              </a:rPr>
+              <a:t>()</a:t>
             </a:r>
           </a:p>
           <a:p>
@@ -8999,17 +8707,267 @@
               <a:buNone/>
             </a:pPr>
             <a:r>
-              <a:rPr lang="en-US" dirty="0"/>
-              <a:t>                </a:t>
-            </a:r>
-            <a:r>
-              <a:rPr lang="en-US" dirty="0" err="1"/>
-              <a:t>p.RetryForever</a:t>
-            </a:r>
-            <a:r>
-              <a:rPr lang="en-US" dirty="0"/>
-              <a:t>());</a:t>
-            </a:r>
+              <a:rPr lang="en-US" dirty="0">
+                <a:solidFill>
+                  <a:srgbClr val="000000"/>
+                </a:solidFill>
+                <a:latin typeface="Consolas" panose="020B0609020204030204" pitchFamily="49" charset="0"/>
+              </a:rPr>
+              <a:t>    .</a:t>
+            </a:r>
+            <a:r>
+              <a:rPr lang="en-US" dirty="0" err="1">
+                <a:solidFill>
+                  <a:srgbClr val="000000"/>
+                </a:solidFill>
+                <a:latin typeface="Consolas" panose="020B0609020204030204" pitchFamily="49" charset="0"/>
+              </a:rPr>
+              <a:t>RetryForeverAsync</a:t>
+            </a:r>
+            <a:r>
+              <a:rPr lang="en-US" dirty="0">
+                <a:solidFill>
+                  <a:srgbClr val="000000"/>
+                </a:solidFill>
+                <a:latin typeface="Consolas" panose="020B0609020204030204" pitchFamily="49" charset="0"/>
+              </a:rPr>
+              <a:t>();</a:t>
+            </a:r>
+          </a:p>
+          <a:p>
+            <a:pPr marL="0" indent="0">
+              <a:spcBef>
+                <a:spcPts val="200"/>
+              </a:spcBef>
+              <a:buNone/>
+            </a:pPr>
+            <a:endParaRPr lang="en-US" dirty="0">
+              <a:solidFill>
+                <a:srgbClr val="000000"/>
+              </a:solidFill>
+              <a:latin typeface="Consolas" panose="020B0609020204030204" pitchFamily="49" charset="0"/>
+            </a:endParaRPr>
+          </a:p>
+          <a:p>
+            <a:pPr marL="0" indent="0">
+              <a:spcBef>
+                <a:spcPts val="200"/>
+              </a:spcBef>
+              <a:buNone/>
+            </a:pPr>
+            <a:r>
+              <a:rPr lang="en-US" dirty="0">
+                <a:solidFill>
+                  <a:srgbClr val="0000FF"/>
+                </a:solidFill>
+                <a:latin typeface="Consolas" panose="020B0609020204030204" pitchFamily="49" charset="0"/>
+              </a:rPr>
+              <a:t>var</a:t>
+            </a:r>
+            <a:r>
+              <a:rPr lang="en-US" dirty="0">
+                <a:solidFill>
+                  <a:srgbClr val="000000"/>
+                </a:solidFill>
+                <a:latin typeface="Consolas" panose="020B0609020204030204" pitchFamily="49" charset="0"/>
+              </a:rPr>
+              <a:t> response = </a:t>
+            </a:r>
+          </a:p>
+          <a:p>
+            <a:pPr marL="0" indent="0">
+              <a:spcBef>
+                <a:spcPts val="200"/>
+              </a:spcBef>
+              <a:buNone/>
+            </a:pPr>
+            <a:r>
+              <a:rPr lang="en-US" dirty="0">
+                <a:solidFill>
+                  <a:srgbClr val="000000"/>
+                </a:solidFill>
+                <a:latin typeface="Consolas" panose="020B0609020204030204" pitchFamily="49" charset="0"/>
+              </a:rPr>
+              <a:t>  </a:t>
+            </a:r>
+            <a:r>
+              <a:rPr lang="en-US" dirty="0">
+                <a:solidFill>
+                  <a:srgbClr val="0000FF"/>
+                </a:solidFill>
+                <a:latin typeface="Consolas" panose="020B0609020204030204" pitchFamily="49" charset="0"/>
+              </a:rPr>
+              <a:t>await</a:t>
+            </a:r>
+            <a:r>
+              <a:rPr lang="en-US" dirty="0">
+                <a:solidFill>
+                  <a:srgbClr val="000000"/>
+                </a:solidFill>
+                <a:latin typeface="Consolas" panose="020B0609020204030204" pitchFamily="49" charset="0"/>
+              </a:rPr>
+              <a:t> </a:t>
+            </a:r>
+            <a:r>
+              <a:rPr lang="en-US" dirty="0" err="1">
+                <a:solidFill>
+                  <a:srgbClr val="000000"/>
+                </a:solidFill>
+                <a:latin typeface="Consolas" panose="020B0609020204030204" pitchFamily="49" charset="0"/>
+              </a:rPr>
+              <a:t>policy.ExecuteAsync</a:t>
+            </a:r>
+            <a:r>
+              <a:rPr lang="en-US" dirty="0">
+                <a:solidFill>
+                  <a:srgbClr val="000000"/>
+                </a:solidFill>
+                <a:latin typeface="Consolas" panose="020B0609020204030204" pitchFamily="49" charset="0"/>
+              </a:rPr>
+              <a:t>( </a:t>
+            </a:r>
+            <a:r>
+              <a:rPr lang="en-US" dirty="0">
+                <a:solidFill>
+                  <a:srgbClr val="0000FF"/>
+                </a:solidFill>
+                <a:latin typeface="Consolas" panose="020B0609020204030204" pitchFamily="49" charset="0"/>
+              </a:rPr>
+              <a:t>async</a:t>
+            </a:r>
+            <a:r>
+              <a:rPr lang="en-US" dirty="0">
+                <a:solidFill>
+                  <a:srgbClr val="000000"/>
+                </a:solidFill>
+                <a:latin typeface="Consolas" panose="020B0609020204030204" pitchFamily="49" charset="0"/>
+              </a:rPr>
+              <a:t> () =&gt;</a:t>
+            </a:r>
+          </a:p>
+          <a:p>
+            <a:pPr marL="0" indent="0">
+              <a:spcBef>
+                <a:spcPts val="200"/>
+              </a:spcBef>
+              <a:buNone/>
+            </a:pPr>
+            <a:r>
+              <a:rPr lang="en-US" dirty="0">
+                <a:solidFill>
+                  <a:srgbClr val="000000"/>
+                </a:solidFill>
+                <a:latin typeface="Consolas" panose="020B0609020204030204" pitchFamily="49" charset="0"/>
+              </a:rPr>
+              <a:t>  {</a:t>
+            </a:r>
+          </a:p>
+          <a:p>
+            <a:pPr marL="0" indent="0">
+              <a:spcBef>
+                <a:spcPts val="200"/>
+              </a:spcBef>
+              <a:buNone/>
+            </a:pPr>
+            <a:r>
+              <a:rPr lang="en-US" dirty="0">
+                <a:solidFill>
+                  <a:srgbClr val="000000"/>
+                </a:solidFill>
+                <a:latin typeface="Consolas" panose="020B0609020204030204" pitchFamily="49" charset="0"/>
+              </a:rPr>
+              <a:t>     </a:t>
+            </a:r>
+            <a:r>
+              <a:rPr lang="en-US" dirty="0">
+                <a:solidFill>
+                  <a:srgbClr val="0000FF"/>
+                </a:solidFill>
+                <a:latin typeface="Consolas" panose="020B0609020204030204" pitchFamily="49" charset="0"/>
+              </a:rPr>
+              <a:t>return</a:t>
+            </a:r>
+            <a:r>
+              <a:rPr lang="en-US" dirty="0">
+                <a:solidFill>
+                  <a:srgbClr val="000000"/>
+                </a:solidFill>
+                <a:latin typeface="Consolas" panose="020B0609020204030204" pitchFamily="49" charset="0"/>
+              </a:rPr>
+              <a:t> </a:t>
+            </a:r>
+            <a:r>
+              <a:rPr lang="en-US" dirty="0">
+                <a:solidFill>
+                  <a:srgbClr val="0000FF"/>
+                </a:solidFill>
+                <a:latin typeface="Consolas" panose="020B0609020204030204" pitchFamily="49" charset="0"/>
+              </a:rPr>
+              <a:t>await</a:t>
+            </a:r>
+            <a:r>
+              <a:rPr lang="en-US" dirty="0">
+                <a:solidFill>
+                  <a:srgbClr val="000000"/>
+                </a:solidFill>
+                <a:latin typeface="Consolas" panose="020B0609020204030204" pitchFamily="49" charset="0"/>
+              </a:rPr>
+              <a:t> _</a:t>
+            </a:r>
+            <a:r>
+              <a:rPr lang="en-US" dirty="0" err="1">
+                <a:solidFill>
+                  <a:srgbClr val="000000"/>
+                </a:solidFill>
+                <a:latin typeface="Consolas" panose="020B0609020204030204" pitchFamily="49" charset="0"/>
+              </a:rPr>
+              <a:t>client.GetAsync</a:t>
+            </a:r>
+            <a:r>
+              <a:rPr lang="en-US" dirty="0">
+                <a:solidFill>
+                  <a:srgbClr val="000000"/>
+                </a:solidFill>
+                <a:latin typeface="Consolas" panose="020B0609020204030204" pitchFamily="49" charset="0"/>
+              </a:rPr>
+              <a:t>(</a:t>
+            </a:r>
+            <a:r>
+              <a:rPr lang="en-US" dirty="0">
+                <a:solidFill>
+                  <a:srgbClr val="A31515"/>
+                </a:solidFill>
+                <a:latin typeface="Consolas" panose="020B0609020204030204" pitchFamily="49" charset="0"/>
+              </a:rPr>
+              <a:t>“/"</a:t>
+            </a:r>
+            <a:r>
+              <a:rPr lang="en-US" dirty="0">
+                <a:solidFill>
+                  <a:srgbClr val="000000"/>
+                </a:solidFill>
+                <a:latin typeface="Consolas" panose="020B0609020204030204" pitchFamily="49" charset="0"/>
+              </a:rPr>
+              <a:t>);</a:t>
+            </a:r>
+          </a:p>
+          <a:p>
+            <a:pPr marL="0" indent="0">
+              <a:spcBef>
+                <a:spcPts val="200"/>
+              </a:spcBef>
+              <a:buNone/>
+            </a:pPr>
+            <a:r>
+              <a:rPr lang="en-US" dirty="0">
+                <a:solidFill>
+                  <a:srgbClr val="000000"/>
+                </a:solidFill>
+                <a:latin typeface="Consolas" panose="020B0609020204030204" pitchFamily="49" charset="0"/>
+              </a:rPr>
+              <a:t>  });</a:t>
+            </a:r>
+            <a:endParaRPr lang="en-US" dirty="0"/>
           </a:p>
         </p:txBody>
       </p:sp>
@@ -9018,7 +8976,7 @@
           <p:cNvPr id="5" name="Footer Placeholder 4">
             <a:extLst>
               <a:ext uri="{FF2B5EF4-FFF2-40B4-BE49-F238E27FC236}">
-                <a16:creationId xmlns:a16="http://schemas.microsoft.com/office/drawing/2014/main" id="{AF3A7A8C-31DE-4605-B112-4F06205DB593}"/>
+                <a16:creationId xmlns:a16="http://schemas.microsoft.com/office/drawing/2014/main" id="{CB2F09CE-7996-4CD4-A3F5-851BF2C9FDCA}"/>
               </a:ext>
             </a:extLst>
           </p:cNvPr>
@@ -9044,7 +9002,7 @@
     </p:spTree>
     <p:extLst>
       <p:ext uri="{BB962C8B-B14F-4D97-AF65-F5344CB8AC3E}">
-        <p14:creationId xmlns:p14="http://schemas.microsoft.com/office/powerpoint/2010/main" val="2910506498"/>
+        <p14:creationId xmlns:p14="http://schemas.microsoft.com/office/powerpoint/2010/main" val="932126606"/>
       </p:ext>
     </p:extLst>
   </p:cSld>
@@ -9073,10 +9031,10 @@
       </p:grpSpPr>
       <p:sp>
         <p:nvSpPr>
-          <p:cNvPr id="4" name="Title 3">
+          <p:cNvPr id="2" name="Title 1">
             <a:extLst>
               <a:ext uri="{FF2B5EF4-FFF2-40B4-BE49-F238E27FC236}">
-                <a16:creationId xmlns:a16="http://schemas.microsoft.com/office/drawing/2014/main" id="{2AD8A98D-4D7A-4403-8164-B59807121932}"/>
+                <a16:creationId xmlns:a16="http://schemas.microsoft.com/office/drawing/2014/main" id="{BFA308F6-1A72-41E2-B062-692EABC4F112}"/>
               </a:ext>
             </a:extLst>
           </p:cNvPr>
@@ -9093,18 +9051,27 @@
           <a:lstStyle/>
           <a:p>
             <a:r>
+              <a:rPr lang="en-US" dirty="0" err="1"/>
+              <a:t>ASP.Net</a:t>
+            </a:r>
+            <a:r>
               <a:rPr lang="en-US" dirty="0"/>
-              <a:t>Demo</a:t>
-            </a:r>
-          </a:p>
-        </p:txBody>
-      </p:sp>
-      <p:sp>
-        <p:nvSpPr>
-          <p:cNvPr id="5" name="Text Placeholder 4">
+              <a:t> Core </a:t>
+            </a:r>
+            <a:r>
+              <a:rPr lang="en-US" dirty="0" err="1"/>
+              <a:t>HttpClientFactory</a:t>
+            </a:r>
+            <a:endParaRPr lang="en-US" dirty="0"/>
+          </a:p>
+        </p:txBody>
+      </p:sp>
+      <p:sp>
+        <p:nvSpPr>
+          <p:cNvPr id="3" name="Content Placeholder 2">
             <a:extLst>
               <a:ext uri="{FF2B5EF4-FFF2-40B4-BE49-F238E27FC236}">
-                <a16:creationId xmlns:a16="http://schemas.microsoft.com/office/drawing/2014/main" id="{E6846035-660C-4984-B8F7-DC437A25DA93}"/>
+                <a16:creationId xmlns:a16="http://schemas.microsoft.com/office/drawing/2014/main" id="{3517A3A0-A267-4906-BC6D-9F1B782155A2}"/>
               </a:ext>
             </a:extLst>
           </p:cNvPr>
@@ -9112,27 +9079,67 @@
             <a:spLocks noGrp="1"/>
           </p:cNvSpPr>
           <p:nvPr>
-            <p:ph type="body" idx="1"/>
+            <p:ph sz="half" idx="1"/>
           </p:nvPr>
         </p:nvSpPr>
         <p:spPr/>
         <p:txBody>
-          <a:bodyPr/>
+          <a:bodyPr>
+            <a:normAutofit/>
+          </a:bodyPr>
           <a:lstStyle/>
           <a:p>
             <a:r>
               <a:rPr lang="en-US" dirty="0"/>
-              <a:t>OK BADREQUEST </a:t>
-            </a:r>
-          </a:p>
-        </p:txBody>
-      </p:sp>
-      <p:sp>
-        <p:nvSpPr>
-          <p:cNvPr id="2" name="Footer Placeholder 1">
+              <a:t>Part of </a:t>
+            </a:r>
+            <a:r>
+              <a:rPr lang="en-US" dirty="0" err="1"/>
+              <a:t>ASP.Net</a:t>
+            </a:r>
+            <a:r>
+              <a:rPr lang="en-US" dirty="0"/>
+              <a:t> Core as of 2.1</a:t>
+            </a:r>
+          </a:p>
+          <a:p>
+            <a:r>
+              <a:rPr lang="en-US" dirty="0"/>
+              <a:t>Includes Polly as part of Service Configuration</a:t>
+            </a:r>
+          </a:p>
+          <a:p>
+            <a:endParaRPr lang="en-US" dirty="0">
+              <a:hlinkClick r:id="rId2"/>
+            </a:endParaRPr>
+          </a:p>
+          <a:p>
+            <a:endParaRPr lang="en-US" dirty="0">
+              <a:hlinkClick r:id="rId2"/>
+            </a:endParaRPr>
+          </a:p>
+          <a:p>
+            <a:endParaRPr lang="en-US" dirty="0">
+              <a:hlinkClick r:id="rId2"/>
+            </a:endParaRPr>
+          </a:p>
+          <a:p>
+            <a:r>
+              <a:rPr lang="en-US" dirty="0">
+                <a:hlinkClick r:id="rId2"/>
+              </a:rPr>
+              <a:t>https://docs.microsoft.com/en-gb/aspnet/core/fundamentals/http-requests?view=aspnetcore-2.1#use-polly-based-handlers</a:t>
+            </a:r>
+            <a:endParaRPr lang="en-US" dirty="0"/>
+          </a:p>
+        </p:txBody>
+      </p:sp>
+      <p:sp>
+        <p:nvSpPr>
+          <p:cNvPr id="4" name="Content Placeholder 3">
             <a:extLst>
               <a:ext uri="{FF2B5EF4-FFF2-40B4-BE49-F238E27FC236}">
-                <a16:creationId xmlns:a16="http://schemas.microsoft.com/office/drawing/2014/main" id="{700CB875-DA91-467E-91AC-D14507F661A3}"/>
+                <a16:creationId xmlns:a16="http://schemas.microsoft.com/office/drawing/2014/main" id="{EDA00012-B3BA-47C0-B07E-A0801C5A89F7}"/>
               </a:ext>
             </a:extLst>
           </p:cNvPr>
@@ -9140,6 +9147,110 @@
             <a:spLocks noGrp="1"/>
           </p:cNvSpPr>
           <p:nvPr>
+            <p:ph sz="half" idx="2"/>
+          </p:nvPr>
+        </p:nvSpPr>
+        <p:spPr/>
+        <p:txBody>
+          <a:bodyPr>
+            <a:normAutofit/>
+          </a:bodyPr>
+          <a:lstStyle/>
+          <a:p>
+            <a:pPr marL="0" indent="0">
+              <a:spcBef>
+                <a:spcPts val="200"/>
+              </a:spcBef>
+              <a:buNone/>
+            </a:pPr>
+            <a:r>
+              <a:rPr lang="en-US" dirty="0"/>
+              <a:t>services</a:t>
+            </a:r>
+          </a:p>
+          <a:p>
+            <a:pPr marL="0" indent="0">
+              <a:spcBef>
+                <a:spcPts val="200"/>
+              </a:spcBef>
+              <a:buNone/>
+            </a:pPr>
+            <a:r>
+              <a:rPr lang="en-US" dirty="0"/>
+              <a:t>            .</a:t>
+            </a:r>
+            <a:r>
+              <a:rPr lang="en-US" dirty="0" err="1"/>
+              <a:t>AddHttpClient</a:t>
+            </a:r>
+            <a:r>
+              <a:rPr lang="en-US" dirty="0"/>
+              <a:t>&lt;</a:t>
+            </a:r>
+            <a:r>
+              <a:rPr lang="en-US" dirty="0" err="1"/>
+              <a:t>UnreliableHttpService</a:t>
+            </a:r>
+            <a:r>
+              <a:rPr lang="en-US" dirty="0"/>
+              <a:t>&gt;()</a:t>
+            </a:r>
+          </a:p>
+          <a:p>
+            <a:pPr marL="0" indent="0">
+              <a:spcBef>
+                <a:spcPts val="200"/>
+              </a:spcBef>
+              <a:buNone/>
+            </a:pPr>
+            <a:r>
+              <a:rPr lang="en-US" dirty="0"/>
+              <a:t>            .</a:t>
+            </a:r>
+            <a:r>
+              <a:rPr lang="en-US" dirty="0" err="1"/>
+              <a:t>AddTransientHttpErrorPolicy</a:t>
+            </a:r>
+            <a:r>
+              <a:rPr lang="en-US" dirty="0"/>
+              <a:t>(p =&gt;</a:t>
+            </a:r>
+          </a:p>
+          <a:p>
+            <a:pPr marL="0" indent="0">
+              <a:spcBef>
+                <a:spcPts val="200"/>
+              </a:spcBef>
+              <a:buNone/>
+            </a:pPr>
+            <a:r>
+              <a:rPr lang="en-US" dirty="0"/>
+              <a:t>                </a:t>
+            </a:r>
+            <a:r>
+              <a:rPr lang="en-US" dirty="0" err="1"/>
+              <a:t>p.RetryForever</a:t>
+            </a:r>
+            <a:r>
+              <a:rPr lang="en-US" dirty="0"/>
+              <a:t>());</a:t>
+            </a:r>
+          </a:p>
+        </p:txBody>
+      </p:sp>
+      <p:sp>
+        <p:nvSpPr>
+          <p:cNvPr id="5" name="Footer Placeholder 4">
+            <a:extLst>
+              <a:ext uri="{FF2B5EF4-FFF2-40B4-BE49-F238E27FC236}">
+                <a16:creationId xmlns:a16="http://schemas.microsoft.com/office/drawing/2014/main" id="{AF3A7A8C-31DE-4605-B112-4F06205DB593}"/>
+              </a:ext>
+            </a:extLst>
+          </p:cNvPr>
+          <p:cNvSpPr>
+            <a:spLocks noGrp="1"/>
+          </p:cNvSpPr>
+          <p:nvPr>
             <p:ph type="ftr" sz="quarter" idx="11"/>
           </p:nvPr>
         </p:nvSpPr>
@@ -9158,7 +9269,7 @@
     </p:spTree>
     <p:extLst>
       <p:ext uri="{BB962C8B-B14F-4D97-AF65-F5344CB8AC3E}">
-        <p14:creationId xmlns:p14="http://schemas.microsoft.com/office/powerpoint/2010/main" val="3500738099"/>
+        <p14:creationId xmlns:p14="http://schemas.microsoft.com/office/powerpoint/2010/main" val="2910506498"/>
       </p:ext>
     </p:extLst>
   </p:cSld>
@@ -9187,10 +9298,10 @@
       </p:grpSpPr>
       <p:sp>
         <p:nvSpPr>
-          <p:cNvPr id="2" name="Title 1">
+          <p:cNvPr id="4" name="Title 3">
             <a:extLst>
               <a:ext uri="{FF2B5EF4-FFF2-40B4-BE49-F238E27FC236}">
-                <a16:creationId xmlns:a16="http://schemas.microsoft.com/office/drawing/2014/main" id="{68B314A4-04E5-473A-A1F3-62C022DFF408}"/>
+                <a16:creationId xmlns:a16="http://schemas.microsoft.com/office/drawing/2014/main" id="{2AD8A98D-4D7A-4403-8164-B59807121932}"/>
               </a:ext>
             </a:extLst>
           </p:cNvPr>
@@ -9208,17 +9319,17 @@
           <a:p>
             <a:r>
               <a:rPr lang="en-US" dirty="0"/>
-              <a:t>Final Thoughts / Opinions</a:t>
-            </a:r>
-          </a:p>
-        </p:txBody>
-      </p:sp>
-      <p:sp>
-        <p:nvSpPr>
-          <p:cNvPr id="3" name="Content Placeholder 2">
+              <a:t>Demo</a:t>
+            </a:r>
+          </a:p>
+        </p:txBody>
+      </p:sp>
+      <p:sp>
+        <p:nvSpPr>
+          <p:cNvPr id="5" name="Text Placeholder 4">
             <a:extLst>
               <a:ext uri="{FF2B5EF4-FFF2-40B4-BE49-F238E27FC236}">
-                <a16:creationId xmlns:a16="http://schemas.microsoft.com/office/drawing/2014/main" id="{C707A1E7-E772-4789-BB9D-0B9B1BE3B9B8}"/>
+                <a16:creationId xmlns:a16="http://schemas.microsoft.com/office/drawing/2014/main" id="{E6846035-660C-4984-B8F7-DC437A25DA93}"/>
               </a:ext>
             </a:extLst>
           </p:cNvPr>
@@ -9226,7 +9337,7 @@
             <a:spLocks noGrp="1"/>
           </p:cNvSpPr>
           <p:nvPr>
-            <p:ph idx="1"/>
+            <p:ph type="body" idx="1"/>
           </p:nvPr>
         </p:nvSpPr>
         <p:spPr/>
@@ -9236,49 +9347,17 @@
           <a:p>
             <a:r>
               <a:rPr lang="en-US" dirty="0"/>
-              <a:t>Use Polly</a:t>
-            </a:r>
-          </a:p>
-          <a:p>
-            <a:r>
-              <a:rPr lang="en-US" dirty="0"/>
-              <a:t>Empathize with your Caller</a:t>
-            </a:r>
-          </a:p>
-          <a:p>
-            <a:pPr lvl="1"/>
-            <a:r>
-              <a:rPr lang="en-US" dirty="0"/>
-              <a:t>Sometimes an error returned quickly is better than a delayed Success</a:t>
-            </a:r>
-          </a:p>
-          <a:p>
-            <a:r>
-              <a:rPr lang="en-US" dirty="0"/>
-              <a:t>Use Fallback whenever you can</a:t>
-            </a:r>
-          </a:p>
-          <a:p>
-            <a:pPr lvl="1"/>
-            <a:r>
-              <a:rPr lang="en-US" dirty="0"/>
-              <a:t>Generally better to return something useful than wait forever</a:t>
-            </a:r>
-          </a:p>
-          <a:p>
-            <a:r>
-              <a:rPr lang="en-US" dirty="0"/>
-              <a:t>Use Polly</a:t>
-            </a:r>
-          </a:p>
-        </p:txBody>
-      </p:sp>
-      <p:sp>
-        <p:nvSpPr>
-          <p:cNvPr id="4" name="Footer Placeholder 3">
+              <a:t>OK BADREQUEST </a:t>
+            </a:r>
+          </a:p>
+        </p:txBody>
+      </p:sp>
+      <p:sp>
+        <p:nvSpPr>
+          <p:cNvPr id="2" name="Footer Placeholder 1">
             <a:extLst>
               <a:ext uri="{FF2B5EF4-FFF2-40B4-BE49-F238E27FC236}">
-                <a16:creationId xmlns:a16="http://schemas.microsoft.com/office/drawing/2014/main" id="{0CD93E80-1FC9-46DC-9EEB-EED4D150BFF8}"/>
+                <a16:creationId xmlns:a16="http://schemas.microsoft.com/office/drawing/2014/main" id="{700CB875-DA91-467E-91AC-D14507F661A3}"/>
               </a:ext>
             </a:extLst>
           </p:cNvPr>
@@ -9304,7 +9383,7 @@
     </p:spTree>
     <p:extLst>
       <p:ext uri="{BB962C8B-B14F-4D97-AF65-F5344CB8AC3E}">
-        <p14:creationId xmlns:p14="http://schemas.microsoft.com/office/powerpoint/2010/main" val="3710706432"/>
+        <p14:creationId xmlns:p14="http://schemas.microsoft.com/office/powerpoint/2010/main" val="3500738099"/>
       </p:ext>
     </p:extLst>
   </p:cSld>
@@ -9497,6 +9576,152 @@
           <p:cNvPr id="2" name="Title 1">
             <a:extLst>
               <a:ext uri="{FF2B5EF4-FFF2-40B4-BE49-F238E27FC236}">
+                <a16:creationId xmlns:a16="http://schemas.microsoft.com/office/drawing/2014/main" id="{68B314A4-04E5-473A-A1F3-62C022DFF408}"/>
+              </a:ext>
+            </a:extLst>
+          </p:cNvPr>
+          <p:cNvSpPr>
+            <a:spLocks noGrp="1"/>
+          </p:cNvSpPr>
+          <p:nvPr>
+            <p:ph type="title"/>
+          </p:nvPr>
+        </p:nvSpPr>
+        <p:spPr/>
+        <p:txBody>
+          <a:bodyPr/>
+          <a:lstStyle/>
+          <a:p>
+            <a:r>
+              <a:rPr lang="en-US" dirty="0"/>
+              <a:t>Final Thoughts / Opinions</a:t>
+            </a:r>
+          </a:p>
+        </p:txBody>
+      </p:sp>
+      <p:sp>
+        <p:nvSpPr>
+          <p:cNvPr id="3" name="Content Placeholder 2">
+            <a:extLst>
+              <a:ext uri="{FF2B5EF4-FFF2-40B4-BE49-F238E27FC236}">
+                <a16:creationId xmlns:a16="http://schemas.microsoft.com/office/drawing/2014/main" id="{C707A1E7-E772-4789-BB9D-0B9B1BE3B9B8}"/>
+              </a:ext>
+            </a:extLst>
+          </p:cNvPr>
+          <p:cNvSpPr>
+            <a:spLocks noGrp="1"/>
+          </p:cNvSpPr>
+          <p:nvPr>
+            <p:ph idx="1"/>
+          </p:nvPr>
+        </p:nvSpPr>
+        <p:spPr/>
+        <p:txBody>
+          <a:bodyPr/>
+          <a:lstStyle/>
+          <a:p>
+            <a:r>
+              <a:rPr lang="en-US" dirty="0"/>
+              <a:t>Use Polly</a:t>
+            </a:r>
+          </a:p>
+          <a:p>
+            <a:r>
+              <a:rPr lang="en-US" dirty="0"/>
+              <a:t>Empathize with your Caller</a:t>
+            </a:r>
+          </a:p>
+          <a:p>
+            <a:pPr lvl="1"/>
+            <a:r>
+              <a:rPr lang="en-US" dirty="0"/>
+              <a:t>Sometimes an error returned quickly is better than a delayed Success</a:t>
+            </a:r>
+          </a:p>
+          <a:p>
+            <a:r>
+              <a:rPr lang="en-US" dirty="0"/>
+              <a:t>Use Fallback whenever you can</a:t>
+            </a:r>
+          </a:p>
+          <a:p>
+            <a:pPr lvl="1"/>
+            <a:r>
+              <a:rPr lang="en-US" dirty="0"/>
+              <a:t>Generally better to return something useful than wait forever</a:t>
+            </a:r>
+          </a:p>
+          <a:p>
+            <a:r>
+              <a:rPr lang="en-US" dirty="0"/>
+              <a:t>Use Polly</a:t>
+            </a:r>
+          </a:p>
+        </p:txBody>
+      </p:sp>
+      <p:sp>
+        <p:nvSpPr>
+          <p:cNvPr id="4" name="Footer Placeholder 3">
+            <a:extLst>
+              <a:ext uri="{FF2B5EF4-FFF2-40B4-BE49-F238E27FC236}">
+                <a16:creationId xmlns:a16="http://schemas.microsoft.com/office/drawing/2014/main" id="{0CD93E80-1FC9-46DC-9EEB-EED4D150BFF8}"/>
+              </a:ext>
+            </a:extLst>
+          </p:cNvPr>
+          <p:cNvSpPr>
+            <a:spLocks noGrp="1"/>
+          </p:cNvSpPr>
+          <p:nvPr>
+            <p:ph type="ftr" sz="quarter" idx="11"/>
+          </p:nvPr>
+        </p:nvSpPr>
+        <p:spPr/>
+        <p:txBody>
+          <a:bodyPr/>
+          <a:lstStyle/>
+          <a:p>
+            <a:r>
+              <a:rPr lang="en-US"/>
+              <a:t>https://github.com/joegardnr/ResilientFaultTolerance</a:t>
+            </a:r>
+          </a:p>
+        </p:txBody>
+      </p:sp>
+    </p:spTree>
+    <p:extLst>
+      <p:ext uri="{BB962C8B-B14F-4D97-AF65-F5344CB8AC3E}">
+        <p14:creationId xmlns:p14="http://schemas.microsoft.com/office/powerpoint/2010/main" val="3710706432"/>
+      </p:ext>
+    </p:extLst>
+  </p:cSld>
+  <p:clrMapOvr>
+    <a:masterClrMapping/>
+  </p:clrMapOvr>
+</p:sld>
+</file>
+
+<file path=ppt/slides/slide21.xml><?xml version="1.0" encoding="utf-8"?>
+<p:sld xmlns:a="http://schemas.openxmlformats.org/drawingml/2006/main" xmlns:r="http://schemas.openxmlformats.org/officeDocument/2006/relationships" xmlns:p="http://schemas.openxmlformats.org/presentationml/2006/main">
+  <p:cSld>
+    <p:spTree>
+      <p:nvGrpSpPr>
+        <p:cNvPr id="1" name=""/>
+        <p:cNvGrpSpPr/>
+        <p:nvPr/>
+      </p:nvGrpSpPr>
+      <p:grpSpPr>
+        <a:xfrm>
+          <a:off x="0" y="0"/>
+          <a:ext cx="0" cy="0"/>
+          <a:chOff x="0" y="0"/>
+          <a:chExt cx="0" cy="0"/>
+        </a:xfrm>
+      </p:grpSpPr>
+      <p:sp>
+        <p:nvSpPr>
+          <p:cNvPr id="2" name="Title 1">
+            <a:extLst>
+              <a:ext uri="{FF2B5EF4-FFF2-40B4-BE49-F238E27FC236}">
                 <a16:creationId xmlns:a16="http://schemas.microsoft.com/office/drawing/2014/main" id="{543597F5-3270-4FB6-B5DF-FA60A3BB544A}"/>
               </a:ext>
             </a:extLst>
@@ -9692,7 +9917,7 @@
           <p:cNvPr id="2" name="Title 1">
             <a:extLst>
               <a:ext uri="{FF2B5EF4-FFF2-40B4-BE49-F238E27FC236}">
-                <a16:creationId xmlns:a16="http://schemas.microsoft.com/office/drawing/2014/main" id="{BE4C0226-6825-4C5D-B471-8D9832002198}"/>
+                <a16:creationId xmlns:a16="http://schemas.microsoft.com/office/drawing/2014/main" id="{0F5B268A-E967-A5D4-D98C-956A34951042}"/>
               </a:ext>
             </a:extLst>
           </p:cNvPr>
@@ -9710,7 +9935,7 @@
           <a:p>
             <a:r>
               <a:rPr lang="en-US" dirty="0"/>
-              <a:t>A FAULT has Occurred!</a:t>
+              <a:t>Types of Resiliency</a:t>
             </a:r>
           </a:p>
         </p:txBody>
@@ -9720,7 +9945,7 @@
           <p:cNvPr id="3" name="Content Placeholder 2">
             <a:extLst>
               <a:ext uri="{FF2B5EF4-FFF2-40B4-BE49-F238E27FC236}">
-                <a16:creationId xmlns:a16="http://schemas.microsoft.com/office/drawing/2014/main" id="{1BA60BD2-AE54-47B0-9DBA-4FEFB5E45647}"/>
+                <a16:creationId xmlns:a16="http://schemas.microsoft.com/office/drawing/2014/main" id="{E75719A1-FF77-73B4-38EC-7F22061992A2}"/>
               </a:ext>
             </a:extLst>
           </p:cNvPr>
@@ -9728,250 +9953,81 @@
             <a:spLocks noGrp="1"/>
           </p:cNvSpPr>
           <p:nvPr>
-            <p:ph sz="half" idx="1"/>
-          </p:nvPr>
-        </p:nvSpPr>
-        <p:spPr>
-          <a:xfrm>
-            <a:off x="1097280" y="1845733"/>
-            <a:ext cx="5951590" cy="4466289"/>
-          </a:xfrm>
-        </p:spPr>
-        <p:txBody>
-          <a:bodyPr>
-            <a:normAutofit/>
-          </a:bodyPr>
-          <a:lstStyle/>
-          <a:p>
-            <a:pPr marL="0" indent="0">
-              <a:spcBef>
-                <a:spcPts val="600"/>
-              </a:spcBef>
-              <a:spcAft>
-                <a:spcPts val="0"/>
-              </a:spcAft>
-              <a:buNone/>
-            </a:pPr>
-            <a:r>
-              <a:rPr lang="en-US" dirty="0">
-                <a:solidFill>
-                  <a:srgbClr val="0000FF"/>
-                </a:solidFill>
-                <a:latin typeface="Consolas" panose="020B0609020204030204" pitchFamily="49" charset="0"/>
-              </a:rPr>
-              <a:t>void</a:t>
-            </a:r>
-            <a:r>
-              <a:rPr lang="en-US" dirty="0">
-                <a:solidFill>
-                  <a:srgbClr val="000000"/>
-                </a:solidFill>
-                <a:latin typeface="Consolas" panose="020B0609020204030204" pitchFamily="49" charset="0"/>
-              </a:rPr>
-              <a:t> </a:t>
-            </a:r>
-            <a:r>
-              <a:rPr lang="en-US" dirty="0" err="1">
-                <a:solidFill>
-                  <a:srgbClr val="795E26"/>
-                </a:solidFill>
-                <a:latin typeface="Consolas" panose="020B0609020204030204" pitchFamily="49" charset="0"/>
-              </a:rPr>
-              <a:t>SaveData</a:t>
-            </a:r>
-            <a:r>
-              <a:rPr lang="en-US" dirty="0">
-                <a:solidFill>
-                  <a:srgbClr val="000000"/>
-                </a:solidFill>
-                <a:latin typeface="Consolas" panose="020B0609020204030204" pitchFamily="49" charset="0"/>
-              </a:rPr>
-              <a:t>(</a:t>
-            </a:r>
-            <a:r>
-              <a:rPr lang="en-US" dirty="0" err="1">
-                <a:solidFill>
-                  <a:srgbClr val="267F99"/>
-                </a:solidFill>
-                <a:latin typeface="Consolas" panose="020B0609020204030204" pitchFamily="49" charset="0"/>
-              </a:rPr>
-              <a:t>MyData</a:t>
-            </a:r>
-            <a:r>
-              <a:rPr lang="en-US" dirty="0">
-                <a:solidFill>
-                  <a:srgbClr val="000000"/>
-                </a:solidFill>
-                <a:latin typeface="Consolas" panose="020B0609020204030204" pitchFamily="49" charset="0"/>
-              </a:rPr>
-              <a:t> </a:t>
-            </a:r>
-            <a:r>
-              <a:rPr lang="en-US" dirty="0">
-                <a:solidFill>
-                  <a:srgbClr val="001080"/>
-                </a:solidFill>
-                <a:latin typeface="Consolas" panose="020B0609020204030204" pitchFamily="49" charset="0"/>
-              </a:rPr>
-              <a:t>data</a:t>
-            </a:r>
-            <a:r>
-              <a:rPr lang="en-US" dirty="0">
-                <a:solidFill>
-                  <a:srgbClr val="000000"/>
-                </a:solidFill>
-                <a:latin typeface="Consolas" panose="020B0609020204030204" pitchFamily="49" charset="0"/>
-              </a:rPr>
-              <a:t>)</a:t>
-            </a:r>
-          </a:p>
-          <a:p>
-            <a:pPr marL="0" indent="0">
-              <a:spcBef>
-                <a:spcPts val="600"/>
-              </a:spcBef>
-              <a:spcAft>
-                <a:spcPts val="0"/>
-              </a:spcAft>
-              <a:buNone/>
-            </a:pPr>
-            <a:r>
-              <a:rPr lang="en-US" dirty="0">
-                <a:solidFill>
-                  <a:srgbClr val="000000"/>
-                </a:solidFill>
-                <a:latin typeface="Consolas" panose="020B0609020204030204" pitchFamily="49" charset="0"/>
-              </a:rPr>
-              <a:t>{</a:t>
-            </a:r>
-          </a:p>
-          <a:p>
-            <a:pPr>
-              <a:spcBef>
-                <a:spcPts val="600"/>
-              </a:spcBef>
-              <a:spcAft>
-                <a:spcPts val="0"/>
-              </a:spcAft>
-            </a:pPr>
-            <a:r>
-              <a:rPr lang="en-US" dirty="0">
-                <a:solidFill>
-                  <a:srgbClr val="008000"/>
-                </a:solidFill>
-                <a:latin typeface="Consolas" panose="020B0609020204030204" pitchFamily="49" charset="0"/>
-              </a:rPr>
-              <a:t>// What happens if the insert fails?</a:t>
-            </a:r>
-            <a:endParaRPr lang="en-US" dirty="0">
-              <a:solidFill>
-                <a:srgbClr val="000000"/>
-              </a:solidFill>
-              <a:latin typeface="Consolas" panose="020B0609020204030204" pitchFamily="49" charset="0"/>
-            </a:endParaRPr>
-          </a:p>
-          <a:p>
-            <a:pPr>
-              <a:spcBef>
-                <a:spcPts val="600"/>
-              </a:spcBef>
-              <a:spcAft>
-                <a:spcPts val="0"/>
-              </a:spcAft>
-            </a:pPr>
-            <a:r>
-              <a:rPr lang="en-US" dirty="0">
-                <a:solidFill>
-                  <a:srgbClr val="001080"/>
-                </a:solidFill>
-                <a:latin typeface="Consolas" panose="020B0609020204030204" pitchFamily="49" charset="0"/>
-              </a:rPr>
-              <a:t>_</a:t>
-            </a:r>
-            <a:r>
-              <a:rPr lang="en-US" dirty="0" err="1">
-                <a:solidFill>
-                  <a:srgbClr val="001080"/>
-                </a:solidFill>
-                <a:latin typeface="Consolas" panose="020B0609020204030204" pitchFamily="49" charset="0"/>
-              </a:rPr>
-              <a:t>database</a:t>
-            </a:r>
-            <a:r>
-              <a:rPr lang="en-US" dirty="0" err="1">
-                <a:solidFill>
-                  <a:srgbClr val="000000"/>
-                </a:solidFill>
-                <a:latin typeface="Consolas" panose="020B0609020204030204" pitchFamily="49" charset="0"/>
-              </a:rPr>
-              <a:t>.</a:t>
-            </a:r>
-            <a:r>
-              <a:rPr lang="en-US" dirty="0" err="1">
-                <a:solidFill>
-                  <a:srgbClr val="795E26"/>
-                </a:solidFill>
-                <a:latin typeface="Consolas" panose="020B0609020204030204" pitchFamily="49" charset="0"/>
-              </a:rPr>
-              <a:t>Insert</a:t>
-            </a:r>
-            <a:r>
-              <a:rPr lang="en-US" dirty="0">
-                <a:solidFill>
-                  <a:srgbClr val="000000"/>
-                </a:solidFill>
-                <a:latin typeface="Consolas" panose="020B0609020204030204" pitchFamily="49" charset="0"/>
-              </a:rPr>
-              <a:t>(</a:t>
-            </a:r>
-            <a:r>
-              <a:rPr lang="en-US" dirty="0">
-                <a:solidFill>
-                  <a:srgbClr val="001080"/>
-                </a:solidFill>
-                <a:latin typeface="Consolas" panose="020B0609020204030204" pitchFamily="49" charset="0"/>
-              </a:rPr>
-              <a:t>data</a:t>
-            </a:r>
-            <a:r>
-              <a:rPr lang="en-US" dirty="0">
-                <a:solidFill>
-                  <a:srgbClr val="000000"/>
-                </a:solidFill>
-                <a:latin typeface="Consolas" panose="020B0609020204030204" pitchFamily="49" charset="0"/>
-              </a:rPr>
-              <a:t>);</a:t>
-            </a:r>
-          </a:p>
-          <a:p>
-            <a:pPr marL="0" indent="0">
-              <a:spcBef>
-                <a:spcPts val="600"/>
-              </a:spcBef>
-              <a:spcAft>
-                <a:spcPts val="0"/>
-              </a:spcAft>
-              <a:buNone/>
-            </a:pPr>
-            <a:r>
-              <a:rPr lang="en-US" dirty="0">
-                <a:solidFill>
-                  <a:srgbClr val="000000"/>
-                </a:solidFill>
-                <a:latin typeface="Consolas" panose="020B0609020204030204" pitchFamily="49" charset="0"/>
-              </a:rPr>
-              <a:t>}</a:t>
-            </a:r>
-            <a:endParaRPr lang="en-US" dirty="0"/>
-          </a:p>
-        </p:txBody>
-      </p:sp>
-      <p:sp>
-        <p:nvSpPr>
-          <p:cNvPr id="4" name="Content Placeholder 3">
+            <p:ph idx="1"/>
+          </p:nvPr>
+        </p:nvSpPr>
+        <p:spPr/>
+        <p:txBody>
+          <a:bodyPr/>
+          <a:lstStyle/>
+          <a:p>
+            <a:r>
+              <a:rPr lang="en-US" dirty="0"/>
+              <a:t>Disaster Recovery</a:t>
+            </a:r>
+          </a:p>
+          <a:p>
+            <a:pPr lvl="1"/>
+            <a:r>
+              <a:rPr lang="en-US" dirty="0"/>
+              <a:t>Strategies: Backups / Geo Redundancy / Infrastructure as Code</a:t>
+            </a:r>
+          </a:p>
+          <a:p>
+            <a:pPr lvl="1"/>
+            <a:r>
+              <a:rPr lang="en-US" dirty="0"/>
+              <a:t>Protects Against: Fires / Floods / Ransomware</a:t>
+            </a:r>
+          </a:p>
+          <a:p>
+            <a:r>
+              <a:rPr lang="en-US" dirty="0"/>
+              <a:t>High Availability</a:t>
+            </a:r>
+          </a:p>
+          <a:p>
+            <a:pPr lvl="1"/>
+            <a:r>
+              <a:rPr lang="en-US" dirty="0"/>
+              <a:t>Strategies: Clustering / Load balancing / Scaling / RAID Arrays</a:t>
+            </a:r>
+          </a:p>
+          <a:p>
+            <a:pPr lvl="1"/>
+            <a:r>
+              <a:rPr lang="en-US" dirty="0"/>
+              <a:t>Protects Against: Hardware failures / Network cuts / DoS Attacks</a:t>
+            </a:r>
+          </a:p>
+          <a:p>
+            <a:r>
+              <a:rPr lang="en-US" dirty="0"/>
+              <a:t>Transient Failures</a:t>
+            </a:r>
+          </a:p>
+          <a:p>
+            <a:pPr lvl="1"/>
+            <a:r>
+              <a:rPr lang="en-US" dirty="0"/>
+              <a:t>Strategies: ??? (this talk)</a:t>
+            </a:r>
+          </a:p>
+          <a:p>
+            <a:pPr lvl="1"/>
+            <a:r>
+              <a:rPr lang="en-US" dirty="0"/>
+              <a:t>Protects Against: Timeouts / Deadlocks / Network blips</a:t>
+            </a:r>
+          </a:p>
+        </p:txBody>
+      </p:sp>
+      <p:sp>
+        <p:nvSpPr>
+          <p:cNvPr id="4" name="Footer Placeholder 3">
             <a:extLst>
               <a:ext uri="{FF2B5EF4-FFF2-40B4-BE49-F238E27FC236}">
-                <a16:creationId xmlns:a16="http://schemas.microsoft.com/office/drawing/2014/main" id="{57BD11E6-2C20-40D6-AC89-31EF4180C81E}"/>
+                <a16:creationId xmlns:a16="http://schemas.microsoft.com/office/drawing/2014/main" id="{137EB0CA-1750-AA2C-75E9-E578913964D0}"/>
               </a:ext>
             </a:extLst>
           </p:cNvPr>
@@ -9979,51 +10035,6 @@
             <a:spLocks noGrp="1"/>
           </p:cNvSpPr>
           <p:nvPr>
-            <p:ph sz="half" idx="2"/>
-          </p:nvPr>
-        </p:nvSpPr>
-        <p:spPr>
-          <a:xfrm>
-            <a:off x="7048870" y="1845735"/>
-            <a:ext cx="4866736" cy="4023360"/>
-          </a:xfrm>
-        </p:spPr>
-        <p:txBody>
-          <a:bodyPr/>
-          <a:lstStyle/>
-          <a:p>
-            <a:r>
-              <a:rPr lang="en-US" dirty="0"/>
-              <a:t>No Resiliency.</a:t>
-            </a:r>
-          </a:p>
-          <a:p>
-            <a:r>
-              <a:rPr lang="en-US" dirty="0"/>
-              <a:t>Original Caller is responsible for recovery.</a:t>
-            </a:r>
-          </a:p>
-          <a:p>
-            <a:r>
-              <a:rPr lang="en-US" dirty="0"/>
-              <a:t>No Traceability</a:t>
-            </a:r>
-          </a:p>
-        </p:txBody>
-      </p:sp>
-      <p:sp>
-        <p:nvSpPr>
-          <p:cNvPr id="5" name="Footer Placeholder 4">
-            <a:extLst>
-              <a:ext uri="{FF2B5EF4-FFF2-40B4-BE49-F238E27FC236}">
-                <a16:creationId xmlns:a16="http://schemas.microsoft.com/office/drawing/2014/main" id="{F6469903-58B5-45B7-AE9F-BD8D241A482B}"/>
-              </a:ext>
-            </a:extLst>
-          </p:cNvPr>
-          <p:cNvSpPr>
-            <a:spLocks noGrp="1"/>
-          </p:cNvSpPr>
-          <p:nvPr>
             <p:ph type="ftr" sz="quarter" idx="11"/>
           </p:nvPr>
         </p:nvSpPr>
@@ -10036,13 +10047,14 @@
               <a:rPr lang="en-US"/>
               <a:t>https://github.com/joegardnr/ResilientFaultTolerance</a:t>
             </a:r>
+            <a:endParaRPr lang="en-US" dirty="0"/>
           </a:p>
         </p:txBody>
       </p:sp>
     </p:spTree>
     <p:extLst>
       <p:ext uri="{BB962C8B-B14F-4D97-AF65-F5344CB8AC3E}">
-        <p14:creationId xmlns:p14="http://schemas.microsoft.com/office/powerpoint/2010/main" val="3607659295"/>
+        <p14:creationId xmlns:p14="http://schemas.microsoft.com/office/powerpoint/2010/main" val="4288366687"/>
       </p:ext>
     </p:extLst>
   </p:cSld>
@@ -10204,122 +10216,46 @@
                 </a:solidFill>
                 <a:latin typeface="Consolas" panose="020B0609020204030204" pitchFamily="49" charset="0"/>
               </a:rPr>
-              <a:t>) {</a:t>
+              <a:t>)</a:t>
             </a:r>
           </a:p>
           <a:p>
             <a:pPr marL="0" indent="0">
+              <a:spcBef>
+                <a:spcPts val="600"/>
+              </a:spcBef>
+              <a:spcAft>
+                <a:spcPts val="0"/>
+              </a:spcAft>
               <a:buNone/>
             </a:pPr>
             <a:r>
               <a:rPr lang="en-US" dirty="0">
                 <a:solidFill>
-                  <a:srgbClr val="0000FF"/>
-                </a:solidFill>
-                <a:latin typeface="Consolas" panose="020B0609020204030204" pitchFamily="49" charset="0"/>
-              </a:rPr>
-              <a:t>  try</a:t>
-            </a:r>
-            <a:r>
-              <a:rPr lang="en-US" dirty="0">
-                <a:solidFill>
-                  <a:srgbClr val="000000"/>
-                </a:solidFill>
-                <a:latin typeface="Consolas" panose="020B0609020204030204" pitchFamily="49" charset="0"/>
-              </a:rPr>
-              <a:t> {</a:t>
-            </a:r>
-          </a:p>
-          <a:p>
-            <a:pPr marL="0" indent="0">
-              <a:buNone/>
+                  <a:srgbClr val="000000"/>
+                </a:solidFill>
+                <a:latin typeface="Consolas" panose="020B0609020204030204" pitchFamily="49" charset="0"/>
+              </a:rPr>
+              <a:t>{</a:t>
+            </a:r>
+          </a:p>
+          <a:p>
+            <a:pPr>
+              <a:spcBef>
+                <a:spcPts val="600"/>
+              </a:spcBef>
+              <a:spcAft>
+                <a:spcPts val="0"/>
+              </a:spcAft>
             </a:pPr>
             <a:r>
               <a:rPr lang="en-US" dirty="0">
                 <a:solidFill>
-                  <a:srgbClr val="000000"/>
-                </a:solidFill>
-                <a:latin typeface="Consolas" panose="020B0609020204030204" pitchFamily="49" charset="0"/>
-              </a:rPr>
-              <a:t>    _</a:t>
-            </a:r>
-            <a:r>
-              <a:rPr lang="en-US" dirty="0" err="1">
-                <a:solidFill>
-                  <a:srgbClr val="000000"/>
-                </a:solidFill>
-                <a:latin typeface="Consolas" panose="020B0609020204030204" pitchFamily="49" charset="0"/>
-              </a:rPr>
-              <a:t>database.Insert</a:t>
-            </a:r>
-            <a:r>
-              <a:rPr lang="en-US" dirty="0">
-                <a:solidFill>
-                  <a:srgbClr val="000000"/>
-                </a:solidFill>
-                <a:latin typeface="Consolas" panose="020B0609020204030204" pitchFamily="49" charset="0"/>
-              </a:rPr>
-              <a:t>(data);</a:t>
-            </a:r>
-          </a:p>
-          <a:p>
-            <a:pPr marL="0" indent="0">
-              <a:buNone/>
-            </a:pPr>
-            <a:r>
-              <a:rPr lang="en-US" dirty="0">
-                <a:solidFill>
-                  <a:srgbClr val="000000"/>
-                </a:solidFill>
-                <a:latin typeface="Consolas" panose="020B0609020204030204" pitchFamily="49" charset="0"/>
-              </a:rPr>
-              <a:t>  }</a:t>
-            </a:r>
-          </a:p>
-          <a:p>
-            <a:pPr marL="0" indent="0">
-              <a:buNone/>
-            </a:pPr>
-            <a:r>
-              <a:rPr lang="en-US" dirty="0">
-                <a:solidFill>
-                  <a:srgbClr val="000000"/>
-                </a:solidFill>
-                <a:latin typeface="Consolas" panose="020B0609020204030204" pitchFamily="49" charset="0"/>
-              </a:rPr>
-              <a:t>  </a:t>
-            </a:r>
-            <a:r>
-              <a:rPr lang="en-US" dirty="0">
-                <a:solidFill>
-                  <a:srgbClr val="0000FF"/>
-                </a:solidFill>
-                <a:latin typeface="Consolas" panose="020B0609020204030204" pitchFamily="49" charset="0"/>
-              </a:rPr>
-              <a:t>catch</a:t>
-            </a:r>
-            <a:r>
-              <a:rPr lang="en-US" dirty="0">
-                <a:solidFill>
-                  <a:srgbClr val="000000"/>
-                </a:solidFill>
-                <a:latin typeface="Consolas" panose="020B0609020204030204" pitchFamily="49" charset="0"/>
-              </a:rPr>
-              <a:t>(Exception ex) {</a:t>
-            </a:r>
-          </a:p>
-          <a:p>
-            <a:pPr marL="0" indent="0">
-              <a:buNone/>
-            </a:pPr>
-            <a:r>
-              <a:rPr lang="en-US" dirty="0">
-                <a:solidFill>
                   <a:srgbClr val="008000"/>
                 </a:solidFill>
                 <a:latin typeface="Consolas" panose="020B0609020204030204" pitchFamily="49" charset="0"/>
               </a:rPr>
-              <a:t>    // Is this “resilient”?</a:t>
+              <a:t>// What happens if the insert fails?</a:t>
             </a:r>
             <a:endParaRPr lang="en-US" dirty="0">
               <a:solidFill>
@@ -10329,71 +10265,86 @@
             </a:endParaRPr>
           </a:p>
           <a:p>
+            <a:pPr>
+              <a:spcBef>
+                <a:spcPts val="600"/>
+              </a:spcBef>
+              <a:spcAft>
+                <a:spcPts val="0"/>
+              </a:spcAft>
+            </a:pPr>
+            <a:r>
+              <a:rPr lang="en-US" dirty="0">
+                <a:solidFill>
+                  <a:srgbClr val="001080"/>
+                </a:solidFill>
+                <a:latin typeface="Consolas" panose="020B0609020204030204" pitchFamily="49" charset="0"/>
+              </a:rPr>
+              <a:t>_</a:t>
+            </a:r>
+            <a:r>
+              <a:rPr lang="en-US" dirty="0" err="1">
+                <a:solidFill>
+                  <a:srgbClr val="001080"/>
+                </a:solidFill>
+                <a:latin typeface="Consolas" panose="020B0609020204030204" pitchFamily="49" charset="0"/>
+              </a:rPr>
+              <a:t>database</a:t>
+            </a:r>
+            <a:r>
+              <a:rPr lang="en-US" dirty="0" err="1">
+                <a:solidFill>
+                  <a:srgbClr val="000000"/>
+                </a:solidFill>
+                <a:latin typeface="Consolas" panose="020B0609020204030204" pitchFamily="49" charset="0"/>
+              </a:rPr>
+              <a:t>.</a:t>
+            </a:r>
+            <a:r>
+              <a:rPr lang="en-US" dirty="0" err="1">
+                <a:solidFill>
+                  <a:srgbClr val="795E26"/>
+                </a:solidFill>
+                <a:latin typeface="Consolas" panose="020B0609020204030204" pitchFamily="49" charset="0"/>
+              </a:rPr>
+              <a:t>Insert</a:t>
+            </a:r>
+            <a:r>
+              <a:rPr lang="en-US" dirty="0">
+                <a:solidFill>
+                  <a:srgbClr val="000000"/>
+                </a:solidFill>
+                <a:latin typeface="Consolas" panose="020B0609020204030204" pitchFamily="49" charset="0"/>
+              </a:rPr>
+              <a:t>(</a:t>
+            </a:r>
+            <a:r>
+              <a:rPr lang="en-US" dirty="0">
+                <a:solidFill>
+                  <a:srgbClr val="001080"/>
+                </a:solidFill>
+                <a:latin typeface="Consolas" panose="020B0609020204030204" pitchFamily="49" charset="0"/>
+              </a:rPr>
+              <a:t>data</a:t>
+            </a:r>
+            <a:r>
+              <a:rPr lang="en-US" dirty="0">
+                <a:solidFill>
+                  <a:srgbClr val="000000"/>
+                </a:solidFill>
+                <a:latin typeface="Consolas" panose="020B0609020204030204" pitchFamily="49" charset="0"/>
+              </a:rPr>
+              <a:t>);</a:t>
+            </a:r>
+          </a:p>
+          <a:p>
             <a:pPr marL="0" indent="0">
-              <a:buNone/>
-            </a:pPr>
-            <a:r>
-              <a:rPr lang="en-US" dirty="0">
-                <a:solidFill>
-                  <a:srgbClr val="000000"/>
-                </a:solidFill>
-                <a:latin typeface="Consolas" panose="020B0609020204030204" pitchFamily="49" charset="0"/>
-              </a:rPr>
-              <a:t>    _</a:t>
-            </a:r>
-            <a:r>
-              <a:rPr lang="en-US" dirty="0" err="1">
-                <a:solidFill>
-                  <a:srgbClr val="000000"/>
-                </a:solidFill>
-                <a:latin typeface="Consolas" panose="020B0609020204030204" pitchFamily="49" charset="0"/>
-              </a:rPr>
-              <a:t>logger.Error</a:t>
-            </a:r>
-            <a:r>
-              <a:rPr lang="en-US" dirty="0">
-                <a:solidFill>
-                  <a:srgbClr val="000000"/>
-                </a:solidFill>
-                <a:latin typeface="Consolas" panose="020B0609020204030204" pitchFamily="49" charset="0"/>
-              </a:rPr>
-              <a:t>(</a:t>
-            </a:r>
-            <a:r>
-              <a:rPr lang="en-US" dirty="0">
-                <a:solidFill>
-                  <a:srgbClr val="A31515"/>
-                </a:solidFill>
-                <a:latin typeface="Consolas" panose="020B0609020204030204" pitchFamily="49" charset="0"/>
-              </a:rPr>
-              <a:t>"Oh no!"</a:t>
-            </a:r>
-            <a:r>
-              <a:rPr lang="en-US" dirty="0">
-                <a:solidFill>
-                  <a:srgbClr val="000000"/>
-                </a:solidFill>
-                <a:latin typeface="Consolas" panose="020B0609020204030204" pitchFamily="49" charset="0"/>
-              </a:rPr>
-              <a:t>, ex);</a:t>
-            </a:r>
-          </a:p>
-          <a:p>
-            <a:pPr marL="0" indent="0">
-              <a:buNone/>
-            </a:pPr>
-            <a:r>
-              <a:rPr lang="en-US" dirty="0">
-                <a:solidFill>
-                  <a:srgbClr val="000000"/>
-                </a:solidFill>
-                <a:latin typeface="Consolas" panose="020B0609020204030204" pitchFamily="49" charset="0"/>
-              </a:rPr>
-              <a:t>  }</a:t>
-            </a:r>
-          </a:p>
-          <a:p>
-            <a:pPr marL="0" indent="0">
+              <a:spcBef>
+                <a:spcPts val="600"/>
+              </a:spcBef>
+              <a:spcAft>
+                <a:spcPts val="0"/>
+              </a:spcAft>
               <a:buNone/>
             </a:pPr>
             <a:r>
@@ -10432,9 +10383,7 @@
           </a:xfrm>
         </p:spPr>
         <p:txBody>
-          <a:bodyPr>
-            <a:normAutofit/>
-          </a:bodyPr>
+          <a:bodyPr/>
           <a:lstStyle/>
           <a:p>
             <a:r>
@@ -10461,7 +10410,7 @@
           <p:cNvPr id="5" name="Footer Placeholder 4">
             <a:extLst>
               <a:ext uri="{FF2B5EF4-FFF2-40B4-BE49-F238E27FC236}">
-                <a16:creationId xmlns:a16="http://schemas.microsoft.com/office/drawing/2014/main" id="{327AD8D4-FC45-4B07-8D5E-4D8A76DA6835}"/>
+                <a16:creationId xmlns:a16="http://schemas.microsoft.com/office/drawing/2014/main" id="{F6469903-58B5-45B7-AE9F-BD8D241A482B}"/>
               </a:ext>
             </a:extLst>
           </p:cNvPr>
@@ -10487,7 +10436,7 @@
     </p:spTree>
     <p:extLst>
       <p:ext uri="{BB962C8B-B14F-4D97-AF65-F5344CB8AC3E}">
-        <p14:creationId xmlns:p14="http://schemas.microsoft.com/office/powerpoint/2010/main" val="3455491321"/>
+        <p14:creationId xmlns:p14="http://schemas.microsoft.com/office/powerpoint/2010/main" val="3607659295"/>
       </p:ext>
     </p:extLst>
   </p:cSld>
@@ -10537,7 +10486,7 @@
           <a:p>
             <a:r>
               <a:rPr lang="en-US" dirty="0"/>
-              <a:t>Home Grown Resilience ?!</a:t>
+              <a:t>A FAULT has Occurred!</a:t>
             </a:r>
           </a:p>
         </p:txBody>
@@ -10566,17 +10515,18 @@
         </p:spPr>
         <p:txBody>
           <a:bodyPr>
-            <a:normAutofit fontScale="55000" lnSpcReduction="20000"/>
+            <a:normAutofit/>
           </a:bodyPr>
           <a:lstStyle/>
           <a:p>
-            <a:pPr>
+            <a:pPr marL="0" indent="0">
               <a:spcBef>
-                <a:spcPts val="400"/>
+                <a:spcPts val="600"/>
               </a:spcBef>
               <a:spcAft>
-                <a:spcPts val="400"/>
+                <a:spcPts val="0"/>
               </a:spcAft>
+              <a:buNone/>
             </a:pPr>
             <a:r>
               <a:rPr lang="en-US" dirty="0">
@@ -10603,7 +10553,7 @@
                 </a:solidFill>
                 <a:latin typeface="Consolas" panose="020B0609020204030204" pitchFamily="49" charset="0"/>
               </a:rPr>
-              <a:t>SaveDataRetryXTimesWithWaitAndCircuit</a:t>
+              <a:t>SaveData</a:t>
             </a:r>
             <a:r>
               <a:rPr lang="en-US" dirty="0">
@@ -10652,13 +10602,8 @@
             </a:r>
           </a:p>
           <a:p>
-            <a:pPr>
-              <a:spcBef>
-                <a:spcPts val="400"/>
-              </a:spcBef>
-              <a:spcAft>
-                <a:spcPts val="400"/>
-              </a:spcAft>
+            <a:pPr marL="0" indent="0">
+              <a:buNone/>
             </a:pPr>
             <a:r>
               <a:rPr lang="en-US" dirty="0">
@@ -10667,468 +10612,108 @@
                 </a:solidFill>
                 <a:latin typeface="Consolas" panose="020B0609020204030204" pitchFamily="49" charset="0"/>
               </a:rPr>
-              <a:t>  int</a:t>
-            </a:r>
-            <a:r>
-              <a:rPr lang="en-US" dirty="0">
-                <a:solidFill>
-                  <a:srgbClr val="000000"/>
-                </a:solidFill>
-                <a:latin typeface="Consolas" panose="020B0609020204030204" pitchFamily="49" charset="0"/>
-              </a:rPr>
-              <a:t> </a:t>
+              <a:t>  try</a:t>
+            </a:r>
+            <a:r>
+              <a:rPr lang="en-US" dirty="0">
+                <a:solidFill>
+                  <a:srgbClr val="000000"/>
+                </a:solidFill>
+                <a:latin typeface="Consolas" panose="020B0609020204030204" pitchFamily="49" charset="0"/>
+              </a:rPr>
+              <a:t> {</a:t>
+            </a:r>
+          </a:p>
+          <a:p>
+            <a:pPr marL="0" indent="0">
+              <a:buNone/>
+            </a:pPr>
+            <a:r>
+              <a:rPr lang="en-US" dirty="0">
+                <a:solidFill>
+                  <a:srgbClr val="000000"/>
+                </a:solidFill>
+                <a:latin typeface="Consolas" panose="020B0609020204030204" pitchFamily="49" charset="0"/>
+              </a:rPr>
+              <a:t>    _</a:t>
             </a:r>
             <a:r>
               <a:rPr lang="en-US" dirty="0" err="1">
                 <a:solidFill>
-                  <a:srgbClr val="001080"/>
-                </a:solidFill>
-                <a:latin typeface="Consolas" panose="020B0609020204030204" pitchFamily="49" charset="0"/>
-              </a:rPr>
-              <a:t>retryCount</a:t>
-            </a:r>
-            <a:r>
-              <a:rPr lang="en-US" dirty="0">
-                <a:solidFill>
-                  <a:srgbClr val="000000"/>
-                </a:solidFill>
-                <a:latin typeface="Consolas" panose="020B0609020204030204" pitchFamily="49" charset="0"/>
-              </a:rPr>
-              <a:t> = </a:t>
-            </a:r>
-            <a:r>
-              <a:rPr lang="en-US" dirty="0">
-                <a:solidFill>
-                  <a:srgbClr val="09885A"/>
-                </a:solidFill>
-                <a:latin typeface="Consolas" panose="020B0609020204030204" pitchFamily="49" charset="0"/>
-              </a:rPr>
-              <a:t>0</a:t>
-            </a:r>
-            <a:r>
-              <a:rPr lang="en-US" dirty="0">
-                <a:solidFill>
-                  <a:srgbClr val="000000"/>
-                </a:solidFill>
-                <a:latin typeface="Consolas" panose="020B0609020204030204" pitchFamily="49" charset="0"/>
-              </a:rPr>
-              <a:t>;</a:t>
-            </a:r>
-          </a:p>
-          <a:p>
-            <a:pPr>
-              <a:spcBef>
-                <a:spcPts val="400"/>
-              </a:spcBef>
-              <a:spcAft>
-                <a:spcPts val="400"/>
-              </a:spcAft>
+                  <a:srgbClr val="000000"/>
+                </a:solidFill>
+                <a:latin typeface="Consolas" panose="020B0609020204030204" pitchFamily="49" charset="0"/>
+              </a:rPr>
+              <a:t>database.Insert</a:t>
+            </a:r>
+            <a:r>
+              <a:rPr lang="en-US" dirty="0">
+                <a:solidFill>
+                  <a:srgbClr val="000000"/>
+                </a:solidFill>
+                <a:latin typeface="Consolas" panose="020B0609020204030204" pitchFamily="49" charset="0"/>
+              </a:rPr>
+              <a:t>(data);</a:t>
+            </a:r>
+          </a:p>
+          <a:p>
+            <a:pPr marL="0" indent="0">
+              <a:buNone/>
             </a:pPr>
             <a:r>
               <a:rPr lang="en-US" dirty="0">
                 <a:solidFill>
+                  <a:srgbClr val="000000"/>
+                </a:solidFill>
+                <a:latin typeface="Consolas" panose="020B0609020204030204" pitchFamily="49" charset="0"/>
+              </a:rPr>
+              <a:t>  }</a:t>
+            </a:r>
+          </a:p>
+          <a:p>
+            <a:pPr marL="0" indent="0">
+              <a:buNone/>
+            </a:pPr>
+            <a:r>
+              <a:rPr lang="en-US" dirty="0">
+                <a:solidFill>
+                  <a:srgbClr val="000000"/>
+                </a:solidFill>
+                <a:latin typeface="Consolas" panose="020B0609020204030204" pitchFamily="49" charset="0"/>
+              </a:rPr>
+              <a:t>  </a:t>
+            </a:r>
+            <a:r>
+              <a:rPr lang="en-US" dirty="0">
+                <a:solidFill>
                   <a:srgbClr val="0000FF"/>
                 </a:solidFill>
                 <a:latin typeface="Consolas" panose="020B0609020204030204" pitchFamily="49" charset="0"/>
               </a:rPr>
-              <a:t>  bool</a:t>
-            </a:r>
-            <a:r>
-              <a:rPr lang="en-US" dirty="0">
-                <a:solidFill>
-                  <a:srgbClr val="000000"/>
-                </a:solidFill>
-                <a:latin typeface="Consolas" panose="020B0609020204030204" pitchFamily="49" charset="0"/>
-              </a:rPr>
-              <a:t> </a:t>
-            </a:r>
-            <a:r>
-              <a:rPr lang="en-US" dirty="0">
-                <a:solidFill>
-                  <a:srgbClr val="001080"/>
-                </a:solidFill>
-                <a:latin typeface="Consolas" panose="020B0609020204030204" pitchFamily="49" charset="0"/>
-              </a:rPr>
-              <a:t>success</a:t>
-            </a:r>
-            <a:r>
-              <a:rPr lang="en-US" dirty="0">
-                <a:solidFill>
-                  <a:srgbClr val="000000"/>
-                </a:solidFill>
-                <a:latin typeface="Consolas" panose="020B0609020204030204" pitchFamily="49" charset="0"/>
-              </a:rPr>
-              <a:t> = </a:t>
-            </a:r>
-            <a:r>
-              <a:rPr lang="en-US" dirty="0">
-                <a:solidFill>
-                  <a:srgbClr val="0000FF"/>
-                </a:solidFill>
-                <a:latin typeface="Consolas" panose="020B0609020204030204" pitchFamily="49" charset="0"/>
-              </a:rPr>
-              <a:t>false</a:t>
-            </a:r>
-            <a:r>
-              <a:rPr lang="en-US" dirty="0">
-                <a:solidFill>
-                  <a:srgbClr val="000000"/>
-                </a:solidFill>
-                <a:latin typeface="Consolas" panose="020B0609020204030204" pitchFamily="49" charset="0"/>
-              </a:rPr>
-              <a:t>;</a:t>
-            </a:r>
-          </a:p>
-          <a:p>
-            <a:pPr>
-              <a:spcBef>
-                <a:spcPts val="400"/>
-              </a:spcBef>
-              <a:spcAft>
-                <a:spcPts val="400"/>
-              </a:spcAft>
+              <a:t>catch</a:t>
+            </a:r>
+            <a:r>
+              <a:rPr lang="en-US" dirty="0">
+                <a:solidFill>
+                  <a:srgbClr val="000000"/>
+                </a:solidFill>
+                <a:latin typeface="Consolas" panose="020B0609020204030204" pitchFamily="49" charset="0"/>
+              </a:rPr>
+              <a:t>(Exception ex) {</a:t>
+            </a:r>
+          </a:p>
+          <a:p>
+            <a:pPr marL="0" indent="0">
+              <a:buNone/>
             </a:pPr>
             <a:r>
               <a:rPr lang="en-US" dirty="0">
                 <a:solidFill>
-                  <a:srgbClr val="AF00DB"/>
-                </a:solidFill>
-                <a:latin typeface="Consolas" panose="020B0609020204030204" pitchFamily="49" charset="0"/>
-              </a:rPr>
-              <a:t>  while</a:t>
-            </a:r>
-            <a:r>
-              <a:rPr lang="en-US" dirty="0">
-                <a:solidFill>
-                  <a:srgbClr val="000000"/>
-                </a:solidFill>
-                <a:latin typeface="Consolas" panose="020B0609020204030204" pitchFamily="49" charset="0"/>
-              </a:rPr>
-              <a:t>(!</a:t>
-            </a:r>
-            <a:r>
-              <a:rPr lang="en-US" dirty="0">
-                <a:solidFill>
-                  <a:srgbClr val="001080"/>
-                </a:solidFill>
-                <a:latin typeface="Consolas" panose="020B0609020204030204" pitchFamily="49" charset="0"/>
-              </a:rPr>
-              <a:t>success</a:t>
-            </a:r>
-            <a:r>
-              <a:rPr lang="en-US" dirty="0">
-                <a:solidFill>
-                  <a:srgbClr val="000000"/>
-                </a:solidFill>
-                <a:latin typeface="Consolas" panose="020B0609020204030204" pitchFamily="49" charset="0"/>
-              </a:rPr>
-              <a:t> || </a:t>
-            </a:r>
-            <a:r>
-              <a:rPr lang="en-US" dirty="0" err="1">
-                <a:solidFill>
-                  <a:srgbClr val="001080"/>
-                </a:solidFill>
-                <a:latin typeface="Consolas" panose="020B0609020204030204" pitchFamily="49" charset="0"/>
-              </a:rPr>
-              <a:t>retryCount</a:t>
-            </a:r>
-            <a:r>
-              <a:rPr lang="en-US" dirty="0">
-                <a:solidFill>
-                  <a:srgbClr val="000000"/>
-                </a:solidFill>
-                <a:latin typeface="Consolas" panose="020B0609020204030204" pitchFamily="49" charset="0"/>
-              </a:rPr>
-              <a:t> &lt; </a:t>
-            </a:r>
-            <a:r>
-              <a:rPr lang="en-US" dirty="0">
-                <a:solidFill>
-                  <a:srgbClr val="09885A"/>
-                </a:solidFill>
-                <a:latin typeface="Consolas" panose="020B0609020204030204" pitchFamily="49" charset="0"/>
-              </a:rPr>
-              <a:t>3</a:t>
-            </a:r>
-            <a:r>
-              <a:rPr lang="en-US" dirty="0">
-                <a:solidFill>
-                  <a:srgbClr val="000000"/>
-                </a:solidFill>
-                <a:latin typeface="Consolas" panose="020B0609020204030204" pitchFamily="49" charset="0"/>
-              </a:rPr>
-              <a:t> ) {</a:t>
-            </a:r>
-          </a:p>
-          <a:p>
-            <a:pPr>
-              <a:spcBef>
-                <a:spcPts val="400"/>
-              </a:spcBef>
-              <a:spcAft>
-                <a:spcPts val="400"/>
-              </a:spcAft>
-            </a:pPr>
-            <a:r>
-              <a:rPr lang="en-US" dirty="0">
-                <a:solidFill>
-                  <a:srgbClr val="AF00DB"/>
-                </a:solidFill>
-                <a:latin typeface="Consolas" panose="020B0609020204030204" pitchFamily="49" charset="0"/>
-              </a:rPr>
-              <a:t>    try</a:t>
-            </a:r>
-            <a:r>
-              <a:rPr lang="en-US" dirty="0">
-                <a:solidFill>
-                  <a:srgbClr val="000000"/>
-                </a:solidFill>
-                <a:latin typeface="Consolas" panose="020B0609020204030204" pitchFamily="49" charset="0"/>
-              </a:rPr>
-              <a:t> {</a:t>
-            </a:r>
-          </a:p>
-          <a:p>
-            <a:pPr>
-              <a:spcBef>
-                <a:spcPts val="400"/>
-              </a:spcBef>
-              <a:spcAft>
-                <a:spcPts val="400"/>
-              </a:spcAft>
-            </a:pPr>
-            <a:r>
-              <a:rPr lang="en-US" dirty="0">
-                <a:solidFill>
-                  <a:srgbClr val="AF00DB"/>
-                </a:solidFill>
-                <a:latin typeface="Consolas" panose="020B0609020204030204" pitchFamily="49" charset="0"/>
-              </a:rPr>
-              <a:t>      if</a:t>
-            </a:r>
-            <a:r>
-              <a:rPr lang="en-US" dirty="0">
-                <a:solidFill>
-                  <a:srgbClr val="000000"/>
-                </a:solidFill>
-                <a:latin typeface="Consolas" panose="020B0609020204030204" pitchFamily="49" charset="0"/>
-              </a:rPr>
-              <a:t>(</a:t>
-            </a:r>
-            <a:r>
-              <a:rPr lang="en-US" dirty="0" err="1">
-                <a:solidFill>
-                  <a:srgbClr val="001080"/>
-                </a:solidFill>
-                <a:latin typeface="Consolas" panose="020B0609020204030204" pitchFamily="49" charset="0"/>
-              </a:rPr>
-              <a:t>Circuit</a:t>
-            </a:r>
-            <a:r>
-              <a:rPr lang="en-US" dirty="0" err="1">
-                <a:solidFill>
-                  <a:srgbClr val="000000"/>
-                </a:solidFill>
-                <a:latin typeface="Consolas" panose="020B0609020204030204" pitchFamily="49" charset="0"/>
-              </a:rPr>
-              <a:t>.</a:t>
-            </a:r>
-            <a:r>
-              <a:rPr lang="en-US" dirty="0" err="1">
-                <a:solidFill>
-                  <a:srgbClr val="001080"/>
-                </a:solidFill>
-                <a:latin typeface="Consolas" panose="020B0609020204030204" pitchFamily="49" charset="0"/>
-              </a:rPr>
-              <a:t>IsClosed</a:t>
-            </a:r>
-            <a:r>
-              <a:rPr lang="en-US" dirty="0">
-                <a:solidFill>
-                  <a:srgbClr val="000000"/>
-                </a:solidFill>
-                <a:latin typeface="Consolas" panose="020B0609020204030204" pitchFamily="49" charset="0"/>
-              </a:rPr>
-              <a:t>) {</a:t>
-            </a:r>
-          </a:p>
-          <a:p>
-            <a:pPr>
-              <a:spcBef>
-                <a:spcPts val="400"/>
-              </a:spcBef>
-              <a:spcAft>
-                <a:spcPts val="400"/>
-              </a:spcAft>
-            </a:pPr>
-            <a:r>
-              <a:rPr lang="en-US" dirty="0">
-                <a:solidFill>
-                  <a:srgbClr val="001080"/>
-                </a:solidFill>
-                <a:highlight>
-                  <a:srgbClr val="FFFF00"/>
-                </a:highlight>
-                <a:latin typeface="Consolas" panose="020B0609020204030204" pitchFamily="49" charset="0"/>
-              </a:rPr>
-              <a:t>        _</a:t>
-            </a:r>
-            <a:r>
-              <a:rPr lang="en-US" dirty="0" err="1">
-                <a:solidFill>
-                  <a:srgbClr val="001080"/>
-                </a:solidFill>
-                <a:highlight>
-                  <a:srgbClr val="FFFF00"/>
-                </a:highlight>
-                <a:latin typeface="Consolas" panose="020B0609020204030204" pitchFamily="49" charset="0"/>
-              </a:rPr>
-              <a:t>database</a:t>
-            </a:r>
-            <a:r>
-              <a:rPr lang="en-US" dirty="0" err="1">
-                <a:solidFill>
-                  <a:srgbClr val="000000"/>
-                </a:solidFill>
-                <a:highlight>
-                  <a:srgbClr val="FFFF00"/>
-                </a:highlight>
-                <a:latin typeface="Consolas" panose="020B0609020204030204" pitchFamily="49" charset="0"/>
-              </a:rPr>
-              <a:t>.</a:t>
-            </a:r>
-            <a:r>
-              <a:rPr lang="en-US" dirty="0" err="1">
-                <a:solidFill>
-                  <a:srgbClr val="795E26"/>
-                </a:solidFill>
-                <a:highlight>
-                  <a:srgbClr val="FFFF00"/>
-                </a:highlight>
-                <a:latin typeface="Consolas" panose="020B0609020204030204" pitchFamily="49" charset="0"/>
-              </a:rPr>
-              <a:t>Insert</a:t>
-            </a:r>
-            <a:r>
-              <a:rPr lang="en-US" dirty="0">
-                <a:solidFill>
-                  <a:srgbClr val="000000"/>
-                </a:solidFill>
-                <a:highlight>
-                  <a:srgbClr val="FFFF00"/>
-                </a:highlight>
-                <a:latin typeface="Consolas" panose="020B0609020204030204" pitchFamily="49" charset="0"/>
-              </a:rPr>
-              <a:t>(</a:t>
-            </a:r>
-            <a:r>
-              <a:rPr lang="en-US" dirty="0">
-                <a:solidFill>
-                  <a:srgbClr val="001080"/>
-                </a:solidFill>
-                <a:highlight>
-                  <a:srgbClr val="FFFF00"/>
-                </a:highlight>
-                <a:latin typeface="Consolas" panose="020B0609020204030204" pitchFamily="49" charset="0"/>
-              </a:rPr>
-              <a:t>data</a:t>
-            </a:r>
-            <a:r>
-              <a:rPr lang="en-US" dirty="0">
-                <a:solidFill>
-                  <a:srgbClr val="000000"/>
-                </a:solidFill>
-                <a:highlight>
-                  <a:srgbClr val="FFFF00"/>
-                </a:highlight>
-                <a:latin typeface="Consolas" panose="020B0609020204030204" pitchFamily="49" charset="0"/>
-              </a:rPr>
-              <a:t>);</a:t>
-            </a:r>
-          </a:p>
-          <a:p>
-            <a:pPr>
-              <a:spcBef>
-                <a:spcPts val="400"/>
-              </a:spcBef>
-              <a:spcAft>
-                <a:spcPts val="400"/>
-              </a:spcAft>
-            </a:pPr>
-            <a:r>
-              <a:rPr lang="en-US" dirty="0">
-                <a:solidFill>
-                  <a:srgbClr val="001080"/>
-                </a:solidFill>
-                <a:latin typeface="Consolas" panose="020B0609020204030204" pitchFamily="49" charset="0"/>
-              </a:rPr>
-              <a:t>        success</a:t>
-            </a:r>
-            <a:r>
-              <a:rPr lang="en-US" dirty="0">
-                <a:solidFill>
-                  <a:srgbClr val="000000"/>
-                </a:solidFill>
-                <a:latin typeface="Consolas" panose="020B0609020204030204" pitchFamily="49" charset="0"/>
-              </a:rPr>
-              <a:t>=</a:t>
-            </a:r>
-            <a:r>
-              <a:rPr lang="en-US" dirty="0">
-                <a:solidFill>
-                  <a:srgbClr val="0000FF"/>
-                </a:solidFill>
-                <a:latin typeface="Consolas" panose="020B0609020204030204" pitchFamily="49" charset="0"/>
-              </a:rPr>
-              <a:t>true</a:t>
-            </a:r>
-            <a:r>
-              <a:rPr lang="en-US" dirty="0">
-                <a:solidFill>
-                  <a:srgbClr val="000000"/>
-                </a:solidFill>
-                <a:latin typeface="Consolas" panose="020B0609020204030204" pitchFamily="49" charset="0"/>
-              </a:rPr>
-              <a:t>;</a:t>
-            </a:r>
-          </a:p>
-          <a:p>
-            <a:pPr>
-              <a:spcBef>
-                <a:spcPts val="400"/>
-              </a:spcBef>
-              <a:spcAft>
-                <a:spcPts val="400"/>
-              </a:spcAft>
-            </a:pPr>
-            <a:r>
-              <a:rPr lang="en-US" dirty="0">
-                <a:solidFill>
-                  <a:srgbClr val="000000"/>
-                </a:solidFill>
-                <a:latin typeface="Consolas" panose="020B0609020204030204" pitchFamily="49" charset="0"/>
-              </a:rPr>
-              <a:t>      }</a:t>
-            </a:r>
-          </a:p>
-          <a:p>
-            <a:pPr>
-              <a:spcBef>
-                <a:spcPts val="400"/>
-              </a:spcBef>
-              <a:spcAft>
-                <a:spcPts val="400"/>
-              </a:spcAft>
-            </a:pPr>
-            <a:r>
-              <a:rPr lang="en-US" dirty="0">
-                <a:solidFill>
-                  <a:srgbClr val="AF00DB"/>
-                </a:solidFill>
-                <a:latin typeface="Consolas" panose="020B0609020204030204" pitchFamily="49" charset="0"/>
-              </a:rPr>
-              <a:t>      else</a:t>
+                  <a:srgbClr val="008000"/>
+                </a:solidFill>
+                <a:latin typeface="Consolas" panose="020B0609020204030204" pitchFamily="49" charset="0"/>
+              </a:rPr>
+              <a:t>    // Is this “resilient”?</a:t>
             </a:r>
             <a:endParaRPr lang="en-US" dirty="0">
               <a:solidFill>
@@ -11138,77 +10723,58 @@
             </a:endParaRPr>
           </a:p>
           <a:p>
-            <a:pPr>
-              <a:spcBef>
-                <a:spcPts val="400"/>
-              </a:spcBef>
-              <a:spcAft>
-                <a:spcPts val="400"/>
-              </a:spcAft>
+            <a:pPr marL="0" indent="0">
+              <a:buNone/>
             </a:pPr>
             <a:r>
               <a:rPr lang="en-US" dirty="0">
                 <a:solidFill>
-                  <a:srgbClr val="AF00DB"/>
-                </a:solidFill>
-                <a:latin typeface="Consolas" panose="020B0609020204030204" pitchFamily="49" charset="0"/>
-              </a:rPr>
-              <a:t>        throw</a:t>
-            </a:r>
-            <a:r>
-              <a:rPr lang="en-US" dirty="0">
-                <a:solidFill>
-                  <a:srgbClr val="000000"/>
-                </a:solidFill>
-                <a:latin typeface="Consolas" panose="020B0609020204030204" pitchFamily="49" charset="0"/>
-              </a:rPr>
-              <a:t> </a:t>
-            </a:r>
-            <a:r>
-              <a:rPr lang="en-US" dirty="0">
-                <a:solidFill>
-                  <a:srgbClr val="0000FF"/>
-                </a:solidFill>
-                <a:latin typeface="Consolas" panose="020B0609020204030204" pitchFamily="49" charset="0"/>
-              </a:rPr>
-              <a:t>new</a:t>
-            </a:r>
-            <a:r>
-              <a:rPr lang="en-US" dirty="0">
-                <a:solidFill>
-                  <a:srgbClr val="000000"/>
-                </a:solidFill>
-                <a:latin typeface="Consolas" panose="020B0609020204030204" pitchFamily="49" charset="0"/>
-              </a:rPr>
-              <a:t> </a:t>
+                  <a:srgbClr val="000000"/>
+                </a:solidFill>
+                <a:latin typeface="Consolas" panose="020B0609020204030204" pitchFamily="49" charset="0"/>
+              </a:rPr>
+              <a:t>    _</a:t>
             </a:r>
             <a:r>
               <a:rPr lang="en-US" dirty="0" err="1">
                 <a:solidFill>
-                  <a:srgbClr val="267F99"/>
-                </a:solidFill>
-                <a:latin typeface="Consolas" panose="020B0609020204030204" pitchFamily="49" charset="0"/>
-              </a:rPr>
-              <a:t>CircuitOpenException</a:t>
-            </a:r>
-            <a:r>
-              <a:rPr lang="en-US" dirty="0">
-                <a:solidFill>
-                  <a:srgbClr val="000000"/>
-                </a:solidFill>
-                <a:latin typeface="Consolas" panose="020B0609020204030204" pitchFamily="49" charset="0"/>
-              </a:rPr>
-              <a:t>(); </a:t>
-            </a:r>
-          </a:p>
-          <a:p>
-            <a:pPr>
-              <a:spcBef>
-                <a:spcPts val="400"/>
-              </a:spcBef>
-              <a:spcAft>
-                <a:spcPts val="400"/>
-              </a:spcAft>
+                  <a:srgbClr val="000000"/>
+                </a:solidFill>
+                <a:latin typeface="Consolas" panose="020B0609020204030204" pitchFamily="49" charset="0"/>
+              </a:rPr>
+              <a:t>logger.Error</a:t>
+            </a:r>
+            <a:r>
+              <a:rPr lang="en-US" dirty="0">
+                <a:solidFill>
+                  <a:srgbClr val="000000"/>
+                </a:solidFill>
+                <a:latin typeface="Consolas" panose="020B0609020204030204" pitchFamily="49" charset="0"/>
+              </a:rPr>
+              <a:t>(</a:t>
+            </a:r>
+            <a:r>
+              <a:rPr lang="en-US" dirty="0">
+                <a:solidFill>
+                  <a:srgbClr val="A31515"/>
+                </a:solidFill>
+                <a:latin typeface="Consolas" panose="020B0609020204030204" pitchFamily="49" charset="0"/>
+              </a:rPr>
+              <a:t>"Oh no!"</a:t>
+            </a:r>
+            <a:r>
+              <a:rPr lang="en-US" dirty="0">
+                <a:solidFill>
+                  <a:srgbClr val="000000"/>
+                </a:solidFill>
+                <a:latin typeface="Consolas" panose="020B0609020204030204" pitchFamily="49" charset="0"/>
+              </a:rPr>
+              <a:t>, ex);</a:t>
+            </a:r>
+          </a:p>
+          <a:p>
+            <a:pPr marL="0" indent="0">
+              <a:buNone/>
             </a:pPr>
             <a:r>
               <a:rPr lang="en-US" dirty="0">
@@ -11217,400 +10783,23 @@
                 </a:solidFill>
                 <a:latin typeface="Consolas" panose="020B0609020204030204" pitchFamily="49" charset="0"/>
               </a:rPr>
-              <a:t>    }</a:t>
-            </a:r>
-          </a:p>
-          <a:p>
-            <a:pPr>
-              <a:spcBef>
-                <a:spcPts val="400"/>
-              </a:spcBef>
-              <a:spcAft>
-                <a:spcPts val="400"/>
-              </a:spcAft>
+              <a:t>  }</a:t>
+            </a:r>
+          </a:p>
+          <a:p>
+            <a:pPr marL="0" indent="0">
+              <a:buNone/>
             </a:pPr>
             <a:r>
               <a:rPr lang="en-US" dirty="0">
                 <a:solidFill>
-                  <a:srgbClr val="AF00DB"/>
-                </a:solidFill>
-                <a:latin typeface="Consolas" panose="020B0609020204030204" pitchFamily="49" charset="0"/>
-              </a:rPr>
-              <a:t>    catch</a:t>
-            </a:r>
-            <a:r>
-              <a:rPr lang="en-US" dirty="0">
-                <a:solidFill>
-                  <a:srgbClr val="000000"/>
-                </a:solidFill>
-                <a:latin typeface="Consolas" panose="020B0609020204030204" pitchFamily="49" charset="0"/>
-              </a:rPr>
-              <a:t>(</a:t>
-            </a:r>
-            <a:r>
-              <a:rPr lang="en-US" dirty="0">
-                <a:solidFill>
-                  <a:srgbClr val="267F99"/>
-                </a:solidFill>
-                <a:latin typeface="Consolas" panose="020B0609020204030204" pitchFamily="49" charset="0"/>
-              </a:rPr>
-              <a:t>Exception</a:t>
-            </a:r>
-            <a:r>
-              <a:rPr lang="en-US" dirty="0">
-                <a:solidFill>
-                  <a:srgbClr val="000000"/>
-                </a:solidFill>
-                <a:latin typeface="Consolas" panose="020B0609020204030204" pitchFamily="49" charset="0"/>
-              </a:rPr>
-              <a:t> </a:t>
-            </a:r>
-            <a:r>
-              <a:rPr lang="en-US" dirty="0">
-                <a:solidFill>
-                  <a:srgbClr val="001080"/>
-                </a:solidFill>
-                <a:latin typeface="Consolas" panose="020B0609020204030204" pitchFamily="49" charset="0"/>
-              </a:rPr>
-              <a:t>ex</a:t>
-            </a:r>
-            <a:r>
-              <a:rPr lang="en-US" dirty="0">
-                <a:solidFill>
-                  <a:srgbClr val="000000"/>
-                </a:solidFill>
-                <a:latin typeface="Consolas" panose="020B0609020204030204" pitchFamily="49" charset="0"/>
-              </a:rPr>
-              <a:t>) {</a:t>
-            </a:r>
-          </a:p>
-          <a:p>
-            <a:pPr>
-              <a:spcBef>
-                <a:spcPts val="400"/>
-              </a:spcBef>
-              <a:spcAft>
-                <a:spcPts val="400"/>
-              </a:spcAft>
-            </a:pPr>
-            <a:r>
-              <a:rPr lang="en-US" dirty="0">
-                <a:solidFill>
-                  <a:srgbClr val="001080"/>
-                </a:solidFill>
-                <a:latin typeface="Consolas" panose="020B0609020204030204" pitchFamily="49" charset="0"/>
-              </a:rPr>
-              <a:t>      _</a:t>
-            </a:r>
-            <a:r>
-              <a:rPr lang="en-US" dirty="0" err="1">
-                <a:solidFill>
-                  <a:srgbClr val="001080"/>
-                </a:solidFill>
-                <a:latin typeface="Consolas" panose="020B0609020204030204" pitchFamily="49" charset="0"/>
-              </a:rPr>
-              <a:t>logger</a:t>
-            </a:r>
-            <a:r>
-              <a:rPr lang="en-US" dirty="0" err="1">
-                <a:solidFill>
-                  <a:srgbClr val="000000"/>
-                </a:solidFill>
-                <a:latin typeface="Consolas" panose="020B0609020204030204" pitchFamily="49" charset="0"/>
-              </a:rPr>
-              <a:t>.</a:t>
-            </a:r>
-            <a:r>
-              <a:rPr lang="en-US" dirty="0" err="1">
-                <a:solidFill>
-                  <a:srgbClr val="795E26"/>
-                </a:solidFill>
-                <a:latin typeface="Consolas" panose="020B0609020204030204" pitchFamily="49" charset="0"/>
-              </a:rPr>
-              <a:t>Error</a:t>
-            </a:r>
-            <a:r>
-              <a:rPr lang="en-US" dirty="0">
-                <a:solidFill>
-                  <a:srgbClr val="000000"/>
-                </a:solidFill>
-                <a:latin typeface="Consolas" panose="020B0609020204030204" pitchFamily="49" charset="0"/>
-              </a:rPr>
-              <a:t>(</a:t>
-            </a:r>
-            <a:r>
-              <a:rPr lang="en-US" dirty="0">
-                <a:solidFill>
-                  <a:srgbClr val="A31515"/>
-                </a:solidFill>
-                <a:latin typeface="Consolas" panose="020B0609020204030204" pitchFamily="49" charset="0"/>
-              </a:rPr>
-              <a:t>"Oh no!"</a:t>
-            </a:r>
-            <a:r>
-              <a:rPr lang="en-US" dirty="0">
-                <a:solidFill>
-                  <a:srgbClr val="000000"/>
-                </a:solidFill>
-                <a:latin typeface="Consolas" panose="020B0609020204030204" pitchFamily="49" charset="0"/>
-              </a:rPr>
-              <a:t>, </a:t>
-            </a:r>
-            <a:r>
-              <a:rPr lang="en-US" dirty="0">
-                <a:solidFill>
-                  <a:srgbClr val="001080"/>
-                </a:solidFill>
-                <a:latin typeface="Consolas" panose="020B0609020204030204" pitchFamily="49" charset="0"/>
-              </a:rPr>
-              <a:t>ex</a:t>
-            </a:r>
-            <a:r>
-              <a:rPr lang="en-US" dirty="0">
-                <a:solidFill>
-                  <a:srgbClr val="000000"/>
-                </a:solidFill>
-                <a:latin typeface="Consolas" panose="020B0609020204030204" pitchFamily="49" charset="0"/>
-              </a:rPr>
-              <a:t>);</a:t>
-            </a:r>
-          </a:p>
-          <a:p>
-            <a:pPr>
-              <a:spcBef>
-                <a:spcPts val="400"/>
-              </a:spcBef>
-              <a:spcAft>
-                <a:spcPts val="400"/>
-              </a:spcAft>
-            </a:pPr>
-            <a:r>
-              <a:rPr lang="en-US" dirty="0">
-                <a:solidFill>
-                  <a:srgbClr val="001080"/>
-                </a:solidFill>
-                <a:latin typeface="Consolas" panose="020B0609020204030204" pitchFamily="49" charset="0"/>
-              </a:rPr>
-              <a:t>      </a:t>
-            </a:r>
-            <a:r>
-              <a:rPr lang="en-US" dirty="0" err="1">
-                <a:solidFill>
-                  <a:srgbClr val="001080"/>
-                </a:solidFill>
-                <a:latin typeface="Consolas" panose="020B0609020204030204" pitchFamily="49" charset="0"/>
-              </a:rPr>
-              <a:t>retryCount</a:t>
-            </a:r>
-            <a:r>
-              <a:rPr lang="en-US" dirty="0">
-                <a:solidFill>
-                  <a:srgbClr val="000000"/>
-                </a:solidFill>
-                <a:latin typeface="Consolas" panose="020B0609020204030204" pitchFamily="49" charset="0"/>
-              </a:rPr>
-              <a:t>++;</a:t>
-            </a:r>
-          </a:p>
-          <a:p>
-            <a:pPr>
-              <a:spcBef>
-                <a:spcPts val="400"/>
-              </a:spcBef>
-              <a:spcAft>
-                <a:spcPts val="400"/>
-              </a:spcAft>
-            </a:pPr>
-            <a:r>
-              <a:rPr lang="en-US" dirty="0">
-                <a:solidFill>
-                  <a:srgbClr val="001080"/>
-                </a:solidFill>
-                <a:latin typeface="Consolas" panose="020B0609020204030204" pitchFamily="49" charset="0"/>
-              </a:rPr>
-              <a:t>      </a:t>
-            </a:r>
-            <a:r>
-              <a:rPr lang="en-US" dirty="0" err="1">
-                <a:solidFill>
-                  <a:srgbClr val="001080"/>
-                </a:solidFill>
-                <a:latin typeface="Consolas" panose="020B0609020204030204" pitchFamily="49" charset="0"/>
-              </a:rPr>
-              <a:t>Curcuit</a:t>
-            </a:r>
-            <a:r>
-              <a:rPr lang="en-US" dirty="0" err="1">
-                <a:solidFill>
-                  <a:srgbClr val="000000"/>
-                </a:solidFill>
-                <a:latin typeface="Consolas" panose="020B0609020204030204" pitchFamily="49" charset="0"/>
-              </a:rPr>
-              <a:t>.</a:t>
-            </a:r>
-            <a:r>
-              <a:rPr lang="en-US" dirty="0" err="1">
-                <a:solidFill>
-                  <a:srgbClr val="001080"/>
-                </a:solidFill>
-                <a:latin typeface="Consolas" panose="020B0609020204030204" pitchFamily="49" charset="0"/>
-              </a:rPr>
-              <a:t>FailureCount</a:t>
-            </a:r>
-            <a:r>
-              <a:rPr lang="en-US" dirty="0">
-                <a:solidFill>
-                  <a:srgbClr val="000000"/>
-                </a:solidFill>
-                <a:latin typeface="Consolas" panose="020B0609020204030204" pitchFamily="49" charset="0"/>
-              </a:rPr>
-              <a:t>++;</a:t>
-            </a:r>
-          </a:p>
-          <a:p>
-            <a:pPr>
-              <a:spcBef>
-                <a:spcPts val="400"/>
-              </a:spcBef>
-              <a:spcAft>
-                <a:spcPts val="400"/>
-              </a:spcAft>
-            </a:pPr>
-            <a:r>
-              <a:rPr lang="en-US" dirty="0">
-                <a:solidFill>
-                  <a:srgbClr val="001080"/>
-                </a:solidFill>
-                <a:latin typeface="Consolas" panose="020B0609020204030204" pitchFamily="49" charset="0"/>
-              </a:rPr>
-              <a:t>      </a:t>
-            </a:r>
-            <a:r>
-              <a:rPr lang="en-US" dirty="0" err="1">
-                <a:solidFill>
-                  <a:srgbClr val="001080"/>
-                </a:solidFill>
-                <a:latin typeface="Consolas" panose="020B0609020204030204" pitchFamily="49" charset="0"/>
-              </a:rPr>
-              <a:t>thread</a:t>
-            </a:r>
-            <a:r>
-              <a:rPr lang="en-US" dirty="0" err="1">
-                <a:solidFill>
-                  <a:srgbClr val="000000"/>
-                </a:solidFill>
-                <a:latin typeface="Consolas" panose="020B0609020204030204" pitchFamily="49" charset="0"/>
-              </a:rPr>
-              <a:t>.</a:t>
-            </a:r>
-            <a:r>
-              <a:rPr lang="en-US" dirty="0" err="1">
-                <a:solidFill>
-                  <a:srgbClr val="795E26"/>
-                </a:solidFill>
-                <a:latin typeface="Consolas" panose="020B0609020204030204" pitchFamily="49" charset="0"/>
-              </a:rPr>
-              <a:t>Sleep</a:t>
-            </a:r>
-            <a:r>
-              <a:rPr lang="en-US" dirty="0">
-                <a:solidFill>
-                  <a:srgbClr val="000000"/>
-                </a:solidFill>
-                <a:latin typeface="Consolas" panose="020B0609020204030204" pitchFamily="49" charset="0"/>
-              </a:rPr>
-              <a:t>(</a:t>
-            </a:r>
-            <a:r>
-              <a:rPr lang="en-US" dirty="0">
-                <a:solidFill>
-                  <a:srgbClr val="09885A"/>
-                </a:solidFill>
-                <a:latin typeface="Consolas" panose="020B0609020204030204" pitchFamily="49" charset="0"/>
-              </a:rPr>
-              <a:t>100</a:t>
-            </a:r>
-            <a:r>
-              <a:rPr lang="en-US" dirty="0">
-                <a:solidFill>
-                  <a:srgbClr val="000000"/>
-                </a:solidFill>
-                <a:latin typeface="Consolas" panose="020B0609020204030204" pitchFamily="49" charset="0"/>
-              </a:rPr>
-              <a:t>); </a:t>
-            </a:r>
-            <a:r>
-              <a:rPr lang="en-US" dirty="0">
-                <a:solidFill>
-                  <a:srgbClr val="008000"/>
-                </a:solidFill>
-                <a:latin typeface="Consolas" panose="020B0609020204030204" pitchFamily="49" charset="0"/>
-              </a:rPr>
-              <a:t>// sleep for 100ms</a:t>
-            </a:r>
-            <a:endParaRPr lang="en-US" dirty="0">
-              <a:solidFill>
-                <a:srgbClr val="000000"/>
-              </a:solidFill>
-              <a:latin typeface="Consolas" panose="020B0609020204030204" pitchFamily="49" charset="0"/>
-            </a:endParaRPr>
-          </a:p>
-          <a:p>
-            <a:pPr>
-              <a:spcBef>
-                <a:spcPts val="400"/>
-              </a:spcBef>
-              <a:spcAft>
-                <a:spcPts val="400"/>
-              </a:spcAft>
-            </a:pPr>
-            <a:r>
-              <a:rPr lang="en-US" dirty="0">
-                <a:solidFill>
-                  <a:srgbClr val="000000"/>
-                </a:solidFill>
-                <a:latin typeface="Consolas" panose="020B0609020204030204" pitchFamily="49" charset="0"/>
-              </a:rPr>
-              <a:t>    }</a:t>
-            </a:r>
-          </a:p>
-          <a:p>
-            <a:pPr>
-              <a:spcBef>
-                <a:spcPts val="400"/>
-              </a:spcBef>
-              <a:spcAft>
-                <a:spcPts val="400"/>
-              </a:spcAft>
-            </a:pPr>
-            <a:r>
-              <a:rPr lang="en-US" dirty="0">
-                <a:solidFill>
-                  <a:srgbClr val="000000"/>
-                </a:solidFill>
-                <a:latin typeface="Consolas" panose="020B0609020204030204" pitchFamily="49" charset="0"/>
-              </a:rPr>
-              <a:t>  }</a:t>
-            </a:r>
-          </a:p>
-          <a:p>
-            <a:pPr>
-              <a:spcBef>
-                <a:spcPts val="400"/>
-              </a:spcBef>
-              <a:spcAft>
-                <a:spcPts val="400"/>
-              </a:spcAft>
-            </a:pPr>
-            <a:r>
-              <a:rPr lang="en-US" dirty="0">
-                <a:solidFill>
                   <a:srgbClr val="000000"/>
                 </a:solidFill>
                 <a:latin typeface="Consolas" panose="020B0609020204030204" pitchFamily="49" charset="0"/>
               </a:rPr>
               <a:t>}</a:t>
             </a:r>
+            <a:endParaRPr lang="en-US" dirty="0"/>
           </a:p>
         </p:txBody>
       </p:sp>
@@ -11638,31 +10827,25 @@
         </p:spPr>
         <p:txBody>
           <a:bodyPr>
-            <a:normAutofit fontScale="55000" lnSpcReduction="20000"/>
+            <a:normAutofit/>
           </a:bodyPr>
           <a:lstStyle/>
           <a:p>
             <a:r>
-              <a:rPr lang="en-US" sz="4800" dirty="0"/>
-              <a:t>Not Readable.</a:t>
-            </a:r>
-          </a:p>
-          <a:p>
-            <a:r>
-              <a:rPr lang="en-US" sz="4800" dirty="0"/>
-              <a:t>Not Reusable.</a:t>
-            </a:r>
-          </a:p>
-          <a:p>
-            <a:r>
-              <a:rPr lang="en-US" sz="4800" dirty="0"/>
-              <a:t>Hard to Test.</a:t>
-            </a:r>
-          </a:p>
-          <a:p>
-            <a:r>
-              <a:rPr lang="en-US" sz="4800" dirty="0"/>
-              <a:t>Hard to Maintain.</a:t>
+              <a:rPr lang="en-US" dirty="0"/>
+              <a:t>No Resiliency.</a:t>
+            </a:r>
+          </a:p>
+          <a:p>
+            <a:r>
+              <a:rPr lang="en-US" dirty="0"/>
+              <a:t>Original Caller is responsible for recovery.</a:t>
+            </a:r>
+          </a:p>
+          <a:p>
+            <a:r>
+              <a:rPr lang="en-US" dirty="0"/>
+              <a:t>Traceable Logging</a:t>
             </a:r>
           </a:p>
         </p:txBody>
@@ -11672,7 +10855,7 @@
           <p:cNvPr id="5" name="Footer Placeholder 4">
             <a:extLst>
               <a:ext uri="{FF2B5EF4-FFF2-40B4-BE49-F238E27FC236}">
-                <a16:creationId xmlns:a16="http://schemas.microsoft.com/office/drawing/2014/main" id="{722B036C-DED6-47FE-8EB7-0786C16BCCC0}"/>
+                <a16:creationId xmlns:a16="http://schemas.microsoft.com/office/drawing/2014/main" id="{327AD8D4-FC45-4B07-8D5E-4D8A76DA6835}"/>
               </a:ext>
             </a:extLst>
           </p:cNvPr>
@@ -11698,7 +10881,7 @@
     </p:spTree>
     <p:extLst>
       <p:ext uri="{BB962C8B-B14F-4D97-AF65-F5344CB8AC3E}">
-        <p14:creationId xmlns:p14="http://schemas.microsoft.com/office/powerpoint/2010/main" val="1979064315"/>
+        <p14:creationId xmlns:p14="http://schemas.microsoft.com/office/powerpoint/2010/main" val="3455491321"/>
       </p:ext>
     </p:extLst>
   </p:cSld>
@@ -11730,7 +10913,7 @@
           <p:cNvPr id="2" name="Title 1">
             <a:extLst>
               <a:ext uri="{FF2B5EF4-FFF2-40B4-BE49-F238E27FC236}">
-                <a16:creationId xmlns:a16="http://schemas.microsoft.com/office/drawing/2014/main" id="{1D77E6A0-E606-47DE-A253-9DDF4D697866}"/>
+                <a16:creationId xmlns:a16="http://schemas.microsoft.com/office/drawing/2014/main" id="{BE4C0226-6825-4C5D-B471-8D9832002198}"/>
               </a:ext>
             </a:extLst>
           </p:cNvPr>
@@ -11748,17 +10931,17 @@
           <a:p>
             <a:r>
               <a:rPr lang="en-US" dirty="0"/>
-              <a:t>Demo</a:t>
-            </a:r>
-          </a:p>
-        </p:txBody>
-      </p:sp>
-      <p:sp>
-        <p:nvSpPr>
-          <p:cNvPr id="3" name="Text Placeholder 2">
+              <a:t>Home Grown Resilience ?!</a:t>
+            </a:r>
+          </a:p>
+        </p:txBody>
+      </p:sp>
+      <p:sp>
+        <p:nvSpPr>
+          <p:cNvPr id="3" name="Content Placeholder 2">
             <a:extLst>
               <a:ext uri="{FF2B5EF4-FFF2-40B4-BE49-F238E27FC236}">
-                <a16:creationId xmlns:a16="http://schemas.microsoft.com/office/drawing/2014/main" id="{8B3F3557-413F-4D22-B06B-A4C778E88F9F}"/>
+                <a16:creationId xmlns:a16="http://schemas.microsoft.com/office/drawing/2014/main" id="{1BA60BD2-AE54-47B0-9DBA-4FEFB5E45647}"/>
               </a:ext>
             </a:extLst>
           </p:cNvPr>
@@ -11766,35 +10949,1071 @@
             <a:spLocks noGrp="1"/>
           </p:cNvSpPr>
           <p:nvPr>
-            <p:ph type="body" idx="1"/>
-          </p:nvPr>
-        </p:nvSpPr>
-        <p:spPr/>
-        <p:txBody>
-          <a:bodyPr/>
-          <a:lstStyle/>
-          <a:p>
-            <a:r>
-              <a:rPr lang="en-US" dirty="0"/>
-              <a:t>Along Came </a:t>
-            </a:r>
-            <a:r>
-              <a:rPr lang="en-US" dirty="0" err="1"/>
-              <a:t>polly</a:t>
-            </a:r>
-            <a:r>
-              <a:rPr lang="en-US" dirty="0"/>
-              <a:t>!</a:t>
-            </a:r>
-          </a:p>
-        </p:txBody>
-      </p:sp>
-      <p:sp>
-        <p:nvSpPr>
-          <p:cNvPr id="4" name="Footer Placeholder 3">
+            <p:ph sz="half" idx="1"/>
+          </p:nvPr>
+        </p:nvSpPr>
+        <p:spPr>
+          <a:xfrm>
+            <a:off x="1097280" y="1845733"/>
+            <a:ext cx="5951590" cy="4466289"/>
+          </a:xfrm>
+        </p:spPr>
+        <p:txBody>
+          <a:bodyPr>
+            <a:normAutofit fontScale="55000" lnSpcReduction="20000"/>
+          </a:bodyPr>
+          <a:lstStyle/>
+          <a:p>
+            <a:pPr>
+              <a:spcBef>
+                <a:spcPts val="400"/>
+              </a:spcBef>
+              <a:spcAft>
+                <a:spcPts val="400"/>
+              </a:spcAft>
+            </a:pPr>
+            <a:r>
+              <a:rPr lang="en-US" dirty="0">
+                <a:solidFill>
+                  <a:srgbClr val="0000FF"/>
+                </a:solidFill>
+                <a:latin typeface="Consolas" panose="020B0609020204030204" pitchFamily="49" charset="0"/>
+              </a:rPr>
+              <a:t>void</a:t>
+            </a:r>
+            <a:r>
+              <a:rPr lang="en-US" dirty="0">
+                <a:solidFill>
+                  <a:srgbClr val="000000"/>
+                </a:solidFill>
+                <a:latin typeface="Consolas" panose="020B0609020204030204" pitchFamily="49" charset="0"/>
+              </a:rPr>
+              <a:t> </a:t>
+            </a:r>
+            <a:r>
+              <a:rPr lang="en-US" dirty="0" err="1">
+                <a:solidFill>
+                  <a:srgbClr val="795E26"/>
+                </a:solidFill>
+                <a:latin typeface="Consolas" panose="020B0609020204030204" pitchFamily="49" charset="0"/>
+              </a:rPr>
+              <a:t>SaveDataRetryXTimesWithWaitAndCircuit</a:t>
+            </a:r>
+            <a:r>
+              <a:rPr lang="en-US" dirty="0">
+                <a:solidFill>
+                  <a:srgbClr val="000000"/>
+                </a:solidFill>
+                <a:latin typeface="Consolas" panose="020B0609020204030204" pitchFamily="49" charset="0"/>
+              </a:rPr>
+              <a:t>(</a:t>
+            </a:r>
+            <a:r>
+              <a:rPr lang="en-US" dirty="0" err="1">
+                <a:solidFill>
+                  <a:srgbClr val="267F99"/>
+                </a:solidFill>
+                <a:latin typeface="Consolas" panose="020B0609020204030204" pitchFamily="49" charset="0"/>
+              </a:rPr>
+              <a:t>MyData</a:t>
+            </a:r>
+            <a:r>
+              <a:rPr lang="en-US" dirty="0">
+                <a:solidFill>
+                  <a:srgbClr val="000000"/>
+                </a:solidFill>
+                <a:latin typeface="Consolas" panose="020B0609020204030204" pitchFamily="49" charset="0"/>
+              </a:rPr>
+              <a:t> </a:t>
+            </a:r>
+            <a:r>
+              <a:rPr lang="en-US" dirty="0">
+                <a:solidFill>
+                  <a:srgbClr val="001080"/>
+                </a:solidFill>
+                <a:latin typeface="Consolas" panose="020B0609020204030204" pitchFamily="49" charset="0"/>
+              </a:rPr>
+              <a:t>data</a:t>
+            </a:r>
+            <a:r>
+              <a:rPr lang="en-US" dirty="0">
+                <a:solidFill>
+                  <a:srgbClr val="000000"/>
+                </a:solidFill>
+                <a:latin typeface="Consolas" panose="020B0609020204030204" pitchFamily="49" charset="0"/>
+              </a:rPr>
+              <a:t>) {</a:t>
+            </a:r>
+          </a:p>
+          <a:p>
+            <a:pPr>
+              <a:spcBef>
+                <a:spcPts val="400"/>
+              </a:spcBef>
+              <a:spcAft>
+                <a:spcPts val="400"/>
+              </a:spcAft>
+            </a:pPr>
+            <a:r>
+              <a:rPr lang="en-US" dirty="0">
+                <a:solidFill>
+                  <a:srgbClr val="0000FF"/>
+                </a:solidFill>
+                <a:latin typeface="Consolas" panose="020B0609020204030204" pitchFamily="49" charset="0"/>
+              </a:rPr>
+              <a:t>  int</a:t>
+            </a:r>
+            <a:r>
+              <a:rPr lang="en-US" dirty="0">
+                <a:solidFill>
+                  <a:srgbClr val="000000"/>
+                </a:solidFill>
+                <a:latin typeface="Consolas" panose="020B0609020204030204" pitchFamily="49" charset="0"/>
+              </a:rPr>
+              <a:t> </a:t>
+            </a:r>
+            <a:r>
+              <a:rPr lang="en-US" dirty="0" err="1">
+                <a:solidFill>
+                  <a:srgbClr val="001080"/>
+                </a:solidFill>
+                <a:latin typeface="Consolas" panose="020B0609020204030204" pitchFamily="49" charset="0"/>
+              </a:rPr>
+              <a:t>retryCount</a:t>
+            </a:r>
+            <a:r>
+              <a:rPr lang="en-US" dirty="0">
+                <a:solidFill>
+                  <a:srgbClr val="000000"/>
+                </a:solidFill>
+                <a:latin typeface="Consolas" panose="020B0609020204030204" pitchFamily="49" charset="0"/>
+              </a:rPr>
+              <a:t> = </a:t>
+            </a:r>
+            <a:r>
+              <a:rPr lang="en-US" dirty="0">
+                <a:solidFill>
+                  <a:srgbClr val="09885A"/>
+                </a:solidFill>
+                <a:latin typeface="Consolas" panose="020B0609020204030204" pitchFamily="49" charset="0"/>
+              </a:rPr>
+              <a:t>0</a:t>
+            </a:r>
+            <a:r>
+              <a:rPr lang="en-US" dirty="0">
+                <a:solidFill>
+                  <a:srgbClr val="000000"/>
+                </a:solidFill>
+                <a:latin typeface="Consolas" panose="020B0609020204030204" pitchFamily="49" charset="0"/>
+              </a:rPr>
+              <a:t>;</a:t>
+            </a:r>
+          </a:p>
+          <a:p>
+            <a:pPr>
+              <a:spcBef>
+                <a:spcPts val="400"/>
+              </a:spcBef>
+              <a:spcAft>
+                <a:spcPts val="400"/>
+              </a:spcAft>
+            </a:pPr>
+            <a:r>
+              <a:rPr lang="en-US" dirty="0">
+                <a:solidFill>
+                  <a:srgbClr val="0000FF"/>
+                </a:solidFill>
+                <a:latin typeface="Consolas" panose="020B0609020204030204" pitchFamily="49" charset="0"/>
+              </a:rPr>
+              <a:t>  bool</a:t>
+            </a:r>
+            <a:r>
+              <a:rPr lang="en-US" dirty="0">
+                <a:solidFill>
+                  <a:srgbClr val="000000"/>
+                </a:solidFill>
+                <a:latin typeface="Consolas" panose="020B0609020204030204" pitchFamily="49" charset="0"/>
+              </a:rPr>
+              <a:t> </a:t>
+            </a:r>
+            <a:r>
+              <a:rPr lang="en-US" dirty="0">
+                <a:solidFill>
+                  <a:srgbClr val="001080"/>
+                </a:solidFill>
+                <a:latin typeface="Consolas" panose="020B0609020204030204" pitchFamily="49" charset="0"/>
+              </a:rPr>
+              <a:t>success</a:t>
+            </a:r>
+            <a:r>
+              <a:rPr lang="en-US" dirty="0">
+                <a:solidFill>
+                  <a:srgbClr val="000000"/>
+                </a:solidFill>
+                <a:latin typeface="Consolas" panose="020B0609020204030204" pitchFamily="49" charset="0"/>
+              </a:rPr>
+              <a:t> = </a:t>
+            </a:r>
+            <a:r>
+              <a:rPr lang="en-US" dirty="0">
+                <a:solidFill>
+                  <a:srgbClr val="0000FF"/>
+                </a:solidFill>
+                <a:latin typeface="Consolas" panose="020B0609020204030204" pitchFamily="49" charset="0"/>
+              </a:rPr>
+              <a:t>false</a:t>
+            </a:r>
+            <a:r>
+              <a:rPr lang="en-US" dirty="0">
+                <a:solidFill>
+                  <a:srgbClr val="000000"/>
+                </a:solidFill>
+                <a:latin typeface="Consolas" panose="020B0609020204030204" pitchFamily="49" charset="0"/>
+              </a:rPr>
+              <a:t>;</a:t>
+            </a:r>
+          </a:p>
+          <a:p>
+            <a:pPr>
+              <a:spcBef>
+                <a:spcPts val="400"/>
+              </a:spcBef>
+              <a:spcAft>
+                <a:spcPts val="400"/>
+              </a:spcAft>
+            </a:pPr>
+            <a:r>
+              <a:rPr lang="en-US" dirty="0">
+                <a:solidFill>
+                  <a:srgbClr val="AF00DB"/>
+                </a:solidFill>
+                <a:latin typeface="Consolas" panose="020B0609020204030204" pitchFamily="49" charset="0"/>
+              </a:rPr>
+              <a:t>  while</a:t>
+            </a:r>
+            <a:r>
+              <a:rPr lang="en-US" dirty="0">
+                <a:solidFill>
+                  <a:srgbClr val="000000"/>
+                </a:solidFill>
+                <a:latin typeface="Consolas" panose="020B0609020204030204" pitchFamily="49" charset="0"/>
+              </a:rPr>
+              <a:t>(!</a:t>
+            </a:r>
+            <a:r>
+              <a:rPr lang="en-US" dirty="0">
+                <a:solidFill>
+                  <a:srgbClr val="001080"/>
+                </a:solidFill>
+                <a:latin typeface="Consolas" panose="020B0609020204030204" pitchFamily="49" charset="0"/>
+              </a:rPr>
+              <a:t>success</a:t>
+            </a:r>
+            <a:r>
+              <a:rPr lang="en-US" dirty="0">
+                <a:solidFill>
+                  <a:srgbClr val="000000"/>
+                </a:solidFill>
+                <a:latin typeface="Consolas" panose="020B0609020204030204" pitchFamily="49" charset="0"/>
+              </a:rPr>
+              <a:t> || </a:t>
+            </a:r>
+            <a:r>
+              <a:rPr lang="en-US" dirty="0" err="1">
+                <a:solidFill>
+                  <a:srgbClr val="001080"/>
+                </a:solidFill>
+                <a:latin typeface="Consolas" panose="020B0609020204030204" pitchFamily="49" charset="0"/>
+              </a:rPr>
+              <a:t>retryCount</a:t>
+            </a:r>
+            <a:r>
+              <a:rPr lang="en-US" dirty="0">
+                <a:solidFill>
+                  <a:srgbClr val="000000"/>
+                </a:solidFill>
+                <a:latin typeface="Consolas" panose="020B0609020204030204" pitchFamily="49" charset="0"/>
+              </a:rPr>
+              <a:t> &lt; </a:t>
+            </a:r>
+            <a:r>
+              <a:rPr lang="en-US" dirty="0">
+                <a:solidFill>
+                  <a:srgbClr val="09885A"/>
+                </a:solidFill>
+                <a:latin typeface="Consolas" panose="020B0609020204030204" pitchFamily="49" charset="0"/>
+              </a:rPr>
+              <a:t>3</a:t>
+            </a:r>
+            <a:r>
+              <a:rPr lang="en-US" dirty="0">
+                <a:solidFill>
+                  <a:srgbClr val="000000"/>
+                </a:solidFill>
+                <a:latin typeface="Consolas" panose="020B0609020204030204" pitchFamily="49" charset="0"/>
+              </a:rPr>
+              <a:t> ) {</a:t>
+            </a:r>
+          </a:p>
+          <a:p>
+            <a:pPr>
+              <a:spcBef>
+                <a:spcPts val="400"/>
+              </a:spcBef>
+              <a:spcAft>
+                <a:spcPts val="400"/>
+              </a:spcAft>
+            </a:pPr>
+            <a:r>
+              <a:rPr lang="en-US" dirty="0">
+                <a:solidFill>
+                  <a:srgbClr val="AF00DB"/>
+                </a:solidFill>
+                <a:latin typeface="Consolas" panose="020B0609020204030204" pitchFamily="49" charset="0"/>
+              </a:rPr>
+              <a:t>    try</a:t>
+            </a:r>
+            <a:r>
+              <a:rPr lang="en-US" dirty="0">
+                <a:solidFill>
+                  <a:srgbClr val="000000"/>
+                </a:solidFill>
+                <a:latin typeface="Consolas" panose="020B0609020204030204" pitchFamily="49" charset="0"/>
+              </a:rPr>
+              <a:t> {</a:t>
+            </a:r>
+          </a:p>
+          <a:p>
+            <a:pPr>
+              <a:spcBef>
+                <a:spcPts val="400"/>
+              </a:spcBef>
+              <a:spcAft>
+                <a:spcPts val="400"/>
+              </a:spcAft>
+            </a:pPr>
+            <a:r>
+              <a:rPr lang="en-US" dirty="0">
+                <a:solidFill>
+                  <a:srgbClr val="AF00DB"/>
+                </a:solidFill>
+                <a:latin typeface="Consolas" panose="020B0609020204030204" pitchFamily="49" charset="0"/>
+              </a:rPr>
+              <a:t>      if</a:t>
+            </a:r>
+            <a:r>
+              <a:rPr lang="en-US" dirty="0">
+                <a:solidFill>
+                  <a:srgbClr val="000000"/>
+                </a:solidFill>
+                <a:latin typeface="Consolas" panose="020B0609020204030204" pitchFamily="49" charset="0"/>
+              </a:rPr>
+              <a:t>(</a:t>
+            </a:r>
+            <a:r>
+              <a:rPr lang="en-US" dirty="0" err="1">
+                <a:solidFill>
+                  <a:srgbClr val="001080"/>
+                </a:solidFill>
+                <a:latin typeface="Consolas" panose="020B0609020204030204" pitchFamily="49" charset="0"/>
+              </a:rPr>
+              <a:t>Circuit</a:t>
+            </a:r>
+            <a:r>
+              <a:rPr lang="en-US" dirty="0" err="1">
+                <a:solidFill>
+                  <a:srgbClr val="000000"/>
+                </a:solidFill>
+                <a:latin typeface="Consolas" panose="020B0609020204030204" pitchFamily="49" charset="0"/>
+              </a:rPr>
+              <a:t>.</a:t>
+            </a:r>
+            <a:r>
+              <a:rPr lang="en-US" dirty="0" err="1">
+                <a:solidFill>
+                  <a:srgbClr val="001080"/>
+                </a:solidFill>
+                <a:latin typeface="Consolas" panose="020B0609020204030204" pitchFamily="49" charset="0"/>
+              </a:rPr>
+              <a:t>IsClosed</a:t>
+            </a:r>
+            <a:r>
+              <a:rPr lang="en-US" dirty="0">
+                <a:solidFill>
+                  <a:srgbClr val="000000"/>
+                </a:solidFill>
+                <a:latin typeface="Consolas" panose="020B0609020204030204" pitchFamily="49" charset="0"/>
+              </a:rPr>
+              <a:t>) {</a:t>
+            </a:r>
+          </a:p>
+          <a:p>
+            <a:pPr>
+              <a:spcBef>
+                <a:spcPts val="400"/>
+              </a:spcBef>
+              <a:spcAft>
+                <a:spcPts val="400"/>
+              </a:spcAft>
+            </a:pPr>
+            <a:r>
+              <a:rPr lang="en-US" dirty="0">
+                <a:solidFill>
+                  <a:srgbClr val="001080"/>
+                </a:solidFill>
+                <a:highlight>
+                  <a:srgbClr val="FFFF00"/>
+                </a:highlight>
+                <a:latin typeface="Consolas" panose="020B0609020204030204" pitchFamily="49" charset="0"/>
+              </a:rPr>
+              <a:t>        _</a:t>
+            </a:r>
+            <a:r>
+              <a:rPr lang="en-US" dirty="0" err="1">
+                <a:solidFill>
+                  <a:srgbClr val="001080"/>
+                </a:solidFill>
+                <a:highlight>
+                  <a:srgbClr val="FFFF00"/>
+                </a:highlight>
+                <a:latin typeface="Consolas" panose="020B0609020204030204" pitchFamily="49" charset="0"/>
+              </a:rPr>
+              <a:t>database</a:t>
+            </a:r>
+            <a:r>
+              <a:rPr lang="en-US" dirty="0" err="1">
+                <a:solidFill>
+                  <a:srgbClr val="000000"/>
+                </a:solidFill>
+                <a:highlight>
+                  <a:srgbClr val="FFFF00"/>
+                </a:highlight>
+                <a:latin typeface="Consolas" panose="020B0609020204030204" pitchFamily="49" charset="0"/>
+              </a:rPr>
+              <a:t>.</a:t>
+            </a:r>
+            <a:r>
+              <a:rPr lang="en-US" dirty="0" err="1">
+                <a:solidFill>
+                  <a:srgbClr val="795E26"/>
+                </a:solidFill>
+                <a:highlight>
+                  <a:srgbClr val="FFFF00"/>
+                </a:highlight>
+                <a:latin typeface="Consolas" panose="020B0609020204030204" pitchFamily="49" charset="0"/>
+              </a:rPr>
+              <a:t>Insert</a:t>
+            </a:r>
+            <a:r>
+              <a:rPr lang="en-US" dirty="0">
+                <a:solidFill>
+                  <a:srgbClr val="000000"/>
+                </a:solidFill>
+                <a:highlight>
+                  <a:srgbClr val="FFFF00"/>
+                </a:highlight>
+                <a:latin typeface="Consolas" panose="020B0609020204030204" pitchFamily="49" charset="0"/>
+              </a:rPr>
+              <a:t>(</a:t>
+            </a:r>
+            <a:r>
+              <a:rPr lang="en-US" dirty="0">
+                <a:solidFill>
+                  <a:srgbClr val="001080"/>
+                </a:solidFill>
+                <a:highlight>
+                  <a:srgbClr val="FFFF00"/>
+                </a:highlight>
+                <a:latin typeface="Consolas" panose="020B0609020204030204" pitchFamily="49" charset="0"/>
+              </a:rPr>
+              <a:t>data</a:t>
+            </a:r>
+            <a:r>
+              <a:rPr lang="en-US" dirty="0">
+                <a:solidFill>
+                  <a:srgbClr val="000000"/>
+                </a:solidFill>
+                <a:highlight>
+                  <a:srgbClr val="FFFF00"/>
+                </a:highlight>
+                <a:latin typeface="Consolas" panose="020B0609020204030204" pitchFamily="49" charset="0"/>
+              </a:rPr>
+              <a:t>);</a:t>
+            </a:r>
+          </a:p>
+          <a:p>
+            <a:pPr>
+              <a:spcBef>
+                <a:spcPts val="400"/>
+              </a:spcBef>
+              <a:spcAft>
+                <a:spcPts val="400"/>
+              </a:spcAft>
+            </a:pPr>
+            <a:r>
+              <a:rPr lang="en-US" dirty="0">
+                <a:solidFill>
+                  <a:srgbClr val="001080"/>
+                </a:solidFill>
+                <a:latin typeface="Consolas" panose="020B0609020204030204" pitchFamily="49" charset="0"/>
+              </a:rPr>
+              <a:t>        success</a:t>
+            </a:r>
+            <a:r>
+              <a:rPr lang="en-US" dirty="0">
+                <a:solidFill>
+                  <a:srgbClr val="000000"/>
+                </a:solidFill>
+                <a:latin typeface="Consolas" panose="020B0609020204030204" pitchFamily="49" charset="0"/>
+              </a:rPr>
+              <a:t>=</a:t>
+            </a:r>
+            <a:r>
+              <a:rPr lang="en-US" dirty="0">
+                <a:solidFill>
+                  <a:srgbClr val="0000FF"/>
+                </a:solidFill>
+                <a:latin typeface="Consolas" panose="020B0609020204030204" pitchFamily="49" charset="0"/>
+              </a:rPr>
+              <a:t>true</a:t>
+            </a:r>
+            <a:r>
+              <a:rPr lang="en-US" dirty="0">
+                <a:solidFill>
+                  <a:srgbClr val="000000"/>
+                </a:solidFill>
+                <a:latin typeface="Consolas" panose="020B0609020204030204" pitchFamily="49" charset="0"/>
+              </a:rPr>
+              <a:t>;</a:t>
+            </a:r>
+          </a:p>
+          <a:p>
+            <a:pPr>
+              <a:spcBef>
+                <a:spcPts val="400"/>
+              </a:spcBef>
+              <a:spcAft>
+                <a:spcPts val="400"/>
+              </a:spcAft>
+            </a:pPr>
+            <a:r>
+              <a:rPr lang="en-US" dirty="0">
+                <a:solidFill>
+                  <a:srgbClr val="000000"/>
+                </a:solidFill>
+                <a:latin typeface="Consolas" panose="020B0609020204030204" pitchFamily="49" charset="0"/>
+              </a:rPr>
+              <a:t>      }</a:t>
+            </a:r>
+          </a:p>
+          <a:p>
+            <a:pPr>
+              <a:spcBef>
+                <a:spcPts val="400"/>
+              </a:spcBef>
+              <a:spcAft>
+                <a:spcPts val="400"/>
+              </a:spcAft>
+            </a:pPr>
+            <a:r>
+              <a:rPr lang="en-US" dirty="0">
+                <a:solidFill>
+                  <a:srgbClr val="AF00DB"/>
+                </a:solidFill>
+                <a:latin typeface="Consolas" panose="020B0609020204030204" pitchFamily="49" charset="0"/>
+              </a:rPr>
+              <a:t>      else</a:t>
+            </a:r>
+            <a:endParaRPr lang="en-US" dirty="0">
+              <a:solidFill>
+                <a:srgbClr val="000000"/>
+              </a:solidFill>
+              <a:latin typeface="Consolas" panose="020B0609020204030204" pitchFamily="49" charset="0"/>
+            </a:endParaRPr>
+          </a:p>
+          <a:p>
+            <a:pPr>
+              <a:spcBef>
+                <a:spcPts val="400"/>
+              </a:spcBef>
+              <a:spcAft>
+                <a:spcPts val="400"/>
+              </a:spcAft>
+            </a:pPr>
+            <a:r>
+              <a:rPr lang="en-US" dirty="0">
+                <a:solidFill>
+                  <a:srgbClr val="AF00DB"/>
+                </a:solidFill>
+                <a:latin typeface="Consolas" panose="020B0609020204030204" pitchFamily="49" charset="0"/>
+              </a:rPr>
+              <a:t>        throw</a:t>
+            </a:r>
+            <a:r>
+              <a:rPr lang="en-US" dirty="0">
+                <a:solidFill>
+                  <a:srgbClr val="000000"/>
+                </a:solidFill>
+                <a:latin typeface="Consolas" panose="020B0609020204030204" pitchFamily="49" charset="0"/>
+              </a:rPr>
+              <a:t> </a:t>
+            </a:r>
+            <a:r>
+              <a:rPr lang="en-US" dirty="0">
+                <a:solidFill>
+                  <a:srgbClr val="0000FF"/>
+                </a:solidFill>
+                <a:latin typeface="Consolas" panose="020B0609020204030204" pitchFamily="49" charset="0"/>
+              </a:rPr>
+              <a:t>new</a:t>
+            </a:r>
+            <a:r>
+              <a:rPr lang="en-US" dirty="0">
+                <a:solidFill>
+                  <a:srgbClr val="000000"/>
+                </a:solidFill>
+                <a:latin typeface="Consolas" panose="020B0609020204030204" pitchFamily="49" charset="0"/>
+              </a:rPr>
+              <a:t> </a:t>
+            </a:r>
+            <a:r>
+              <a:rPr lang="en-US" dirty="0" err="1">
+                <a:solidFill>
+                  <a:srgbClr val="267F99"/>
+                </a:solidFill>
+                <a:latin typeface="Consolas" panose="020B0609020204030204" pitchFamily="49" charset="0"/>
+              </a:rPr>
+              <a:t>CircuitOpenException</a:t>
+            </a:r>
+            <a:r>
+              <a:rPr lang="en-US" dirty="0">
+                <a:solidFill>
+                  <a:srgbClr val="000000"/>
+                </a:solidFill>
+                <a:latin typeface="Consolas" panose="020B0609020204030204" pitchFamily="49" charset="0"/>
+              </a:rPr>
+              <a:t>(); </a:t>
+            </a:r>
+          </a:p>
+          <a:p>
+            <a:pPr>
+              <a:spcBef>
+                <a:spcPts val="400"/>
+              </a:spcBef>
+              <a:spcAft>
+                <a:spcPts val="400"/>
+              </a:spcAft>
+            </a:pPr>
+            <a:r>
+              <a:rPr lang="en-US" dirty="0">
+                <a:solidFill>
+                  <a:srgbClr val="000000"/>
+                </a:solidFill>
+                <a:latin typeface="Consolas" panose="020B0609020204030204" pitchFamily="49" charset="0"/>
+              </a:rPr>
+              <a:t>    }</a:t>
+            </a:r>
+          </a:p>
+          <a:p>
+            <a:pPr>
+              <a:spcBef>
+                <a:spcPts val="400"/>
+              </a:spcBef>
+              <a:spcAft>
+                <a:spcPts val="400"/>
+              </a:spcAft>
+            </a:pPr>
+            <a:r>
+              <a:rPr lang="en-US" dirty="0">
+                <a:solidFill>
+                  <a:srgbClr val="AF00DB"/>
+                </a:solidFill>
+                <a:latin typeface="Consolas" panose="020B0609020204030204" pitchFamily="49" charset="0"/>
+              </a:rPr>
+              <a:t>    catch</a:t>
+            </a:r>
+            <a:r>
+              <a:rPr lang="en-US" dirty="0">
+                <a:solidFill>
+                  <a:srgbClr val="000000"/>
+                </a:solidFill>
+                <a:latin typeface="Consolas" panose="020B0609020204030204" pitchFamily="49" charset="0"/>
+              </a:rPr>
+              <a:t>(</a:t>
+            </a:r>
+            <a:r>
+              <a:rPr lang="en-US" dirty="0">
+                <a:solidFill>
+                  <a:srgbClr val="267F99"/>
+                </a:solidFill>
+                <a:latin typeface="Consolas" panose="020B0609020204030204" pitchFamily="49" charset="0"/>
+              </a:rPr>
+              <a:t>Exception</a:t>
+            </a:r>
+            <a:r>
+              <a:rPr lang="en-US" dirty="0">
+                <a:solidFill>
+                  <a:srgbClr val="000000"/>
+                </a:solidFill>
+                <a:latin typeface="Consolas" panose="020B0609020204030204" pitchFamily="49" charset="0"/>
+              </a:rPr>
+              <a:t> </a:t>
+            </a:r>
+            <a:r>
+              <a:rPr lang="en-US" dirty="0">
+                <a:solidFill>
+                  <a:srgbClr val="001080"/>
+                </a:solidFill>
+                <a:latin typeface="Consolas" panose="020B0609020204030204" pitchFamily="49" charset="0"/>
+              </a:rPr>
+              <a:t>ex</a:t>
+            </a:r>
+            <a:r>
+              <a:rPr lang="en-US" dirty="0">
+                <a:solidFill>
+                  <a:srgbClr val="000000"/>
+                </a:solidFill>
+                <a:latin typeface="Consolas" panose="020B0609020204030204" pitchFamily="49" charset="0"/>
+              </a:rPr>
+              <a:t>) {</a:t>
+            </a:r>
+          </a:p>
+          <a:p>
+            <a:pPr>
+              <a:spcBef>
+                <a:spcPts val="400"/>
+              </a:spcBef>
+              <a:spcAft>
+                <a:spcPts val="400"/>
+              </a:spcAft>
+            </a:pPr>
+            <a:r>
+              <a:rPr lang="en-US" dirty="0">
+                <a:solidFill>
+                  <a:srgbClr val="001080"/>
+                </a:solidFill>
+                <a:latin typeface="Consolas" panose="020B0609020204030204" pitchFamily="49" charset="0"/>
+              </a:rPr>
+              <a:t>      _</a:t>
+            </a:r>
+            <a:r>
+              <a:rPr lang="en-US" dirty="0" err="1">
+                <a:solidFill>
+                  <a:srgbClr val="001080"/>
+                </a:solidFill>
+                <a:latin typeface="Consolas" panose="020B0609020204030204" pitchFamily="49" charset="0"/>
+              </a:rPr>
+              <a:t>logger</a:t>
+            </a:r>
+            <a:r>
+              <a:rPr lang="en-US" dirty="0" err="1">
+                <a:solidFill>
+                  <a:srgbClr val="000000"/>
+                </a:solidFill>
+                <a:latin typeface="Consolas" panose="020B0609020204030204" pitchFamily="49" charset="0"/>
+              </a:rPr>
+              <a:t>.</a:t>
+            </a:r>
+            <a:r>
+              <a:rPr lang="en-US" dirty="0" err="1">
+                <a:solidFill>
+                  <a:srgbClr val="795E26"/>
+                </a:solidFill>
+                <a:latin typeface="Consolas" panose="020B0609020204030204" pitchFamily="49" charset="0"/>
+              </a:rPr>
+              <a:t>Error</a:t>
+            </a:r>
+            <a:r>
+              <a:rPr lang="en-US" dirty="0">
+                <a:solidFill>
+                  <a:srgbClr val="000000"/>
+                </a:solidFill>
+                <a:latin typeface="Consolas" panose="020B0609020204030204" pitchFamily="49" charset="0"/>
+              </a:rPr>
+              <a:t>(</a:t>
+            </a:r>
+            <a:r>
+              <a:rPr lang="en-US" dirty="0">
+                <a:solidFill>
+                  <a:srgbClr val="A31515"/>
+                </a:solidFill>
+                <a:latin typeface="Consolas" panose="020B0609020204030204" pitchFamily="49" charset="0"/>
+              </a:rPr>
+              <a:t>"Oh no!"</a:t>
+            </a:r>
+            <a:r>
+              <a:rPr lang="en-US" dirty="0">
+                <a:solidFill>
+                  <a:srgbClr val="000000"/>
+                </a:solidFill>
+                <a:latin typeface="Consolas" panose="020B0609020204030204" pitchFamily="49" charset="0"/>
+              </a:rPr>
+              <a:t>, </a:t>
+            </a:r>
+            <a:r>
+              <a:rPr lang="en-US" dirty="0">
+                <a:solidFill>
+                  <a:srgbClr val="001080"/>
+                </a:solidFill>
+                <a:latin typeface="Consolas" panose="020B0609020204030204" pitchFamily="49" charset="0"/>
+              </a:rPr>
+              <a:t>ex</a:t>
+            </a:r>
+            <a:r>
+              <a:rPr lang="en-US" dirty="0">
+                <a:solidFill>
+                  <a:srgbClr val="000000"/>
+                </a:solidFill>
+                <a:latin typeface="Consolas" panose="020B0609020204030204" pitchFamily="49" charset="0"/>
+              </a:rPr>
+              <a:t>);</a:t>
+            </a:r>
+          </a:p>
+          <a:p>
+            <a:pPr>
+              <a:spcBef>
+                <a:spcPts val="400"/>
+              </a:spcBef>
+              <a:spcAft>
+                <a:spcPts val="400"/>
+              </a:spcAft>
+            </a:pPr>
+            <a:r>
+              <a:rPr lang="en-US" dirty="0">
+                <a:solidFill>
+                  <a:srgbClr val="001080"/>
+                </a:solidFill>
+                <a:latin typeface="Consolas" panose="020B0609020204030204" pitchFamily="49" charset="0"/>
+              </a:rPr>
+              <a:t>      </a:t>
+            </a:r>
+            <a:r>
+              <a:rPr lang="en-US" dirty="0" err="1">
+                <a:solidFill>
+                  <a:srgbClr val="001080"/>
+                </a:solidFill>
+                <a:latin typeface="Consolas" panose="020B0609020204030204" pitchFamily="49" charset="0"/>
+              </a:rPr>
+              <a:t>retryCount</a:t>
+            </a:r>
+            <a:r>
+              <a:rPr lang="en-US" dirty="0">
+                <a:solidFill>
+                  <a:srgbClr val="000000"/>
+                </a:solidFill>
+                <a:latin typeface="Consolas" panose="020B0609020204030204" pitchFamily="49" charset="0"/>
+              </a:rPr>
+              <a:t>++;</a:t>
+            </a:r>
+          </a:p>
+          <a:p>
+            <a:pPr>
+              <a:spcBef>
+                <a:spcPts val="400"/>
+              </a:spcBef>
+              <a:spcAft>
+                <a:spcPts val="400"/>
+              </a:spcAft>
+            </a:pPr>
+            <a:r>
+              <a:rPr lang="en-US" dirty="0">
+                <a:solidFill>
+                  <a:srgbClr val="001080"/>
+                </a:solidFill>
+                <a:latin typeface="Consolas" panose="020B0609020204030204" pitchFamily="49" charset="0"/>
+              </a:rPr>
+              <a:t>      </a:t>
+            </a:r>
+            <a:r>
+              <a:rPr lang="en-US" dirty="0" err="1">
+                <a:solidFill>
+                  <a:srgbClr val="001080"/>
+                </a:solidFill>
+                <a:latin typeface="Consolas" panose="020B0609020204030204" pitchFamily="49" charset="0"/>
+              </a:rPr>
+              <a:t>Curcuit</a:t>
+            </a:r>
+            <a:r>
+              <a:rPr lang="en-US" dirty="0" err="1">
+                <a:solidFill>
+                  <a:srgbClr val="000000"/>
+                </a:solidFill>
+                <a:latin typeface="Consolas" panose="020B0609020204030204" pitchFamily="49" charset="0"/>
+              </a:rPr>
+              <a:t>.</a:t>
+            </a:r>
+            <a:r>
+              <a:rPr lang="en-US" dirty="0" err="1">
+                <a:solidFill>
+                  <a:srgbClr val="001080"/>
+                </a:solidFill>
+                <a:latin typeface="Consolas" panose="020B0609020204030204" pitchFamily="49" charset="0"/>
+              </a:rPr>
+              <a:t>FailureCount</a:t>
+            </a:r>
+            <a:r>
+              <a:rPr lang="en-US" dirty="0">
+                <a:solidFill>
+                  <a:srgbClr val="000000"/>
+                </a:solidFill>
+                <a:latin typeface="Consolas" panose="020B0609020204030204" pitchFamily="49" charset="0"/>
+              </a:rPr>
+              <a:t>++;</a:t>
+            </a:r>
+          </a:p>
+          <a:p>
+            <a:pPr>
+              <a:spcBef>
+                <a:spcPts val="400"/>
+              </a:spcBef>
+              <a:spcAft>
+                <a:spcPts val="400"/>
+              </a:spcAft>
+            </a:pPr>
+            <a:r>
+              <a:rPr lang="en-US" dirty="0">
+                <a:solidFill>
+                  <a:srgbClr val="001080"/>
+                </a:solidFill>
+                <a:latin typeface="Consolas" panose="020B0609020204030204" pitchFamily="49" charset="0"/>
+              </a:rPr>
+              <a:t>      </a:t>
+            </a:r>
+            <a:r>
+              <a:rPr lang="en-US" dirty="0" err="1">
+                <a:solidFill>
+                  <a:srgbClr val="001080"/>
+                </a:solidFill>
+                <a:latin typeface="Consolas" panose="020B0609020204030204" pitchFamily="49" charset="0"/>
+              </a:rPr>
+              <a:t>thread</a:t>
+            </a:r>
+            <a:r>
+              <a:rPr lang="en-US" dirty="0" err="1">
+                <a:solidFill>
+                  <a:srgbClr val="000000"/>
+                </a:solidFill>
+                <a:latin typeface="Consolas" panose="020B0609020204030204" pitchFamily="49" charset="0"/>
+              </a:rPr>
+              <a:t>.</a:t>
+            </a:r>
+            <a:r>
+              <a:rPr lang="en-US" dirty="0" err="1">
+                <a:solidFill>
+                  <a:srgbClr val="795E26"/>
+                </a:solidFill>
+                <a:latin typeface="Consolas" panose="020B0609020204030204" pitchFamily="49" charset="0"/>
+              </a:rPr>
+              <a:t>Sleep</a:t>
+            </a:r>
+            <a:r>
+              <a:rPr lang="en-US" dirty="0">
+                <a:solidFill>
+                  <a:srgbClr val="000000"/>
+                </a:solidFill>
+                <a:latin typeface="Consolas" panose="020B0609020204030204" pitchFamily="49" charset="0"/>
+              </a:rPr>
+              <a:t>(</a:t>
+            </a:r>
+            <a:r>
+              <a:rPr lang="en-US" dirty="0">
+                <a:solidFill>
+                  <a:srgbClr val="09885A"/>
+                </a:solidFill>
+                <a:latin typeface="Consolas" panose="020B0609020204030204" pitchFamily="49" charset="0"/>
+              </a:rPr>
+              <a:t>100</a:t>
+            </a:r>
+            <a:r>
+              <a:rPr lang="en-US" dirty="0">
+                <a:solidFill>
+                  <a:srgbClr val="000000"/>
+                </a:solidFill>
+                <a:latin typeface="Consolas" panose="020B0609020204030204" pitchFamily="49" charset="0"/>
+              </a:rPr>
+              <a:t>); </a:t>
+            </a:r>
+            <a:r>
+              <a:rPr lang="en-US" dirty="0">
+                <a:solidFill>
+                  <a:srgbClr val="008000"/>
+                </a:solidFill>
+                <a:latin typeface="Consolas" panose="020B0609020204030204" pitchFamily="49" charset="0"/>
+              </a:rPr>
+              <a:t>// sleep for 100ms</a:t>
+            </a:r>
+            <a:endParaRPr lang="en-US" dirty="0">
+              <a:solidFill>
+                <a:srgbClr val="000000"/>
+              </a:solidFill>
+              <a:latin typeface="Consolas" panose="020B0609020204030204" pitchFamily="49" charset="0"/>
+            </a:endParaRPr>
+          </a:p>
+          <a:p>
+            <a:pPr>
+              <a:spcBef>
+                <a:spcPts val="400"/>
+              </a:spcBef>
+              <a:spcAft>
+                <a:spcPts val="400"/>
+              </a:spcAft>
+            </a:pPr>
+            <a:r>
+              <a:rPr lang="en-US" dirty="0">
+                <a:solidFill>
+                  <a:srgbClr val="000000"/>
+                </a:solidFill>
+                <a:latin typeface="Consolas" panose="020B0609020204030204" pitchFamily="49" charset="0"/>
+              </a:rPr>
+              <a:t>    }</a:t>
+            </a:r>
+          </a:p>
+          <a:p>
+            <a:pPr>
+              <a:spcBef>
+                <a:spcPts val="400"/>
+              </a:spcBef>
+              <a:spcAft>
+                <a:spcPts val="400"/>
+              </a:spcAft>
+            </a:pPr>
+            <a:r>
+              <a:rPr lang="en-US" dirty="0">
+                <a:solidFill>
+                  <a:srgbClr val="000000"/>
+                </a:solidFill>
+                <a:latin typeface="Consolas" panose="020B0609020204030204" pitchFamily="49" charset="0"/>
+              </a:rPr>
+              <a:t>  }</a:t>
+            </a:r>
+          </a:p>
+          <a:p>
+            <a:pPr>
+              <a:spcBef>
+                <a:spcPts val="400"/>
+              </a:spcBef>
+              <a:spcAft>
+                <a:spcPts val="400"/>
+              </a:spcAft>
+            </a:pPr>
+            <a:r>
+              <a:rPr lang="en-US" dirty="0">
+                <a:solidFill>
+                  <a:srgbClr val="000000"/>
+                </a:solidFill>
+                <a:latin typeface="Consolas" panose="020B0609020204030204" pitchFamily="49" charset="0"/>
+              </a:rPr>
+              <a:t>}</a:t>
+            </a:r>
+          </a:p>
+        </p:txBody>
+      </p:sp>
+      <p:sp>
+        <p:nvSpPr>
+          <p:cNvPr id="5" name="Footer Placeholder 4">
             <a:extLst>
               <a:ext uri="{FF2B5EF4-FFF2-40B4-BE49-F238E27FC236}">
-                <a16:creationId xmlns:a16="http://schemas.microsoft.com/office/drawing/2014/main" id="{8DB01707-52BE-4B64-B240-8037AEA3C023}"/>
+                <a16:creationId xmlns:a16="http://schemas.microsoft.com/office/drawing/2014/main" id="{722B036C-DED6-47FE-8EB7-0786C16BCCC0}"/>
               </a:ext>
             </a:extLst>
           </p:cNvPr>
@@ -11817,10 +12036,66 @@
           </a:p>
         </p:txBody>
       </p:sp>
+      <p:sp>
+        <p:nvSpPr>
+          <p:cNvPr id="6" name="Content Placeholder 3">
+            <a:extLst>
+              <a:ext uri="{FF2B5EF4-FFF2-40B4-BE49-F238E27FC236}">
+                <a16:creationId xmlns:a16="http://schemas.microsoft.com/office/drawing/2014/main" id="{1E9688ED-6530-906A-E2F5-CE71CB00C036}"/>
+              </a:ext>
+            </a:extLst>
+          </p:cNvPr>
+          <p:cNvSpPr>
+            <a:spLocks noGrp="1"/>
+          </p:cNvSpPr>
+          <p:nvPr>
+            <p:ph sz="half" idx="2"/>
+          </p:nvPr>
+        </p:nvSpPr>
+        <p:spPr>
+          <a:xfrm>
+            <a:off x="7048870" y="1845735"/>
+            <a:ext cx="4866736" cy="4023360"/>
+          </a:xfrm>
+        </p:spPr>
+        <p:txBody>
+          <a:bodyPr>
+            <a:normAutofit/>
+          </a:bodyPr>
+          <a:lstStyle/>
+          <a:p>
+            <a:r>
+              <a:rPr lang="en-US" dirty="0"/>
+              <a:t>Not Readable.</a:t>
+            </a:r>
+          </a:p>
+          <a:p>
+            <a:r>
+              <a:rPr lang="en-US" dirty="0"/>
+              <a:t>Not Reusable.</a:t>
+            </a:r>
+          </a:p>
+          <a:p>
+            <a:r>
+              <a:rPr lang="en-US" dirty="0"/>
+              <a:t>Hard to Test.</a:t>
+            </a:r>
+          </a:p>
+          <a:p>
+            <a:r>
+              <a:rPr lang="en-US" dirty="0"/>
+              <a:t>Hard to Maintain.</a:t>
+            </a:r>
+          </a:p>
+          <a:p>
+            <a:endParaRPr lang="en-US" dirty="0"/>
+          </a:p>
+        </p:txBody>
+      </p:sp>
     </p:spTree>
     <p:extLst>
       <p:ext uri="{BB962C8B-B14F-4D97-AF65-F5344CB8AC3E}">
-        <p14:creationId xmlns:p14="http://schemas.microsoft.com/office/powerpoint/2010/main" val="3602407614"/>
+        <p14:creationId xmlns:p14="http://schemas.microsoft.com/office/powerpoint/2010/main" val="1979064315"/>
       </p:ext>
     </p:extLst>
   </p:cSld>
@@ -11852,6 +12127,128 @@
           <p:cNvPr id="2" name="Title 1">
             <a:extLst>
               <a:ext uri="{FF2B5EF4-FFF2-40B4-BE49-F238E27FC236}">
+                <a16:creationId xmlns:a16="http://schemas.microsoft.com/office/drawing/2014/main" id="{1D77E6A0-E606-47DE-A253-9DDF4D697866}"/>
+              </a:ext>
+            </a:extLst>
+          </p:cNvPr>
+          <p:cNvSpPr>
+            <a:spLocks noGrp="1"/>
+          </p:cNvSpPr>
+          <p:nvPr>
+            <p:ph type="title"/>
+          </p:nvPr>
+        </p:nvSpPr>
+        <p:spPr/>
+        <p:txBody>
+          <a:bodyPr/>
+          <a:lstStyle/>
+          <a:p>
+            <a:r>
+              <a:rPr lang="en-US" dirty="0"/>
+              <a:t>Demo</a:t>
+            </a:r>
+          </a:p>
+        </p:txBody>
+      </p:sp>
+      <p:sp>
+        <p:nvSpPr>
+          <p:cNvPr id="3" name="Text Placeholder 2">
+            <a:extLst>
+              <a:ext uri="{FF2B5EF4-FFF2-40B4-BE49-F238E27FC236}">
+                <a16:creationId xmlns:a16="http://schemas.microsoft.com/office/drawing/2014/main" id="{8B3F3557-413F-4D22-B06B-A4C778E88F9F}"/>
+              </a:ext>
+            </a:extLst>
+          </p:cNvPr>
+          <p:cNvSpPr>
+            <a:spLocks noGrp="1"/>
+          </p:cNvSpPr>
+          <p:nvPr>
+            <p:ph type="body" idx="1"/>
+          </p:nvPr>
+        </p:nvSpPr>
+        <p:spPr/>
+        <p:txBody>
+          <a:bodyPr/>
+          <a:lstStyle/>
+          <a:p>
+            <a:r>
+              <a:rPr lang="en-US" dirty="0"/>
+              <a:t>Along Came </a:t>
+            </a:r>
+            <a:r>
+              <a:rPr lang="en-US" dirty="0" err="1"/>
+              <a:t>polly</a:t>
+            </a:r>
+            <a:r>
+              <a:rPr lang="en-US" dirty="0"/>
+              <a:t>!</a:t>
+            </a:r>
+          </a:p>
+        </p:txBody>
+      </p:sp>
+      <p:sp>
+        <p:nvSpPr>
+          <p:cNvPr id="4" name="Footer Placeholder 3">
+            <a:extLst>
+              <a:ext uri="{FF2B5EF4-FFF2-40B4-BE49-F238E27FC236}">
+                <a16:creationId xmlns:a16="http://schemas.microsoft.com/office/drawing/2014/main" id="{8DB01707-52BE-4B64-B240-8037AEA3C023}"/>
+              </a:ext>
+            </a:extLst>
+          </p:cNvPr>
+          <p:cNvSpPr>
+            <a:spLocks noGrp="1"/>
+          </p:cNvSpPr>
+          <p:nvPr>
+            <p:ph type="ftr" sz="quarter" idx="11"/>
+          </p:nvPr>
+        </p:nvSpPr>
+        <p:spPr/>
+        <p:txBody>
+          <a:bodyPr/>
+          <a:lstStyle/>
+          <a:p>
+            <a:r>
+              <a:rPr lang="en-US"/>
+              <a:t>https://github.com/joegardnr/ResilientFaultTolerance</a:t>
+            </a:r>
+          </a:p>
+        </p:txBody>
+      </p:sp>
+    </p:spTree>
+    <p:extLst>
+      <p:ext uri="{BB962C8B-B14F-4D97-AF65-F5344CB8AC3E}">
+        <p14:creationId xmlns:p14="http://schemas.microsoft.com/office/powerpoint/2010/main" val="3602407614"/>
+      </p:ext>
+    </p:extLst>
+  </p:cSld>
+  <p:clrMapOvr>
+    <a:masterClrMapping/>
+  </p:clrMapOvr>
+</p:sld>
+</file>
+
+<file path=ppt/slides/slide8.xml><?xml version="1.0" encoding="utf-8"?>
+<p:sld xmlns:a="http://schemas.openxmlformats.org/drawingml/2006/main" xmlns:r="http://schemas.openxmlformats.org/officeDocument/2006/relationships" xmlns:p="http://schemas.openxmlformats.org/presentationml/2006/main">
+  <p:cSld>
+    <p:spTree>
+      <p:nvGrpSpPr>
+        <p:cNvPr id="1" name=""/>
+        <p:cNvGrpSpPr/>
+        <p:nvPr/>
+      </p:nvGrpSpPr>
+      <p:grpSpPr>
+        <a:xfrm>
+          <a:off x="0" y="0"/>
+          <a:ext cx="0" cy="0"/>
+          <a:chOff x="0" y="0"/>
+          <a:chExt cx="0" cy="0"/>
+        </a:xfrm>
+      </p:grpSpPr>
+      <p:sp>
+        <p:nvSpPr>
+          <p:cNvPr id="2" name="Title 1">
+            <a:extLst>
+              <a:ext uri="{FF2B5EF4-FFF2-40B4-BE49-F238E27FC236}">
                 <a16:creationId xmlns:a16="http://schemas.microsoft.com/office/drawing/2014/main" id="{B5F9CFF6-E634-4434-A0A5-1710389BA754}"/>
               </a:ext>
             </a:extLst>
@@ -11951,7 +12348,7 @@
             </a:r>
             <a:r>
               <a:rPr lang="en-US" dirty="0"/>
-              <a:t> in a fluent and thread-safe manner. Polly targets .NET 4.0, .NET 4.5 and .NET Standard 1.1</a:t>
+              <a:t> in a fluent and thread-safe manner. Polly targets .NET 4.6.1/4.7.2 and .NET Standard 1.1/2.0</a:t>
             </a:r>
           </a:p>
           <a:p>
@@ -12309,149 +12706,6 @@
 </p:sld>
 </file>
 
-<file path=ppt/slides/slide8.xml><?xml version="1.0" encoding="utf-8"?>
-<p:sld xmlns:a="http://schemas.openxmlformats.org/drawingml/2006/main" xmlns:r="http://schemas.openxmlformats.org/officeDocument/2006/relationships" xmlns:p="http://schemas.openxmlformats.org/presentationml/2006/main">
-  <p:cSld>
-    <p:spTree>
-      <p:nvGrpSpPr>
-        <p:cNvPr id="1" name=""/>
-        <p:cNvGrpSpPr/>
-        <p:nvPr/>
-      </p:nvGrpSpPr>
-      <p:grpSpPr>
-        <a:xfrm>
-          <a:off x="0" y="0"/>
-          <a:ext cx="0" cy="0"/>
-          <a:chOff x="0" y="0"/>
-          <a:chExt cx="0" cy="0"/>
-        </a:xfrm>
-      </p:grpSpPr>
-      <p:sp>
-        <p:nvSpPr>
-          <p:cNvPr id="2" name="Title 1">
-            <a:extLst>
-              <a:ext uri="{FF2B5EF4-FFF2-40B4-BE49-F238E27FC236}">
-                <a16:creationId xmlns:a16="http://schemas.microsoft.com/office/drawing/2014/main" id="{FF5C1286-47FF-413C-9D4F-0765731A5F5B}"/>
-              </a:ext>
-            </a:extLst>
-          </p:cNvPr>
-          <p:cNvSpPr>
-            <a:spLocks noGrp="1"/>
-          </p:cNvSpPr>
-          <p:nvPr>
-            <p:ph type="title"/>
-          </p:nvPr>
-        </p:nvSpPr>
-        <p:spPr/>
-        <p:txBody>
-          <a:bodyPr/>
-          <a:lstStyle/>
-          <a:p>
-            <a:r>
-              <a:rPr lang="en-US" dirty="0"/>
-              <a:t>Assumptions</a:t>
-            </a:r>
-          </a:p>
-        </p:txBody>
-      </p:sp>
-      <p:sp>
-        <p:nvSpPr>
-          <p:cNvPr id="3" name="Content Placeholder 2">
-            <a:extLst>
-              <a:ext uri="{FF2B5EF4-FFF2-40B4-BE49-F238E27FC236}">
-                <a16:creationId xmlns:a16="http://schemas.microsoft.com/office/drawing/2014/main" id="{1D735248-8893-40BF-BE12-1D875E1FD6CC}"/>
-              </a:ext>
-            </a:extLst>
-          </p:cNvPr>
-          <p:cNvSpPr>
-            <a:spLocks noGrp="1"/>
-          </p:cNvSpPr>
-          <p:nvPr>
-            <p:ph idx="1"/>
-          </p:nvPr>
-        </p:nvSpPr>
-        <p:spPr/>
-        <p:txBody>
-          <a:bodyPr/>
-          <a:lstStyle/>
-          <a:p>
-            <a:r>
-              <a:rPr lang="en-US" sz="3200" dirty="0"/>
-              <a:t>The Errors are coming from external resources </a:t>
-            </a:r>
-          </a:p>
-          <a:p>
-            <a:pPr lvl="1"/>
-            <a:r>
-              <a:rPr lang="en-US" sz="2800" dirty="0"/>
-              <a:t>(Network, Database, File System, Other Services)</a:t>
-            </a:r>
-          </a:p>
-          <a:p>
-            <a:r>
-              <a:rPr lang="en-US" sz="3200" dirty="0"/>
-              <a:t>The Errors are probably Transient and relatively short lived.</a:t>
-            </a:r>
-          </a:p>
-          <a:p>
-            <a:r>
-              <a:rPr lang="en-US" sz="3200" dirty="0"/>
-              <a:t>The Errors are probably not the fault of the calling service.</a:t>
-            </a:r>
-          </a:p>
-          <a:p>
-            <a:pPr lvl="1"/>
-            <a:r>
-              <a:rPr lang="en-US" sz="2800" dirty="0"/>
-              <a:t>(Don’t use Polly to mask Bugs in your code.)</a:t>
-            </a:r>
-          </a:p>
-          <a:p>
-            <a:endParaRPr lang="en-US" dirty="0"/>
-          </a:p>
-        </p:txBody>
-      </p:sp>
-      <p:sp>
-        <p:nvSpPr>
-          <p:cNvPr id="4" name="Footer Placeholder 3">
-            <a:extLst>
-              <a:ext uri="{FF2B5EF4-FFF2-40B4-BE49-F238E27FC236}">
-                <a16:creationId xmlns:a16="http://schemas.microsoft.com/office/drawing/2014/main" id="{8C5497FB-A712-48C8-B470-2AFFABF4C418}"/>
-              </a:ext>
-            </a:extLst>
-          </p:cNvPr>
-          <p:cNvSpPr>
-            <a:spLocks noGrp="1"/>
-          </p:cNvSpPr>
-          <p:nvPr>
-            <p:ph type="ftr" sz="quarter" idx="11"/>
-          </p:nvPr>
-        </p:nvSpPr>
-        <p:spPr/>
-        <p:txBody>
-          <a:bodyPr/>
-          <a:lstStyle/>
-          <a:p>
-            <a:r>
-              <a:rPr lang="en-US"/>
-              <a:t>https://github.com/joegardnr/ResilientFaultTolerance</a:t>
-            </a:r>
-          </a:p>
-        </p:txBody>
-      </p:sp>
-    </p:spTree>
-    <p:extLst>
-      <p:ext uri="{BB962C8B-B14F-4D97-AF65-F5344CB8AC3E}">
-        <p14:creationId xmlns:p14="http://schemas.microsoft.com/office/powerpoint/2010/main" val="1730712434"/>
-      </p:ext>
-    </p:extLst>
-  </p:cSld>
-  <p:clrMapOvr>
-    <a:masterClrMapping/>
-  </p:clrMapOvr>
-</p:sld>
-</file>
-
 <file path=ppt/slides/slide9.xml><?xml version="1.0" encoding="utf-8"?>
 <p:sld xmlns:a="http://schemas.openxmlformats.org/drawingml/2006/main" xmlns:r="http://schemas.openxmlformats.org/officeDocument/2006/relationships" xmlns:p="http://schemas.openxmlformats.org/presentationml/2006/main">
   <p:cSld>
@@ -12474,7 +12728,7 @@
           <p:cNvPr id="2" name="Title 1">
             <a:extLst>
               <a:ext uri="{FF2B5EF4-FFF2-40B4-BE49-F238E27FC236}">
-                <a16:creationId xmlns:a16="http://schemas.microsoft.com/office/drawing/2014/main" id="{BAB0F071-523B-428C-8A4B-A5F88FA4971C}"/>
+                <a16:creationId xmlns:a16="http://schemas.microsoft.com/office/drawing/2014/main" id="{FF5C1286-47FF-413C-9D4F-0765731A5F5B}"/>
               </a:ext>
             </a:extLst>
           </p:cNvPr>
@@ -12492,17 +12746,17 @@
           <a:p>
             <a:r>
               <a:rPr lang="en-US" dirty="0"/>
-              <a:t>Demo</a:t>
-            </a:r>
-          </a:p>
-        </p:txBody>
-      </p:sp>
-      <p:sp>
-        <p:nvSpPr>
-          <p:cNvPr id="3" name="Text Placeholder 2">
+              <a:t>Assumptions</a:t>
+            </a:r>
+          </a:p>
+        </p:txBody>
+      </p:sp>
+      <p:sp>
+        <p:nvSpPr>
+          <p:cNvPr id="3" name="Content Placeholder 2">
             <a:extLst>
               <a:ext uri="{FF2B5EF4-FFF2-40B4-BE49-F238E27FC236}">
-                <a16:creationId xmlns:a16="http://schemas.microsoft.com/office/drawing/2014/main" id="{C2D02A7C-C537-402E-832B-7BBCEB56EF0F}"/>
+                <a16:creationId xmlns:a16="http://schemas.microsoft.com/office/drawing/2014/main" id="{1D735248-8893-40BF-BE12-1D875E1FD6CC}"/>
               </a:ext>
             </a:extLst>
           </p:cNvPr>
@@ -12510,7 +12764,7 @@
             <a:spLocks noGrp="1"/>
           </p:cNvSpPr>
           <p:nvPr>
-            <p:ph type="body" idx="1"/>
+            <p:ph idx="1"/>
           </p:nvPr>
         </p:nvSpPr>
         <p:spPr/>
@@ -12519,9 +12773,38 @@
           <a:lstStyle/>
           <a:p>
             <a:r>
-              <a:rPr lang="en-US" dirty="0"/>
-              <a:t>If at First you Don’t Succeed, try Again!</a:t>
-            </a:r>
+              <a:rPr lang="en-US" sz="3200" dirty="0"/>
+              <a:t>The Errors are coming from external resources </a:t>
+            </a:r>
+          </a:p>
+          <a:p>
+            <a:pPr lvl="1"/>
+            <a:r>
+              <a:rPr lang="en-US" sz="2800" dirty="0"/>
+              <a:t>(Network, Database, File System, Other Services)</a:t>
+            </a:r>
+          </a:p>
+          <a:p>
+            <a:r>
+              <a:rPr lang="en-US" sz="3200" dirty="0"/>
+              <a:t>The Errors are probably Transient and relatively short lived.</a:t>
+            </a:r>
+          </a:p>
+          <a:p>
+            <a:r>
+              <a:rPr lang="en-US" sz="3200" dirty="0"/>
+              <a:t>The Errors are probably not the fault of the calling service.</a:t>
+            </a:r>
+          </a:p>
+          <a:p>
+            <a:pPr lvl="1"/>
+            <a:r>
+              <a:rPr lang="en-US" sz="2800" dirty="0"/>
+              <a:t>(Don’t use Polly to mask Bugs in your code.)</a:t>
+            </a:r>
+          </a:p>
+          <a:p>
+            <a:endParaRPr lang="en-US" dirty="0"/>
           </a:p>
         </p:txBody>
       </p:sp>
@@ -12530,7 +12813,7 @@
           <p:cNvPr id="4" name="Footer Placeholder 3">
             <a:extLst>
               <a:ext uri="{FF2B5EF4-FFF2-40B4-BE49-F238E27FC236}">
-                <a16:creationId xmlns:a16="http://schemas.microsoft.com/office/drawing/2014/main" id="{D861D797-C080-4DFB-9411-85A9AB181B39}"/>
+                <a16:creationId xmlns:a16="http://schemas.microsoft.com/office/drawing/2014/main" id="{8C5497FB-A712-48C8-B470-2AFFABF4C418}"/>
               </a:ext>
             </a:extLst>
           </p:cNvPr>
@@ -12556,7 +12839,7 @@
     </p:spTree>
     <p:extLst>
       <p:ext uri="{BB962C8B-B14F-4D97-AF65-F5344CB8AC3E}">
-        <p14:creationId xmlns:p14="http://schemas.microsoft.com/office/powerpoint/2010/main" val="3521323831"/>
+        <p14:creationId xmlns:p14="http://schemas.microsoft.com/office/powerpoint/2010/main" val="1730712434"/>
       </p:ext>
     </p:extLst>
   </p:cSld>
